--- a/data/process.pptx
+++ b/data/process.pptx
@@ -6,6 +6,7 @@
   </p:sldMasterIdLst>
   <p:sldIdLst>
     <p:sldId id="256" r:id="rId2"/>
+    <p:sldId id="257" r:id="rId3"/>
   </p:sldIdLst>
   <p:sldSz cx="12192000" cy="6858000"/>
   <p:notesSz cx="6858000" cy="9144000"/>
@@ -104,6 +105,11 @@
       </a:defRPr>
     </a:lvl9pPr>
   </p:defaultTextStyle>
+  <p:extLst>
+    <p:ext uri="{EFAFB233-063F-42B5-8137-9DF3F51BA10A}">
+      <p15:sldGuideLst xmlns:p15="http://schemas.microsoft.com/office/powerpoint/2012/main"/>
+    </p:ext>
+  </p:extLst>
 </p:presentation>
 </file>
 
@@ -254,7 +260,7 @@
           <a:p>
             <a:fld id="{E992569B-202C-4FD8-B783-901FE4087DE5}" type="datetimeFigureOut">
               <a:rPr lang="en-US" smtClean="0"/>
-              <a:t>8/17/2018</a:t>
+              <a:t>8/20/2018</a:t>
             </a:fld>
             <a:endParaRPr lang="en-US"/>
           </a:p>
@@ -452,7 +458,7 @@
           <a:p>
             <a:fld id="{E992569B-202C-4FD8-B783-901FE4087DE5}" type="datetimeFigureOut">
               <a:rPr lang="en-US" smtClean="0"/>
-              <a:t>8/17/2018</a:t>
+              <a:t>8/20/2018</a:t>
             </a:fld>
             <a:endParaRPr lang="en-US"/>
           </a:p>
@@ -660,7 +666,7 @@
           <a:p>
             <a:fld id="{E992569B-202C-4FD8-B783-901FE4087DE5}" type="datetimeFigureOut">
               <a:rPr lang="en-US" smtClean="0"/>
-              <a:t>8/17/2018</a:t>
+              <a:t>8/20/2018</a:t>
             </a:fld>
             <a:endParaRPr lang="en-US"/>
           </a:p>
@@ -858,7 +864,7 @@
           <a:p>
             <a:fld id="{E992569B-202C-4FD8-B783-901FE4087DE5}" type="datetimeFigureOut">
               <a:rPr lang="en-US" smtClean="0"/>
-              <a:t>8/17/2018</a:t>
+              <a:t>8/20/2018</a:t>
             </a:fld>
             <a:endParaRPr lang="en-US"/>
           </a:p>
@@ -1133,7 +1139,7 @@
           <a:p>
             <a:fld id="{E992569B-202C-4FD8-B783-901FE4087DE5}" type="datetimeFigureOut">
               <a:rPr lang="en-US" smtClean="0"/>
-              <a:t>8/17/2018</a:t>
+              <a:t>8/20/2018</a:t>
             </a:fld>
             <a:endParaRPr lang="en-US"/>
           </a:p>
@@ -1398,7 +1404,7 @@
           <a:p>
             <a:fld id="{E992569B-202C-4FD8-B783-901FE4087DE5}" type="datetimeFigureOut">
               <a:rPr lang="en-US" smtClean="0"/>
-              <a:t>8/17/2018</a:t>
+              <a:t>8/20/2018</a:t>
             </a:fld>
             <a:endParaRPr lang="en-US"/>
           </a:p>
@@ -1810,7 +1816,7 @@
           <a:p>
             <a:fld id="{E992569B-202C-4FD8-B783-901FE4087DE5}" type="datetimeFigureOut">
               <a:rPr lang="en-US" smtClean="0"/>
-              <a:t>8/17/2018</a:t>
+              <a:t>8/20/2018</a:t>
             </a:fld>
             <a:endParaRPr lang="en-US"/>
           </a:p>
@@ -1951,7 +1957,7 @@
           <a:p>
             <a:fld id="{E992569B-202C-4FD8-B783-901FE4087DE5}" type="datetimeFigureOut">
               <a:rPr lang="en-US" smtClean="0"/>
-              <a:t>8/17/2018</a:t>
+              <a:t>8/20/2018</a:t>
             </a:fld>
             <a:endParaRPr lang="en-US"/>
           </a:p>
@@ -2064,7 +2070,7 @@
           <a:p>
             <a:fld id="{E992569B-202C-4FD8-B783-901FE4087DE5}" type="datetimeFigureOut">
               <a:rPr lang="en-US" smtClean="0"/>
-              <a:t>8/17/2018</a:t>
+              <a:t>8/20/2018</a:t>
             </a:fld>
             <a:endParaRPr lang="en-US"/>
           </a:p>
@@ -2375,7 +2381,7 @@
           <a:p>
             <a:fld id="{E992569B-202C-4FD8-B783-901FE4087DE5}" type="datetimeFigureOut">
               <a:rPr lang="en-US" smtClean="0"/>
-              <a:t>8/17/2018</a:t>
+              <a:t>8/20/2018</a:t>
             </a:fld>
             <a:endParaRPr lang="en-US"/>
           </a:p>
@@ -2663,7 +2669,7 @@
           <a:p>
             <a:fld id="{E992569B-202C-4FD8-B783-901FE4087DE5}" type="datetimeFigureOut">
               <a:rPr lang="en-US" smtClean="0"/>
-              <a:t>8/17/2018</a:t>
+              <a:t>8/20/2018</a:t>
             </a:fld>
             <a:endParaRPr lang="en-US"/>
           </a:p>
@@ -2904,7 +2910,7 @@
           <a:p>
             <a:fld id="{E992569B-202C-4FD8-B783-901FE4087DE5}" type="datetimeFigureOut">
               <a:rPr lang="en-US" smtClean="0"/>
-              <a:t>8/17/2018</a:t>
+              <a:t>8/20/2018</a:t>
             </a:fld>
             <a:endParaRPr lang="en-US"/>
           </a:p>
@@ -3558,15 +3564,15 @@
             <a:p>
               <a:pPr algn="ctr"/>
               <a:r>
-                <a:rPr lang="en-US" sz="1200" dirty="0"/>
+                <a:rPr lang="en-US" sz="1200" b="1" dirty="0"/>
                 <a:t>D</a:t>
               </a:r>
               <a:r>
-                <a:rPr lang="en-US" sz="1200" baseline="-25000" dirty="0"/>
+                <a:rPr lang="en-US" sz="1200" b="1" baseline="-25000" dirty="0"/>
                 <a:t>0</a:t>
               </a:r>
               <a:r>
-                <a:rPr lang="en-US" sz="1200" dirty="0"/>
+                <a:rPr lang="en-US" sz="1200" b="1" dirty="0"/>
                 <a:t> </a:t>
               </a:r>
             </a:p>
@@ -3743,11 +3749,11 @@
             <a:p>
               <a:pPr algn="ctr"/>
               <a:r>
-                <a:rPr lang="en-US" sz="1200" dirty="0"/>
+                <a:rPr lang="en-US" sz="1200" b="1" dirty="0"/>
                 <a:t>D</a:t>
               </a:r>
               <a:r>
-                <a:rPr lang="en-US" sz="1200" baseline="-25000" dirty="0"/>
+                <a:rPr lang="en-US" sz="1200" b="1" baseline="-25000" dirty="0"/>
                 <a:t>i</a:t>
               </a:r>
             </a:p>
@@ -4022,11 +4028,11 @@
             <a:p>
               <a:pPr algn="ctr"/>
               <a:r>
-                <a:rPr lang="en-US" sz="1200" dirty="0"/>
+                <a:rPr lang="en-US" sz="1200" b="1" dirty="0"/>
                 <a:t>A</a:t>
               </a:r>
               <a:r>
-                <a:rPr lang="en-US" sz="1200" baseline="-25000" dirty="0"/>
+                <a:rPr lang="en-US" sz="1200" b="1" baseline="-25000" dirty="0"/>
                 <a:t>0</a:t>
               </a:r>
             </a:p>
@@ -4314,14 +4320,29 @@
           </p:nvSpPr>
           <p:spPr>
             <a:xfrm>
-              <a:off x="1746975" y="1821426"/>
-              <a:ext cx="755904" cy="345757"/>
+              <a:off x="1746975" y="1830493"/>
+              <a:ext cx="507908" cy="280928"/>
             </a:xfrm>
             <a:prstGeom prst="rect">
               <a:avLst/>
             </a:prstGeom>
-            <a:noFill/>
           </p:spPr>
+          <p:style>
+            <a:lnRef idx="2">
+              <a:schemeClr val="dk1">
+                <a:shade val="50000"/>
+              </a:schemeClr>
+            </a:lnRef>
+            <a:fillRef idx="1">
+              <a:schemeClr val="dk1"/>
+            </a:fillRef>
+            <a:effectRef idx="0">
+              <a:schemeClr val="dk1"/>
+            </a:effectRef>
+            <a:fontRef idx="minor">
+              <a:schemeClr val="lt1"/>
+            </a:fontRef>
+          </p:style>
           <p:txBody>
             <a:bodyPr wrap="square" rtlCol="0">
               <a:spAutoFit/>
@@ -4329,10 +4350,10 @@
             <a:lstStyle/>
             <a:p>
               <a:r>
-                <a:rPr lang="en-US" sz="1000" dirty="0" err="1"/>
+                <a:rPr lang="en-US" sz="700" dirty="0" err="1"/>
                 <a:t>mul</a:t>
               </a:r>
-              <a:endParaRPr lang="en-US" sz="1000" dirty="0"/>
+              <a:endParaRPr lang="en-US" sz="700" dirty="0"/>
             </a:p>
           </p:txBody>
         </p:sp>
@@ -4486,11 +4507,11 @@
             <a:p>
               <a:pPr algn="ctr"/>
               <a:r>
-                <a:rPr lang="en-US" sz="1200" dirty="0"/>
+                <a:rPr lang="en-US" sz="1200" b="1" dirty="0"/>
                 <a:t>A</a:t>
               </a:r>
               <a:r>
-                <a:rPr lang="en-US" sz="1200" baseline="-25000" dirty="0"/>
+                <a:rPr lang="en-US" sz="1200" b="1" baseline="-25000" dirty="0"/>
                 <a:t>i</a:t>
               </a:r>
             </a:p>
@@ -4663,11 +4684,11 @@
           <a:p>
             <a:pPr algn="ctr"/>
             <a:r>
-              <a:rPr lang="en-US" sz="1200" dirty="0"/>
+              <a:rPr lang="en-US" sz="1200" b="1" dirty="0"/>
               <a:t>A</a:t>
             </a:r>
             <a:r>
-              <a:rPr lang="en-US" sz="1200" baseline="-25000" dirty="0"/>
+              <a:rPr lang="en-US" sz="1200" b="1" baseline="-25000" dirty="0"/>
               <a:t>(n-1)</a:t>
             </a:r>
           </a:p>
@@ -4852,19 +4873,19 @@
           <a:p>
             <a:pPr algn="ctr"/>
             <a:r>
-              <a:rPr lang="en-US" sz="1200" dirty="0"/>
+              <a:rPr lang="en-US" sz="1200" b="1" dirty="0"/>
               <a:t>A</a:t>
             </a:r>
             <a:r>
-              <a:rPr lang="en-US" sz="1200" baseline="30000" dirty="0"/>
+              <a:rPr lang="en-US" sz="1200" b="1" baseline="30000" dirty="0"/>
               <a:t>*</a:t>
             </a:r>
             <a:r>
-              <a:rPr lang="en-US" sz="1200" baseline="-25000" dirty="0"/>
+              <a:rPr lang="en-US" sz="1200" b="1" baseline="-25000" dirty="0"/>
               <a:t>(n-1) </a:t>
             </a:r>
             <a:r>
-              <a:rPr lang="en-US" sz="1200" dirty="0"/>
+              <a:rPr lang="en-US" sz="1200" b="1" dirty="0"/>
               <a:t>PRESOLVED</a:t>
             </a:r>
           </a:p>
@@ -5413,8 +5434,8 @@
           </a:fontRef>
         </p:style>
       </p:cxnSp>
-      <mc:AlternateContent xmlns:mc="http://schemas.openxmlformats.org/markup-compatibility/2006">
-        <mc:Choice xmlns:a14="http://schemas.microsoft.com/office/drawing/2010/main" Requires="a14">
+      <mc:AlternateContent xmlns:mc="http://schemas.openxmlformats.org/markup-compatibility/2006" xmlns:a14="http://schemas.microsoft.com/office/drawing/2010/main">
+        <mc:Choice Requires="a14">
           <p:sp>
             <p:nvSpPr>
               <p:cNvPr id="135" name="TextBox 134">
@@ -5443,6 +5464,7 @@
               </a:bodyPr>
               <a:lstStyle/>
               <a:p>
+                <a:pPr/>
                 <a14:m>
                   <m:oMathPara xmlns:m="http://schemas.openxmlformats.org/officeDocument/2006/math">
                     <m:oMathParaPr>
@@ -5573,7 +5595,7 @@
             </p:txBody>
           </p:sp>
         </mc:Choice>
-        <mc:Fallback>
+        <mc:Fallback xmlns="">
           <p:sp>
             <p:nvSpPr>
               <p:cNvPr id="135" name="TextBox 134">
@@ -5957,11 +5979,11 @@
           <a:p>
             <a:pPr algn="ctr"/>
             <a:r>
-              <a:rPr lang="en-US" sz="1200" dirty="0"/>
+              <a:rPr lang="en-US" sz="1200" b="1" dirty="0"/>
               <a:t>x</a:t>
             </a:r>
             <a:r>
-              <a:rPr lang="en-US" sz="1200" baseline="-25000" dirty="0"/>
+              <a:rPr lang="en-US" sz="1200" b="1" baseline="-25000" dirty="0"/>
               <a:t>0</a:t>
             </a:r>
           </a:p>
@@ -6278,8 +6300,8 @@
           </a:p>
         </p:txBody>
       </p:sp>
-      <mc:AlternateContent xmlns:mc="http://schemas.openxmlformats.org/markup-compatibility/2006">
-        <mc:Choice xmlns:a14="http://schemas.microsoft.com/office/drawing/2010/main" Requires="a14">
+      <mc:AlternateContent xmlns:mc="http://schemas.openxmlformats.org/markup-compatibility/2006" xmlns:a14="http://schemas.microsoft.com/office/drawing/2010/main">
+        <mc:Choice Requires="a14">
           <p:sp>
             <p:nvSpPr>
               <p:cNvPr id="192" name="TextBox 191">
@@ -6308,6 +6330,7 @@
               </a:bodyPr>
               <a:lstStyle/>
               <a:p>
+                <a:pPr/>
                 <a14:m>
                   <m:oMathPara xmlns:m="http://schemas.openxmlformats.org/officeDocument/2006/math">
                     <m:oMathParaPr>
@@ -6416,7 +6439,7 @@
             </p:txBody>
           </p:sp>
         </mc:Choice>
-        <mc:Fallback>
+        <mc:Fallback xmlns="">
           <p:sp>
             <p:nvSpPr>
               <p:cNvPr id="192" name="TextBox 191">
@@ -6504,11 +6527,11 @@
           <a:p>
             <a:pPr algn="ctr"/>
             <a:r>
-              <a:rPr lang="en-US" sz="1200" dirty="0"/>
+              <a:rPr lang="en-US" sz="1200" b="1" dirty="0"/>
               <a:t>x</a:t>
             </a:r>
             <a:r>
-              <a:rPr lang="en-US" sz="1200" baseline="-25000" dirty="0"/>
+              <a:rPr lang="en-US" sz="1200" b="1" baseline="-25000" dirty="0"/>
               <a:t>i</a:t>
             </a:r>
           </a:p>
@@ -6557,14 +6580,14 @@
           <a:p>
             <a:pPr algn="ctr"/>
             <a:r>
-              <a:rPr lang="en-US" sz="1200" dirty="0" err="1"/>
+              <a:rPr lang="en-US" sz="1200" b="1" dirty="0" err="1"/>
               <a:t>r</a:t>
             </a:r>
             <a:r>
-              <a:rPr lang="en-US" sz="1200" baseline="-25000" dirty="0" err="1"/>
+              <a:rPr lang="en-US" sz="1200" b="1" baseline="-25000" dirty="0" err="1"/>
               <a:t>i</a:t>
             </a:r>
-            <a:endParaRPr lang="en-US" sz="1200" baseline="-25000" dirty="0"/>
+            <a:endParaRPr lang="en-US" sz="1200" b="1" baseline="-25000" dirty="0"/>
           </a:p>
         </p:txBody>
       </p:sp>
@@ -7419,8 +7442,8 @@
           </a:fontRef>
         </p:style>
       </p:cxnSp>
-      <mc:AlternateContent xmlns:mc="http://schemas.openxmlformats.org/markup-compatibility/2006">
-        <mc:Choice xmlns:a14="http://schemas.microsoft.com/office/drawing/2010/main" Requires="a14">
+      <mc:AlternateContent xmlns:mc="http://schemas.openxmlformats.org/markup-compatibility/2006" xmlns:a14="http://schemas.microsoft.com/office/drawing/2010/main">
+        <mc:Choice Requires="a14">
           <p:sp>
             <p:nvSpPr>
               <p:cNvPr id="262" name="TextBox 261">
@@ -7449,6 +7472,7 @@
               </a:bodyPr>
               <a:lstStyle/>
               <a:p>
+                <a:pPr/>
                 <a14:m>
                   <m:oMathPara xmlns:m="http://schemas.openxmlformats.org/officeDocument/2006/math">
                     <m:oMathParaPr>
@@ -7579,7 +7603,7 @@
             </p:txBody>
           </p:sp>
         </mc:Choice>
-        <mc:Fallback>
+        <mc:Fallback xmlns="">
           <p:sp>
             <p:nvSpPr>
               <p:cNvPr id="262" name="TextBox 261">
@@ -8597,10 +8621,6885 @@
           </a:p>
         </p:txBody>
       </p:sp>
+      <p:sp>
+        <p:nvSpPr>
+          <p:cNvPr id="2" name="Rectangle: Beveled 1">
+            <a:extLst>
+              <a:ext uri="{FF2B5EF4-FFF2-40B4-BE49-F238E27FC236}">
+                <a16:creationId xmlns:a16="http://schemas.microsoft.com/office/drawing/2014/main" id="{E2611CB2-5DBF-4A90-9E8C-CF866C5D7A0A}"/>
+              </a:ext>
+            </a:extLst>
+          </p:cNvPr>
+          <p:cNvSpPr/>
+          <p:nvPr/>
+        </p:nvSpPr>
+        <p:spPr>
+          <a:xfrm>
+            <a:off x="3676188" y="1220614"/>
+            <a:ext cx="393379" cy="184810"/>
+          </a:xfrm>
+          <a:prstGeom prst="bevel">
+            <a:avLst/>
+          </a:prstGeom>
+          <a:noFill/>
+          <a:ln w="9525" cap="flat" cmpd="sng" algn="ctr">
+            <a:solidFill>
+              <a:schemeClr val="accent2"/>
+            </a:solidFill>
+            <a:prstDash val="solid"/>
+            <a:round/>
+            <a:headEnd type="none" w="med" len="med"/>
+            <a:tailEnd type="none" w="med" len="med"/>
+          </a:ln>
+        </p:spPr>
+        <p:style>
+          <a:lnRef idx="0">
+            <a:scrgbClr r="0" g="0" b="0"/>
+          </a:lnRef>
+          <a:fillRef idx="0">
+            <a:scrgbClr r="0" g="0" b="0"/>
+          </a:fillRef>
+          <a:effectRef idx="0">
+            <a:scrgbClr r="0" g="0" b="0"/>
+          </a:effectRef>
+          <a:fontRef idx="minor">
+            <a:schemeClr val="accent2"/>
+          </a:fontRef>
+        </p:style>
+        <p:txBody>
+          <a:bodyPr rtlCol="0" anchor="ctr"/>
+          <a:lstStyle/>
+          <a:p>
+            <a:pPr algn="ctr"/>
+            <a:r>
+              <a:rPr lang="en-US" sz="700" dirty="0"/>
+              <a:t>GPU</a:t>
+            </a:r>
+          </a:p>
+        </p:txBody>
+      </p:sp>
+      <p:sp>
+        <p:nvSpPr>
+          <p:cNvPr id="103" name="Rectangle: Beveled 102">
+            <a:extLst>
+              <a:ext uri="{FF2B5EF4-FFF2-40B4-BE49-F238E27FC236}">
+                <a16:creationId xmlns:a16="http://schemas.microsoft.com/office/drawing/2014/main" id="{00E43C85-AD5C-46DD-9FE0-6BD54B7C5CAE}"/>
+              </a:ext>
+            </a:extLst>
+          </p:cNvPr>
+          <p:cNvSpPr/>
+          <p:nvPr/>
+        </p:nvSpPr>
+        <p:spPr>
+          <a:xfrm>
+            <a:off x="1617782" y="1272247"/>
+            <a:ext cx="393379" cy="184810"/>
+          </a:xfrm>
+          <a:prstGeom prst="bevel">
+            <a:avLst/>
+          </a:prstGeom>
+          <a:noFill/>
+          <a:ln w="9525" cap="flat" cmpd="sng" algn="ctr">
+            <a:solidFill>
+              <a:schemeClr val="accent2"/>
+            </a:solidFill>
+            <a:prstDash val="solid"/>
+            <a:round/>
+            <a:headEnd type="none" w="med" len="med"/>
+            <a:tailEnd type="none" w="med" len="med"/>
+          </a:ln>
+        </p:spPr>
+        <p:style>
+          <a:lnRef idx="0">
+            <a:scrgbClr r="0" g="0" b="0"/>
+          </a:lnRef>
+          <a:fillRef idx="0">
+            <a:scrgbClr r="0" g="0" b="0"/>
+          </a:fillRef>
+          <a:effectRef idx="0">
+            <a:scrgbClr r="0" g="0" b="0"/>
+          </a:effectRef>
+          <a:fontRef idx="minor">
+            <a:schemeClr val="accent2"/>
+          </a:fontRef>
+        </p:style>
+        <p:txBody>
+          <a:bodyPr rtlCol="0" anchor="ctr"/>
+          <a:lstStyle/>
+          <a:p>
+            <a:pPr algn="ctr"/>
+            <a:r>
+              <a:rPr lang="en-US" sz="700" dirty="0"/>
+              <a:t>GPU</a:t>
+            </a:r>
+          </a:p>
+        </p:txBody>
+      </p:sp>
+      <p:sp>
+        <p:nvSpPr>
+          <p:cNvPr id="104" name="Rectangle: Beveled 103">
+            <a:extLst>
+              <a:ext uri="{FF2B5EF4-FFF2-40B4-BE49-F238E27FC236}">
+                <a16:creationId xmlns:a16="http://schemas.microsoft.com/office/drawing/2014/main" id="{48FC1E8A-7529-4260-A5EA-718B21F5AFFB}"/>
+              </a:ext>
+            </a:extLst>
+          </p:cNvPr>
+          <p:cNvSpPr/>
+          <p:nvPr/>
+        </p:nvSpPr>
+        <p:spPr>
+          <a:xfrm>
+            <a:off x="2482193" y="2191155"/>
+            <a:ext cx="393379" cy="184810"/>
+          </a:xfrm>
+          <a:prstGeom prst="bevel">
+            <a:avLst/>
+          </a:prstGeom>
+          <a:noFill/>
+          <a:ln w="9525" cap="flat" cmpd="sng" algn="ctr">
+            <a:solidFill>
+              <a:schemeClr val="accent2"/>
+            </a:solidFill>
+            <a:prstDash val="solid"/>
+            <a:round/>
+            <a:headEnd type="none" w="med" len="med"/>
+            <a:tailEnd type="none" w="med" len="med"/>
+          </a:ln>
+        </p:spPr>
+        <p:style>
+          <a:lnRef idx="0">
+            <a:scrgbClr r="0" g="0" b="0"/>
+          </a:lnRef>
+          <a:fillRef idx="0">
+            <a:scrgbClr r="0" g="0" b="0"/>
+          </a:fillRef>
+          <a:effectRef idx="0">
+            <a:scrgbClr r="0" g="0" b="0"/>
+          </a:effectRef>
+          <a:fontRef idx="minor">
+            <a:schemeClr val="accent2"/>
+          </a:fontRef>
+        </p:style>
+        <p:txBody>
+          <a:bodyPr rtlCol="0" anchor="ctr"/>
+          <a:lstStyle/>
+          <a:p>
+            <a:pPr algn="ctr"/>
+            <a:r>
+              <a:rPr lang="en-US" sz="700" dirty="0"/>
+              <a:t>GPU</a:t>
+            </a:r>
+          </a:p>
+        </p:txBody>
+      </p:sp>
+      <p:sp>
+        <p:nvSpPr>
+          <p:cNvPr id="105" name="Rectangle: Beveled 104">
+            <a:extLst>
+              <a:ext uri="{FF2B5EF4-FFF2-40B4-BE49-F238E27FC236}">
+                <a16:creationId xmlns:a16="http://schemas.microsoft.com/office/drawing/2014/main" id="{F97207DF-2671-473F-A331-78735AAD5453}"/>
+              </a:ext>
+            </a:extLst>
+          </p:cNvPr>
+          <p:cNvSpPr/>
+          <p:nvPr/>
+        </p:nvSpPr>
+        <p:spPr>
+          <a:xfrm>
+            <a:off x="2133390" y="5513561"/>
+            <a:ext cx="393379" cy="184810"/>
+          </a:xfrm>
+          <a:prstGeom prst="bevel">
+            <a:avLst/>
+          </a:prstGeom>
+          <a:noFill/>
+          <a:ln w="9525" cap="flat" cmpd="sng" algn="ctr">
+            <a:solidFill>
+              <a:schemeClr val="accent2"/>
+            </a:solidFill>
+            <a:prstDash val="solid"/>
+            <a:round/>
+            <a:headEnd type="none" w="med" len="med"/>
+            <a:tailEnd type="none" w="med" len="med"/>
+          </a:ln>
+        </p:spPr>
+        <p:style>
+          <a:lnRef idx="0">
+            <a:scrgbClr r="0" g="0" b="0"/>
+          </a:lnRef>
+          <a:fillRef idx="0">
+            <a:scrgbClr r="0" g="0" b="0"/>
+          </a:fillRef>
+          <a:effectRef idx="0">
+            <a:scrgbClr r="0" g="0" b="0"/>
+          </a:effectRef>
+          <a:fontRef idx="minor">
+            <a:schemeClr val="accent2"/>
+          </a:fontRef>
+        </p:style>
+        <p:txBody>
+          <a:bodyPr rtlCol="0" anchor="ctr"/>
+          <a:lstStyle/>
+          <a:p>
+            <a:pPr algn="ctr"/>
+            <a:r>
+              <a:rPr lang="en-US" sz="700" dirty="0"/>
+              <a:t>GPU</a:t>
+            </a:r>
+          </a:p>
+        </p:txBody>
+      </p:sp>
+      <p:sp>
+        <p:nvSpPr>
+          <p:cNvPr id="108" name="Rectangle: Beveled 107">
+            <a:extLst>
+              <a:ext uri="{FF2B5EF4-FFF2-40B4-BE49-F238E27FC236}">
+                <a16:creationId xmlns:a16="http://schemas.microsoft.com/office/drawing/2014/main" id="{C1F5E23A-0846-4173-9AB1-86B160724D6B}"/>
+              </a:ext>
+            </a:extLst>
+          </p:cNvPr>
+          <p:cNvSpPr/>
+          <p:nvPr/>
+        </p:nvSpPr>
+        <p:spPr>
+          <a:xfrm>
+            <a:off x="8894231" y="1948218"/>
+            <a:ext cx="393379" cy="184810"/>
+          </a:xfrm>
+          <a:prstGeom prst="bevel">
+            <a:avLst/>
+          </a:prstGeom>
+          <a:noFill/>
+          <a:ln w="9525" cap="flat" cmpd="sng" algn="ctr">
+            <a:solidFill>
+              <a:schemeClr val="accent2"/>
+            </a:solidFill>
+            <a:prstDash val="solid"/>
+            <a:round/>
+            <a:headEnd type="none" w="med" len="med"/>
+            <a:tailEnd type="none" w="med" len="med"/>
+          </a:ln>
+        </p:spPr>
+        <p:style>
+          <a:lnRef idx="0">
+            <a:scrgbClr r="0" g="0" b="0"/>
+          </a:lnRef>
+          <a:fillRef idx="0">
+            <a:scrgbClr r="0" g="0" b="0"/>
+          </a:fillRef>
+          <a:effectRef idx="0">
+            <a:scrgbClr r="0" g="0" b="0"/>
+          </a:effectRef>
+          <a:fontRef idx="minor">
+            <a:schemeClr val="accent2"/>
+          </a:fontRef>
+        </p:style>
+        <p:txBody>
+          <a:bodyPr rtlCol="0" anchor="ctr"/>
+          <a:lstStyle/>
+          <a:p>
+            <a:pPr algn="ctr"/>
+            <a:r>
+              <a:rPr lang="en-US" sz="700" dirty="0"/>
+              <a:t>GPU</a:t>
+            </a:r>
+          </a:p>
+        </p:txBody>
+      </p:sp>
+      <p:sp>
+        <p:nvSpPr>
+          <p:cNvPr id="109" name="Rectangle: Beveled 108">
+            <a:extLst>
+              <a:ext uri="{FF2B5EF4-FFF2-40B4-BE49-F238E27FC236}">
+                <a16:creationId xmlns:a16="http://schemas.microsoft.com/office/drawing/2014/main" id="{1830B366-4095-4C24-BAE9-32E3F6551AA5}"/>
+              </a:ext>
+            </a:extLst>
+          </p:cNvPr>
+          <p:cNvSpPr/>
+          <p:nvPr/>
+        </p:nvSpPr>
+        <p:spPr>
+          <a:xfrm>
+            <a:off x="8582624" y="2723825"/>
+            <a:ext cx="393379" cy="184810"/>
+          </a:xfrm>
+          <a:prstGeom prst="bevel">
+            <a:avLst/>
+          </a:prstGeom>
+          <a:noFill/>
+          <a:ln w="9525" cap="flat" cmpd="sng" algn="ctr">
+            <a:solidFill>
+              <a:schemeClr val="accent2"/>
+            </a:solidFill>
+            <a:prstDash val="solid"/>
+            <a:round/>
+            <a:headEnd type="none" w="med" len="med"/>
+            <a:tailEnd type="none" w="med" len="med"/>
+          </a:ln>
+        </p:spPr>
+        <p:style>
+          <a:lnRef idx="0">
+            <a:scrgbClr r="0" g="0" b="0"/>
+          </a:lnRef>
+          <a:fillRef idx="0">
+            <a:scrgbClr r="0" g="0" b="0"/>
+          </a:fillRef>
+          <a:effectRef idx="0">
+            <a:scrgbClr r="0" g="0" b="0"/>
+          </a:effectRef>
+          <a:fontRef idx="minor">
+            <a:schemeClr val="accent2"/>
+          </a:fontRef>
+        </p:style>
+        <p:txBody>
+          <a:bodyPr rtlCol="0" anchor="ctr"/>
+          <a:lstStyle/>
+          <a:p>
+            <a:pPr algn="ctr"/>
+            <a:r>
+              <a:rPr lang="en-US" sz="700" dirty="0"/>
+              <a:t>GPU</a:t>
+            </a:r>
+          </a:p>
+        </p:txBody>
+      </p:sp>
+      <p:sp>
+        <p:nvSpPr>
+          <p:cNvPr id="110" name="Rectangle: Beveled 109">
+            <a:extLst>
+              <a:ext uri="{FF2B5EF4-FFF2-40B4-BE49-F238E27FC236}">
+                <a16:creationId xmlns:a16="http://schemas.microsoft.com/office/drawing/2014/main" id="{5CE28FEF-22A8-477D-966C-B9E4A90E9C44}"/>
+              </a:ext>
+            </a:extLst>
+          </p:cNvPr>
+          <p:cNvSpPr/>
+          <p:nvPr/>
+        </p:nvSpPr>
+        <p:spPr>
+          <a:xfrm>
+            <a:off x="10491709" y="2320856"/>
+            <a:ext cx="393379" cy="184810"/>
+          </a:xfrm>
+          <a:prstGeom prst="bevel">
+            <a:avLst/>
+          </a:prstGeom>
+          <a:noFill/>
+          <a:ln w="9525" cap="flat" cmpd="sng" algn="ctr">
+            <a:solidFill>
+              <a:schemeClr val="accent2"/>
+            </a:solidFill>
+            <a:prstDash val="solid"/>
+            <a:round/>
+            <a:headEnd type="none" w="med" len="med"/>
+            <a:tailEnd type="none" w="med" len="med"/>
+          </a:ln>
+        </p:spPr>
+        <p:style>
+          <a:lnRef idx="0">
+            <a:scrgbClr r="0" g="0" b="0"/>
+          </a:lnRef>
+          <a:fillRef idx="0">
+            <a:scrgbClr r="0" g="0" b="0"/>
+          </a:fillRef>
+          <a:effectRef idx="0">
+            <a:scrgbClr r="0" g="0" b="0"/>
+          </a:effectRef>
+          <a:fontRef idx="minor">
+            <a:schemeClr val="accent2"/>
+          </a:fontRef>
+        </p:style>
+        <p:txBody>
+          <a:bodyPr rtlCol="0" anchor="ctr"/>
+          <a:lstStyle/>
+          <a:p>
+            <a:pPr algn="ctr"/>
+            <a:r>
+              <a:rPr lang="en-US" sz="700" dirty="0"/>
+              <a:t>GPU</a:t>
+            </a:r>
+          </a:p>
+        </p:txBody>
+      </p:sp>
+      <p:sp>
+        <p:nvSpPr>
+          <p:cNvPr id="114" name="Rectangle: Beveled 113">
+            <a:extLst>
+              <a:ext uri="{FF2B5EF4-FFF2-40B4-BE49-F238E27FC236}">
+                <a16:creationId xmlns:a16="http://schemas.microsoft.com/office/drawing/2014/main" id="{5A0D3A28-81BF-4B59-8FFF-1C69822C9E80}"/>
+              </a:ext>
+            </a:extLst>
+          </p:cNvPr>
+          <p:cNvSpPr/>
+          <p:nvPr/>
+        </p:nvSpPr>
+        <p:spPr>
+          <a:xfrm>
+            <a:off x="5927439" y="5336725"/>
+            <a:ext cx="393379" cy="184810"/>
+          </a:xfrm>
+          <a:prstGeom prst="bevel">
+            <a:avLst/>
+          </a:prstGeom>
+          <a:noFill/>
+          <a:ln w="9525" cap="flat" cmpd="sng" algn="ctr">
+            <a:solidFill>
+              <a:schemeClr val="accent6"/>
+            </a:solidFill>
+            <a:prstDash val="solid"/>
+            <a:round/>
+            <a:headEnd type="none" w="med" len="med"/>
+            <a:tailEnd type="none" w="med" len="med"/>
+          </a:ln>
+        </p:spPr>
+        <p:style>
+          <a:lnRef idx="0">
+            <a:scrgbClr r="0" g="0" b="0"/>
+          </a:lnRef>
+          <a:fillRef idx="0">
+            <a:scrgbClr r="0" g="0" b="0"/>
+          </a:fillRef>
+          <a:effectRef idx="0">
+            <a:scrgbClr r="0" g="0" b="0"/>
+          </a:effectRef>
+          <a:fontRef idx="minor">
+            <a:schemeClr val="accent6"/>
+          </a:fontRef>
+        </p:style>
+        <p:txBody>
+          <a:bodyPr rtlCol="0" anchor="ctr"/>
+          <a:lstStyle/>
+          <a:p>
+            <a:pPr algn="ctr"/>
+            <a:r>
+              <a:rPr lang="en-US" sz="700" dirty="0"/>
+              <a:t>CPU</a:t>
+            </a:r>
+          </a:p>
+        </p:txBody>
+      </p:sp>
+      <p:sp>
+        <p:nvSpPr>
+          <p:cNvPr id="119" name="Rectangle: Beveled 118">
+            <a:extLst>
+              <a:ext uri="{FF2B5EF4-FFF2-40B4-BE49-F238E27FC236}">
+                <a16:creationId xmlns:a16="http://schemas.microsoft.com/office/drawing/2014/main" id="{6800B082-4ACC-45BD-95A7-B5A3B90E5211}"/>
+              </a:ext>
+            </a:extLst>
+          </p:cNvPr>
+          <p:cNvSpPr/>
+          <p:nvPr/>
+        </p:nvSpPr>
+        <p:spPr>
+          <a:xfrm>
+            <a:off x="4987882" y="2176802"/>
+            <a:ext cx="393379" cy="184810"/>
+          </a:xfrm>
+          <a:prstGeom prst="bevel">
+            <a:avLst/>
+          </a:prstGeom>
+          <a:noFill/>
+          <a:ln w="9525" cap="flat" cmpd="sng" algn="ctr">
+            <a:solidFill>
+              <a:srgbClr val="FF0000"/>
+            </a:solidFill>
+            <a:prstDash val="solid"/>
+            <a:round/>
+            <a:headEnd type="none" w="med" len="med"/>
+            <a:tailEnd type="none" w="med" len="med"/>
+          </a:ln>
+        </p:spPr>
+        <p:style>
+          <a:lnRef idx="0">
+            <a:scrgbClr r="0" g="0" b="0"/>
+          </a:lnRef>
+          <a:fillRef idx="0">
+            <a:scrgbClr r="0" g="0" b="0"/>
+          </a:fillRef>
+          <a:effectRef idx="0">
+            <a:scrgbClr r="0" g="0" b="0"/>
+          </a:effectRef>
+          <a:fontRef idx="minor">
+            <a:schemeClr val="accent6"/>
+          </a:fontRef>
+        </p:style>
+        <p:txBody>
+          <a:bodyPr rtlCol="0" anchor="ctr"/>
+          <a:lstStyle/>
+          <a:p>
+            <a:pPr algn="ctr"/>
+            <a:r>
+              <a:rPr lang="en-US" sz="700" dirty="0">
+                <a:solidFill>
+                  <a:srgbClr val="FF0000"/>
+                </a:solidFill>
+              </a:rPr>
+              <a:t>?</a:t>
+            </a:r>
+          </a:p>
+        </p:txBody>
+      </p:sp>
+      <p:sp>
+        <p:nvSpPr>
+          <p:cNvPr id="120" name="Rectangle: Beveled 119">
+            <a:extLst>
+              <a:ext uri="{FF2B5EF4-FFF2-40B4-BE49-F238E27FC236}">
+                <a16:creationId xmlns:a16="http://schemas.microsoft.com/office/drawing/2014/main" id="{C4A9069D-2043-4159-AC8D-A0662A9983C8}"/>
+              </a:ext>
+            </a:extLst>
+          </p:cNvPr>
+          <p:cNvSpPr/>
+          <p:nvPr/>
+        </p:nvSpPr>
+        <p:spPr>
+          <a:xfrm>
+            <a:off x="6854083" y="2203027"/>
+            <a:ext cx="393379" cy="184810"/>
+          </a:xfrm>
+          <a:prstGeom prst="bevel">
+            <a:avLst/>
+          </a:prstGeom>
+          <a:noFill/>
+          <a:ln w="9525" cap="flat" cmpd="sng" algn="ctr">
+            <a:solidFill>
+              <a:schemeClr val="accent2"/>
+            </a:solidFill>
+            <a:prstDash val="solid"/>
+            <a:round/>
+            <a:headEnd type="none" w="med" len="med"/>
+            <a:tailEnd type="none" w="med" len="med"/>
+          </a:ln>
+        </p:spPr>
+        <p:style>
+          <a:lnRef idx="0">
+            <a:scrgbClr r="0" g="0" b="0"/>
+          </a:lnRef>
+          <a:fillRef idx="0">
+            <a:scrgbClr r="0" g="0" b="0"/>
+          </a:fillRef>
+          <a:effectRef idx="0">
+            <a:scrgbClr r="0" g="0" b="0"/>
+          </a:effectRef>
+          <a:fontRef idx="minor">
+            <a:schemeClr val="accent2"/>
+          </a:fontRef>
+        </p:style>
+        <p:txBody>
+          <a:bodyPr rtlCol="0" anchor="ctr"/>
+          <a:lstStyle/>
+          <a:p>
+            <a:pPr algn="ctr"/>
+            <a:r>
+              <a:rPr lang="en-US" sz="700" dirty="0"/>
+              <a:t>GPU</a:t>
+            </a:r>
+          </a:p>
+        </p:txBody>
+      </p:sp>
+      <p:sp>
+        <p:nvSpPr>
+          <p:cNvPr id="122" name="Rectangle: Beveled 121">
+            <a:extLst>
+              <a:ext uri="{FF2B5EF4-FFF2-40B4-BE49-F238E27FC236}">
+                <a16:creationId xmlns:a16="http://schemas.microsoft.com/office/drawing/2014/main" id="{5CB0428F-E0AE-4B5E-93D5-9CD69184D6D6}"/>
+              </a:ext>
+            </a:extLst>
+          </p:cNvPr>
+          <p:cNvSpPr/>
+          <p:nvPr/>
+        </p:nvSpPr>
+        <p:spPr>
+          <a:xfrm>
+            <a:off x="11569031" y="2404886"/>
+            <a:ext cx="393379" cy="184810"/>
+          </a:xfrm>
+          <a:prstGeom prst="bevel">
+            <a:avLst/>
+          </a:prstGeom>
+          <a:noFill/>
+          <a:ln w="9525" cap="flat" cmpd="sng" algn="ctr">
+            <a:solidFill>
+              <a:schemeClr val="accent2"/>
+            </a:solidFill>
+            <a:prstDash val="solid"/>
+            <a:round/>
+            <a:headEnd type="none" w="med" len="med"/>
+            <a:tailEnd type="none" w="med" len="med"/>
+          </a:ln>
+        </p:spPr>
+        <p:style>
+          <a:lnRef idx="0">
+            <a:scrgbClr r="0" g="0" b="0"/>
+          </a:lnRef>
+          <a:fillRef idx="0">
+            <a:scrgbClr r="0" g="0" b="0"/>
+          </a:fillRef>
+          <a:effectRef idx="0">
+            <a:scrgbClr r="0" g="0" b="0"/>
+          </a:effectRef>
+          <a:fontRef idx="minor">
+            <a:schemeClr val="accent2"/>
+          </a:fontRef>
+        </p:style>
+        <p:txBody>
+          <a:bodyPr rtlCol="0" anchor="ctr"/>
+          <a:lstStyle/>
+          <a:p>
+            <a:pPr algn="ctr"/>
+            <a:r>
+              <a:rPr lang="en-US" sz="700" dirty="0"/>
+              <a:t>GPU</a:t>
+            </a:r>
+          </a:p>
+        </p:txBody>
+      </p:sp>
+      <p:sp>
+        <p:nvSpPr>
+          <p:cNvPr id="123" name="Rectangle: Beveled 122">
+            <a:extLst>
+              <a:ext uri="{FF2B5EF4-FFF2-40B4-BE49-F238E27FC236}">
+                <a16:creationId xmlns:a16="http://schemas.microsoft.com/office/drawing/2014/main" id="{71A295A4-55AD-4896-9191-21D30987431B}"/>
+              </a:ext>
+            </a:extLst>
+          </p:cNvPr>
+          <p:cNvSpPr/>
+          <p:nvPr/>
+        </p:nvSpPr>
+        <p:spPr>
+          <a:xfrm>
+            <a:off x="11140914" y="3228824"/>
+            <a:ext cx="393379" cy="184810"/>
+          </a:xfrm>
+          <a:prstGeom prst="bevel">
+            <a:avLst/>
+          </a:prstGeom>
+          <a:noFill/>
+          <a:ln w="9525" cap="flat" cmpd="sng" algn="ctr">
+            <a:solidFill>
+              <a:schemeClr val="accent2"/>
+            </a:solidFill>
+            <a:prstDash val="solid"/>
+            <a:round/>
+            <a:headEnd type="none" w="med" len="med"/>
+            <a:tailEnd type="none" w="med" len="med"/>
+          </a:ln>
+        </p:spPr>
+        <p:style>
+          <a:lnRef idx="0">
+            <a:scrgbClr r="0" g="0" b="0"/>
+          </a:lnRef>
+          <a:fillRef idx="0">
+            <a:scrgbClr r="0" g="0" b="0"/>
+          </a:fillRef>
+          <a:effectRef idx="0">
+            <a:scrgbClr r="0" g="0" b="0"/>
+          </a:effectRef>
+          <a:fontRef idx="minor">
+            <a:schemeClr val="accent2"/>
+          </a:fontRef>
+        </p:style>
+        <p:txBody>
+          <a:bodyPr rtlCol="0" anchor="ctr"/>
+          <a:lstStyle/>
+          <a:p>
+            <a:pPr algn="ctr"/>
+            <a:r>
+              <a:rPr lang="en-US" sz="700" dirty="0"/>
+              <a:t>GPU</a:t>
+            </a:r>
+          </a:p>
+        </p:txBody>
+      </p:sp>
+      <p:sp>
+        <p:nvSpPr>
+          <p:cNvPr id="127" name="Rectangle: Beveled 126">
+            <a:extLst>
+              <a:ext uri="{FF2B5EF4-FFF2-40B4-BE49-F238E27FC236}">
+                <a16:creationId xmlns:a16="http://schemas.microsoft.com/office/drawing/2014/main" id="{BAF76FE2-77D7-41BA-9E17-EB184C770B26}"/>
+              </a:ext>
+            </a:extLst>
+          </p:cNvPr>
+          <p:cNvSpPr/>
+          <p:nvPr/>
+        </p:nvSpPr>
+        <p:spPr>
+          <a:xfrm>
+            <a:off x="8905111" y="5187520"/>
+            <a:ext cx="393379" cy="184810"/>
+          </a:xfrm>
+          <a:prstGeom prst="bevel">
+            <a:avLst/>
+          </a:prstGeom>
+          <a:noFill/>
+          <a:ln w="9525" cap="flat" cmpd="sng" algn="ctr">
+            <a:solidFill>
+              <a:srgbClr val="FF0000"/>
+            </a:solidFill>
+            <a:prstDash val="solid"/>
+            <a:round/>
+            <a:headEnd type="none" w="med" len="med"/>
+            <a:tailEnd type="none" w="med" len="med"/>
+          </a:ln>
+        </p:spPr>
+        <p:style>
+          <a:lnRef idx="0">
+            <a:scrgbClr r="0" g="0" b="0"/>
+          </a:lnRef>
+          <a:fillRef idx="0">
+            <a:scrgbClr r="0" g="0" b="0"/>
+          </a:fillRef>
+          <a:effectRef idx="0">
+            <a:scrgbClr r="0" g="0" b="0"/>
+          </a:effectRef>
+          <a:fontRef idx="minor">
+            <a:schemeClr val="accent6"/>
+          </a:fontRef>
+        </p:style>
+        <p:txBody>
+          <a:bodyPr rtlCol="0" anchor="ctr"/>
+          <a:lstStyle/>
+          <a:p>
+            <a:pPr algn="ctr"/>
+            <a:r>
+              <a:rPr lang="en-US" sz="700" dirty="0">
+                <a:solidFill>
+                  <a:srgbClr val="FF0000"/>
+                </a:solidFill>
+              </a:rPr>
+              <a:t>?</a:t>
+            </a:r>
+          </a:p>
+        </p:txBody>
+      </p:sp>
     </p:spTree>
     <p:extLst>
       <p:ext uri="{BB962C8B-B14F-4D97-AF65-F5344CB8AC3E}">
         <p14:creationId xmlns:p14="http://schemas.microsoft.com/office/powerpoint/2010/main" val="1955545435"/>
+      </p:ext>
+    </p:extLst>
+  </p:cSld>
+  <p:clrMapOvr>
+    <a:masterClrMapping/>
+  </p:clrMapOvr>
+</p:sld>
+</file>
+
+<file path=ppt/slides/slide2.xml><?xml version="1.0" encoding="utf-8"?>
+<p:sld xmlns:a="http://schemas.openxmlformats.org/drawingml/2006/main" xmlns:r="http://schemas.openxmlformats.org/officeDocument/2006/relationships" xmlns:p="http://schemas.openxmlformats.org/presentationml/2006/main">
+  <p:cSld>
+    <p:spTree>
+      <p:nvGrpSpPr>
+        <p:cNvPr id="1" name=""/>
+        <p:cNvGrpSpPr/>
+        <p:nvPr/>
+      </p:nvGrpSpPr>
+      <p:grpSpPr>
+        <a:xfrm>
+          <a:off x="0" y="0"/>
+          <a:ext cx="0" cy="0"/>
+          <a:chOff x="0" y="0"/>
+          <a:chExt cx="0" cy="0"/>
+        </a:xfrm>
+      </p:grpSpPr>
+      <p:sp>
+        <p:nvSpPr>
+          <p:cNvPr id="191" name="Rectangle: Rounded Corners 190">
+            <a:extLst>
+              <a:ext uri="{FF2B5EF4-FFF2-40B4-BE49-F238E27FC236}">
+                <a16:creationId xmlns:a16="http://schemas.microsoft.com/office/drawing/2014/main" id="{A963162F-874B-45D1-B033-BE1787A38CAC}"/>
+              </a:ext>
+            </a:extLst>
+          </p:cNvPr>
+          <p:cNvSpPr/>
+          <p:nvPr/>
+        </p:nvSpPr>
+        <p:spPr>
+          <a:xfrm>
+            <a:off x="8162285" y="2502560"/>
+            <a:ext cx="372795" cy="246221"/>
+          </a:xfrm>
+          <a:prstGeom prst="roundRect">
+            <a:avLst/>
+          </a:prstGeom>
+        </p:spPr>
+        <p:style>
+          <a:lnRef idx="2">
+            <a:schemeClr val="dk1">
+              <a:shade val="50000"/>
+            </a:schemeClr>
+          </a:lnRef>
+          <a:fillRef idx="1">
+            <a:schemeClr val="dk1"/>
+          </a:fillRef>
+          <a:effectRef idx="0">
+            <a:schemeClr val="dk1"/>
+          </a:effectRef>
+          <a:fontRef idx="minor">
+            <a:schemeClr val="lt1"/>
+          </a:fontRef>
+        </p:style>
+        <p:txBody>
+          <a:bodyPr rtlCol="0" anchor="ctr"/>
+          <a:lstStyle/>
+          <a:p>
+            <a:pPr algn="ctr"/>
+            <a:r>
+              <a:rPr lang="en-US" sz="1200" dirty="0"/>
+              <a:t>R</a:t>
+            </a:r>
+            <a:r>
+              <a:rPr lang="en-US" sz="1200" baseline="-25000" dirty="0"/>
+              <a:t>0</a:t>
+            </a:r>
+          </a:p>
+        </p:txBody>
+      </p:sp>
+      <p:sp>
+        <p:nvSpPr>
+          <p:cNvPr id="4" name="Rectangle: Rounded Corners 3">
+            <a:extLst>
+              <a:ext uri="{FF2B5EF4-FFF2-40B4-BE49-F238E27FC236}">
+                <a16:creationId xmlns:a16="http://schemas.microsoft.com/office/drawing/2014/main" id="{4F26E44C-E0E7-45BF-B15E-343D91851A52}"/>
+              </a:ext>
+            </a:extLst>
+          </p:cNvPr>
+          <p:cNvSpPr/>
+          <p:nvPr/>
+        </p:nvSpPr>
+        <p:spPr>
+          <a:xfrm>
+            <a:off x="363255" y="713984"/>
+            <a:ext cx="1132848" cy="752258"/>
+          </a:xfrm>
+          <a:prstGeom prst="roundRect">
+            <a:avLst/>
+          </a:prstGeom>
+        </p:spPr>
+        <p:style>
+          <a:lnRef idx="2">
+            <a:schemeClr val="accent1">
+              <a:shade val="50000"/>
+            </a:schemeClr>
+          </a:lnRef>
+          <a:fillRef idx="1">
+            <a:schemeClr val="accent1"/>
+          </a:fillRef>
+          <a:effectRef idx="0">
+            <a:schemeClr val="accent1"/>
+          </a:effectRef>
+          <a:fontRef idx="minor">
+            <a:schemeClr val="lt1"/>
+          </a:fontRef>
+        </p:style>
+        <p:txBody>
+          <a:bodyPr rtlCol="0" anchor="ctr"/>
+          <a:lstStyle/>
+          <a:p>
+            <a:pPr algn="ctr"/>
+            <a:r>
+              <a:rPr lang="en-US" sz="1200" dirty="0"/>
+              <a:t>Mask</a:t>
+            </a:r>
+          </a:p>
+          <a:p>
+            <a:pPr algn="ctr"/>
+            <a:r>
+              <a:rPr lang="en-US" sz="1200" dirty="0"/>
+              <a:t>(binary volume)</a:t>
+            </a:r>
+          </a:p>
+        </p:txBody>
+      </p:sp>
+      <p:sp>
+        <p:nvSpPr>
+          <p:cNvPr id="5" name="Rectangle: Rounded Corners 4">
+            <a:extLst>
+              <a:ext uri="{FF2B5EF4-FFF2-40B4-BE49-F238E27FC236}">
+                <a16:creationId xmlns:a16="http://schemas.microsoft.com/office/drawing/2014/main" id="{FD00E89F-EC35-4972-835C-A5F59452C206}"/>
+              </a:ext>
+            </a:extLst>
+          </p:cNvPr>
+          <p:cNvSpPr/>
+          <p:nvPr/>
+        </p:nvSpPr>
+        <p:spPr>
+          <a:xfrm>
+            <a:off x="363255" y="1724926"/>
+            <a:ext cx="1132848" cy="410324"/>
+          </a:xfrm>
+          <a:prstGeom prst="roundRect">
+            <a:avLst/>
+          </a:prstGeom>
+        </p:spPr>
+        <p:style>
+          <a:lnRef idx="2">
+            <a:schemeClr val="accent2">
+              <a:shade val="50000"/>
+            </a:schemeClr>
+          </a:lnRef>
+          <a:fillRef idx="1">
+            <a:schemeClr val="accent2"/>
+          </a:fillRef>
+          <a:effectRef idx="0">
+            <a:schemeClr val="accent2"/>
+          </a:effectRef>
+          <a:fontRef idx="minor">
+            <a:schemeClr val="lt1"/>
+          </a:fontRef>
+        </p:style>
+        <p:txBody>
+          <a:bodyPr rtlCol="0" anchor="ctr"/>
+          <a:lstStyle/>
+          <a:p>
+            <a:pPr algn="ctr"/>
+            <a:r>
+              <a:rPr lang="en-US" sz="1200" dirty="0"/>
+              <a:t>d</a:t>
+            </a:r>
+            <a:r>
+              <a:rPr lang="en-US" sz="1200" baseline="-25000" dirty="0"/>
+              <a:t>0</a:t>
+            </a:r>
+            <a:r>
+              <a:rPr lang="en-US" sz="1200" dirty="0"/>
+              <a:t>, d</a:t>
+            </a:r>
+            <a:r>
+              <a:rPr lang="en-US" sz="1200" baseline="-25000" dirty="0"/>
+              <a:t>1</a:t>
+            </a:r>
+            <a:r>
+              <a:rPr lang="en-US" sz="1200" dirty="0"/>
+              <a:t> </a:t>
+            </a:r>
+          </a:p>
+        </p:txBody>
+      </p:sp>
+      <p:sp>
+        <p:nvSpPr>
+          <p:cNvPr id="6" name="Rectangle: Rounded Corners 5">
+            <a:extLst>
+              <a:ext uri="{FF2B5EF4-FFF2-40B4-BE49-F238E27FC236}">
+                <a16:creationId xmlns:a16="http://schemas.microsoft.com/office/drawing/2014/main" id="{3EBD0FA9-47B0-48FC-A1EF-CADB983E478C}"/>
+              </a:ext>
+            </a:extLst>
+          </p:cNvPr>
+          <p:cNvSpPr/>
+          <p:nvPr/>
+        </p:nvSpPr>
+        <p:spPr>
+          <a:xfrm>
+            <a:off x="1845472" y="1466242"/>
+            <a:ext cx="1132848" cy="410324"/>
+          </a:xfrm>
+          <a:prstGeom prst="roundRect">
+            <a:avLst/>
+          </a:prstGeom>
+        </p:spPr>
+        <p:style>
+          <a:lnRef idx="2">
+            <a:schemeClr val="accent1">
+              <a:shade val="50000"/>
+            </a:schemeClr>
+          </a:lnRef>
+          <a:fillRef idx="1">
+            <a:schemeClr val="accent1"/>
+          </a:fillRef>
+          <a:effectRef idx="0">
+            <a:schemeClr val="accent1"/>
+          </a:effectRef>
+          <a:fontRef idx="minor">
+            <a:schemeClr val="lt1"/>
+          </a:fontRef>
+        </p:style>
+        <p:txBody>
+          <a:bodyPr rtlCol="0" anchor="ctr"/>
+          <a:lstStyle/>
+          <a:p>
+            <a:pPr algn="ctr"/>
+            <a:r>
+              <a:rPr lang="en-US" sz="1200" b="1" dirty="0"/>
+              <a:t>D</a:t>
+            </a:r>
+            <a:r>
+              <a:rPr lang="en-US" sz="1200" b="1" baseline="-25000" dirty="0"/>
+              <a:t>0</a:t>
+            </a:r>
+            <a:r>
+              <a:rPr lang="en-US" sz="1200" b="1" dirty="0"/>
+              <a:t> </a:t>
+            </a:r>
+          </a:p>
+        </p:txBody>
+      </p:sp>
+      <p:cxnSp>
+        <p:nvCxnSpPr>
+          <p:cNvPr id="8" name="Connector: Elbow 7">
+            <a:extLst>
+              <a:ext uri="{FF2B5EF4-FFF2-40B4-BE49-F238E27FC236}">
+                <a16:creationId xmlns:a16="http://schemas.microsoft.com/office/drawing/2014/main" id="{62999E69-E1E2-4DC9-A519-7AB37ED9FFB4}"/>
+              </a:ext>
+            </a:extLst>
+          </p:cNvPr>
+          <p:cNvCxnSpPr>
+            <a:cxnSpLocks/>
+            <a:stCxn id="4" idx="3"/>
+            <a:endCxn id="6" idx="1"/>
+          </p:cNvCxnSpPr>
+          <p:nvPr/>
+        </p:nvCxnSpPr>
+        <p:spPr>
+          <a:xfrm>
+            <a:off x="1496103" y="1090114"/>
+            <a:ext cx="349369" cy="581291"/>
+          </a:xfrm>
+          <a:prstGeom prst="bentConnector3">
+            <a:avLst/>
+          </a:prstGeom>
+          <a:ln>
+            <a:tailEnd type="triangle"/>
+          </a:ln>
+        </p:spPr>
+        <p:style>
+          <a:lnRef idx="1">
+            <a:schemeClr val="accent1"/>
+          </a:lnRef>
+          <a:fillRef idx="0">
+            <a:schemeClr val="accent1"/>
+          </a:fillRef>
+          <a:effectRef idx="0">
+            <a:schemeClr val="accent1"/>
+          </a:effectRef>
+          <a:fontRef idx="minor">
+            <a:schemeClr val="tx1"/>
+          </a:fontRef>
+        </p:style>
+      </p:cxnSp>
+      <p:cxnSp>
+        <p:nvCxnSpPr>
+          <p:cNvPr id="10" name="Connector: Elbow 9">
+            <a:extLst>
+              <a:ext uri="{FF2B5EF4-FFF2-40B4-BE49-F238E27FC236}">
+                <a16:creationId xmlns:a16="http://schemas.microsoft.com/office/drawing/2014/main" id="{898399BF-9F0D-462F-A2D9-CAD2990C455A}"/>
+              </a:ext>
+            </a:extLst>
+          </p:cNvPr>
+          <p:cNvCxnSpPr>
+            <a:stCxn id="5" idx="3"/>
+            <a:endCxn id="6" idx="1"/>
+          </p:cNvCxnSpPr>
+          <p:nvPr/>
+        </p:nvCxnSpPr>
+        <p:spPr>
+          <a:xfrm flipV="1">
+            <a:off x="1496103" y="1671404"/>
+            <a:ext cx="349369" cy="258684"/>
+          </a:xfrm>
+          <a:prstGeom prst="bentConnector3">
+            <a:avLst/>
+          </a:prstGeom>
+          <a:ln>
+            <a:tailEnd type="triangle"/>
+          </a:ln>
+        </p:spPr>
+        <p:style>
+          <a:lnRef idx="1">
+            <a:schemeClr val="accent1"/>
+          </a:lnRef>
+          <a:fillRef idx="0">
+            <a:schemeClr val="accent1"/>
+          </a:fillRef>
+          <a:effectRef idx="0">
+            <a:schemeClr val="accent1"/>
+          </a:effectRef>
+          <a:fontRef idx="minor">
+            <a:schemeClr val="tx1"/>
+          </a:fontRef>
+        </p:style>
+      </p:cxnSp>
+      <p:cxnSp>
+        <p:nvCxnSpPr>
+          <p:cNvPr id="12" name="Straight Arrow Connector 11">
+            <a:extLst>
+              <a:ext uri="{FF2B5EF4-FFF2-40B4-BE49-F238E27FC236}">
+                <a16:creationId xmlns:a16="http://schemas.microsoft.com/office/drawing/2014/main" id="{C7D7EBE2-BDB7-4732-A70F-2406BCDE129A}"/>
+              </a:ext>
+            </a:extLst>
+          </p:cNvPr>
+          <p:cNvCxnSpPr>
+            <a:cxnSpLocks/>
+            <a:stCxn id="6" idx="2"/>
+            <a:endCxn id="23" idx="0"/>
+          </p:cNvCxnSpPr>
+          <p:nvPr/>
+        </p:nvCxnSpPr>
+        <p:spPr>
+          <a:xfrm flipH="1">
+            <a:off x="2411896" y="1876566"/>
+            <a:ext cx="1" cy="565680"/>
+          </a:xfrm>
+          <a:prstGeom prst="straightConnector1">
+            <a:avLst/>
+          </a:prstGeom>
+          <a:ln>
+            <a:tailEnd type="triangle"/>
+          </a:ln>
+        </p:spPr>
+        <p:style>
+          <a:lnRef idx="1">
+            <a:schemeClr val="accent1"/>
+          </a:lnRef>
+          <a:fillRef idx="0">
+            <a:schemeClr val="accent1"/>
+          </a:fillRef>
+          <a:effectRef idx="0">
+            <a:schemeClr val="accent1"/>
+          </a:effectRef>
+          <a:fontRef idx="minor">
+            <a:schemeClr val="tx1"/>
+          </a:fontRef>
+        </p:style>
+      </p:cxnSp>
+      <p:sp>
+        <p:nvSpPr>
+          <p:cNvPr id="13" name="Flowchart: Multidocument 12">
+            <a:extLst>
+              <a:ext uri="{FF2B5EF4-FFF2-40B4-BE49-F238E27FC236}">
+                <a16:creationId xmlns:a16="http://schemas.microsoft.com/office/drawing/2014/main" id="{73A90683-14BE-4DB3-A063-CF3340E0BF25}"/>
+              </a:ext>
+            </a:extLst>
+          </p:cNvPr>
+          <p:cNvSpPr/>
+          <p:nvPr/>
+        </p:nvSpPr>
+        <p:spPr>
+          <a:xfrm>
+            <a:off x="1254046" y="3228824"/>
+            <a:ext cx="842948" cy="981207"/>
+          </a:xfrm>
+          <a:prstGeom prst="flowChartMultidocument">
+            <a:avLst/>
+          </a:prstGeom>
+        </p:spPr>
+        <p:style>
+          <a:lnRef idx="2">
+            <a:schemeClr val="accent1">
+              <a:shade val="50000"/>
+            </a:schemeClr>
+          </a:lnRef>
+          <a:fillRef idx="1">
+            <a:schemeClr val="accent1"/>
+          </a:fillRef>
+          <a:effectRef idx="0">
+            <a:schemeClr val="accent1"/>
+          </a:effectRef>
+          <a:fontRef idx="minor">
+            <a:schemeClr val="lt1"/>
+          </a:fontRef>
+        </p:style>
+        <p:txBody>
+          <a:bodyPr rtlCol="0" anchor="ctr"/>
+          <a:lstStyle/>
+          <a:p>
+            <a:pPr algn="ctr"/>
+            <a:r>
+              <a:rPr lang="en-US" sz="1200" b="1" dirty="0"/>
+              <a:t>D</a:t>
+            </a:r>
+            <a:r>
+              <a:rPr lang="en-US" sz="1200" b="1" baseline="-25000" dirty="0"/>
+              <a:t>i</a:t>
+            </a:r>
+          </a:p>
+        </p:txBody>
+      </p:sp>
+      <p:sp>
+        <p:nvSpPr>
+          <p:cNvPr id="23" name="Rectangle 22">
+            <a:extLst>
+              <a:ext uri="{FF2B5EF4-FFF2-40B4-BE49-F238E27FC236}">
+                <a16:creationId xmlns:a16="http://schemas.microsoft.com/office/drawing/2014/main" id="{EA576366-06CD-485F-8654-A30FC26B8402}"/>
+              </a:ext>
+            </a:extLst>
+          </p:cNvPr>
+          <p:cNvSpPr/>
+          <p:nvPr/>
+        </p:nvSpPr>
+        <p:spPr>
+          <a:xfrm>
+            <a:off x="1947492" y="2442246"/>
+            <a:ext cx="928807" cy="410324"/>
+          </a:xfrm>
+          <a:prstGeom prst="rect">
+            <a:avLst/>
+          </a:prstGeom>
+        </p:spPr>
+        <p:style>
+          <a:lnRef idx="2">
+            <a:schemeClr val="dk1">
+              <a:shade val="50000"/>
+            </a:schemeClr>
+          </a:lnRef>
+          <a:fillRef idx="1">
+            <a:schemeClr val="dk1"/>
+          </a:fillRef>
+          <a:effectRef idx="0">
+            <a:schemeClr val="dk1"/>
+          </a:effectRef>
+          <a:fontRef idx="minor">
+            <a:schemeClr val="lt1"/>
+          </a:fontRef>
+        </p:style>
+        <p:txBody>
+          <a:bodyPr rtlCol="0" anchor="ctr"/>
+          <a:lstStyle/>
+          <a:p>
+            <a:pPr algn="ctr"/>
+            <a:r>
+              <a:rPr lang="en-US" sz="1200" dirty="0"/>
+              <a:t>Restrict</a:t>
+            </a:r>
+            <a:br>
+              <a:rPr lang="en-US" sz="1200" dirty="0"/>
+            </a:br>
+            <a:r>
+              <a:rPr lang="en-US" sz="1200" dirty="0"/>
+              <a:t>(8 &gt; 1)</a:t>
+            </a:r>
+          </a:p>
+        </p:txBody>
+      </p:sp>
+      <p:cxnSp>
+        <p:nvCxnSpPr>
+          <p:cNvPr id="25" name="Straight Arrow Connector 24">
+            <a:extLst>
+              <a:ext uri="{FF2B5EF4-FFF2-40B4-BE49-F238E27FC236}">
+                <a16:creationId xmlns:a16="http://schemas.microsoft.com/office/drawing/2014/main" id="{2972B27A-457D-43E4-A757-18D8D33B6D24}"/>
+              </a:ext>
+            </a:extLst>
+          </p:cNvPr>
+          <p:cNvCxnSpPr>
+            <a:cxnSpLocks/>
+            <a:stCxn id="23" idx="2"/>
+            <a:endCxn id="13" idx="0"/>
+          </p:cNvCxnSpPr>
+          <p:nvPr/>
+        </p:nvCxnSpPr>
+        <p:spPr>
+          <a:xfrm flipH="1">
+            <a:off x="1733512" y="2852570"/>
+            <a:ext cx="678384" cy="376254"/>
+          </a:xfrm>
+          <a:prstGeom prst="straightConnector1">
+            <a:avLst/>
+          </a:prstGeom>
+          <a:ln>
+            <a:tailEnd type="triangle"/>
+          </a:ln>
+        </p:spPr>
+        <p:style>
+          <a:lnRef idx="1">
+            <a:schemeClr val="accent1"/>
+          </a:lnRef>
+          <a:fillRef idx="0">
+            <a:schemeClr val="accent1"/>
+          </a:fillRef>
+          <a:effectRef idx="0">
+            <a:schemeClr val="accent1"/>
+          </a:effectRef>
+          <a:fontRef idx="minor">
+            <a:schemeClr val="tx1"/>
+          </a:fontRef>
+        </p:style>
+      </p:cxnSp>
+      <p:cxnSp>
+        <p:nvCxnSpPr>
+          <p:cNvPr id="30" name="Straight Arrow Connector 29">
+            <a:extLst>
+              <a:ext uri="{FF2B5EF4-FFF2-40B4-BE49-F238E27FC236}">
+                <a16:creationId xmlns:a16="http://schemas.microsoft.com/office/drawing/2014/main" id="{9AE6B5CA-280E-46F5-AB80-9DEBCA99A7E1}"/>
+              </a:ext>
+            </a:extLst>
+          </p:cNvPr>
+          <p:cNvCxnSpPr>
+            <a:cxnSpLocks/>
+            <a:stCxn id="6" idx="3"/>
+            <a:endCxn id="33" idx="1"/>
+          </p:cNvCxnSpPr>
+          <p:nvPr/>
+        </p:nvCxnSpPr>
+        <p:spPr>
+          <a:xfrm flipV="1">
+            <a:off x="2978320" y="1660475"/>
+            <a:ext cx="440419" cy="10929"/>
+          </a:xfrm>
+          <a:prstGeom prst="straightConnector1">
+            <a:avLst/>
+          </a:prstGeom>
+          <a:ln>
+            <a:tailEnd type="triangle"/>
+          </a:ln>
+        </p:spPr>
+        <p:style>
+          <a:lnRef idx="1">
+            <a:schemeClr val="accent1"/>
+          </a:lnRef>
+          <a:fillRef idx="0">
+            <a:schemeClr val="accent1"/>
+          </a:fillRef>
+          <a:effectRef idx="0">
+            <a:schemeClr val="accent1"/>
+          </a:effectRef>
+          <a:fontRef idx="minor">
+            <a:schemeClr val="tx1"/>
+          </a:fontRef>
+        </p:style>
+      </p:cxnSp>
+      <p:sp>
+        <p:nvSpPr>
+          <p:cNvPr id="33" name="Rectangle 32">
+            <a:extLst>
+              <a:ext uri="{FF2B5EF4-FFF2-40B4-BE49-F238E27FC236}">
+                <a16:creationId xmlns:a16="http://schemas.microsoft.com/office/drawing/2014/main" id="{E776F167-36E5-4456-A159-06B6CACF444F}"/>
+              </a:ext>
+            </a:extLst>
+          </p:cNvPr>
+          <p:cNvSpPr/>
+          <p:nvPr/>
+        </p:nvSpPr>
+        <p:spPr>
+          <a:xfrm>
+            <a:off x="3418739" y="1455313"/>
+            <a:ext cx="928807" cy="410324"/>
+          </a:xfrm>
+          <a:prstGeom prst="rect">
+            <a:avLst/>
+          </a:prstGeom>
+        </p:spPr>
+        <p:style>
+          <a:lnRef idx="2">
+            <a:schemeClr val="dk1">
+              <a:shade val="50000"/>
+            </a:schemeClr>
+          </a:lnRef>
+          <a:fillRef idx="1">
+            <a:schemeClr val="dk1"/>
+          </a:fillRef>
+          <a:effectRef idx="0">
+            <a:schemeClr val="dk1"/>
+          </a:effectRef>
+          <a:fontRef idx="minor">
+            <a:schemeClr val="lt1"/>
+          </a:fontRef>
+        </p:style>
+        <p:txBody>
+          <a:bodyPr rtlCol="0" anchor="ctr"/>
+          <a:lstStyle/>
+          <a:p>
+            <a:pPr algn="ctr"/>
+            <a:r>
+              <a:rPr lang="en-US" sz="1200" dirty="0"/>
+              <a:t>Build lin. sys</a:t>
+            </a:r>
+          </a:p>
+        </p:txBody>
+      </p:sp>
+      <p:sp>
+        <p:nvSpPr>
+          <p:cNvPr id="34" name="TextBox 33">
+            <a:extLst>
+              <a:ext uri="{FF2B5EF4-FFF2-40B4-BE49-F238E27FC236}">
+                <a16:creationId xmlns:a16="http://schemas.microsoft.com/office/drawing/2014/main" id="{63AF719C-E18E-4903-A6BF-DA7CD80E7123}"/>
+              </a:ext>
+            </a:extLst>
+          </p:cNvPr>
+          <p:cNvSpPr txBox="1"/>
+          <p:nvPr/>
+        </p:nvSpPr>
+        <p:spPr>
+          <a:xfrm>
+            <a:off x="4816619" y="2328600"/>
+            <a:ext cx="538296" cy="246221"/>
+          </a:xfrm>
+          <a:prstGeom prst="rect">
+            <a:avLst/>
+          </a:prstGeom>
+          <a:noFill/>
+        </p:spPr>
+        <p:txBody>
+          <a:bodyPr wrap="square" rtlCol="0">
+            <a:spAutoFit/>
+          </a:bodyPr>
+          <a:lstStyle/>
+          <a:p>
+            <a:r>
+              <a:rPr lang="en-US" sz="1000" dirty="0"/>
+              <a:t>R*A*I</a:t>
+            </a:r>
+          </a:p>
+        </p:txBody>
+      </p:sp>
+      <p:sp>
+        <p:nvSpPr>
+          <p:cNvPr id="35" name="Rectangle: Rounded Corners 34">
+            <a:extLst>
+              <a:ext uri="{FF2B5EF4-FFF2-40B4-BE49-F238E27FC236}">
+                <a16:creationId xmlns:a16="http://schemas.microsoft.com/office/drawing/2014/main" id="{9ABA23EF-7A7F-4D2A-8A71-DEB1228DAF75}"/>
+              </a:ext>
+            </a:extLst>
+          </p:cNvPr>
+          <p:cNvSpPr/>
+          <p:nvPr/>
+        </p:nvSpPr>
+        <p:spPr>
+          <a:xfrm>
+            <a:off x="4851575" y="1465318"/>
+            <a:ext cx="1132848" cy="410324"/>
+          </a:xfrm>
+          <a:prstGeom prst="roundRect">
+            <a:avLst/>
+          </a:prstGeom>
+        </p:spPr>
+        <p:style>
+          <a:lnRef idx="2">
+            <a:schemeClr val="accent6">
+              <a:shade val="50000"/>
+            </a:schemeClr>
+          </a:lnRef>
+          <a:fillRef idx="1">
+            <a:schemeClr val="accent6"/>
+          </a:fillRef>
+          <a:effectRef idx="0">
+            <a:schemeClr val="accent6"/>
+          </a:effectRef>
+          <a:fontRef idx="minor">
+            <a:schemeClr val="lt1"/>
+          </a:fontRef>
+        </p:style>
+        <p:txBody>
+          <a:bodyPr rtlCol="0" anchor="ctr"/>
+          <a:lstStyle/>
+          <a:p>
+            <a:pPr algn="ctr"/>
+            <a:r>
+              <a:rPr lang="en-US" sz="1200" b="1" dirty="0"/>
+              <a:t>A</a:t>
+            </a:r>
+            <a:r>
+              <a:rPr lang="en-US" sz="1200" b="1" baseline="-25000" dirty="0"/>
+              <a:t>0</a:t>
+            </a:r>
+          </a:p>
+        </p:txBody>
+      </p:sp>
+      <p:cxnSp>
+        <p:nvCxnSpPr>
+          <p:cNvPr id="36" name="Straight Arrow Connector 35">
+            <a:extLst>
+              <a:ext uri="{FF2B5EF4-FFF2-40B4-BE49-F238E27FC236}">
+                <a16:creationId xmlns:a16="http://schemas.microsoft.com/office/drawing/2014/main" id="{9D6C55F8-6A4C-499B-AD1B-152EFE8D6DB8}"/>
+              </a:ext>
+            </a:extLst>
+          </p:cNvPr>
+          <p:cNvCxnSpPr>
+            <a:cxnSpLocks/>
+            <a:stCxn id="33" idx="3"/>
+            <a:endCxn id="35" idx="1"/>
+          </p:cNvCxnSpPr>
+          <p:nvPr/>
+        </p:nvCxnSpPr>
+        <p:spPr>
+          <a:xfrm>
+            <a:off x="4347546" y="1660475"/>
+            <a:ext cx="504029" cy="10005"/>
+          </a:xfrm>
+          <a:prstGeom prst="straightConnector1">
+            <a:avLst/>
+          </a:prstGeom>
+          <a:ln>
+            <a:tailEnd type="triangle"/>
+          </a:ln>
+        </p:spPr>
+        <p:style>
+          <a:lnRef idx="1">
+            <a:schemeClr val="accent1"/>
+          </a:lnRef>
+          <a:fillRef idx="0">
+            <a:schemeClr val="accent1"/>
+          </a:fillRef>
+          <a:effectRef idx="0">
+            <a:schemeClr val="accent1"/>
+          </a:effectRef>
+          <a:fontRef idx="minor">
+            <a:schemeClr val="tx1"/>
+          </a:fontRef>
+        </p:style>
+      </p:cxnSp>
+      <p:cxnSp>
+        <p:nvCxnSpPr>
+          <p:cNvPr id="46" name="Straight Arrow Connector 45">
+            <a:extLst>
+              <a:ext uri="{FF2B5EF4-FFF2-40B4-BE49-F238E27FC236}">
+                <a16:creationId xmlns:a16="http://schemas.microsoft.com/office/drawing/2014/main" id="{35D15772-904C-4AC7-A2E8-4A285DDF2C73}"/>
+              </a:ext>
+            </a:extLst>
+          </p:cNvPr>
+          <p:cNvCxnSpPr>
+            <a:cxnSpLocks/>
+            <a:stCxn id="13" idx="3"/>
+            <a:endCxn id="14" idx="1"/>
+          </p:cNvCxnSpPr>
+          <p:nvPr/>
+        </p:nvCxnSpPr>
+        <p:spPr>
+          <a:xfrm flipV="1">
+            <a:off x="2096994" y="3186913"/>
+            <a:ext cx="527139" cy="532515"/>
+          </a:xfrm>
+          <a:prstGeom prst="straightConnector1">
+            <a:avLst/>
+          </a:prstGeom>
+          <a:ln>
+            <a:tailEnd type="triangle"/>
+          </a:ln>
+        </p:spPr>
+        <p:style>
+          <a:lnRef idx="1">
+            <a:schemeClr val="accent1"/>
+          </a:lnRef>
+          <a:fillRef idx="0">
+            <a:schemeClr val="accent1"/>
+          </a:fillRef>
+          <a:effectRef idx="0">
+            <a:schemeClr val="accent1"/>
+          </a:effectRef>
+          <a:fontRef idx="minor">
+            <a:schemeClr val="tx1"/>
+          </a:fontRef>
+        </p:style>
+      </p:cxnSp>
+      <p:cxnSp>
+        <p:nvCxnSpPr>
+          <p:cNvPr id="55" name="Straight Arrow Connector 54">
+            <a:extLst>
+              <a:ext uri="{FF2B5EF4-FFF2-40B4-BE49-F238E27FC236}">
+                <a16:creationId xmlns:a16="http://schemas.microsoft.com/office/drawing/2014/main" id="{0A19ACA1-B097-4027-AE41-2D8C8CDFC675}"/>
+              </a:ext>
+            </a:extLst>
+          </p:cNvPr>
+          <p:cNvCxnSpPr>
+            <a:cxnSpLocks/>
+            <a:stCxn id="35" idx="2"/>
+            <a:endCxn id="58" idx="0"/>
+          </p:cNvCxnSpPr>
+          <p:nvPr/>
+        </p:nvCxnSpPr>
+        <p:spPr>
+          <a:xfrm>
+            <a:off x="5417999" y="1875642"/>
+            <a:ext cx="6484" cy="650215"/>
+          </a:xfrm>
+          <a:prstGeom prst="straightConnector1">
+            <a:avLst/>
+          </a:prstGeom>
+          <a:ln>
+            <a:tailEnd type="triangle"/>
+          </a:ln>
+        </p:spPr>
+        <p:style>
+          <a:lnRef idx="1">
+            <a:schemeClr val="accent1"/>
+          </a:lnRef>
+          <a:fillRef idx="0">
+            <a:schemeClr val="accent1"/>
+          </a:fillRef>
+          <a:effectRef idx="0">
+            <a:schemeClr val="accent1"/>
+          </a:effectRef>
+          <a:fontRef idx="minor">
+            <a:schemeClr val="tx1"/>
+          </a:fontRef>
+        </p:style>
+      </p:cxnSp>
+      <p:sp>
+        <p:nvSpPr>
+          <p:cNvPr id="58" name="Rectangle 57">
+            <a:extLst>
+              <a:ext uri="{FF2B5EF4-FFF2-40B4-BE49-F238E27FC236}">
+                <a16:creationId xmlns:a16="http://schemas.microsoft.com/office/drawing/2014/main" id="{E295E94A-4CA8-4018-96E6-2CE7ED013755}"/>
+              </a:ext>
+            </a:extLst>
+          </p:cNvPr>
+          <p:cNvSpPr/>
+          <p:nvPr/>
+        </p:nvSpPr>
+        <p:spPr>
+          <a:xfrm>
+            <a:off x="4890512" y="2525857"/>
+            <a:ext cx="1067942" cy="410324"/>
+          </a:xfrm>
+          <a:prstGeom prst="rect">
+            <a:avLst/>
+          </a:prstGeom>
+        </p:spPr>
+        <p:style>
+          <a:lnRef idx="2">
+            <a:schemeClr val="dk1">
+              <a:shade val="50000"/>
+            </a:schemeClr>
+          </a:lnRef>
+          <a:fillRef idx="1">
+            <a:schemeClr val="dk1"/>
+          </a:fillRef>
+          <a:effectRef idx="0">
+            <a:schemeClr val="dk1"/>
+          </a:effectRef>
+          <a:fontRef idx="minor">
+            <a:schemeClr val="lt1"/>
+          </a:fontRef>
+        </p:style>
+        <p:txBody>
+          <a:bodyPr rtlCol="0" anchor="ctr"/>
+          <a:lstStyle/>
+          <a:p>
+            <a:pPr algn="ctr"/>
+            <a:r>
+              <a:rPr lang="en-US" sz="1000" dirty="0"/>
+              <a:t>Sparse x Sparse x Sparse Multiply</a:t>
+            </a:r>
+          </a:p>
+        </p:txBody>
+      </p:sp>
+      <p:sp>
+        <p:nvSpPr>
+          <p:cNvPr id="67" name="TextBox 66">
+            <a:extLst>
+              <a:ext uri="{FF2B5EF4-FFF2-40B4-BE49-F238E27FC236}">
+                <a16:creationId xmlns:a16="http://schemas.microsoft.com/office/drawing/2014/main" id="{518E2B91-5D23-489D-AE6A-03426A2EE471}"/>
+              </a:ext>
+            </a:extLst>
+          </p:cNvPr>
+          <p:cNvSpPr txBox="1"/>
+          <p:nvPr/>
+        </p:nvSpPr>
+        <p:spPr>
+          <a:xfrm>
+            <a:off x="1348634" y="1509075"/>
+            <a:ext cx="361693" cy="200055"/>
+          </a:xfrm>
+          <a:prstGeom prst="rect">
+            <a:avLst/>
+          </a:prstGeom>
+        </p:spPr>
+        <p:style>
+          <a:lnRef idx="2">
+            <a:schemeClr val="dk1">
+              <a:shade val="50000"/>
+            </a:schemeClr>
+          </a:lnRef>
+          <a:fillRef idx="1">
+            <a:schemeClr val="dk1"/>
+          </a:fillRef>
+          <a:effectRef idx="0">
+            <a:schemeClr val="dk1"/>
+          </a:effectRef>
+          <a:fontRef idx="minor">
+            <a:schemeClr val="lt1"/>
+          </a:fontRef>
+        </p:style>
+        <p:txBody>
+          <a:bodyPr wrap="square" rtlCol="0">
+            <a:spAutoFit/>
+          </a:bodyPr>
+          <a:lstStyle/>
+          <a:p>
+            <a:r>
+              <a:rPr lang="en-US" sz="700" dirty="0" err="1"/>
+              <a:t>mul</a:t>
+            </a:r>
+            <a:endParaRPr lang="en-US" sz="700" dirty="0"/>
+          </a:p>
+        </p:txBody>
+      </p:sp>
+      <p:sp>
+        <p:nvSpPr>
+          <p:cNvPr id="79" name="Flowchart: Multidocument 78">
+            <a:extLst>
+              <a:ext uri="{FF2B5EF4-FFF2-40B4-BE49-F238E27FC236}">
+                <a16:creationId xmlns:a16="http://schemas.microsoft.com/office/drawing/2014/main" id="{2A12F10A-BB11-4D68-94EA-DC05DEA32AF2}"/>
+              </a:ext>
+            </a:extLst>
+          </p:cNvPr>
+          <p:cNvSpPr/>
+          <p:nvPr/>
+        </p:nvSpPr>
+        <p:spPr>
+          <a:xfrm>
+            <a:off x="4851575" y="3487766"/>
+            <a:ext cx="1244426" cy="537729"/>
+          </a:xfrm>
+          <a:prstGeom prst="flowChartMultidocument">
+            <a:avLst/>
+          </a:prstGeom>
+        </p:spPr>
+        <p:style>
+          <a:lnRef idx="2">
+            <a:schemeClr val="accent6">
+              <a:shade val="50000"/>
+            </a:schemeClr>
+          </a:lnRef>
+          <a:fillRef idx="1">
+            <a:schemeClr val="accent6"/>
+          </a:fillRef>
+          <a:effectRef idx="0">
+            <a:schemeClr val="accent6"/>
+          </a:effectRef>
+          <a:fontRef idx="minor">
+            <a:schemeClr val="lt1"/>
+          </a:fontRef>
+        </p:style>
+        <p:txBody>
+          <a:bodyPr rtlCol="0" anchor="ctr"/>
+          <a:lstStyle/>
+          <a:p>
+            <a:pPr algn="ctr"/>
+            <a:r>
+              <a:rPr lang="en-US" sz="1200" b="1" dirty="0"/>
+              <a:t>A</a:t>
+            </a:r>
+            <a:r>
+              <a:rPr lang="en-US" sz="1200" b="1" baseline="-25000" dirty="0"/>
+              <a:t>i</a:t>
+            </a:r>
+          </a:p>
+        </p:txBody>
+      </p:sp>
+      <p:cxnSp>
+        <p:nvCxnSpPr>
+          <p:cNvPr id="80" name="Straight Arrow Connector 79">
+            <a:extLst>
+              <a:ext uri="{FF2B5EF4-FFF2-40B4-BE49-F238E27FC236}">
+                <a16:creationId xmlns:a16="http://schemas.microsoft.com/office/drawing/2014/main" id="{333EF35F-AA71-4BD8-A07C-75F34DB27880}"/>
+              </a:ext>
+            </a:extLst>
+          </p:cNvPr>
+          <p:cNvCxnSpPr>
+            <a:cxnSpLocks/>
+            <a:stCxn id="58" idx="2"/>
+            <a:endCxn id="79" idx="0"/>
+          </p:cNvCxnSpPr>
+          <p:nvPr/>
+        </p:nvCxnSpPr>
+        <p:spPr>
+          <a:xfrm>
+            <a:off x="5424483" y="2936181"/>
+            <a:ext cx="134917" cy="551585"/>
+          </a:xfrm>
+          <a:prstGeom prst="straightConnector1">
+            <a:avLst/>
+          </a:prstGeom>
+          <a:ln>
+            <a:tailEnd type="triangle"/>
+          </a:ln>
+        </p:spPr>
+        <p:style>
+          <a:lnRef idx="1">
+            <a:schemeClr val="accent1"/>
+          </a:lnRef>
+          <a:fillRef idx="0">
+            <a:schemeClr val="accent1"/>
+          </a:fillRef>
+          <a:effectRef idx="0">
+            <a:schemeClr val="accent1"/>
+          </a:effectRef>
+          <a:fontRef idx="minor">
+            <a:schemeClr val="tx1"/>
+          </a:fontRef>
+        </p:style>
+      </p:cxnSp>
+      <p:cxnSp>
+        <p:nvCxnSpPr>
+          <p:cNvPr id="94" name="Straight Connector 93">
+            <a:extLst>
+              <a:ext uri="{FF2B5EF4-FFF2-40B4-BE49-F238E27FC236}">
+                <a16:creationId xmlns:a16="http://schemas.microsoft.com/office/drawing/2014/main" id="{98B30EF4-C7C0-4DD2-AB00-5612A6A5BF52}"/>
+              </a:ext>
+            </a:extLst>
+          </p:cNvPr>
+          <p:cNvCxnSpPr/>
+          <p:nvPr/>
+        </p:nvCxnSpPr>
+        <p:spPr>
+          <a:xfrm>
+            <a:off x="6199632" y="317591"/>
+            <a:ext cx="0" cy="6077712"/>
+          </a:xfrm>
+          <a:prstGeom prst="line">
+            <a:avLst/>
+          </a:prstGeom>
+          <a:ln w="28575"/>
+        </p:spPr>
+        <p:style>
+          <a:lnRef idx="1">
+            <a:schemeClr val="accent3"/>
+          </a:lnRef>
+          <a:fillRef idx="0">
+            <a:schemeClr val="accent3"/>
+          </a:fillRef>
+          <a:effectRef idx="0">
+            <a:schemeClr val="accent3"/>
+          </a:effectRef>
+          <a:fontRef idx="minor">
+            <a:schemeClr val="tx1"/>
+          </a:fontRef>
+        </p:style>
+      </p:cxnSp>
+      <p:cxnSp>
+        <p:nvCxnSpPr>
+          <p:cNvPr id="95" name="Straight Arrow Connector 94">
+            <a:extLst>
+              <a:ext uri="{FF2B5EF4-FFF2-40B4-BE49-F238E27FC236}">
+                <a16:creationId xmlns:a16="http://schemas.microsoft.com/office/drawing/2014/main" id="{3ED931D8-B442-43BD-9D9E-16D8D5A80690}"/>
+              </a:ext>
+            </a:extLst>
+          </p:cNvPr>
+          <p:cNvCxnSpPr>
+            <a:cxnSpLocks/>
+            <a:stCxn id="79" idx="2"/>
+            <a:endCxn id="98" idx="0"/>
+          </p:cNvCxnSpPr>
+          <p:nvPr/>
+        </p:nvCxnSpPr>
+        <p:spPr>
+          <a:xfrm flipH="1">
+            <a:off x="5383043" y="4005131"/>
+            <a:ext cx="4211" cy="510967"/>
+          </a:xfrm>
+          <a:prstGeom prst="straightConnector1">
+            <a:avLst/>
+          </a:prstGeom>
+          <a:ln>
+            <a:tailEnd type="triangle"/>
+          </a:ln>
+        </p:spPr>
+        <p:style>
+          <a:lnRef idx="1">
+            <a:schemeClr val="accent1"/>
+          </a:lnRef>
+          <a:fillRef idx="0">
+            <a:schemeClr val="accent1"/>
+          </a:fillRef>
+          <a:effectRef idx="0">
+            <a:schemeClr val="accent1"/>
+          </a:effectRef>
+          <a:fontRef idx="minor">
+            <a:schemeClr val="tx1"/>
+          </a:fontRef>
+        </p:style>
+      </p:cxnSp>
+      <p:sp>
+        <p:nvSpPr>
+          <p:cNvPr id="98" name="Rectangle: Rounded Corners 97">
+            <a:extLst>
+              <a:ext uri="{FF2B5EF4-FFF2-40B4-BE49-F238E27FC236}">
+                <a16:creationId xmlns:a16="http://schemas.microsoft.com/office/drawing/2014/main" id="{0DB028B9-02D9-4CB5-BF09-81F720124A9D}"/>
+              </a:ext>
+            </a:extLst>
+          </p:cNvPr>
+          <p:cNvSpPr/>
+          <p:nvPr/>
+        </p:nvSpPr>
+        <p:spPr>
+          <a:xfrm>
+            <a:off x="4816619" y="4516098"/>
+            <a:ext cx="1132848" cy="410324"/>
+          </a:xfrm>
+          <a:prstGeom prst="roundRect">
+            <a:avLst/>
+          </a:prstGeom>
+        </p:spPr>
+        <p:style>
+          <a:lnRef idx="2">
+            <a:schemeClr val="accent6">
+              <a:shade val="50000"/>
+            </a:schemeClr>
+          </a:lnRef>
+          <a:fillRef idx="1">
+            <a:schemeClr val="accent6"/>
+          </a:fillRef>
+          <a:effectRef idx="0">
+            <a:schemeClr val="accent6"/>
+          </a:effectRef>
+          <a:fontRef idx="minor">
+            <a:schemeClr val="lt1"/>
+          </a:fontRef>
+        </p:style>
+        <p:txBody>
+          <a:bodyPr rtlCol="0" anchor="ctr"/>
+          <a:lstStyle/>
+          <a:p>
+            <a:pPr algn="ctr"/>
+            <a:r>
+              <a:rPr lang="en-US" sz="1200" b="1" dirty="0"/>
+              <a:t>A</a:t>
+            </a:r>
+            <a:r>
+              <a:rPr lang="en-US" sz="1200" b="1" baseline="-25000" dirty="0"/>
+              <a:t>(n-1)</a:t>
+            </a:r>
+          </a:p>
+        </p:txBody>
+      </p:sp>
+      <p:sp>
+        <p:nvSpPr>
+          <p:cNvPr id="101" name="Rectangle 100">
+            <a:extLst>
+              <a:ext uri="{FF2B5EF4-FFF2-40B4-BE49-F238E27FC236}">
+                <a16:creationId xmlns:a16="http://schemas.microsoft.com/office/drawing/2014/main" id="{25325FBD-F3B6-447B-AC26-07D1550B9CA8}"/>
+              </a:ext>
+            </a:extLst>
+          </p:cNvPr>
+          <p:cNvSpPr/>
+          <p:nvPr/>
+        </p:nvSpPr>
+        <p:spPr>
+          <a:xfrm>
+            <a:off x="4924735" y="5262977"/>
+            <a:ext cx="928807" cy="410324"/>
+          </a:xfrm>
+          <a:prstGeom prst="rect">
+            <a:avLst/>
+          </a:prstGeom>
+        </p:spPr>
+        <p:style>
+          <a:lnRef idx="2">
+            <a:schemeClr val="dk1">
+              <a:shade val="50000"/>
+            </a:schemeClr>
+          </a:lnRef>
+          <a:fillRef idx="1">
+            <a:schemeClr val="dk1"/>
+          </a:fillRef>
+          <a:effectRef idx="0">
+            <a:schemeClr val="dk1"/>
+          </a:effectRef>
+          <a:fontRef idx="minor">
+            <a:schemeClr val="lt1"/>
+          </a:fontRef>
+        </p:style>
+        <p:txBody>
+          <a:bodyPr rtlCol="0" anchor="ctr"/>
+          <a:lstStyle/>
+          <a:p>
+            <a:pPr algn="ctr"/>
+            <a:r>
+              <a:rPr lang="en-US" sz="1200" dirty="0" err="1"/>
+              <a:t>Presolve</a:t>
+            </a:r>
+            <a:endParaRPr lang="en-US" sz="1200" dirty="0"/>
+          </a:p>
+        </p:txBody>
+      </p:sp>
+      <p:cxnSp>
+        <p:nvCxnSpPr>
+          <p:cNvPr id="102" name="Straight Arrow Connector 101">
+            <a:extLst>
+              <a:ext uri="{FF2B5EF4-FFF2-40B4-BE49-F238E27FC236}">
+                <a16:creationId xmlns:a16="http://schemas.microsoft.com/office/drawing/2014/main" id="{2DA37B8C-3040-464F-A1FF-ABD68C11DFF9}"/>
+              </a:ext>
+            </a:extLst>
+          </p:cNvPr>
+          <p:cNvCxnSpPr>
+            <a:cxnSpLocks/>
+            <a:stCxn id="98" idx="2"/>
+            <a:endCxn id="101" idx="0"/>
+          </p:cNvCxnSpPr>
+          <p:nvPr/>
+        </p:nvCxnSpPr>
+        <p:spPr>
+          <a:xfrm>
+            <a:off x="5383043" y="4926422"/>
+            <a:ext cx="6096" cy="336555"/>
+          </a:xfrm>
+          <a:prstGeom prst="straightConnector1">
+            <a:avLst/>
+          </a:prstGeom>
+          <a:ln>
+            <a:tailEnd type="triangle"/>
+          </a:ln>
+        </p:spPr>
+        <p:style>
+          <a:lnRef idx="1">
+            <a:schemeClr val="accent1"/>
+          </a:lnRef>
+          <a:fillRef idx="0">
+            <a:schemeClr val="accent1"/>
+          </a:fillRef>
+          <a:effectRef idx="0">
+            <a:schemeClr val="accent1"/>
+          </a:effectRef>
+          <a:fontRef idx="minor">
+            <a:schemeClr val="tx1"/>
+          </a:fontRef>
+        </p:style>
+      </p:cxnSp>
+      <p:cxnSp>
+        <p:nvCxnSpPr>
+          <p:cNvPr id="106" name="Straight Arrow Connector 105">
+            <a:extLst>
+              <a:ext uri="{FF2B5EF4-FFF2-40B4-BE49-F238E27FC236}">
+                <a16:creationId xmlns:a16="http://schemas.microsoft.com/office/drawing/2014/main" id="{88806CFC-4FB2-4FA5-B1BE-596BB3E6D8C5}"/>
+              </a:ext>
+            </a:extLst>
+          </p:cNvPr>
+          <p:cNvCxnSpPr>
+            <a:cxnSpLocks/>
+            <a:stCxn id="101" idx="2"/>
+            <a:endCxn id="107" idx="0"/>
+          </p:cNvCxnSpPr>
+          <p:nvPr/>
+        </p:nvCxnSpPr>
+        <p:spPr>
+          <a:xfrm flipH="1">
+            <a:off x="5380500" y="5673301"/>
+            <a:ext cx="8639" cy="311678"/>
+          </a:xfrm>
+          <a:prstGeom prst="straightConnector1">
+            <a:avLst/>
+          </a:prstGeom>
+          <a:ln>
+            <a:tailEnd type="triangle"/>
+          </a:ln>
+        </p:spPr>
+        <p:style>
+          <a:lnRef idx="1">
+            <a:schemeClr val="accent1"/>
+          </a:lnRef>
+          <a:fillRef idx="0">
+            <a:schemeClr val="accent1"/>
+          </a:fillRef>
+          <a:effectRef idx="0">
+            <a:schemeClr val="accent1"/>
+          </a:effectRef>
+          <a:fontRef idx="minor">
+            <a:schemeClr val="tx1"/>
+          </a:fontRef>
+        </p:style>
+      </p:cxnSp>
+      <p:sp>
+        <p:nvSpPr>
+          <p:cNvPr id="107" name="Rectangle: Rounded Corners 106">
+            <a:extLst>
+              <a:ext uri="{FF2B5EF4-FFF2-40B4-BE49-F238E27FC236}">
+                <a16:creationId xmlns:a16="http://schemas.microsoft.com/office/drawing/2014/main" id="{5747A102-9778-4881-945F-420C88A8602B}"/>
+              </a:ext>
+            </a:extLst>
+          </p:cNvPr>
+          <p:cNvSpPr/>
+          <p:nvPr/>
+        </p:nvSpPr>
+        <p:spPr>
+          <a:xfrm>
+            <a:off x="4814076" y="5984979"/>
+            <a:ext cx="1132848" cy="410324"/>
+          </a:xfrm>
+          <a:prstGeom prst="roundRect">
+            <a:avLst/>
+          </a:prstGeom>
+        </p:spPr>
+        <p:style>
+          <a:lnRef idx="2">
+            <a:schemeClr val="accent6">
+              <a:shade val="50000"/>
+            </a:schemeClr>
+          </a:lnRef>
+          <a:fillRef idx="1">
+            <a:schemeClr val="accent6"/>
+          </a:fillRef>
+          <a:effectRef idx="0">
+            <a:schemeClr val="accent6"/>
+          </a:effectRef>
+          <a:fontRef idx="minor">
+            <a:schemeClr val="lt1"/>
+          </a:fontRef>
+        </p:style>
+        <p:txBody>
+          <a:bodyPr rtlCol="0" anchor="ctr"/>
+          <a:lstStyle/>
+          <a:p>
+            <a:pPr algn="ctr"/>
+            <a:r>
+              <a:rPr lang="en-US" sz="1200" b="1" dirty="0"/>
+              <a:t>A</a:t>
+            </a:r>
+            <a:r>
+              <a:rPr lang="en-US" sz="1200" b="1" baseline="30000" dirty="0"/>
+              <a:t>*</a:t>
+            </a:r>
+            <a:r>
+              <a:rPr lang="en-US" sz="1200" b="1" baseline="-25000" dirty="0"/>
+              <a:t>(n-1) </a:t>
+            </a:r>
+            <a:r>
+              <a:rPr lang="en-US" sz="1200" b="1" dirty="0"/>
+              <a:t>PRESOLVED</a:t>
+            </a:r>
+          </a:p>
+        </p:txBody>
+      </p:sp>
+      <p:sp>
+        <p:nvSpPr>
+          <p:cNvPr id="111" name="Rectangle: Rounded Corners 110">
+            <a:extLst>
+              <a:ext uri="{FF2B5EF4-FFF2-40B4-BE49-F238E27FC236}">
+                <a16:creationId xmlns:a16="http://schemas.microsoft.com/office/drawing/2014/main" id="{DC972551-F349-4F0F-9A82-3969D5C13515}"/>
+              </a:ext>
+            </a:extLst>
+          </p:cNvPr>
+          <p:cNvSpPr/>
+          <p:nvPr/>
+        </p:nvSpPr>
+        <p:spPr>
+          <a:xfrm>
+            <a:off x="6379373" y="1487332"/>
+            <a:ext cx="1132848" cy="410324"/>
+          </a:xfrm>
+          <a:prstGeom prst="roundRect">
+            <a:avLst/>
+          </a:prstGeom>
+        </p:spPr>
+        <p:style>
+          <a:lnRef idx="2">
+            <a:schemeClr val="accent6">
+              <a:shade val="50000"/>
+            </a:schemeClr>
+          </a:lnRef>
+          <a:fillRef idx="1">
+            <a:schemeClr val="accent6"/>
+          </a:fillRef>
+          <a:effectRef idx="0">
+            <a:schemeClr val="accent6"/>
+          </a:effectRef>
+          <a:fontRef idx="minor">
+            <a:schemeClr val="lt1"/>
+          </a:fontRef>
+        </p:style>
+        <p:txBody>
+          <a:bodyPr rtlCol="0" anchor="ctr"/>
+          <a:lstStyle/>
+          <a:p>
+            <a:pPr algn="ctr"/>
+            <a:r>
+              <a:rPr lang="en-US" sz="1200" dirty="0"/>
+              <a:t>A</a:t>
+            </a:r>
+            <a:r>
+              <a:rPr lang="en-US" sz="1200" baseline="-25000" dirty="0"/>
+              <a:t>0</a:t>
+            </a:r>
+          </a:p>
+        </p:txBody>
+      </p:sp>
+      <p:cxnSp>
+        <p:nvCxnSpPr>
+          <p:cNvPr id="112" name="Straight Arrow Connector 111">
+            <a:extLst>
+              <a:ext uri="{FF2B5EF4-FFF2-40B4-BE49-F238E27FC236}">
+                <a16:creationId xmlns:a16="http://schemas.microsoft.com/office/drawing/2014/main" id="{C1B8751E-40DE-4F47-AE04-AAA32D1A094A}"/>
+              </a:ext>
+            </a:extLst>
+          </p:cNvPr>
+          <p:cNvCxnSpPr>
+            <a:cxnSpLocks/>
+          </p:cNvCxnSpPr>
+          <p:nvPr/>
+        </p:nvCxnSpPr>
+        <p:spPr>
+          <a:xfrm>
+            <a:off x="6600416" y="1977134"/>
+            <a:ext cx="601533" cy="1583672"/>
+          </a:xfrm>
+          <a:prstGeom prst="straightConnector1">
+            <a:avLst/>
+          </a:prstGeom>
+          <a:ln w="28575">
+            <a:tailEnd type="triangle"/>
+          </a:ln>
+        </p:spPr>
+        <p:style>
+          <a:lnRef idx="1">
+            <a:schemeClr val="dk1"/>
+          </a:lnRef>
+          <a:fillRef idx="0">
+            <a:schemeClr val="dk1"/>
+          </a:fillRef>
+          <a:effectRef idx="0">
+            <a:schemeClr val="dk1"/>
+          </a:effectRef>
+          <a:fontRef idx="minor">
+            <a:schemeClr val="tx1"/>
+          </a:fontRef>
+        </p:style>
+      </p:cxnSp>
+      <p:sp>
+        <p:nvSpPr>
+          <p:cNvPr id="116" name="Rectangle: Rounded Corners 115">
+            <a:extLst>
+              <a:ext uri="{FF2B5EF4-FFF2-40B4-BE49-F238E27FC236}">
+                <a16:creationId xmlns:a16="http://schemas.microsoft.com/office/drawing/2014/main" id="{079A8243-EBD2-483B-AD80-BDCA019EFB67}"/>
+              </a:ext>
+            </a:extLst>
+          </p:cNvPr>
+          <p:cNvSpPr/>
+          <p:nvPr/>
+        </p:nvSpPr>
+        <p:spPr>
+          <a:xfrm>
+            <a:off x="7467054" y="4608436"/>
+            <a:ext cx="859213" cy="273109"/>
+          </a:xfrm>
+          <a:prstGeom prst="roundRect">
+            <a:avLst/>
+          </a:prstGeom>
+        </p:spPr>
+        <p:style>
+          <a:lnRef idx="2">
+            <a:schemeClr val="accent6">
+              <a:shade val="50000"/>
+            </a:schemeClr>
+          </a:lnRef>
+          <a:fillRef idx="1">
+            <a:schemeClr val="accent6"/>
+          </a:fillRef>
+          <a:effectRef idx="0">
+            <a:schemeClr val="accent6"/>
+          </a:effectRef>
+          <a:fontRef idx="minor">
+            <a:schemeClr val="lt1"/>
+          </a:fontRef>
+        </p:style>
+        <p:txBody>
+          <a:bodyPr rtlCol="0" anchor="ctr"/>
+          <a:lstStyle/>
+          <a:p>
+            <a:pPr algn="ctr"/>
+            <a:r>
+              <a:rPr lang="en-US" sz="1200" dirty="0"/>
+              <a:t>A</a:t>
+            </a:r>
+            <a:r>
+              <a:rPr lang="en-US" sz="1200" baseline="30000" dirty="0"/>
+              <a:t>*</a:t>
+            </a:r>
+            <a:r>
+              <a:rPr lang="en-US" sz="1200" baseline="-25000" dirty="0"/>
+              <a:t>(n-1)</a:t>
+            </a:r>
+          </a:p>
+        </p:txBody>
+      </p:sp>
+      <p:sp>
+        <p:nvSpPr>
+          <p:cNvPr id="117" name="Rectangle: Rounded Corners 116">
+            <a:extLst>
+              <a:ext uri="{FF2B5EF4-FFF2-40B4-BE49-F238E27FC236}">
+                <a16:creationId xmlns:a16="http://schemas.microsoft.com/office/drawing/2014/main" id="{410BE147-E681-46B4-9A42-3FA1830C8EEA}"/>
+              </a:ext>
+            </a:extLst>
+          </p:cNvPr>
+          <p:cNvSpPr/>
+          <p:nvPr/>
+        </p:nvSpPr>
+        <p:spPr>
+          <a:xfrm>
+            <a:off x="7568896" y="1565587"/>
+            <a:ext cx="559777" cy="273109"/>
+          </a:xfrm>
+          <a:prstGeom prst="roundRect">
+            <a:avLst/>
+          </a:prstGeom>
+        </p:spPr>
+        <p:style>
+          <a:lnRef idx="2">
+            <a:schemeClr val="accent1">
+              <a:shade val="50000"/>
+            </a:schemeClr>
+          </a:lnRef>
+          <a:fillRef idx="1">
+            <a:schemeClr val="accent1"/>
+          </a:fillRef>
+          <a:effectRef idx="0">
+            <a:schemeClr val="accent1"/>
+          </a:effectRef>
+          <a:fontRef idx="minor">
+            <a:schemeClr val="lt1"/>
+          </a:fontRef>
+        </p:style>
+        <p:txBody>
+          <a:bodyPr rtlCol="0" anchor="ctr"/>
+          <a:lstStyle/>
+          <a:p>
+            <a:pPr algn="ctr"/>
+            <a:r>
+              <a:rPr lang="en-US" sz="1200" dirty="0"/>
+              <a:t>x</a:t>
+            </a:r>
+            <a:r>
+              <a:rPr lang="en-US" sz="1200" baseline="-25000" dirty="0"/>
+              <a:t>0</a:t>
+            </a:r>
+          </a:p>
+        </p:txBody>
+      </p:sp>
+      <p:cxnSp>
+        <p:nvCxnSpPr>
+          <p:cNvPr id="118" name="Straight Arrow Connector 117">
+            <a:extLst>
+              <a:ext uri="{FF2B5EF4-FFF2-40B4-BE49-F238E27FC236}">
+                <a16:creationId xmlns:a16="http://schemas.microsoft.com/office/drawing/2014/main" id="{D83C0095-1C97-48BF-84C1-1BB6167E8AAF}"/>
+              </a:ext>
+            </a:extLst>
+          </p:cNvPr>
+          <p:cNvCxnSpPr>
+            <a:cxnSpLocks/>
+            <a:stCxn id="33" idx="3"/>
+            <a:endCxn id="121" idx="1"/>
+          </p:cNvCxnSpPr>
+          <p:nvPr/>
+        </p:nvCxnSpPr>
+        <p:spPr>
+          <a:xfrm flipV="1">
+            <a:off x="4347546" y="1220615"/>
+            <a:ext cx="432043" cy="439860"/>
+          </a:xfrm>
+          <a:prstGeom prst="bentConnector3">
+            <a:avLst>
+              <a:gd name="adj1" fmla="val 50000"/>
+            </a:avLst>
+          </a:prstGeom>
+          <a:ln>
+            <a:tailEnd type="triangle"/>
+          </a:ln>
+        </p:spPr>
+        <p:style>
+          <a:lnRef idx="1">
+            <a:schemeClr val="accent1"/>
+          </a:lnRef>
+          <a:fillRef idx="0">
+            <a:schemeClr val="accent1"/>
+          </a:fillRef>
+          <a:effectRef idx="0">
+            <a:schemeClr val="accent1"/>
+          </a:effectRef>
+          <a:fontRef idx="minor">
+            <a:schemeClr val="tx1"/>
+          </a:fontRef>
+        </p:style>
+      </p:cxnSp>
+      <p:sp>
+        <p:nvSpPr>
+          <p:cNvPr id="121" name="Rectangle: Rounded Corners 120">
+            <a:extLst>
+              <a:ext uri="{FF2B5EF4-FFF2-40B4-BE49-F238E27FC236}">
+                <a16:creationId xmlns:a16="http://schemas.microsoft.com/office/drawing/2014/main" id="{CEBFEF84-8B51-46FE-8CEB-174347C4864D}"/>
+              </a:ext>
+            </a:extLst>
+          </p:cNvPr>
+          <p:cNvSpPr/>
+          <p:nvPr/>
+        </p:nvSpPr>
+        <p:spPr>
+          <a:xfrm>
+            <a:off x="4779589" y="1084060"/>
+            <a:ext cx="559777" cy="273109"/>
+          </a:xfrm>
+          <a:prstGeom prst="roundRect">
+            <a:avLst/>
+          </a:prstGeom>
+        </p:spPr>
+        <p:style>
+          <a:lnRef idx="2">
+            <a:schemeClr val="accent1">
+              <a:shade val="50000"/>
+            </a:schemeClr>
+          </a:lnRef>
+          <a:fillRef idx="1">
+            <a:schemeClr val="accent1"/>
+          </a:fillRef>
+          <a:effectRef idx="0">
+            <a:schemeClr val="accent1"/>
+          </a:effectRef>
+          <a:fontRef idx="minor">
+            <a:schemeClr val="lt1"/>
+          </a:fontRef>
+        </p:style>
+        <p:txBody>
+          <a:bodyPr rtlCol="0" anchor="ctr"/>
+          <a:lstStyle/>
+          <a:p>
+            <a:pPr algn="ctr"/>
+            <a:r>
+              <a:rPr lang="en-US" sz="1200" dirty="0"/>
+              <a:t>f</a:t>
+            </a:r>
+            <a:r>
+              <a:rPr lang="en-US" sz="1200" baseline="-25000" dirty="0"/>
+              <a:t>0</a:t>
+            </a:r>
+          </a:p>
+        </p:txBody>
+      </p:sp>
+      <p:sp>
+        <p:nvSpPr>
+          <p:cNvPr id="124" name="Rectangle: Rounded Corners 123">
+            <a:extLst>
+              <a:ext uri="{FF2B5EF4-FFF2-40B4-BE49-F238E27FC236}">
+                <a16:creationId xmlns:a16="http://schemas.microsoft.com/office/drawing/2014/main" id="{5B998CC9-3DF1-480A-A773-DAD1C70A3CAD}"/>
+              </a:ext>
+            </a:extLst>
+          </p:cNvPr>
+          <p:cNvSpPr/>
+          <p:nvPr/>
+        </p:nvSpPr>
+        <p:spPr>
+          <a:xfrm>
+            <a:off x="8261301" y="1565587"/>
+            <a:ext cx="559777" cy="273109"/>
+          </a:xfrm>
+          <a:prstGeom prst="roundRect">
+            <a:avLst/>
+          </a:prstGeom>
+        </p:spPr>
+        <p:style>
+          <a:lnRef idx="2">
+            <a:schemeClr val="accent1">
+              <a:shade val="50000"/>
+            </a:schemeClr>
+          </a:lnRef>
+          <a:fillRef idx="1">
+            <a:schemeClr val="accent1"/>
+          </a:fillRef>
+          <a:effectRef idx="0">
+            <a:schemeClr val="accent1"/>
+          </a:effectRef>
+          <a:fontRef idx="minor">
+            <a:schemeClr val="lt1"/>
+          </a:fontRef>
+        </p:style>
+        <p:txBody>
+          <a:bodyPr rtlCol="0" anchor="ctr"/>
+          <a:lstStyle/>
+          <a:p>
+            <a:pPr algn="ctr"/>
+            <a:r>
+              <a:rPr lang="en-US" sz="1200" dirty="0"/>
+              <a:t>f</a:t>
+            </a:r>
+            <a:r>
+              <a:rPr lang="en-US" sz="1200" baseline="-25000" dirty="0"/>
+              <a:t>0</a:t>
+            </a:r>
+          </a:p>
+        </p:txBody>
+      </p:sp>
+      <p:sp>
+        <p:nvSpPr>
+          <p:cNvPr id="125" name="Rectangle: Rounded Corners 124">
+            <a:extLst>
+              <a:ext uri="{FF2B5EF4-FFF2-40B4-BE49-F238E27FC236}">
+                <a16:creationId xmlns:a16="http://schemas.microsoft.com/office/drawing/2014/main" id="{CAF04F4E-1186-4B34-8C96-E4E0FBECFAFE}"/>
+              </a:ext>
+            </a:extLst>
+          </p:cNvPr>
+          <p:cNvSpPr/>
+          <p:nvPr/>
+        </p:nvSpPr>
+        <p:spPr>
+          <a:xfrm>
+            <a:off x="7327945" y="2147066"/>
+            <a:ext cx="559777" cy="273109"/>
+          </a:xfrm>
+          <a:prstGeom prst="roundRect">
+            <a:avLst/>
+          </a:prstGeom>
+        </p:spPr>
+        <p:style>
+          <a:lnRef idx="2">
+            <a:schemeClr val="accent1">
+              <a:shade val="50000"/>
+            </a:schemeClr>
+          </a:lnRef>
+          <a:fillRef idx="1">
+            <a:schemeClr val="accent1"/>
+          </a:fillRef>
+          <a:effectRef idx="0">
+            <a:schemeClr val="accent1"/>
+          </a:effectRef>
+          <a:fontRef idx="minor">
+            <a:schemeClr val="lt1"/>
+          </a:fontRef>
+        </p:style>
+        <p:txBody>
+          <a:bodyPr rtlCol="0" anchor="ctr"/>
+          <a:lstStyle/>
+          <a:p>
+            <a:pPr algn="ctr"/>
+            <a:r>
+              <a:rPr lang="en-US" sz="1200" dirty="0"/>
+              <a:t>r</a:t>
+            </a:r>
+            <a:r>
+              <a:rPr lang="en-US" sz="1200" baseline="-25000" dirty="0"/>
+              <a:t>0</a:t>
+            </a:r>
+          </a:p>
+        </p:txBody>
+      </p:sp>
+      <p:cxnSp>
+        <p:nvCxnSpPr>
+          <p:cNvPr id="126" name="Straight Arrow Connector 125">
+            <a:extLst>
+              <a:ext uri="{FF2B5EF4-FFF2-40B4-BE49-F238E27FC236}">
+                <a16:creationId xmlns:a16="http://schemas.microsoft.com/office/drawing/2014/main" id="{63BBD1B4-EC47-4FC3-A85C-9737B4D64A79}"/>
+              </a:ext>
+            </a:extLst>
+          </p:cNvPr>
+          <p:cNvCxnSpPr>
+            <a:cxnSpLocks/>
+            <a:stCxn id="111" idx="2"/>
+            <a:endCxn id="125" idx="0"/>
+          </p:cNvCxnSpPr>
+          <p:nvPr/>
+        </p:nvCxnSpPr>
+        <p:spPr>
+          <a:xfrm rot="16200000" flipH="1">
+            <a:off x="7152110" y="1691342"/>
+            <a:ext cx="249410" cy="662037"/>
+          </a:xfrm>
+          <a:prstGeom prst="bentConnector3">
+            <a:avLst>
+              <a:gd name="adj1" fmla="val 50000"/>
+            </a:avLst>
+          </a:prstGeom>
+          <a:ln>
+            <a:tailEnd type="triangle"/>
+          </a:ln>
+        </p:spPr>
+        <p:style>
+          <a:lnRef idx="1">
+            <a:schemeClr val="accent3"/>
+          </a:lnRef>
+          <a:fillRef idx="0">
+            <a:schemeClr val="accent3"/>
+          </a:fillRef>
+          <a:effectRef idx="0">
+            <a:schemeClr val="accent3"/>
+          </a:effectRef>
+          <a:fontRef idx="minor">
+            <a:schemeClr val="tx1"/>
+          </a:fontRef>
+        </p:style>
+      </p:cxnSp>
+      <p:cxnSp>
+        <p:nvCxnSpPr>
+          <p:cNvPr id="129" name="Straight Arrow Connector 125">
+            <a:extLst>
+              <a:ext uri="{FF2B5EF4-FFF2-40B4-BE49-F238E27FC236}">
+                <a16:creationId xmlns:a16="http://schemas.microsoft.com/office/drawing/2014/main" id="{2FD48D0A-F41E-4301-B93A-1B1952C7F7F9}"/>
+              </a:ext>
+            </a:extLst>
+          </p:cNvPr>
+          <p:cNvCxnSpPr>
+            <a:cxnSpLocks/>
+            <a:stCxn id="117" idx="2"/>
+            <a:endCxn id="125" idx="0"/>
+          </p:cNvCxnSpPr>
+          <p:nvPr/>
+        </p:nvCxnSpPr>
+        <p:spPr>
+          <a:xfrm rot="5400000">
+            <a:off x="7574125" y="1872406"/>
+            <a:ext cx="308370" cy="240951"/>
+          </a:xfrm>
+          <a:prstGeom prst="bentConnector3">
+            <a:avLst>
+              <a:gd name="adj1" fmla="val 50000"/>
+            </a:avLst>
+          </a:prstGeom>
+          <a:ln>
+            <a:tailEnd type="triangle"/>
+          </a:ln>
+        </p:spPr>
+        <p:style>
+          <a:lnRef idx="1">
+            <a:schemeClr val="accent3"/>
+          </a:lnRef>
+          <a:fillRef idx="0">
+            <a:schemeClr val="accent3"/>
+          </a:fillRef>
+          <a:effectRef idx="0">
+            <a:schemeClr val="accent3"/>
+          </a:effectRef>
+          <a:fontRef idx="minor">
+            <a:schemeClr val="tx1"/>
+          </a:fontRef>
+        </p:style>
+      </p:cxnSp>
+      <p:cxnSp>
+        <p:nvCxnSpPr>
+          <p:cNvPr id="132" name="Straight Arrow Connector 125">
+            <a:extLst>
+              <a:ext uri="{FF2B5EF4-FFF2-40B4-BE49-F238E27FC236}">
+                <a16:creationId xmlns:a16="http://schemas.microsoft.com/office/drawing/2014/main" id="{1577A2D3-DCB9-4A6C-8E1F-89F10EAB3194}"/>
+              </a:ext>
+            </a:extLst>
+          </p:cNvPr>
+          <p:cNvCxnSpPr>
+            <a:cxnSpLocks/>
+            <a:stCxn id="124" idx="2"/>
+            <a:endCxn id="125" idx="0"/>
+          </p:cNvCxnSpPr>
+          <p:nvPr/>
+        </p:nvCxnSpPr>
+        <p:spPr>
+          <a:xfrm rot="5400000">
+            <a:off x="7920327" y="1526203"/>
+            <a:ext cx="308370" cy="933356"/>
+          </a:xfrm>
+          <a:prstGeom prst="bentConnector3">
+            <a:avLst>
+              <a:gd name="adj1" fmla="val 50000"/>
+            </a:avLst>
+          </a:prstGeom>
+          <a:ln>
+            <a:tailEnd type="triangle"/>
+          </a:ln>
+        </p:spPr>
+        <p:style>
+          <a:lnRef idx="1">
+            <a:schemeClr val="accent3"/>
+          </a:lnRef>
+          <a:fillRef idx="0">
+            <a:schemeClr val="accent3"/>
+          </a:fillRef>
+          <a:effectRef idx="0">
+            <a:schemeClr val="accent3"/>
+          </a:effectRef>
+          <a:fontRef idx="minor">
+            <a:schemeClr val="tx1"/>
+          </a:fontRef>
+        </p:style>
+      </p:cxnSp>
+      <mc:AlternateContent xmlns:mc="http://schemas.openxmlformats.org/markup-compatibility/2006" xmlns:a14="http://schemas.microsoft.com/office/drawing/2010/main">
+        <mc:Choice Requires="a14">
+          <p:sp>
+            <p:nvSpPr>
+              <p:cNvPr id="135" name="TextBox 134">
+                <a:extLst>
+                  <a:ext uri="{FF2B5EF4-FFF2-40B4-BE49-F238E27FC236}">
+                    <a16:creationId xmlns:a16="http://schemas.microsoft.com/office/drawing/2014/main" id="{07A8108F-8F53-44EC-BE90-381C1418D1EB}"/>
+                  </a:ext>
+                </a:extLst>
+              </p:cNvPr>
+              <p:cNvSpPr txBox="1"/>
+              <p:nvPr/>
+            </p:nvSpPr>
+            <p:spPr>
+              <a:xfrm>
+                <a:off x="7747777" y="1938715"/>
+                <a:ext cx="1199297" cy="246221"/>
+              </a:xfrm>
+              <a:prstGeom prst="rect">
+                <a:avLst/>
+              </a:prstGeom>
+              <a:noFill/>
+            </p:spPr>
+            <p:txBody>
+              <a:bodyPr wrap="square" rtlCol="0">
+                <a:spAutoFit/>
+              </a:bodyPr>
+              <a:lstStyle/>
+              <a:p>
+                <a:pPr/>
+                <a14:m>
+                  <m:oMathPara xmlns:m="http://schemas.openxmlformats.org/officeDocument/2006/math">
+                    <m:oMathParaPr>
+                      <m:jc m:val="centerGroup"/>
+                    </m:oMathParaPr>
+                    <m:oMath xmlns:m="http://schemas.openxmlformats.org/officeDocument/2006/math">
+                      <m:r>
+                        <a:rPr lang="en-US" sz="1000" i="1" dirty="0" smtClean="0">
+                          <a:solidFill>
+                            <a:schemeClr val="bg1">
+                              <a:lumMod val="50000"/>
+                            </a:schemeClr>
+                          </a:solidFill>
+                          <a:latin typeface="Cambria Math" panose="02040503050406030204" pitchFamily="18" charset="0"/>
+                        </a:rPr>
+                        <m:t>𝑟</m:t>
+                      </m:r>
+                      <m:r>
+                        <a:rPr lang="en-US" sz="1000" i="1" baseline="-25000" dirty="0" smtClean="0">
+                          <a:solidFill>
+                            <a:schemeClr val="bg1">
+                              <a:lumMod val="50000"/>
+                            </a:schemeClr>
+                          </a:solidFill>
+                          <a:latin typeface="Cambria Math" panose="02040503050406030204" pitchFamily="18" charset="0"/>
+                        </a:rPr>
+                        <m:t>0</m:t>
+                      </m:r>
+                      <m:r>
+                        <a:rPr lang="en-US" sz="1000" i="1" dirty="0" smtClean="0">
+                          <a:solidFill>
+                            <a:schemeClr val="bg1">
+                              <a:lumMod val="50000"/>
+                            </a:schemeClr>
+                          </a:solidFill>
+                          <a:latin typeface="Cambria Math" panose="02040503050406030204" pitchFamily="18" charset="0"/>
+                        </a:rPr>
+                        <m:t> = </m:t>
+                      </m:r>
+                      <m:r>
+                        <a:rPr lang="en-US" sz="1000" i="1" dirty="0" smtClean="0">
+                          <a:solidFill>
+                            <a:schemeClr val="bg1">
+                              <a:lumMod val="50000"/>
+                            </a:schemeClr>
+                          </a:solidFill>
+                          <a:latin typeface="Cambria Math" panose="02040503050406030204" pitchFamily="18" charset="0"/>
+                        </a:rPr>
+                        <m:t>𝑓</m:t>
+                      </m:r>
+                      <m:r>
+                        <a:rPr lang="en-US" sz="1000" i="1" baseline="-25000" dirty="0" smtClean="0">
+                          <a:solidFill>
+                            <a:schemeClr val="bg1">
+                              <a:lumMod val="50000"/>
+                            </a:schemeClr>
+                          </a:solidFill>
+                          <a:latin typeface="Cambria Math" panose="02040503050406030204" pitchFamily="18" charset="0"/>
+                        </a:rPr>
+                        <m:t>0</m:t>
+                      </m:r>
+                      <m:r>
+                        <a:rPr lang="en-US" sz="1000" i="1" dirty="0" smtClean="0">
+                          <a:solidFill>
+                            <a:schemeClr val="bg1">
+                              <a:lumMod val="50000"/>
+                            </a:schemeClr>
+                          </a:solidFill>
+                          <a:latin typeface="Cambria Math" panose="02040503050406030204" pitchFamily="18" charset="0"/>
+                        </a:rPr>
+                        <m:t> − </m:t>
+                      </m:r>
+                      <m:r>
+                        <a:rPr lang="en-US" sz="1000" i="1" dirty="0" smtClean="0">
+                          <a:solidFill>
+                            <a:schemeClr val="bg1">
+                              <a:lumMod val="50000"/>
+                            </a:schemeClr>
+                          </a:solidFill>
+                          <a:latin typeface="Cambria Math" panose="02040503050406030204" pitchFamily="18" charset="0"/>
+                        </a:rPr>
+                        <m:t>𝐴</m:t>
+                      </m:r>
+                      <m:r>
+                        <a:rPr lang="en-US" sz="1000" i="1" baseline="-25000" dirty="0" smtClean="0">
+                          <a:solidFill>
+                            <a:schemeClr val="bg1">
+                              <a:lumMod val="50000"/>
+                            </a:schemeClr>
+                          </a:solidFill>
+                          <a:latin typeface="Cambria Math" panose="02040503050406030204" pitchFamily="18" charset="0"/>
+                        </a:rPr>
+                        <m:t>0</m:t>
+                      </m:r>
+                      <m:r>
+                        <a:rPr lang="en-US" sz="1000" i="1" dirty="0" smtClean="0">
+                          <a:solidFill>
+                            <a:schemeClr val="bg1">
+                              <a:lumMod val="50000"/>
+                            </a:schemeClr>
+                          </a:solidFill>
+                          <a:latin typeface="Cambria Math" panose="02040503050406030204" pitchFamily="18" charset="0"/>
+                        </a:rPr>
+                        <m:t>𝑥</m:t>
+                      </m:r>
+                      <m:r>
+                        <a:rPr lang="en-US" sz="1000" i="1" baseline="-25000" dirty="0" smtClean="0">
+                          <a:solidFill>
+                            <a:schemeClr val="bg1">
+                              <a:lumMod val="50000"/>
+                            </a:schemeClr>
+                          </a:solidFill>
+                          <a:latin typeface="Cambria Math" panose="02040503050406030204" pitchFamily="18" charset="0"/>
+                        </a:rPr>
+                        <m:t>0</m:t>
+                      </m:r>
+                    </m:oMath>
+                  </m:oMathPara>
+                </a14:m>
+                <a:endParaRPr lang="en-US" sz="1000" baseline="-25000" dirty="0">
+                  <a:solidFill>
+                    <a:schemeClr val="bg1">
+                      <a:lumMod val="50000"/>
+                    </a:schemeClr>
+                  </a:solidFill>
+                </a:endParaRPr>
+              </a:p>
+            </p:txBody>
+          </p:sp>
+        </mc:Choice>
+        <mc:Fallback xmlns="">
+          <p:sp>
+            <p:nvSpPr>
+              <p:cNvPr id="135" name="TextBox 134">
+                <a:extLst>
+                  <a:ext uri="{FF2B5EF4-FFF2-40B4-BE49-F238E27FC236}">
+                    <a16:creationId xmlns:a16="http://schemas.microsoft.com/office/drawing/2014/main" id="{07A8108F-8F53-44EC-BE90-381C1418D1EB}"/>
+                  </a:ext>
+                </a:extLst>
+              </p:cNvPr>
+              <p:cNvSpPr txBox="1">
+                <a:spLocks noRot="1" noChangeAspect="1" noMove="1" noResize="1" noEditPoints="1" noAdjustHandles="1" noChangeArrowheads="1" noChangeShapeType="1" noTextEdit="1"/>
+              </p:cNvSpPr>
+              <p:nvPr/>
+            </p:nvSpPr>
+            <p:spPr>
+              <a:xfrm>
+                <a:off x="7747777" y="1938715"/>
+                <a:ext cx="1199297" cy="246221"/>
+              </a:xfrm>
+              <a:prstGeom prst="rect">
+                <a:avLst/>
+              </a:prstGeom>
+              <a:blipFill>
+                <a:blip r:embed="rId2"/>
+                <a:stretch>
+                  <a:fillRect b="-5000"/>
+                </a:stretch>
+              </a:blipFill>
+            </p:spPr>
+            <p:txBody>
+              <a:bodyPr/>
+              <a:lstStyle/>
+              <a:p>
+                <a:r>
+                  <a:rPr lang="en-US">
+                    <a:noFill/>
+                  </a:rPr>
+                  <a:t> </a:t>
+                </a:r>
+              </a:p>
+            </p:txBody>
+          </p:sp>
+        </mc:Fallback>
+      </mc:AlternateContent>
+      <p:cxnSp>
+        <p:nvCxnSpPr>
+          <p:cNvPr id="136" name="Straight Arrow Connector 125">
+            <a:extLst>
+              <a:ext uri="{FF2B5EF4-FFF2-40B4-BE49-F238E27FC236}">
+                <a16:creationId xmlns:a16="http://schemas.microsoft.com/office/drawing/2014/main" id="{A7B9C5E7-AD9B-4775-9F95-28DC5BEC1D9E}"/>
+              </a:ext>
+            </a:extLst>
+          </p:cNvPr>
+          <p:cNvCxnSpPr>
+            <a:cxnSpLocks/>
+            <a:stCxn id="125" idx="2"/>
+            <a:endCxn id="276" idx="3"/>
+          </p:cNvCxnSpPr>
+          <p:nvPr/>
+        </p:nvCxnSpPr>
+        <p:spPr>
+          <a:xfrm rot="5400000">
+            <a:off x="7372056" y="2318391"/>
+            <a:ext cx="133994" cy="337563"/>
+          </a:xfrm>
+          <a:prstGeom prst="bentConnector2">
+            <a:avLst/>
+          </a:prstGeom>
+          <a:ln>
+            <a:tailEnd type="triangle"/>
+          </a:ln>
+        </p:spPr>
+        <p:style>
+          <a:lnRef idx="1">
+            <a:schemeClr val="accent3"/>
+          </a:lnRef>
+          <a:fillRef idx="0">
+            <a:schemeClr val="accent3"/>
+          </a:fillRef>
+          <a:effectRef idx="0">
+            <a:schemeClr val="accent3"/>
+          </a:effectRef>
+          <a:fontRef idx="minor">
+            <a:schemeClr val="tx1"/>
+          </a:fontRef>
+        </p:style>
+      </p:cxnSp>
+      <p:sp>
+        <p:nvSpPr>
+          <p:cNvPr id="139" name="Rectangle: Rounded Corners 138">
+            <a:extLst>
+              <a:ext uri="{FF2B5EF4-FFF2-40B4-BE49-F238E27FC236}">
+                <a16:creationId xmlns:a16="http://schemas.microsoft.com/office/drawing/2014/main" id="{A32E081A-90AC-42F0-9768-11E645E649A9}"/>
+              </a:ext>
+            </a:extLst>
+          </p:cNvPr>
+          <p:cNvSpPr/>
+          <p:nvPr/>
+        </p:nvSpPr>
+        <p:spPr>
+          <a:xfrm>
+            <a:off x="7347933" y="2711712"/>
+            <a:ext cx="559777" cy="273109"/>
+          </a:xfrm>
+          <a:prstGeom prst="roundRect">
+            <a:avLst/>
+          </a:prstGeom>
+        </p:spPr>
+        <p:style>
+          <a:lnRef idx="2">
+            <a:schemeClr val="accent1">
+              <a:shade val="50000"/>
+            </a:schemeClr>
+          </a:lnRef>
+          <a:fillRef idx="1">
+            <a:schemeClr val="accent1"/>
+          </a:fillRef>
+          <a:effectRef idx="0">
+            <a:schemeClr val="accent1"/>
+          </a:effectRef>
+          <a:fontRef idx="minor">
+            <a:schemeClr val="lt1"/>
+          </a:fontRef>
+        </p:style>
+        <p:txBody>
+          <a:bodyPr rtlCol="0" anchor="ctr"/>
+          <a:lstStyle/>
+          <a:p>
+            <a:pPr algn="ctr"/>
+            <a:r>
+              <a:rPr lang="en-US" sz="1200" dirty="0"/>
+              <a:t>r</a:t>
+            </a:r>
+            <a:r>
+              <a:rPr lang="en-US" sz="1200" baseline="-25000" dirty="0"/>
+              <a:t>0</a:t>
+            </a:r>
+            <a:r>
+              <a:rPr lang="en-US" sz="1200" dirty="0"/>
+              <a:t>’</a:t>
+            </a:r>
+          </a:p>
+        </p:txBody>
+      </p:sp>
+      <p:sp>
+        <p:nvSpPr>
+          <p:cNvPr id="146" name="Rectangle: Rounded Corners 145">
+            <a:extLst>
+              <a:ext uri="{FF2B5EF4-FFF2-40B4-BE49-F238E27FC236}">
+                <a16:creationId xmlns:a16="http://schemas.microsoft.com/office/drawing/2014/main" id="{EE9648AB-0175-418E-A51D-3761E7CF0F05}"/>
+              </a:ext>
+            </a:extLst>
+          </p:cNvPr>
+          <p:cNvSpPr/>
+          <p:nvPr/>
+        </p:nvSpPr>
+        <p:spPr>
+          <a:xfrm>
+            <a:off x="7603519" y="3173005"/>
+            <a:ext cx="559777" cy="273109"/>
+          </a:xfrm>
+          <a:prstGeom prst="roundRect">
+            <a:avLst/>
+          </a:prstGeom>
+        </p:spPr>
+        <p:style>
+          <a:lnRef idx="2">
+            <a:schemeClr val="accent1">
+              <a:shade val="50000"/>
+            </a:schemeClr>
+          </a:lnRef>
+          <a:fillRef idx="1">
+            <a:schemeClr val="accent1"/>
+          </a:fillRef>
+          <a:effectRef idx="0">
+            <a:schemeClr val="accent1"/>
+          </a:effectRef>
+          <a:fontRef idx="minor">
+            <a:schemeClr val="lt1"/>
+          </a:fontRef>
+        </p:style>
+        <p:txBody>
+          <a:bodyPr rtlCol="0" anchor="ctr"/>
+          <a:lstStyle/>
+          <a:p>
+            <a:pPr algn="ctr"/>
+            <a:r>
+              <a:rPr lang="en-US" sz="1200" dirty="0"/>
+              <a:t>f</a:t>
+            </a:r>
+            <a:r>
+              <a:rPr lang="en-US" sz="1200" baseline="-25000" dirty="0"/>
+              <a:t>1</a:t>
+            </a:r>
+          </a:p>
+        </p:txBody>
+      </p:sp>
+      <p:cxnSp>
+        <p:nvCxnSpPr>
+          <p:cNvPr id="147" name="Straight Arrow Connector 125">
+            <a:extLst>
+              <a:ext uri="{FF2B5EF4-FFF2-40B4-BE49-F238E27FC236}">
+                <a16:creationId xmlns:a16="http://schemas.microsoft.com/office/drawing/2014/main" id="{02661F06-ECE1-478B-BA47-9C597FFE5C14}"/>
+              </a:ext>
+            </a:extLst>
+          </p:cNvPr>
+          <p:cNvCxnSpPr>
+            <a:cxnSpLocks/>
+            <a:stCxn id="139" idx="2"/>
+            <a:endCxn id="146" idx="0"/>
+          </p:cNvCxnSpPr>
+          <p:nvPr/>
+        </p:nvCxnSpPr>
+        <p:spPr>
+          <a:xfrm rot="16200000" flipH="1">
+            <a:off x="7661523" y="2951120"/>
+            <a:ext cx="188184" cy="255586"/>
+          </a:xfrm>
+          <a:prstGeom prst="bentConnector3">
+            <a:avLst>
+              <a:gd name="adj1" fmla="val 50000"/>
+            </a:avLst>
+          </a:prstGeom>
+          <a:ln>
+            <a:tailEnd type="triangle"/>
+          </a:ln>
+        </p:spPr>
+        <p:style>
+          <a:lnRef idx="1">
+            <a:schemeClr val="accent3"/>
+          </a:lnRef>
+          <a:fillRef idx="0">
+            <a:schemeClr val="accent3"/>
+          </a:fillRef>
+          <a:effectRef idx="0">
+            <a:schemeClr val="accent3"/>
+          </a:effectRef>
+          <a:fontRef idx="minor">
+            <a:schemeClr val="tx1"/>
+          </a:fontRef>
+        </p:style>
+      </p:cxnSp>
+      <p:sp>
+        <p:nvSpPr>
+          <p:cNvPr id="150" name="Rectangle: Rounded Corners 149">
+            <a:extLst>
+              <a:ext uri="{FF2B5EF4-FFF2-40B4-BE49-F238E27FC236}">
+                <a16:creationId xmlns:a16="http://schemas.microsoft.com/office/drawing/2014/main" id="{EF72C339-E032-48B1-97A0-CCA2129FE83A}"/>
+              </a:ext>
+            </a:extLst>
+          </p:cNvPr>
+          <p:cNvSpPr/>
+          <p:nvPr/>
+        </p:nvSpPr>
+        <p:spPr>
+          <a:xfrm>
+            <a:off x="8022847" y="2685359"/>
+            <a:ext cx="372795" cy="246221"/>
+          </a:xfrm>
+          <a:prstGeom prst="roundRect">
+            <a:avLst/>
+          </a:prstGeom>
+        </p:spPr>
+        <p:style>
+          <a:lnRef idx="2">
+            <a:schemeClr val="accent6">
+              <a:shade val="50000"/>
+            </a:schemeClr>
+          </a:lnRef>
+          <a:fillRef idx="1">
+            <a:schemeClr val="accent6"/>
+          </a:fillRef>
+          <a:effectRef idx="0">
+            <a:schemeClr val="accent6"/>
+          </a:effectRef>
+          <a:fontRef idx="minor">
+            <a:schemeClr val="lt1"/>
+          </a:fontRef>
+        </p:style>
+        <p:txBody>
+          <a:bodyPr rtlCol="0" anchor="ctr"/>
+          <a:lstStyle/>
+          <a:p>
+            <a:pPr algn="ctr"/>
+            <a:r>
+              <a:rPr lang="en-US" sz="1200" dirty="0"/>
+              <a:t>R</a:t>
+            </a:r>
+            <a:r>
+              <a:rPr lang="en-US" sz="1200" baseline="-25000" dirty="0"/>
+              <a:t>0</a:t>
+            </a:r>
+          </a:p>
+        </p:txBody>
+      </p:sp>
+      <p:cxnSp>
+        <p:nvCxnSpPr>
+          <p:cNvPr id="151" name="Straight Arrow Connector 125">
+            <a:extLst>
+              <a:ext uri="{FF2B5EF4-FFF2-40B4-BE49-F238E27FC236}">
+                <a16:creationId xmlns:a16="http://schemas.microsoft.com/office/drawing/2014/main" id="{B951EC9E-DCD2-4E7D-804B-C3A2F0437D99}"/>
+              </a:ext>
+            </a:extLst>
+          </p:cNvPr>
+          <p:cNvCxnSpPr>
+            <a:cxnSpLocks/>
+            <a:stCxn id="150" idx="2"/>
+            <a:endCxn id="146" idx="0"/>
+          </p:cNvCxnSpPr>
+          <p:nvPr/>
+        </p:nvCxnSpPr>
+        <p:spPr>
+          <a:xfrm rot="5400000">
+            <a:off x="7925615" y="2889374"/>
+            <a:ext cx="241425" cy="325837"/>
+          </a:xfrm>
+          <a:prstGeom prst="bentConnector3">
+            <a:avLst>
+              <a:gd name="adj1" fmla="val 50000"/>
+            </a:avLst>
+          </a:prstGeom>
+          <a:ln>
+            <a:tailEnd type="triangle"/>
+          </a:ln>
+        </p:spPr>
+        <p:style>
+          <a:lnRef idx="1">
+            <a:schemeClr val="accent3"/>
+          </a:lnRef>
+          <a:fillRef idx="0">
+            <a:schemeClr val="accent3"/>
+          </a:fillRef>
+          <a:effectRef idx="0">
+            <a:schemeClr val="accent3"/>
+          </a:effectRef>
+          <a:fontRef idx="minor">
+            <a:schemeClr val="tx1"/>
+          </a:fontRef>
+        </p:style>
+      </p:cxnSp>
+      <p:sp>
+        <p:nvSpPr>
+          <p:cNvPr id="156" name="Rectangle: Rounded Corners 155">
+            <a:extLst>
+              <a:ext uri="{FF2B5EF4-FFF2-40B4-BE49-F238E27FC236}">
+                <a16:creationId xmlns:a16="http://schemas.microsoft.com/office/drawing/2014/main" id="{9FC01156-8B69-4D4E-BEC4-120F677F2B67}"/>
+              </a:ext>
+            </a:extLst>
+          </p:cNvPr>
+          <p:cNvSpPr/>
+          <p:nvPr/>
+        </p:nvSpPr>
+        <p:spPr>
+          <a:xfrm>
+            <a:off x="3920521" y="5187520"/>
+            <a:ext cx="559777" cy="273109"/>
+          </a:xfrm>
+          <a:prstGeom prst="roundRect">
+            <a:avLst/>
+          </a:prstGeom>
+        </p:spPr>
+        <p:style>
+          <a:lnRef idx="2">
+            <a:schemeClr val="accent1">
+              <a:shade val="50000"/>
+            </a:schemeClr>
+          </a:lnRef>
+          <a:fillRef idx="1">
+            <a:schemeClr val="accent1"/>
+          </a:fillRef>
+          <a:effectRef idx="0">
+            <a:schemeClr val="accent1"/>
+          </a:effectRef>
+          <a:fontRef idx="minor">
+            <a:schemeClr val="lt1"/>
+          </a:fontRef>
+        </p:style>
+        <p:txBody>
+          <a:bodyPr rtlCol="0" anchor="ctr"/>
+          <a:lstStyle/>
+          <a:p>
+            <a:pPr algn="ctr"/>
+            <a:r>
+              <a:rPr lang="en-US" sz="1200" b="1" dirty="0"/>
+              <a:t>x</a:t>
+            </a:r>
+            <a:r>
+              <a:rPr lang="en-US" sz="1200" b="1" baseline="-25000" dirty="0"/>
+              <a:t>0</a:t>
+            </a:r>
+          </a:p>
+        </p:txBody>
+      </p:sp>
+      <p:cxnSp>
+        <p:nvCxnSpPr>
+          <p:cNvPr id="158" name="Straight Arrow Connector 157">
+            <a:extLst>
+              <a:ext uri="{FF2B5EF4-FFF2-40B4-BE49-F238E27FC236}">
+                <a16:creationId xmlns:a16="http://schemas.microsoft.com/office/drawing/2014/main" id="{B64E5DD4-511A-4CAC-B74C-FD92DB4FF53D}"/>
+              </a:ext>
+            </a:extLst>
+          </p:cNvPr>
+          <p:cNvCxnSpPr>
+            <a:cxnSpLocks/>
+            <a:stCxn id="157" idx="0"/>
+            <a:endCxn id="5" idx="1"/>
+          </p:cNvCxnSpPr>
+          <p:nvPr/>
+        </p:nvCxnSpPr>
+        <p:spPr>
+          <a:xfrm rot="5400000" flipH="1" flipV="1">
+            <a:off x="-1531206" y="3619100"/>
+            <a:ext cx="3583473" cy="205450"/>
+          </a:xfrm>
+          <a:prstGeom prst="bentConnector2">
+            <a:avLst/>
+          </a:prstGeom>
+          <a:ln>
+            <a:tailEnd type="triangle"/>
+          </a:ln>
+        </p:spPr>
+        <p:style>
+          <a:lnRef idx="1">
+            <a:schemeClr val="accent1"/>
+          </a:lnRef>
+          <a:fillRef idx="0">
+            <a:schemeClr val="accent1"/>
+          </a:fillRef>
+          <a:effectRef idx="0">
+            <a:schemeClr val="accent1"/>
+          </a:effectRef>
+          <a:fontRef idx="minor">
+            <a:schemeClr val="tx1"/>
+          </a:fontRef>
+        </p:style>
+      </p:cxnSp>
+      <p:cxnSp>
+        <p:nvCxnSpPr>
+          <p:cNvPr id="161" name="Straight Arrow Connector 157">
+            <a:extLst>
+              <a:ext uri="{FF2B5EF4-FFF2-40B4-BE49-F238E27FC236}">
+                <a16:creationId xmlns:a16="http://schemas.microsoft.com/office/drawing/2014/main" id="{6FFA10F2-77AB-4886-B795-52479FF93C4E}"/>
+              </a:ext>
+            </a:extLst>
+          </p:cNvPr>
+          <p:cNvCxnSpPr>
+            <a:cxnSpLocks/>
+            <a:stCxn id="157" idx="0"/>
+            <a:endCxn id="4" idx="1"/>
+          </p:cNvCxnSpPr>
+          <p:nvPr/>
+        </p:nvCxnSpPr>
+        <p:spPr>
+          <a:xfrm rot="5400000" flipH="1" flipV="1">
+            <a:off x="-1951194" y="3199112"/>
+            <a:ext cx="4423448" cy="205450"/>
+          </a:xfrm>
+          <a:prstGeom prst="bentConnector2">
+            <a:avLst/>
+          </a:prstGeom>
+          <a:ln>
+            <a:tailEnd type="triangle"/>
+          </a:ln>
+        </p:spPr>
+        <p:style>
+          <a:lnRef idx="1">
+            <a:schemeClr val="accent1"/>
+          </a:lnRef>
+          <a:fillRef idx="0">
+            <a:schemeClr val="accent1"/>
+          </a:fillRef>
+          <a:effectRef idx="0">
+            <a:schemeClr val="accent1"/>
+          </a:effectRef>
+          <a:fontRef idx="minor">
+            <a:schemeClr val="tx1"/>
+          </a:fontRef>
+        </p:style>
+      </p:cxnSp>
+      <p:cxnSp>
+        <p:nvCxnSpPr>
+          <p:cNvPr id="169" name="Straight Arrow Connector 157">
+            <a:extLst>
+              <a:ext uri="{FF2B5EF4-FFF2-40B4-BE49-F238E27FC236}">
+                <a16:creationId xmlns:a16="http://schemas.microsoft.com/office/drawing/2014/main" id="{30E79CD9-60AA-497D-8B08-36EDBEEA43E1}"/>
+              </a:ext>
+            </a:extLst>
+          </p:cNvPr>
+          <p:cNvCxnSpPr>
+            <a:cxnSpLocks/>
+            <a:stCxn id="157" idx="6"/>
+            <a:endCxn id="156" idx="1"/>
+          </p:cNvCxnSpPr>
+          <p:nvPr/>
+        </p:nvCxnSpPr>
+        <p:spPr>
+          <a:xfrm flipV="1">
+            <a:off x="235239" y="5324075"/>
+            <a:ext cx="3685282" cy="266921"/>
+          </a:xfrm>
+          <a:prstGeom prst="bentConnector3">
+            <a:avLst>
+              <a:gd name="adj1" fmla="val 50000"/>
+            </a:avLst>
+          </a:prstGeom>
+          <a:ln>
+            <a:tailEnd type="triangle"/>
+          </a:ln>
+        </p:spPr>
+        <p:style>
+          <a:lnRef idx="1">
+            <a:schemeClr val="accent1"/>
+          </a:lnRef>
+          <a:fillRef idx="0">
+            <a:schemeClr val="accent1"/>
+          </a:fillRef>
+          <a:effectRef idx="0">
+            <a:schemeClr val="accent1"/>
+          </a:effectRef>
+          <a:fontRef idx="minor">
+            <a:schemeClr val="tx1"/>
+          </a:fontRef>
+        </p:style>
+      </p:cxnSp>
+      <p:sp>
+        <p:nvSpPr>
+          <p:cNvPr id="175" name="TextBox 174">
+            <a:extLst>
+              <a:ext uri="{FF2B5EF4-FFF2-40B4-BE49-F238E27FC236}">
+                <a16:creationId xmlns:a16="http://schemas.microsoft.com/office/drawing/2014/main" id="{7A3E6F0A-BE90-452D-A4CA-EB8CB0BB7F6B}"/>
+              </a:ext>
+            </a:extLst>
+          </p:cNvPr>
+          <p:cNvSpPr txBox="1"/>
+          <p:nvPr/>
+        </p:nvSpPr>
+        <p:spPr>
+          <a:xfrm>
+            <a:off x="6334778" y="2723850"/>
+            <a:ext cx="772053" cy="215444"/>
+          </a:xfrm>
+          <a:prstGeom prst="rect">
+            <a:avLst/>
+          </a:prstGeom>
+          <a:noFill/>
+        </p:spPr>
+        <p:txBody>
+          <a:bodyPr wrap="square" rtlCol="0">
+            <a:spAutoFit/>
+          </a:bodyPr>
+          <a:lstStyle/>
+          <a:p>
+            <a:r>
+              <a:rPr lang="en-US" sz="800" dirty="0"/>
+              <a:t>Restriction</a:t>
+            </a:r>
+          </a:p>
+        </p:txBody>
+      </p:sp>
+      <p:cxnSp>
+        <p:nvCxnSpPr>
+          <p:cNvPr id="185" name="Straight Arrow Connector 184">
+            <a:extLst>
+              <a:ext uri="{FF2B5EF4-FFF2-40B4-BE49-F238E27FC236}">
+                <a16:creationId xmlns:a16="http://schemas.microsoft.com/office/drawing/2014/main" id="{0D1997E4-AE5C-4EDF-94A1-3F5BE563F335}"/>
+              </a:ext>
+            </a:extLst>
+          </p:cNvPr>
+          <p:cNvCxnSpPr>
+            <a:cxnSpLocks/>
+          </p:cNvCxnSpPr>
+          <p:nvPr/>
+        </p:nvCxnSpPr>
+        <p:spPr>
+          <a:xfrm>
+            <a:off x="7260069" y="3731522"/>
+            <a:ext cx="252152" cy="663847"/>
+          </a:xfrm>
+          <a:prstGeom prst="straightConnector1">
+            <a:avLst/>
+          </a:prstGeom>
+          <a:ln w="28575">
+            <a:solidFill>
+              <a:schemeClr val="bg1">
+                <a:lumMod val="50000"/>
+              </a:schemeClr>
+            </a:solidFill>
+            <a:prstDash val="dash"/>
+            <a:tailEnd type="triangle"/>
+          </a:ln>
+        </p:spPr>
+        <p:style>
+          <a:lnRef idx="1">
+            <a:schemeClr val="dk1"/>
+          </a:lnRef>
+          <a:fillRef idx="0">
+            <a:schemeClr val="dk1"/>
+          </a:fillRef>
+          <a:effectRef idx="0">
+            <a:schemeClr val="dk1"/>
+          </a:effectRef>
+          <a:fontRef idx="minor">
+            <a:schemeClr val="tx1"/>
+          </a:fontRef>
+        </p:style>
+      </p:cxnSp>
+      <p:sp>
+        <p:nvSpPr>
+          <p:cNvPr id="187" name="Rectangle: Rounded Corners 186">
+            <a:extLst>
+              <a:ext uri="{FF2B5EF4-FFF2-40B4-BE49-F238E27FC236}">
+                <a16:creationId xmlns:a16="http://schemas.microsoft.com/office/drawing/2014/main" id="{F2D33FB3-9C1F-4F7A-8F1F-A1D0A8636D2E}"/>
+              </a:ext>
+            </a:extLst>
+          </p:cNvPr>
+          <p:cNvSpPr/>
+          <p:nvPr/>
+        </p:nvSpPr>
+        <p:spPr>
+          <a:xfrm>
+            <a:off x="8435583" y="4608436"/>
+            <a:ext cx="770990" cy="273109"/>
+          </a:xfrm>
+          <a:prstGeom prst="roundRect">
+            <a:avLst/>
+          </a:prstGeom>
+        </p:spPr>
+        <p:style>
+          <a:lnRef idx="2">
+            <a:schemeClr val="accent1">
+              <a:shade val="50000"/>
+            </a:schemeClr>
+          </a:lnRef>
+          <a:fillRef idx="1">
+            <a:schemeClr val="accent1"/>
+          </a:fillRef>
+          <a:effectRef idx="0">
+            <a:schemeClr val="accent1"/>
+          </a:effectRef>
+          <a:fontRef idx="minor">
+            <a:schemeClr val="lt1"/>
+          </a:fontRef>
+        </p:style>
+        <p:txBody>
+          <a:bodyPr rtlCol="0" anchor="ctr"/>
+          <a:lstStyle/>
+          <a:p>
+            <a:pPr algn="ctr"/>
+            <a:r>
+              <a:rPr lang="en-US" sz="1200" dirty="0"/>
+              <a:t>f</a:t>
+            </a:r>
+            <a:r>
+              <a:rPr lang="en-US" sz="1200" baseline="-25000" dirty="0"/>
+              <a:t>(n-1)</a:t>
+            </a:r>
+          </a:p>
+        </p:txBody>
+      </p:sp>
+      <mc:AlternateContent xmlns:mc="http://schemas.openxmlformats.org/markup-compatibility/2006" xmlns:a14="http://schemas.microsoft.com/office/drawing/2010/main">
+        <mc:Choice Requires="a14">
+          <p:sp>
+            <p:nvSpPr>
+              <p:cNvPr id="192" name="TextBox 191">
+                <a:extLst>
+                  <a:ext uri="{FF2B5EF4-FFF2-40B4-BE49-F238E27FC236}">
+                    <a16:creationId xmlns:a16="http://schemas.microsoft.com/office/drawing/2014/main" id="{F8D460A3-6D86-431C-A1BF-867858DCAE4C}"/>
+                  </a:ext>
+                </a:extLst>
+              </p:cNvPr>
+              <p:cNvSpPr txBox="1"/>
+              <p:nvPr/>
+            </p:nvSpPr>
+            <p:spPr>
+              <a:xfrm>
+                <a:off x="8079060" y="2914313"/>
+                <a:ext cx="1199297" cy="246221"/>
+              </a:xfrm>
+              <a:prstGeom prst="rect">
+                <a:avLst/>
+              </a:prstGeom>
+              <a:noFill/>
+            </p:spPr>
+            <p:txBody>
+              <a:bodyPr wrap="square" rtlCol="0">
+                <a:spAutoFit/>
+              </a:bodyPr>
+              <a:lstStyle/>
+              <a:p>
+                <a:pPr/>
+                <a14:m>
+                  <m:oMathPara xmlns:m="http://schemas.openxmlformats.org/officeDocument/2006/math">
+                    <m:oMathParaPr>
+                      <m:jc m:val="centerGroup"/>
+                    </m:oMathParaPr>
+                    <m:oMath xmlns:m="http://schemas.openxmlformats.org/officeDocument/2006/math">
+                      <m:r>
+                        <a:rPr lang="en-US" sz="1000" b="0" i="1" dirty="0" smtClean="0">
+                          <a:solidFill>
+                            <a:schemeClr val="bg1">
+                              <a:lumMod val="50000"/>
+                            </a:schemeClr>
+                          </a:solidFill>
+                          <a:latin typeface="Cambria Math" panose="02040503050406030204" pitchFamily="18" charset="0"/>
+                        </a:rPr>
+                        <m:t>𝑓</m:t>
+                      </m:r>
+                      <m:r>
+                        <a:rPr lang="en-US" sz="1000" b="0" i="1" baseline="-25000" dirty="0" smtClean="0">
+                          <a:solidFill>
+                            <a:schemeClr val="bg1">
+                              <a:lumMod val="50000"/>
+                            </a:schemeClr>
+                          </a:solidFill>
+                          <a:latin typeface="Cambria Math" panose="02040503050406030204" pitchFamily="18" charset="0"/>
+                        </a:rPr>
+                        <m:t>1</m:t>
+                      </m:r>
+                      <m:r>
+                        <a:rPr lang="en-US" sz="1000" i="1" dirty="0" smtClean="0">
+                          <a:solidFill>
+                            <a:schemeClr val="bg1">
+                              <a:lumMod val="50000"/>
+                            </a:schemeClr>
+                          </a:solidFill>
+                          <a:latin typeface="Cambria Math" panose="02040503050406030204" pitchFamily="18" charset="0"/>
+                        </a:rPr>
+                        <m:t> =</m:t>
+                      </m:r>
+                      <m:r>
+                        <a:rPr lang="en-US" sz="1000" b="0" i="1" dirty="0" smtClean="0">
+                          <a:solidFill>
+                            <a:schemeClr val="bg1">
+                              <a:lumMod val="50000"/>
+                            </a:schemeClr>
+                          </a:solidFill>
+                          <a:latin typeface="Cambria Math" panose="02040503050406030204" pitchFamily="18" charset="0"/>
+                        </a:rPr>
+                        <m:t>𝑅</m:t>
+                      </m:r>
+                      <m:r>
+                        <a:rPr lang="en-US" sz="1000" i="1" baseline="-25000" dirty="0" smtClean="0">
+                          <a:solidFill>
+                            <a:schemeClr val="bg1">
+                              <a:lumMod val="50000"/>
+                            </a:schemeClr>
+                          </a:solidFill>
+                          <a:latin typeface="Cambria Math" panose="02040503050406030204" pitchFamily="18" charset="0"/>
+                        </a:rPr>
+                        <m:t>0</m:t>
+                      </m:r>
+                      <m:r>
+                        <a:rPr lang="en-US" sz="1000" b="0" i="1" dirty="0" smtClean="0">
+                          <a:solidFill>
+                            <a:schemeClr val="bg1">
+                              <a:lumMod val="50000"/>
+                            </a:schemeClr>
+                          </a:solidFill>
+                          <a:latin typeface="Cambria Math" panose="02040503050406030204" pitchFamily="18" charset="0"/>
+                        </a:rPr>
+                        <m:t>𝑟</m:t>
+                      </m:r>
+                      <m:r>
+                        <a:rPr lang="en-US" sz="1000" i="1" baseline="-25000" dirty="0" smtClean="0">
+                          <a:solidFill>
+                            <a:schemeClr val="bg1">
+                              <a:lumMod val="50000"/>
+                            </a:schemeClr>
+                          </a:solidFill>
+                          <a:latin typeface="Cambria Math" panose="02040503050406030204" pitchFamily="18" charset="0"/>
+                        </a:rPr>
+                        <m:t>0</m:t>
+                      </m:r>
+                      <m:r>
+                        <a:rPr lang="en-US" sz="1000" b="0" i="1" dirty="0" smtClean="0">
+                          <a:solidFill>
+                            <a:schemeClr val="bg1">
+                              <a:lumMod val="50000"/>
+                            </a:schemeClr>
+                          </a:solidFill>
+                          <a:latin typeface="Cambria Math" panose="02040503050406030204" pitchFamily="18" charset="0"/>
+                        </a:rPr>
+                        <m:t>′</m:t>
+                      </m:r>
+                    </m:oMath>
+                  </m:oMathPara>
+                </a14:m>
+                <a:endParaRPr lang="en-US" sz="1000" dirty="0">
+                  <a:solidFill>
+                    <a:schemeClr val="bg1">
+                      <a:lumMod val="50000"/>
+                    </a:schemeClr>
+                  </a:solidFill>
+                </a:endParaRPr>
+              </a:p>
+            </p:txBody>
+          </p:sp>
+        </mc:Choice>
+        <mc:Fallback xmlns="">
+          <p:sp>
+            <p:nvSpPr>
+              <p:cNvPr id="192" name="TextBox 191">
+                <a:extLst>
+                  <a:ext uri="{FF2B5EF4-FFF2-40B4-BE49-F238E27FC236}">
+                    <a16:creationId xmlns:a16="http://schemas.microsoft.com/office/drawing/2014/main" id="{F8D460A3-6D86-431C-A1BF-867858DCAE4C}"/>
+                  </a:ext>
+                </a:extLst>
+              </p:cNvPr>
+              <p:cNvSpPr txBox="1">
+                <a:spLocks noRot="1" noChangeAspect="1" noMove="1" noResize="1" noEditPoints="1" noAdjustHandles="1" noChangeArrowheads="1" noChangeShapeType="1" noTextEdit="1"/>
+              </p:cNvSpPr>
+              <p:nvPr/>
+            </p:nvSpPr>
+            <p:spPr>
+              <a:xfrm>
+                <a:off x="8079060" y="2914313"/>
+                <a:ext cx="1199297" cy="246221"/>
+              </a:xfrm>
+              <a:prstGeom prst="rect">
+                <a:avLst/>
+              </a:prstGeom>
+              <a:blipFill>
+                <a:blip r:embed="rId3"/>
+                <a:stretch>
+                  <a:fillRect b="-5000"/>
+                </a:stretch>
+              </a:blipFill>
+            </p:spPr>
+            <p:txBody>
+              <a:bodyPr/>
+              <a:lstStyle/>
+              <a:p>
+                <a:r>
+                  <a:rPr lang="en-US">
+                    <a:noFill/>
+                  </a:rPr>
+                  <a:t> </a:t>
+                </a:r>
+              </a:p>
+            </p:txBody>
+          </p:sp>
+        </mc:Fallback>
+      </mc:AlternateContent>
+      <p:sp>
+        <p:nvSpPr>
+          <p:cNvPr id="195" name="Flowchart: Multidocument 194">
+            <a:extLst>
+              <a:ext uri="{FF2B5EF4-FFF2-40B4-BE49-F238E27FC236}">
+                <a16:creationId xmlns:a16="http://schemas.microsoft.com/office/drawing/2014/main" id="{0A50D3D0-CCDC-4608-86F2-B02652CF8C1B}"/>
+              </a:ext>
+            </a:extLst>
+          </p:cNvPr>
+          <p:cNvSpPr/>
+          <p:nvPr/>
+        </p:nvSpPr>
+        <p:spPr>
+          <a:xfrm>
+            <a:off x="3788803" y="5590796"/>
+            <a:ext cx="823213" cy="350544"/>
+          </a:xfrm>
+          <a:prstGeom prst="flowChartMultidocument">
+            <a:avLst/>
+          </a:prstGeom>
+        </p:spPr>
+        <p:style>
+          <a:lnRef idx="2">
+            <a:schemeClr val="accent1">
+              <a:shade val="50000"/>
+            </a:schemeClr>
+          </a:lnRef>
+          <a:fillRef idx="1">
+            <a:schemeClr val="accent1"/>
+          </a:fillRef>
+          <a:effectRef idx="0">
+            <a:schemeClr val="accent1"/>
+          </a:effectRef>
+          <a:fontRef idx="minor">
+            <a:schemeClr val="lt1"/>
+          </a:fontRef>
+        </p:style>
+        <p:txBody>
+          <a:bodyPr rtlCol="0" anchor="ctr"/>
+          <a:lstStyle/>
+          <a:p>
+            <a:pPr algn="ctr"/>
+            <a:r>
+              <a:rPr lang="en-US" sz="1200" b="1" dirty="0"/>
+              <a:t>x</a:t>
+            </a:r>
+            <a:r>
+              <a:rPr lang="en-US" sz="1200" b="1" baseline="-25000" dirty="0"/>
+              <a:t>i</a:t>
+            </a:r>
+          </a:p>
+        </p:txBody>
+      </p:sp>
+      <p:sp>
+        <p:nvSpPr>
+          <p:cNvPr id="196" name="Flowchart: Multidocument 195">
+            <a:extLst>
+              <a:ext uri="{FF2B5EF4-FFF2-40B4-BE49-F238E27FC236}">
+                <a16:creationId xmlns:a16="http://schemas.microsoft.com/office/drawing/2014/main" id="{C63D6D58-116D-400C-ABDC-7B4099299B3B}"/>
+              </a:ext>
+            </a:extLst>
+          </p:cNvPr>
+          <p:cNvSpPr/>
+          <p:nvPr/>
+        </p:nvSpPr>
+        <p:spPr>
+          <a:xfrm>
+            <a:off x="3788803" y="6055007"/>
+            <a:ext cx="823213" cy="350544"/>
+          </a:xfrm>
+          <a:prstGeom prst="flowChartMultidocument">
+            <a:avLst/>
+          </a:prstGeom>
+        </p:spPr>
+        <p:style>
+          <a:lnRef idx="2">
+            <a:schemeClr val="accent1">
+              <a:shade val="50000"/>
+            </a:schemeClr>
+          </a:lnRef>
+          <a:fillRef idx="1">
+            <a:schemeClr val="accent1"/>
+          </a:fillRef>
+          <a:effectRef idx="0">
+            <a:schemeClr val="accent1"/>
+          </a:effectRef>
+          <a:fontRef idx="minor">
+            <a:schemeClr val="lt1"/>
+          </a:fontRef>
+        </p:style>
+        <p:txBody>
+          <a:bodyPr rtlCol="0" anchor="ctr"/>
+          <a:lstStyle/>
+          <a:p>
+            <a:pPr algn="ctr"/>
+            <a:r>
+              <a:rPr lang="en-US" sz="1200" b="1" dirty="0" err="1"/>
+              <a:t>r</a:t>
+            </a:r>
+            <a:r>
+              <a:rPr lang="en-US" sz="1200" b="1" baseline="-25000" dirty="0" err="1"/>
+              <a:t>i</a:t>
+            </a:r>
+            <a:endParaRPr lang="en-US" sz="1200" b="1" baseline="-25000" dirty="0"/>
+          </a:p>
+        </p:txBody>
+      </p:sp>
+      <p:cxnSp>
+        <p:nvCxnSpPr>
+          <p:cNvPr id="199" name="Straight Arrow Connector 157">
+            <a:extLst>
+              <a:ext uri="{FF2B5EF4-FFF2-40B4-BE49-F238E27FC236}">
+                <a16:creationId xmlns:a16="http://schemas.microsoft.com/office/drawing/2014/main" id="{7E6131B6-DFAA-476B-88EF-E54478F13A6F}"/>
+              </a:ext>
+            </a:extLst>
+          </p:cNvPr>
+          <p:cNvCxnSpPr>
+            <a:cxnSpLocks/>
+            <a:stCxn id="157" idx="6"/>
+            <a:endCxn id="195" idx="1"/>
+          </p:cNvCxnSpPr>
+          <p:nvPr/>
+        </p:nvCxnSpPr>
+        <p:spPr>
+          <a:xfrm>
+            <a:off x="235239" y="5590996"/>
+            <a:ext cx="3553564" cy="175072"/>
+          </a:xfrm>
+          <a:prstGeom prst="bentConnector3">
+            <a:avLst>
+              <a:gd name="adj1" fmla="val 50000"/>
+            </a:avLst>
+          </a:prstGeom>
+          <a:ln>
+            <a:tailEnd type="triangle"/>
+          </a:ln>
+        </p:spPr>
+        <p:style>
+          <a:lnRef idx="1">
+            <a:schemeClr val="accent1"/>
+          </a:lnRef>
+          <a:fillRef idx="0">
+            <a:schemeClr val="accent1"/>
+          </a:fillRef>
+          <a:effectRef idx="0">
+            <a:schemeClr val="accent1"/>
+          </a:effectRef>
+          <a:fontRef idx="minor">
+            <a:schemeClr val="tx1"/>
+          </a:fontRef>
+        </p:style>
+      </p:cxnSp>
+      <p:cxnSp>
+        <p:nvCxnSpPr>
+          <p:cNvPr id="202" name="Straight Arrow Connector 157">
+            <a:extLst>
+              <a:ext uri="{FF2B5EF4-FFF2-40B4-BE49-F238E27FC236}">
+                <a16:creationId xmlns:a16="http://schemas.microsoft.com/office/drawing/2014/main" id="{B3D2AEC8-C9F6-499B-B913-826B8EDA8DEC}"/>
+              </a:ext>
+            </a:extLst>
+          </p:cNvPr>
+          <p:cNvCxnSpPr>
+            <a:cxnSpLocks/>
+            <a:stCxn id="157" idx="6"/>
+            <a:endCxn id="196" idx="1"/>
+          </p:cNvCxnSpPr>
+          <p:nvPr/>
+        </p:nvCxnSpPr>
+        <p:spPr>
+          <a:xfrm>
+            <a:off x="235239" y="5590996"/>
+            <a:ext cx="3553564" cy="639283"/>
+          </a:xfrm>
+          <a:prstGeom prst="bentConnector3">
+            <a:avLst>
+              <a:gd name="adj1" fmla="val 50000"/>
+            </a:avLst>
+          </a:prstGeom>
+          <a:ln>
+            <a:tailEnd type="triangle"/>
+          </a:ln>
+        </p:spPr>
+        <p:style>
+          <a:lnRef idx="1">
+            <a:schemeClr val="accent1"/>
+          </a:lnRef>
+          <a:fillRef idx="0">
+            <a:schemeClr val="accent1"/>
+          </a:fillRef>
+          <a:effectRef idx="0">
+            <a:schemeClr val="accent1"/>
+          </a:effectRef>
+          <a:fontRef idx="minor">
+            <a:schemeClr val="tx1"/>
+          </a:fontRef>
+        </p:style>
+      </p:cxnSp>
+      <p:cxnSp>
+        <p:nvCxnSpPr>
+          <p:cNvPr id="211" name="Straight Arrow Connector 125">
+            <a:extLst>
+              <a:ext uri="{FF2B5EF4-FFF2-40B4-BE49-F238E27FC236}">
+                <a16:creationId xmlns:a16="http://schemas.microsoft.com/office/drawing/2014/main" id="{0C3A1DEE-57EC-4CE0-ACDD-92B17C602AA8}"/>
+              </a:ext>
+            </a:extLst>
+          </p:cNvPr>
+          <p:cNvCxnSpPr>
+            <a:cxnSpLocks/>
+            <a:stCxn id="116" idx="2"/>
+            <a:endCxn id="215" idx="0"/>
+          </p:cNvCxnSpPr>
+          <p:nvPr/>
+        </p:nvCxnSpPr>
+        <p:spPr>
+          <a:xfrm rot="16200000" flipH="1">
+            <a:off x="7986884" y="4791322"/>
+            <a:ext cx="286831" cy="467276"/>
+          </a:xfrm>
+          <a:prstGeom prst="bentConnector3">
+            <a:avLst>
+              <a:gd name="adj1" fmla="val 50000"/>
+            </a:avLst>
+          </a:prstGeom>
+          <a:ln>
+            <a:tailEnd type="triangle"/>
+          </a:ln>
+        </p:spPr>
+        <p:style>
+          <a:lnRef idx="1">
+            <a:schemeClr val="accent3"/>
+          </a:lnRef>
+          <a:fillRef idx="0">
+            <a:schemeClr val="accent3"/>
+          </a:fillRef>
+          <a:effectRef idx="0">
+            <a:schemeClr val="accent3"/>
+          </a:effectRef>
+          <a:fontRef idx="minor">
+            <a:schemeClr val="tx1"/>
+          </a:fontRef>
+        </p:style>
+      </p:cxnSp>
+      <p:cxnSp>
+        <p:nvCxnSpPr>
+          <p:cNvPr id="212" name="Straight Arrow Connector 125">
+            <a:extLst>
+              <a:ext uri="{FF2B5EF4-FFF2-40B4-BE49-F238E27FC236}">
+                <a16:creationId xmlns:a16="http://schemas.microsoft.com/office/drawing/2014/main" id="{199CD362-4306-441E-97E7-4AC8401D4663}"/>
+              </a:ext>
+            </a:extLst>
+          </p:cNvPr>
+          <p:cNvCxnSpPr>
+            <a:cxnSpLocks/>
+            <a:stCxn id="187" idx="2"/>
+            <a:endCxn id="215" idx="0"/>
+          </p:cNvCxnSpPr>
+          <p:nvPr/>
+        </p:nvCxnSpPr>
+        <p:spPr>
+          <a:xfrm rot="5400000">
+            <a:off x="8449093" y="4796390"/>
+            <a:ext cx="286831" cy="457141"/>
+          </a:xfrm>
+          <a:prstGeom prst="bentConnector3">
+            <a:avLst>
+              <a:gd name="adj1" fmla="val 50000"/>
+            </a:avLst>
+          </a:prstGeom>
+          <a:ln>
+            <a:tailEnd type="triangle"/>
+          </a:ln>
+        </p:spPr>
+        <p:style>
+          <a:lnRef idx="1">
+            <a:schemeClr val="accent3"/>
+          </a:lnRef>
+          <a:fillRef idx="0">
+            <a:schemeClr val="accent3"/>
+          </a:fillRef>
+          <a:effectRef idx="0">
+            <a:schemeClr val="accent3"/>
+          </a:effectRef>
+          <a:fontRef idx="minor">
+            <a:schemeClr val="tx1"/>
+          </a:fontRef>
+        </p:style>
+      </p:cxnSp>
+      <p:sp>
+        <p:nvSpPr>
+          <p:cNvPr id="215" name="Rectangle 214">
+            <a:extLst>
+              <a:ext uri="{FF2B5EF4-FFF2-40B4-BE49-F238E27FC236}">
+                <a16:creationId xmlns:a16="http://schemas.microsoft.com/office/drawing/2014/main" id="{7CBFD901-0AA5-4DC6-B309-43B7226EC6CF}"/>
+              </a:ext>
+            </a:extLst>
+          </p:cNvPr>
+          <p:cNvSpPr/>
+          <p:nvPr/>
+        </p:nvSpPr>
+        <p:spPr>
+          <a:xfrm>
+            <a:off x="7896660" y="5168376"/>
+            <a:ext cx="934553" cy="273109"/>
+          </a:xfrm>
+          <a:prstGeom prst="rect">
+            <a:avLst/>
+          </a:prstGeom>
+        </p:spPr>
+        <p:style>
+          <a:lnRef idx="2">
+            <a:schemeClr val="dk1">
+              <a:shade val="50000"/>
+            </a:schemeClr>
+          </a:lnRef>
+          <a:fillRef idx="1">
+            <a:schemeClr val="dk1"/>
+          </a:fillRef>
+          <a:effectRef idx="0">
+            <a:schemeClr val="dk1"/>
+          </a:effectRef>
+          <a:fontRef idx="minor">
+            <a:schemeClr val="lt1"/>
+          </a:fontRef>
+        </p:style>
+        <p:txBody>
+          <a:bodyPr rtlCol="0" anchor="ctr"/>
+          <a:lstStyle/>
+          <a:p>
+            <a:pPr algn="ctr"/>
+            <a:r>
+              <a:rPr lang="en-US" sz="1200" dirty="0"/>
+              <a:t>Exact Solve</a:t>
+            </a:r>
+          </a:p>
+        </p:txBody>
+      </p:sp>
+      <p:sp>
+        <p:nvSpPr>
+          <p:cNvPr id="222" name="Rectangle: Rounded Corners 221">
+            <a:extLst>
+              <a:ext uri="{FF2B5EF4-FFF2-40B4-BE49-F238E27FC236}">
+                <a16:creationId xmlns:a16="http://schemas.microsoft.com/office/drawing/2014/main" id="{3FF91357-AA7D-475E-8EBB-6DEA15EADC4C}"/>
+              </a:ext>
+            </a:extLst>
+          </p:cNvPr>
+          <p:cNvSpPr/>
+          <p:nvPr/>
+        </p:nvSpPr>
+        <p:spPr>
+          <a:xfrm>
+            <a:off x="8084047" y="5694606"/>
+            <a:ext cx="559777" cy="273109"/>
+          </a:xfrm>
+          <a:prstGeom prst="roundRect">
+            <a:avLst/>
+          </a:prstGeom>
+        </p:spPr>
+        <p:style>
+          <a:lnRef idx="2">
+            <a:schemeClr val="accent1">
+              <a:shade val="50000"/>
+            </a:schemeClr>
+          </a:lnRef>
+          <a:fillRef idx="1">
+            <a:schemeClr val="accent1"/>
+          </a:fillRef>
+          <a:effectRef idx="0">
+            <a:schemeClr val="accent1"/>
+          </a:effectRef>
+          <a:fontRef idx="minor">
+            <a:schemeClr val="lt1"/>
+          </a:fontRef>
+        </p:style>
+        <p:txBody>
+          <a:bodyPr rtlCol="0" anchor="ctr"/>
+          <a:lstStyle/>
+          <a:p>
+            <a:pPr algn="ctr"/>
+            <a:r>
+              <a:rPr lang="en-US" sz="1200" dirty="0"/>
+              <a:t>x</a:t>
+            </a:r>
+            <a:r>
+              <a:rPr lang="en-US" sz="1200" baseline="-25000" dirty="0"/>
+              <a:t>n-1</a:t>
+            </a:r>
+          </a:p>
+        </p:txBody>
+      </p:sp>
+      <p:cxnSp>
+        <p:nvCxnSpPr>
+          <p:cNvPr id="223" name="Straight Arrow Connector 125">
+            <a:extLst>
+              <a:ext uri="{FF2B5EF4-FFF2-40B4-BE49-F238E27FC236}">
+                <a16:creationId xmlns:a16="http://schemas.microsoft.com/office/drawing/2014/main" id="{871EE5A5-FDB2-4E8D-8C3E-AB4627828D86}"/>
+              </a:ext>
+            </a:extLst>
+          </p:cNvPr>
+          <p:cNvCxnSpPr>
+            <a:cxnSpLocks/>
+            <a:stCxn id="215" idx="2"/>
+            <a:endCxn id="222" idx="0"/>
+          </p:cNvCxnSpPr>
+          <p:nvPr/>
+        </p:nvCxnSpPr>
+        <p:spPr>
+          <a:xfrm flipH="1">
+            <a:off x="8363936" y="5441485"/>
+            <a:ext cx="1" cy="253121"/>
+          </a:xfrm>
+          <a:prstGeom prst="straightConnector1">
+            <a:avLst/>
+          </a:prstGeom>
+          <a:ln>
+            <a:tailEnd type="triangle"/>
+          </a:ln>
+        </p:spPr>
+        <p:style>
+          <a:lnRef idx="1">
+            <a:schemeClr val="accent3"/>
+          </a:lnRef>
+          <a:fillRef idx="0">
+            <a:schemeClr val="accent3"/>
+          </a:fillRef>
+          <a:effectRef idx="0">
+            <a:schemeClr val="accent3"/>
+          </a:effectRef>
+          <a:fontRef idx="minor">
+            <a:schemeClr val="tx1"/>
+          </a:fontRef>
+        </p:style>
+      </p:cxnSp>
+      <p:cxnSp>
+        <p:nvCxnSpPr>
+          <p:cNvPr id="229" name="Straight Arrow Connector 228">
+            <a:extLst>
+              <a:ext uri="{FF2B5EF4-FFF2-40B4-BE49-F238E27FC236}">
+                <a16:creationId xmlns:a16="http://schemas.microsoft.com/office/drawing/2014/main" id="{3E8DE888-023A-4C11-BA5C-121A9A466A86}"/>
+              </a:ext>
+            </a:extLst>
+          </p:cNvPr>
+          <p:cNvCxnSpPr>
+            <a:cxnSpLocks/>
+          </p:cNvCxnSpPr>
+          <p:nvPr/>
+        </p:nvCxnSpPr>
+        <p:spPr>
+          <a:xfrm flipV="1">
+            <a:off x="9206573" y="3759776"/>
+            <a:ext cx="310739" cy="703871"/>
+          </a:xfrm>
+          <a:prstGeom prst="straightConnector1">
+            <a:avLst/>
+          </a:prstGeom>
+          <a:ln w="28575">
+            <a:solidFill>
+              <a:schemeClr val="bg1">
+                <a:lumMod val="50000"/>
+              </a:schemeClr>
+            </a:solidFill>
+            <a:prstDash val="dash"/>
+            <a:tailEnd type="triangle"/>
+          </a:ln>
+        </p:spPr>
+        <p:style>
+          <a:lnRef idx="1">
+            <a:schemeClr val="dk1"/>
+          </a:lnRef>
+          <a:fillRef idx="0">
+            <a:schemeClr val="dk1"/>
+          </a:fillRef>
+          <a:effectRef idx="0">
+            <a:schemeClr val="dk1"/>
+          </a:effectRef>
+          <a:fontRef idx="minor">
+            <a:schemeClr val="tx1"/>
+          </a:fontRef>
+        </p:style>
+      </p:cxnSp>
+      <p:cxnSp>
+        <p:nvCxnSpPr>
+          <p:cNvPr id="232" name="Straight Arrow Connector 231">
+            <a:extLst>
+              <a:ext uri="{FF2B5EF4-FFF2-40B4-BE49-F238E27FC236}">
+                <a16:creationId xmlns:a16="http://schemas.microsoft.com/office/drawing/2014/main" id="{16AB1E76-F17B-4AF1-8CF5-B9946BC3175F}"/>
+              </a:ext>
+            </a:extLst>
+          </p:cNvPr>
+          <p:cNvCxnSpPr>
+            <a:cxnSpLocks/>
+          </p:cNvCxnSpPr>
+          <p:nvPr/>
+        </p:nvCxnSpPr>
+        <p:spPr>
+          <a:xfrm flipV="1">
+            <a:off x="9557234" y="2135250"/>
+            <a:ext cx="549934" cy="1530661"/>
+          </a:xfrm>
+          <a:prstGeom prst="straightConnector1">
+            <a:avLst/>
+          </a:prstGeom>
+          <a:ln w="28575">
+            <a:tailEnd type="triangle"/>
+          </a:ln>
+        </p:spPr>
+        <p:style>
+          <a:lnRef idx="1">
+            <a:schemeClr val="dk1"/>
+          </a:lnRef>
+          <a:fillRef idx="0">
+            <a:schemeClr val="dk1"/>
+          </a:fillRef>
+          <a:effectRef idx="0">
+            <a:schemeClr val="dk1"/>
+          </a:effectRef>
+          <a:fontRef idx="minor">
+            <a:schemeClr val="tx1"/>
+          </a:fontRef>
+        </p:style>
+      </p:cxnSp>
+      <p:sp>
+        <p:nvSpPr>
+          <p:cNvPr id="235" name="TextBox 234">
+            <a:extLst>
+              <a:ext uri="{FF2B5EF4-FFF2-40B4-BE49-F238E27FC236}">
+                <a16:creationId xmlns:a16="http://schemas.microsoft.com/office/drawing/2014/main" id="{C4301821-71DE-49C7-B948-44653254E9A4}"/>
+              </a:ext>
+            </a:extLst>
+          </p:cNvPr>
+          <p:cNvSpPr txBox="1"/>
+          <p:nvPr/>
+        </p:nvSpPr>
+        <p:spPr>
+          <a:xfrm>
+            <a:off x="9217563" y="2508381"/>
+            <a:ext cx="772053" cy="215444"/>
+          </a:xfrm>
+          <a:prstGeom prst="rect">
+            <a:avLst/>
+          </a:prstGeom>
+          <a:noFill/>
+        </p:spPr>
+        <p:txBody>
+          <a:bodyPr wrap="square" rtlCol="0">
+            <a:spAutoFit/>
+          </a:bodyPr>
+          <a:lstStyle/>
+          <a:p>
+            <a:r>
+              <a:rPr lang="en-US" sz="800" dirty="0"/>
+              <a:t>Interpolation</a:t>
+            </a:r>
+          </a:p>
+        </p:txBody>
+      </p:sp>
+      <p:sp>
+        <p:nvSpPr>
+          <p:cNvPr id="239" name="Rectangle: Rounded Corners 238">
+            <a:extLst>
+              <a:ext uri="{FF2B5EF4-FFF2-40B4-BE49-F238E27FC236}">
+                <a16:creationId xmlns:a16="http://schemas.microsoft.com/office/drawing/2014/main" id="{C3A69E1E-49D0-4BA1-9373-398ECCCF3BAF}"/>
+              </a:ext>
+            </a:extLst>
+          </p:cNvPr>
+          <p:cNvSpPr/>
+          <p:nvPr/>
+        </p:nvSpPr>
+        <p:spPr>
+          <a:xfrm>
+            <a:off x="9806784" y="3287697"/>
+            <a:ext cx="559777" cy="273109"/>
+          </a:xfrm>
+          <a:prstGeom prst="roundRect">
+            <a:avLst/>
+          </a:prstGeom>
+        </p:spPr>
+        <p:style>
+          <a:lnRef idx="2">
+            <a:schemeClr val="accent1">
+              <a:shade val="50000"/>
+            </a:schemeClr>
+          </a:lnRef>
+          <a:fillRef idx="1">
+            <a:schemeClr val="accent1"/>
+          </a:fillRef>
+          <a:effectRef idx="0">
+            <a:schemeClr val="accent1"/>
+          </a:effectRef>
+          <a:fontRef idx="minor">
+            <a:schemeClr val="lt1"/>
+          </a:fontRef>
+        </p:style>
+        <p:txBody>
+          <a:bodyPr rtlCol="0" anchor="ctr"/>
+          <a:lstStyle/>
+          <a:p>
+            <a:pPr algn="ctr"/>
+            <a:r>
+              <a:rPr lang="en-US" sz="1200" dirty="0"/>
+              <a:t>x</a:t>
+            </a:r>
+            <a:r>
+              <a:rPr lang="en-US" sz="1200" baseline="-25000" dirty="0"/>
+              <a:t>1</a:t>
+            </a:r>
+          </a:p>
+        </p:txBody>
+      </p:sp>
+      <p:sp>
+        <p:nvSpPr>
+          <p:cNvPr id="240" name="Rectangle: Rounded Corners 239">
+            <a:extLst>
+              <a:ext uri="{FF2B5EF4-FFF2-40B4-BE49-F238E27FC236}">
+                <a16:creationId xmlns:a16="http://schemas.microsoft.com/office/drawing/2014/main" id="{ED0BDA96-3D07-4242-8EF9-60667323A138}"/>
+              </a:ext>
+            </a:extLst>
+          </p:cNvPr>
+          <p:cNvSpPr/>
+          <p:nvPr/>
+        </p:nvSpPr>
+        <p:spPr>
+          <a:xfrm>
+            <a:off x="10717328" y="3314585"/>
+            <a:ext cx="372795" cy="246221"/>
+          </a:xfrm>
+          <a:prstGeom prst="roundRect">
+            <a:avLst/>
+          </a:prstGeom>
+        </p:spPr>
+        <p:style>
+          <a:lnRef idx="2">
+            <a:schemeClr val="dk1">
+              <a:shade val="50000"/>
+            </a:schemeClr>
+          </a:lnRef>
+          <a:fillRef idx="1">
+            <a:schemeClr val="dk1"/>
+          </a:fillRef>
+          <a:effectRef idx="0">
+            <a:schemeClr val="dk1"/>
+          </a:effectRef>
+          <a:fontRef idx="minor">
+            <a:schemeClr val="lt1"/>
+          </a:fontRef>
+        </p:style>
+        <p:txBody>
+          <a:bodyPr rtlCol="0" anchor="ctr"/>
+          <a:lstStyle/>
+          <a:p>
+            <a:pPr algn="ctr"/>
+            <a:r>
+              <a:rPr lang="en-US" sz="1200" dirty="0"/>
+              <a:t>I</a:t>
+            </a:r>
+            <a:r>
+              <a:rPr lang="en-US" sz="1200" baseline="-25000" dirty="0"/>
+              <a:t>0</a:t>
+            </a:r>
+          </a:p>
+        </p:txBody>
+      </p:sp>
+      <p:sp>
+        <p:nvSpPr>
+          <p:cNvPr id="241" name="Rectangle: Rounded Corners 240">
+            <a:extLst>
+              <a:ext uri="{FF2B5EF4-FFF2-40B4-BE49-F238E27FC236}">
+                <a16:creationId xmlns:a16="http://schemas.microsoft.com/office/drawing/2014/main" id="{FCB63D53-5084-412F-81F6-E8BAA730AB65}"/>
+              </a:ext>
+            </a:extLst>
+          </p:cNvPr>
+          <p:cNvSpPr/>
+          <p:nvPr/>
+        </p:nvSpPr>
+        <p:spPr>
+          <a:xfrm>
+            <a:off x="10577890" y="3497384"/>
+            <a:ext cx="372795" cy="246221"/>
+          </a:xfrm>
+          <a:prstGeom prst="roundRect">
+            <a:avLst/>
+          </a:prstGeom>
+        </p:spPr>
+        <p:style>
+          <a:lnRef idx="2">
+            <a:schemeClr val="accent6">
+              <a:shade val="50000"/>
+            </a:schemeClr>
+          </a:lnRef>
+          <a:fillRef idx="1">
+            <a:schemeClr val="accent6"/>
+          </a:fillRef>
+          <a:effectRef idx="0">
+            <a:schemeClr val="accent6"/>
+          </a:effectRef>
+          <a:fontRef idx="minor">
+            <a:schemeClr val="lt1"/>
+          </a:fontRef>
+        </p:style>
+        <p:txBody>
+          <a:bodyPr rtlCol="0" anchor="ctr"/>
+          <a:lstStyle/>
+          <a:p>
+            <a:pPr algn="ctr"/>
+            <a:r>
+              <a:rPr lang="en-US" sz="1200" dirty="0"/>
+              <a:t>I</a:t>
+            </a:r>
+            <a:r>
+              <a:rPr lang="en-US" sz="1200" baseline="-25000" dirty="0"/>
+              <a:t>0</a:t>
+            </a:r>
+          </a:p>
+        </p:txBody>
+      </p:sp>
+      <p:cxnSp>
+        <p:nvCxnSpPr>
+          <p:cNvPr id="242" name="Straight Arrow Connector 125">
+            <a:extLst>
+              <a:ext uri="{FF2B5EF4-FFF2-40B4-BE49-F238E27FC236}">
+                <a16:creationId xmlns:a16="http://schemas.microsoft.com/office/drawing/2014/main" id="{5A7D32A2-2FFF-44D5-A217-B7E2434BFAB6}"/>
+              </a:ext>
+            </a:extLst>
+          </p:cNvPr>
+          <p:cNvCxnSpPr>
+            <a:cxnSpLocks/>
+            <a:stCxn id="240" idx="0"/>
+            <a:endCxn id="250" idx="2"/>
+          </p:cNvCxnSpPr>
+          <p:nvPr/>
+        </p:nvCxnSpPr>
+        <p:spPr>
+          <a:xfrm rot="16200000" flipV="1">
+            <a:off x="10448035" y="2858893"/>
+            <a:ext cx="277162" cy="634221"/>
+          </a:xfrm>
+          <a:prstGeom prst="bentConnector3">
+            <a:avLst>
+              <a:gd name="adj1" fmla="val 50000"/>
+            </a:avLst>
+          </a:prstGeom>
+          <a:ln>
+            <a:tailEnd type="triangle"/>
+          </a:ln>
+        </p:spPr>
+        <p:style>
+          <a:lnRef idx="1">
+            <a:schemeClr val="accent3"/>
+          </a:lnRef>
+          <a:fillRef idx="0">
+            <a:schemeClr val="accent3"/>
+          </a:fillRef>
+          <a:effectRef idx="0">
+            <a:schemeClr val="accent3"/>
+          </a:effectRef>
+          <a:fontRef idx="minor">
+            <a:schemeClr val="tx1"/>
+          </a:fontRef>
+        </p:style>
+      </p:cxnSp>
+      <p:cxnSp>
+        <p:nvCxnSpPr>
+          <p:cNvPr id="243" name="Straight Arrow Connector 125">
+            <a:extLst>
+              <a:ext uri="{FF2B5EF4-FFF2-40B4-BE49-F238E27FC236}">
+                <a16:creationId xmlns:a16="http://schemas.microsoft.com/office/drawing/2014/main" id="{415C1D41-1645-45EB-9416-B79BC1D77902}"/>
+              </a:ext>
+            </a:extLst>
+          </p:cNvPr>
+          <p:cNvCxnSpPr>
+            <a:cxnSpLocks/>
+            <a:stCxn id="239" idx="0"/>
+            <a:endCxn id="250" idx="2"/>
+          </p:cNvCxnSpPr>
+          <p:nvPr/>
+        </p:nvCxnSpPr>
+        <p:spPr>
+          <a:xfrm rot="5400000" flipH="1" flipV="1">
+            <a:off x="10052952" y="3071144"/>
+            <a:ext cx="250274" cy="182832"/>
+          </a:xfrm>
+          <a:prstGeom prst="bentConnector3">
+            <a:avLst>
+              <a:gd name="adj1" fmla="val 50000"/>
+            </a:avLst>
+          </a:prstGeom>
+          <a:ln>
+            <a:tailEnd type="triangle"/>
+          </a:ln>
+        </p:spPr>
+        <p:style>
+          <a:lnRef idx="1">
+            <a:schemeClr val="accent3"/>
+          </a:lnRef>
+          <a:fillRef idx="0">
+            <a:schemeClr val="accent3"/>
+          </a:fillRef>
+          <a:effectRef idx="0">
+            <a:schemeClr val="accent3"/>
+          </a:effectRef>
+          <a:fontRef idx="minor">
+            <a:schemeClr val="tx1"/>
+          </a:fontRef>
+        </p:style>
+      </p:cxnSp>
+      <p:sp>
+        <p:nvSpPr>
+          <p:cNvPr id="250" name="Rectangle: Rounded Corners 249">
+            <a:extLst>
+              <a:ext uri="{FF2B5EF4-FFF2-40B4-BE49-F238E27FC236}">
+                <a16:creationId xmlns:a16="http://schemas.microsoft.com/office/drawing/2014/main" id="{93EEBE17-93D5-4C3F-A484-046821156334}"/>
+              </a:ext>
+            </a:extLst>
+          </p:cNvPr>
+          <p:cNvSpPr/>
+          <p:nvPr/>
+        </p:nvSpPr>
+        <p:spPr>
+          <a:xfrm>
+            <a:off x="9989616" y="2764314"/>
+            <a:ext cx="559777" cy="273109"/>
+          </a:xfrm>
+          <a:prstGeom prst="roundRect">
+            <a:avLst/>
+          </a:prstGeom>
+        </p:spPr>
+        <p:style>
+          <a:lnRef idx="2">
+            <a:schemeClr val="accent1">
+              <a:shade val="50000"/>
+            </a:schemeClr>
+          </a:lnRef>
+          <a:fillRef idx="1">
+            <a:schemeClr val="accent1"/>
+          </a:fillRef>
+          <a:effectRef idx="0">
+            <a:schemeClr val="accent1"/>
+          </a:effectRef>
+          <a:fontRef idx="minor">
+            <a:schemeClr val="lt1"/>
+          </a:fontRef>
+        </p:style>
+        <p:txBody>
+          <a:bodyPr rtlCol="0" anchor="ctr"/>
+          <a:lstStyle/>
+          <a:p>
+            <a:pPr algn="ctr"/>
+            <a:r>
+              <a:rPr lang="en-US" sz="1200" dirty="0"/>
+              <a:t>x</a:t>
+            </a:r>
+            <a:r>
+              <a:rPr lang="en-US" sz="1200" baseline="-25000" dirty="0"/>
+              <a:t>0 </a:t>
+            </a:r>
+            <a:r>
+              <a:rPr lang="en-US" sz="1200" baseline="-25000" dirty="0" err="1"/>
+              <a:t>tmp</a:t>
+            </a:r>
+            <a:endParaRPr lang="en-US" sz="1200" baseline="-25000" dirty="0"/>
+          </a:p>
+        </p:txBody>
+      </p:sp>
+      <p:sp>
+        <p:nvSpPr>
+          <p:cNvPr id="256" name="Rectangle: Rounded Corners 255">
+            <a:extLst>
+              <a:ext uri="{FF2B5EF4-FFF2-40B4-BE49-F238E27FC236}">
+                <a16:creationId xmlns:a16="http://schemas.microsoft.com/office/drawing/2014/main" id="{18E99125-97E8-4BFA-9326-9039D8BC3704}"/>
+              </a:ext>
+            </a:extLst>
+          </p:cNvPr>
+          <p:cNvSpPr/>
+          <p:nvPr/>
+        </p:nvSpPr>
+        <p:spPr>
+          <a:xfrm>
+            <a:off x="10895379" y="2755685"/>
+            <a:ext cx="559777" cy="273109"/>
+          </a:xfrm>
+          <a:prstGeom prst="roundRect">
+            <a:avLst/>
+          </a:prstGeom>
+        </p:spPr>
+        <p:style>
+          <a:lnRef idx="2">
+            <a:schemeClr val="accent1">
+              <a:shade val="50000"/>
+            </a:schemeClr>
+          </a:lnRef>
+          <a:fillRef idx="1">
+            <a:schemeClr val="accent1"/>
+          </a:fillRef>
+          <a:effectRef idx="0">
+            <a:schemeClr val="accent1"/>
+          </a:effectRef>
+          <a:fontRef idx="minor">
+            <a:schemeClr val="lt1"/>
+          </a:fontRef>
+        </p:style>
+        <p:txBody>
+          <a:bodyPr rtlCol="0" anchor="ctr"/>
+          <a:lstStyle/>
+          <a:p>
+            <a:pPr algn="ctr"/>
+            <a:r>
+              <a:rPr lang="en-US" sz="1200" dirty="0"/>
+              <a:t>x</a:t>
+            </a:r>
+            <a:r>
+              <a:rPr lang="en-US" sz="1200" baseline="-25000" dirty="0"/>
+              <a:t>0</a:t>
+            </a:r>
+          </a:p>
+        </p:txBody>
+      </p:sp>
+      <p:cxnSp>
+        <p:nvCxnSpPr>
+          <p:cNvPr id="259" name="Straight Arrow Connector 125">
+            <a:extLst>
+              <a:ext uri="{FF2B5EF4-FFF2-40B4-BE49-F238E27FC236}">
+                <a16:creationId xmlns:a16="http://schemas.microsoft.com/office/drawing/2014/main" id="{CB57518D-E5A3-4921-A8CF-1C5D6E1293BC}"/>
+              </a:ext>
+            </a:extLst>
+          </p:cNvPr>
+          <p:cNvCxnSpPr>
+            <a:cxnSpLocks/>
+            <a:stCxn id="250" idx="3"/>
+            <a:endCxn id="256" idx="1"/>
+          </p:cNvCxnSpPr>
+          <p:nvPr/>
+        </p:nvCxnSpPr>
+        <p:spPr>
+          <a:xfrm flipV="1">
+            <a:off x="10549393" y="2892240"/>
+            <a:ext cx="345986" cy="8629"/>
+          </a:xfrm>
+          <a:prstGeom prst="straightConnector1">
+            <a:avLst/>
+          </a:prstGeom>
+          <a:ln>
+            <a:tailEnd type="triangle"/>
+          </a:ln>
+        </p:spPr>
+        <p:style>
+          <a:lnRef idx="1">
+            <a:schemeClr val="accent3"/>
+          </a:lnRef>
+          <a:fillRef idx="0">
+            <a:schemeClr val="accent3"/>
+          </a:fillRef>
+          <a:effectRef idx="0">
+            <a:schemeClr val="accent3"/>
+          </a:effectRef>
+          <a:fontRef idx="minor">
+            <a:schemeClr val="tx1"/>
+          </a:fontRef>
+        </p:style>
+      </p:cxnSp>
+      <mc:AlternateContent xmlns:mc="http://schemas.openxmlformats.org/markup-compatibility/2006" xmlns:a14="http://schemas.microsoft.com/office/drawing/2010/main">
+        <mc:Choice Requires="a14">
+          <p:sp>
+            <p:nvSpPr>
+              <p:cNvPr id="262" name="TextBox 261">
+                <a:extLst>
+                  <a:ext uri="{FF2B5EF4-FFF2-40B4-BE49-F238E27FC236}">
+                    <a16:creationId xmlns:a16="http://schemas.microsoft.com/office/drawing/2014/main" id="{12F90336-AC37-4616-AEF4-3FF0A00ADA0F}"/>
+                  </a:ext>
+                </a:extLst>
+              </p:cNvPr>
+              <p:cNvSpPr txBox="1"/>
+              <p:nvPr/>
+            </p:nvSpPr>
+            <p:spPr>
+              <a:xfrm>
+                <a:off x="10138307" y="2500836"/>
+                <a:ext cx="1199297" cy="246221"/>
+              </a:xfrm>
+              <a:prstGeom prst="rect">
+                <a:avLst/>
+              </a:prstGeom>
+              <a:noFill/>
+            </p:spPr>
+            <p:txBody>
+              <a:bodyPr wrap="square" rtlCol="0">
+                <a:spAutoFit/>
+              </a:bodyPr>
+              <a:lstStyle/>
+              <a:p>
+                <a:pPr/>
+                <a14:m>
+                  <m:oMathPara xmlns:m="http://schemas.openxmlformats.org/officeDocument/2006/math">
+                    <m:oMathParaPr>
+                      <m:jc m:val="centerGroup"/>
+                    </m:oMathParaPr>
+                    <m:oMath xmlns:m="http://schemas.openxmlformats.org/officeDocument/2006/math">
+                      <m:r>
+                        <a:rPr lang="en-US" sz="1000" b="0" i="1" dirty="0" smtClean="0">
+                          <a:solidFill>
+                            <a:schemeClr val="bg1">
+                              <a:lumMod val="50000"/>
+                            </a:schemeClr>
+                          </a:solidFill>
+                          <a:latin typeface="Cambria Math" panose="02040503050406030204" pitchFamily="18" charset="0"/>
+                        </a:rPr>
+                        <m:t>𝑥</m:t>
+                      </m:r>
+                      <m:r>
+                        <a:rPr lang="en-US" sz="1000" b="0" i="1" baseline="-25000" dirty="0" smtClean="0">
+                          <a:solidFill>
+                            <a:schemeClr val="bg1">
+                              <a:lumMod val="50000"/>
+                            </a:schemeClr>
+                          </a:solidFill>
+                          <a:latin typeface="Cambria Math" panose="02040503050406030204" pitchFamily="18" charset="0"/>
+                        </a:rPr>
+                        <m:t>0</m:t>
+                      </m:r>
+                      <m:r>
+                        <a:rPr lang="en-US" sz="1000" i="1" dirty="0" smtClean="0">
+                          <a:solidFill>
+                            <a:schemeClr val="bg1">
+                              <a:lumMod val="50000"/>
+                            </a:schemeClr>
+                          </a:solidFill>
+                          <a:latin typeface="Cambria Math" panose="02040503050406030204" pitchFamily="18" charset="0"/>
+                        </a:rPr>
+                        <m:t> =</m:t>
+                      </m:r>
+                      <m:r>
+                        <a:rPr lang="en-US" sz="1000" b="0" i="1" dirty="0" smtClean="0">
+                          <a:solidFill>
+                            <a:schemeClr val="bg1">
+                              <a:lumMod val="50000"/>
+                            </a:schemeClr>
+                          </a:solidFill>
+                          <a:latin typeface="Cambria Math" panose="02040503050406030204" pitchFamily="18" charset="0"/>
+                        </a:rPr>
+                        <m:t>𝑥</m:t>
+                      </m:r>
+                      <m:r>
+                        <a:rPr lang="en-US" sz="1000" b="0" i="1" baseline="-25000" dirty="0" smtClean="0">
+                          <a:solidFill>
+                            <a:schemeClr val="bg1">
+                              <a:lumMod val="50000"/>
+                            </a:schemeClr>
+                          </a:solidFill>
+                          <a:latin typeface="Cambria Math" panose="02040503050406030204" pitchFamily="18" charset="0"/>
+                        </a:rPr>
+                        <m:t>0</m:t>
+                      </m:r>
+                      <m:r>
+                        <a:rPr lang="en-US" sz="1000" b="0" i="1" dirty="0" smtClean="0">
+                          <a:solidFill>
+                            <a:schemeClr val="bg1">
+                              <a:lumMod val="50000"/>
+                            </a:schemeClr>
+                          </a:solidFill>
+                          <a:latin typeface="Cambria Math" panose="02040503050406030204" pitchFamily="18" charset="0"/>
+                        </a:rPr>
+                        <m:t>+</m:t>
+                      </m:r>
+                      <m:r>
+                        <a:rPr lang="en-US" sz="1000" b="0" i="1" dirty="0" smtClean="0">
+                          <a:solidFill>
+                            <a:schemeClr val="bg1">
+                              <a:lumMod val="50000"/>
+                            </a:schemeClr>
+                          </a:solidFill>
+                          <a:latin typeface="Cambria Math" panose="02040503050406030204" pitchFamily="18" charset="0"/>
+                        </a:rPr>
+                        <m:t>𝐼</m:t>
+                      </m:r>
+                      <m:r>
+                        <a:rPr lang="en-US" sz="1000" b="0" i="1" baseline="-25000" dirty="0" smtClean="0">
+                          <a:solidFill>
+                            <a:schemeClr val="bg1">
+                              <a:lumMod val="50000"/>
+                            </a:schemeClr>
+                          </a:solidFill>
+                          <a:latin typeface="Cambria Math" panose="02040503050406030204" pitchFamily="18" charset="0"/>
+                        </a:rPr>
+                        <m:t>0</m:t>
+                      </m:r>
+                      <m:r>
+                        <a:rPr lang="en-US" sz="1000" b="0" i="1" dirty="0" smtClean="0">
+                          <a:solidFill>
+                            <a:schemeClr val="bg1">
+                              <a:lumMod val="50000"/>
+                            </a:schemeClr>
+                          </a:solidFill>
+                          <a:latin typeface="Cambria Math" panose="02040503050406030204" pitchFamily="18" charset="0"/>
+                        </a:rPr>
+                        <m:t>𝑥</m:t>
+                      </m:r>
+                      <m:r>
+                        <a:rPr lang="en-US" sz="1000" b="0" i="1" baseline="-25000" dirty="0" smtClean="0">
+                          <a:solidFill>
+                            <a:schemeClr val="bg1">
+                              <a:lumMod val="50000"/>
+                            </a:schemeClr>
+                          </a:solidFill>
+                          <a:latin typeface="Cambria Math" panose="02040503050406030204" pitchFamily="18" charset="0"/>
+                        </a:rPr>
+                        <m:t>1</m:t>
+                      </m:r>
+                    </m:oMath>
+                  </m:oMathPara>
+                </a14:m>
+                <a:endParaRPr lang="en-US" sz="1000" baseline="-25000" dirty="0">
+                  <a:solidFill>
+                    <a:schemeClr val="bg1">
+                      <a:lumMod val="50000"/>
+                    </a:schemeClr>
+                  </a:solidFill>
+                </a:endParaRPr>
+              </a:p>
+            </p:txBody>
+          </p:sp>
+        </mc:Choice>
+        <mc:Fallback xmlns="">
+          <p:sp>
+            <p:nvSpPr>
+              <p:cNvPr id="262" name="TextBox 261">
+                <a:extLst>
+                  <a:ext uri="{FF2B5EF4-FFF2-40B4-BE49-F238E27FC236}">
+                    <a16:creationId xmlns:a16="http://schemas.microsoft.com/office/drawing/2014/main" id="{12F90336-AC37-4616-AEF4-3FF0A00ADA0F}"/>
+                  </a:ext>
+                </a:extLst>
+              </p:cNvPr>
+              <p:cNvSpPr txBox="1">
+                <a:spLocks noRot="1" noChangeAspect="1" noMove="1" noResize="1" noEditPoints="1" noAdjustHandles="1" noChangeArrowheads="1" noChangeShapeType="1" noTextEdit="1"/>
+              </p:cNvSpPr>
+              <p:nvPr/>
+            </p:nvSpPr>
+            <p:spPr>
+              <a:xfrm>
+                <a:off x="10138307" y="2500836"/>
+                <a:ext cx="1199297" cy="246221"/>
+              </a:xfrm>
+              <a:prstGeom prst="rect">
+                <a:avLst/>
+              </a:prstGeom>
+              <a:blipFill>
+                <a:blip r:embed="rId4"/>
+                <a:stretch>
+                  <a:fillRect/>
+                </a:stretch>
+              </a:blipFill>
+            </p:spPr>
+            <p:txBody>
+              <a:bodyPr/>
+              <a:lstStyle/>
+              <a:p>
+                <a:r>
+                  <a:rPr lang="en-US">
+                    <a:noFill/>
+                  </a:rPr>
+                  <a:t> </a:t>
+                </a:r>
+              </a:p>
+            </p:txBody>
+          </p:sp>
+        </mc:Fallback>
+      </mc:AlternateContent>
+      <p:sp>
+        <p:nvSpPr>
+          <p:cNvPr id="263" name="Rectangle: Rounded Corners 262">
+            <a:extLst>
+              <a:ext uri="{FF2B5EF4-FFF2-40B4-BE49-F238E27FC236}">
+                <a16:creationId xmlns:a16="http://schemas.microsoft.com/office/drawing/2014/main" id="{5EA375A6-C047-4302-8EA7-585CFCB0E30A}"/>
+              </a:ext>
+            </a:extLst>
+          </p:cNvPr>
+          <p:cNvSpPr/>
+          <p:nvPr/>
+        </p:nvSpPr>
+        <p:spPr>
+          <a:xfrm>
+            <a:off x="10904601" y="1927183"/>
+            <a:ext cx="559777" cy="273109"/>
+          </a:xfrm>
+          <a:prstGeom prst="roundRect">
+            <a:avLst/>
+          </a:prstGeom>
+        </p:spPr>
+        <p:style>
+          <a:lnRef idx="2">
+            <a:schemeClr val="accent1">
+              <a:shade val="50000"/>
+            </a:schemeClr>
+          </a:lnRef>
+          <a:fillRef idx="1">
+            <a:schemeClr val="accent1"/>
+          </a:fillRef>
+          <a:effectRef idx="0">
+            <a:schemeClr val="accent1"/>
+          </a:effectRef>
+          <a:fontRef idx="minor">
+            <a:schemeClr val="lt1"/>
+          </a:fontRef>
+        </p:style>
+        <p:txBody>
+          <a:bodyPr rtlCol="0" anchor="ctr"/>
+          <a:lstStyle/>
+          <a:p>
+            <a:pPr algn="ctr"/>
+            <a:r>
+              <a:rPr lang="en-US" sz="1200" dirty="0"/>
+              <a:t>x</a:t>
+            </a:r>
+            <a:r>
+              <a:rPr lang="en-US" sz="1200" baseline="-25000" dirty="0"/>
+              <a:t>0</a:t>
+            </a:r>
+            <a:r>
+              <a:rPr lang="en-US" sz="1200" dirty="0"/>
+              <a:t>'</a:t>
+            </a:r>
+          </a:p>
+        </p:txBody>
+      </p:sp>
+      <p:cxnSp>
+        <p:nvCxnSpPr>
+          <p:cNvPr id="264" name="Straight Arrow Connector 125">
+            <a:extLst>
+              <a:ext uri="{FF2B5EF4-FFF2-40B4-BE49-F238E27FC236}">
+                <a16:creationId xmlns:a16="http://schemas.microsoft.com/office/drawing/2014/main" id="{F7854140-6239-4574-A7B7-37E47F13BFEE}"/>
+              </a:ext>
+            </a:extLst>
+          </p:cNvPr>
+          <p:cNvCxnSpPr>
+            <a:cxnSpLocks/>
+            <a:stCxn id="256" idx="0"/>
+            <a:endCxn id="268" idx="2"/>
+          </p:cNvCxnSpPr>
+          <p:nvPr/>
+        </p:nvCxnSpPr>
+        <p:spPr>
+          <a:xfrm flipV="1">
+            <a:off x="11175268" y="2635955"/>
+            <a:ext cx="142977" cy="119730"/>
+          </a:xfrm>
+          <a:prstGeom prst="straightConnector1">
+            <a:avLst/>
+          </a:prstGeom>
+          <a:ln>
+            <a:tailEnd type="triangle"/>
+          </a:ln>
+        </p:spPr>
+        <p:style>
+          <a:lnRef idx="1">
+            <a:schemeClr val="accent3"/>
+          </a:lnRef>
+          <a:fillRef idx="0">
+            <a:schemeClr val="accent3"/>
+          </a:fillRef>
+          <a:effectRef idx="0">
+            <a:schemeClr val="accent3"/>
+          </a:effectRef>
+          <a:fontRef idx="minor">
+            <a:schemeClr val="tx1"/>
+          </a:fontRef>
+        </p:style>
+      </p:cxnSp>
+      <p:sp>
+        <p:nvSpPr>
+          <p:cNvPr id="268" name="TextBox 267">
+            <a:extLst>
+              <a:ext uri="{FF2B5EF4-FFF2-40B4-BE49-F238E27FC236}">
+                <a16:creationId xmlns:a16="http://schemas.microsoft.com/office/drawing/2014/main" id="{E38CDEE2-FE8C-4616-8672-A7BA39E0768F}"/>
+              </a:ext>
+            </a:extLst>
+          </p:cNvPr>
+          <p:cNvSpPr txBox="1"/>
+          <p:nvPr/>
+        </p:nvSpPr>
+        <p:spPr>
+          <a:xfrm>
+            <a:off x="11162242" y="2405123"/>
+            <a:ext cx="312006" cy="230832"/>
+          </a:xfrm>
+          <a:prstGeom prst="rect">
+            <a:avLst/>
+          </a:prstGeom>
+        </p:spPr>
+        <p:style>
+          <a:lnRef idx="2">
+            <a:schemeClr val="dk1">
+              <a:shade val="50000"/>
+            </a:schemeClr>
+          </a:lnRef>
+          <a:fillRef idx="1">
+            <a:schemeClr val="dk1"/>
+          </a:fillRef>
+          <a:effectRef idx="0">
+            <a:schemeClr val="dk1"/>
+          </a:effectRef>
+          <a:fontRef idx="minor">
+            <a:schemeClr val="lt1"/>
+          </a:fontRef>
+        </p:style>
+        <p:txBody>
+          <a:bodyPr wrap="square" rtlCol="0">
+            <a:spAutoFit/>
+          </a:bodyPr>
+          <a:lstStyle/>
+          <a:p>
+            <a:r>
+              <a:rPr lang="en-US" sz="900" dirty="0">
+                <a:solidFill>
+                  <a:schemeClr val="bg1"/>
+                </a:solidFill>
+              </a:rPr>
+              <a:t>GS</a:t>
+            </a:r>
+          </a:p>
+        </p:txBody>
+      </p:sp>
+      <p:cxnSp>
+        <p:nvCxnSpPr>
+          <p:cNvPr id="273" name="Straight Arrow Connector 125">
+            <a:extLst>
+              <a:ext uri="{FF2B5EF4-FFF2-40B4-BE49-F238E27FC236}">
+                <a16:creationId xmlns:a16="http://schemas.microsoft.com/office/drawing/2014/main" id="{81E6517A-35DF-4645-B5B6-07CD9E60E460}"/>
+              </a:ext>
+            </a:extLst>
+          </p:cNvPr>
+          <p:cNvCxnSpPr>
+            <a:cxnSpLocks/>
+            <a:stCxn id="268" idx="0"/>
+            <a:endCxn id="263" idx="2"/>
+          </p:cNvCxnSpPr>
+          <p:nvPr/>
+        </p:nvCxnSpPr>
+        <p:spPr>
+          <a:xfrm flipH="1" flipV="1">
+            <a:off x="11184490" y="2200292"/>
+            <a:ext cx="133755" cy="204831"/>
+          </a:xfrm>
+          <a:prstGeom prst="straightConnector1">
+            <a:avLst/>
+          </a:prstGeom>
+          <a:ln>
+            <a:tailEnd type="triangle"/>
+          </a:ln>
+        </p:spPr>
+        <p:style>
+          <a:lnRef idx="1">
+            <a:schemeClr val="accent3"/>
+          </a:lnRef>
+          <a:fillRef idx="0">
+            <a:schemeClr val="accent3"/>
+          </a:fillRef>
+          <a:effectRef idx="0">
+            <a:schemeClr val="accent3"/>
+          </a:effectRef>
+          <a:fontRef idx="minor">
+            <a:schemeClr val="tx1"/>
+          </a:fontRef>
+        </p:style>
+      </p:cxnSp>
+      <p:sp>
+        <p:nvSpPr>
+          <p:cNvPr id="276" name="TextBox 275">
+            <a:extLst>
+              <a:ext uri="{FF2B5EF4-FFF2-40B4-BE49-F238E27FC236}">
+                <a16:creationId xmlns:a16="http://schemas.microsoft.com/office/drawing/2014/main" id="{FC5E3718-CE08-47D4-A23B-63B7ED2E2C4A}"/>
+              </a:ext>
+            </a:extLst>
+          </p:cNvPr>
+          <p:cNvSpPr txBox="1"/>
+          <p:nvPr/>
+        </p:nvSpPr>
+        <p:spPr>
+          <a:xfrm>
+            <a:off x="6958265" y="2438753"/>
+            <a:ext cx="312006" cy="230832"/>
+          </a:xfrm>
+          <a:prstGeom prst="rect">
+            <a:avLst/>
+          </a:prstGeom>
+        </p:spPr>
+        <p:style>
+          <a:lnRef idx="2">
+            <a:schemeClr val="dk1">
+              <a:shade val="50000"/>
+            </a:schemeClr>
+          </a:lnRef>
+          <a:fillRef idx="1">
+            <a:schemeClr val="dk1"/>
+          </a:fillRef>
+          <a:effectRef idx="0">
+            <a:schemeClr val="dk1"/>
+          </a:effectRef>
+          <a:fontRef idx="minor">
+            <a:schemeClr val="lt1"/>
+          </a:fontRef>
+        </p:style>
+        <p:txBody>
+          <a:bodyPr wrap="square" rtlCol="0">
+            <a:spAutoFit/>
+          </a:bodyPr>
+          <a:lstStyle/>
+          <a:p>
+            <a:r>
+              <a:rPr lang="en-US" sz="900" dirty="0">
+                <a:solidFill>
+                  <a:schemeClr val="bg1"/>
+                </a:solidFill>
+              </a:rPr>
+              <a:t>GS</a:t>
+            </a:r>
+          </a:p>
+        </p:txBody>
+      </p:sp>
+      <p:cxnSp>
+        <p:nvCxnSpPr>
+          <p:cNvPr id="279" name="Straight Arrow Connector 125">
+            <a:extLst>
+              <a:ext uri="{FF2B5EF4-FFF2-40B4-BE49-F238E27FC236}">
+                <a16:creationId xmlns:a16="http://schemas.microsoft.com/office/drawing/2014/main" id="{B448F32F-6E78-4A1A-A714-3B3E6D9B63FB}"/>
+              </a:ext>
+            </a:extLst>
+          </p:cNvPr>
+          <p:cNvCxnSpPr>
+            <a:cxnSpLocks/>
+            <a:stCxn id="276" idx="2"/>
+            <a:endCxn id="139" idx="1"/>
+          </p:cNvCxnSpPr>
+          <p:nvPr/>
+        </p:nvCxnSpPr>
+        <p:spPr>
+          <a:xfrm rot="16200000" flipH="1">
+            <a:off x="7141759" y="2642093"/>
+            <a:ext cx="178682" cy="233665"/>
+          </a:xfrm>
+          <a:prstGeom prst="bentConnector2">
+            <a:avLst/>
+          </a:prstGeom>
+          <a:ln>
+            <a:tailEnd type="triangle"/>
+          </a:ln>
+        </p:spPr>
+        <p:style>
+          <a:lnRef idx="1">
+            <a:schemeClr val="accent3"/>
+          </a:lnRef>
+          <a:fillRef idx="0">
+            <a:schemeClr val="accent3"/>
+          </a:fillRef>
+          <a:effectRef idx="0">
+            <a:schemeClr val="accent3"/>
+          </a:effectRef>
+          <a:fontRef idx="minor">
+            <a:schemeClr val="tx1"/>
+          </a:fontRef>
+        </p:style>
+      </p:cxnSp>
+      <p:sp>
+        <p:nvSpPr>
+          <p:cNvPr id="292" name="Rectangle: Rounded Corners 291">
+            <a:extLst>
+              <a:ext uri="{FF2B5EF4-FFF2-40B4-BE49-F238E27FC236}">
+                <a16:creationId xmlns:a16="http://schemas.microsoft.com/office/drawing/2014/main" id="{D1E7BEAC-5C66-4520-8F47-113AFD5F8C19}"/>
+              </a:ext>
+            </a:extLst>
+          </p:cNvPr>
+          <p:cNvSpPr/>
+          <p:nvPr/>
+        </p:nvSpPr>
+        <p:spPr>
+          <a:xfrm>
+            <a:off x="80370" y="6497199"/>
+            <a:ext cx="929097" cy="308428"/>
+          </a:xfrm>
+          <a:prstGeom prst="roundRect">
+            <a:avLst/>
+          </a:prstGeom>
+        </p:spPr>
+        <p:style>
+          <a:lnRef idx="2">
+            <a:schemeClr val="accent6">
+              <a:shade val="50000"/>
+            </a:schemeClr>
+          </a:lnRef>
+          <a:fillRef idx="1">
+            <a:schemeClr val="accent6"/>
+          </a:fillRef>
+          <a:effectRef idx="0">
+            <a:schemeClr val="accent6"/>
+          </a:effectRef>
+          <a:fontRef idx="minor">
+            <a:schemeClr val="lt1"/>
+          </a:fontRef>
+        </p:style>
+        <p:txBody>
+          <a:bodyPr rtlCol="0" anchor="ctr"/>
+          <a:lstStyle/>
+          <a:p>
+            <a:pPr algn="ctr"/>
+            <a:r>
+              <a:rPr lang="en-US" sz="1200" dirty="0" err="1"/>
+              <a:t>SparseMat</a:t>
+            </a:r>
+            <a:endParaRPr lang="en-US" sz="1200" baseline="-25000" dirty="0"/>
+          </a:p>
+        </p:txBody>
+      </p:sp>
+      <p:sp>
+        <p:nvSpPr>
+          <p:cNvPr id="293" name="Rectangle: Rounded Corners 292">
+            <a:extLst>
+              <a:ext uri="{FF2B5EF4-FFF2-40B4-BE49-F238E27FC236}">
+                <a16:creationId xmlns:a16="http://schemas.microsoft.com/office/drawing/2014/main" id="{3FCEE96E-620E-4EF2-A4E0-2B3F798272CD}"/>
+              </a:ext>
+            </a:extLst>
+          </p:cNvPr>
+          <p:cNvSpPr/>
+          <p:nvPr/>
+        </p:nvSpPr>
+        <p:spPr>
+          <a:xfrm>
+            <a:off x="1105643" y="6497199"/>
+            <a:ext cx="929097" cy="308427"/>
+          </a:xfrm>
+          <a:prstGeom prst="roundRect">
+            <a:avLst/>
+          </a:prstGeom>
+        </p:spPr>
+        <p:style>
+          <a:lnRef idx="2">
+            <a:schemeClr val="accent2">
+              <a:shade val="50000"/>
+            </a:schemeClr>
+          </a:lnRef>
+          <a:fillRef idx="1">
+            <a:schemeClr val="accent2"/>
+          </a:fillRef>
+          <a:effectRef idx="0">
+            <a:schemeClr val="accent2"/>
+          </a:effectRef>
+          <a:fontRef idx="minor">
+            <a:schemeClr val="lt1"/>
+          </a:fontRef>
+        </p:style>
+        <p:txBody>
+          <a:bodyPr rtlCol="0" anchor="ctr"/>
+          <a:lstStyle/>
+          <a:p>
+            <a:pPr algn="ctr"/>
+            <a:r>
+              <a:rPr lang="en-US" sz="1200" dirty="0"/>
+              <a:t>scalar</a:t>
+            </a:r>
+            <a:endParaRPr lang="en-US" sz="1200" baseline="-25000" dirty="0"/>
+          </a:p>
+        </p:txBody>
+      </p:sp>
+      <p:sp>
+        <p:nvSpPr>
+          <p:cNvPr id="294" name="Rectangle: Rounded Corners 293">
+            <a:extLst>
+              <a:ext uri="{FF2B5EF4-FFF2-40B4-BE49-F238E27FC236}">
+                <a16:creationId xmlns:a16="http://schemas.microsoft.com/office/drawing/2014/main" id="{9083C870-E875-41F1-B3BA-56A21FC4EDA5}"/>
+              </a:ext>
+            </a:extLst>
+          </p:cNvPr>
+          <p:cNvSpPr/>
+          <p:nvPr/>
+        </p:nvSpPr>
+        <p:spPr>
+          <a:xfrm>
+            <a:off x="2130916" y="6505785"/>
+            <a:ext cx="1465724" cy="308427"/>
+          </a:xfrm>
+          <a:prstGeom prst="roundRect">
+            <a:avLst/>
+          </a:prstGeom>
+        </p:spPr>
+        <p:style>
+          <a:lnRef idx="2">
+            <a:schemeClr val="accent1">
+              <a:shade val="50000"/>
+            </a:schemeClr>
+          </a:lnRef>
+          <a:fillRef idx="1">
+            <a:schemeClr val="accent1"/>
+          </a:fillRef>
+          <a:effectRef idx="0">
+            <a:schemeClr val="accent1"/>
+          </a:effectRef>
+          <a:fontRef idx="minor">
+            <a:schemeClr val="lt1"/>
+          </a:fontRef>
+        </p:style>
+        <p:txBody>
+          <a:bodyPr rtlCol="0" anchor="ctr"/>
+          <a:lstStyle/>
+          <a:p>
+            <a:pPr algn="ctr"/>
+            <a:r>
+              <a:rPr lang="en-US" sz="1200" dirty="0"/>
+              <a:t>Vector (Volume)</a:t>
+            </a:r>
+            <a:endParaRPr lang="en-US" sz="1200" baseline="-25000" dirty="0"/>
+          </a:p>
+        </p:txBody>
+      </p:sp>
+      <p:sp>
+        <p:nvSpPr>
+          <p:cNvPr id="296" name="Rectangle: Rounded Corners 295">
+            <a:extLst>
+              <a:ext uri="{FF2B5EF4-FFF2-40B4-BE49-F238E27FC236}">
+                <a16:creationId xmlns:a16="http://schemas.microsoft.com/office/drawing/2014/main" id="{BFEC2814-0B3C-42F8-9453-3720E7D8D533}"/>
+              </a:ext>
+            </a:extLst>
+          </p:cNvPr>
+          <p:cNvSpPr/>
+          <p:nvPr/>
+        </p:nvSpPr>
+        <p:spPr>
+          <a:xfrm>
+            <a:off x="7529117" y="3823672"/>
+            <a:ext cx="493319" cy="178683"/>
+          </a:xfrm>
+          <a:prstGeom prst="roundRect">
+            <a:avLst/>
+          </a:prstGeom>
+        </p:spPr>
+        <p:style>
+          <a:lnRef idx="2">
+            <a:schemeClr val="accent6">
+              <a:shade val="50000"/>
+            </a:schemeClr>
+          </a:lnRef>
+          <a:fillRef idx="1">
+            <a:schemeClr val="accent6"/>
+          </a:fillRef>
+          <a:effectRef idx="0">
+            <a:schemeClr val="accent6"/>
+          </a:effectRef>
+          <a:fontRef idx="minor">
+            <a:schemeClr val="lt1"/>
+          </a:fontRef>
+        </p:style>
+        <p:txBody>
+          <a:bodyPr rtlCol="0" anchor="ctr"/>
+          <a:lstStyle/>
+          <a:p>
+            <a:pPr algn="ctr"/>
+            <a:r>
+              <a:rPr lang="en-US" sz="1200" dirty="0"/>
+              <a:t>A</a:t>
+            </a:r>
+            <a:r>
+              <a:rPr lang="en-US" sz="1200" baseline="-25000" dirty="0"/>
+              <a:t>i</a:t>
+            </a:r>
+          </a:p>
+        </p:txBody>
+      </p:sp>
+      <p:sp>
+        <p:nvSpPr>
+          <p:cNvPr id="297" name="Rectangle: Rounded Corners 296">
+            <a:extLst>
+              <a:ext uri="{FF2B5EF4-FFF2-40B4-BE49-F238E27FC236}">
+                <a16:creationId xmlns:a16="http://schemas.microsoft.com/office/drawing/2014/main" id="{51BAF6BD-7538-4CE6-B484-1675387D1C0E}"/>
+              </a:ext>
+            </a:extLst>
+          </p:cNvPr>
+          <p:cNvSpPr/>
+          <p:nvPr/>
+        </p:nvSpPr>
+        <p:spPr>
+          <a:xfrm>
+            <a:off x="8625301" y="3805394"/>
+            <a:ext cx="493320" cy="169679"/>
+          </a:xfrm>
+          <a:prstGeom prst="roundRect">
+            <a:avLst/>
+          </a:prstGeom>
+        </p:spPr>
+        <p:style>
+          <a:lnRef idx="2">
+            <a:schemeClr val="accent1">
+              <a:shade val="50000"/>
+            </a:schemeClr>
+          </a:lnRef>
+          <a:fillRef idx="1">
+            <a:schemeClr val="accent1"/>
+          </a:fillRef>
+          <a:effectRef idx="0">
+            <a:schemeClr val="accent1"/>
+          </a:effectRef>
+          <a:fontRef idx="minor">
+            <a:schemeClr val="lt1"/>
+          </a:fontRef>
+        </p:style>
+        <p:txBody>
+          <a:bodyPr rtlCol="0" anchor="ctr"/>
+          <a:lstStyle/>
+          <a:p>
+            <a:pPr algn="ctr"/>
+            <a:r>
+              <a:rPr lang="en-US" sz="1200" dirty="0"/>
+              <a:t>x</a:t>
+            </a:r>
+            <a:r>
+              <a:rPr lang="en-US" sz="1200" baseline="-25000" dirty="0"/>
+              <a:t>i</a:t>
+            </a:r>
+          </a:p>
+        </p:txBody>
+      </p:sp>
+      <p:sp>
+        <p:nvSpPr>
+          <p:cNvPr id="298" name="Rectangle: Rounded Corners 297">
+            <a:extLst>
+              <a:ext uri="{FF2B5EF4-FFF2-40B4-BE49-F238E27FC236}">
+                <a16:creationId xmlns:a16="http://schemas.microsoft.com/office/drawing/2014/main" id="{6AA58D3E-E957-4C36-A439-4E3651614F37}"/>
+              </a:ext>
+            </a:extLst>
+          </p:cNvPr>
+          <p:cNvSpPr/>
+          <p:nvPr/>
+        </p:nvSpPr>
+        <p:spPr>
+          <a:xfrm>
+            <a:off x="8665930" y="4012058"/>
+            <a:ext cx="412949" cy="152959"/>
+          </a:xfrm>
+          <a:prstGeom prst="roundRect">
+            <a:avLst/>
+          </a:prstGeom>
+        </p:spPr>
+        <p:style>
+          <a:lnRef idx="2">
+            <a:schemeClr val="accent1">
+              <a:shade val="50000"/>
+            </a:schemeClr>
+          </a:lnRef>
+          <a:fillRef idx="1">
+            <a:schemeClr val="accent1"/>
+          </a:fillRef>
+          <a:effectRef idx="0">
+            <a:schemeClr val="accent1"/>
+          </a:effectRef>
+          <a:fontRef idx="minor">
+            <a:schemeClr val="lt1"/>
+          </a:fontRef>
+        </p:style>
+        <p:txBody>
+          <a:bodyPr rtlCol="0" anchor="ctr"/>
+          <a:lstStyle/>
+          <a:p>
+            <a:pPr algn="ctr"/>
+            <a:r>
+              <a:rPr lang="en-US" sz="1200" dirty="0" err="1"/>
+              <a:t>r</a:t>
+            </a:r>
+            <a:r>
+              <a:rPr lang="en-US" sz="1200" baseline="-25000" dirty="0" err="1"/>
+              <a:t>i</a:t>
+            </a:r>
+            <a:endParaRPr lang="en-US" sz="1200" baseline="-25000" dirty="0"/>
+          </a:p>
+        </p:txBody>
+      </p:sp>
+      <p:sp>
+        <p:nvSpPr>
+          <p:cNvPr id="299" name="Rectangle: Rounded Corners 298">
+            <a:extLst>
+              <a:ext uri="{FF2B5EF4-FFF2-40B4-BE49-F238E27FC236}">
+                <a16:creationId xmlns:a16="http://schemas.microsoft.com/office/drawing/2014/main" id="{76DEB06D-53A5-4DC5-BD0A-AF52DA6018BC}"/>
+              </a:ext>
+            </a:extLst>
+          </p:cNvPr>
+          <p:cNvSpPr/>
+          <p:nvPr/>
+        </p:nvSpPr>
+        <p:spPr>
+          <a:xfrm>
+            <a:off x="8155326" y="4003892"/>
+            <a:ext cx="452982" cy="169679"/>
+          </a:xfrm>
+          <a:prstGeom prst="roundRect">
+            <a:avLst/>
+          </a:prstGeom>
+        </p:spPr>
+        <p:style>
+          <a:lnRef idx="2">
+            <a:schemeClr val="accent1">
+              <a:shade val="50000"/>
+            </a:schemeClr>
+          </a:lnRef>
+          <a:fillRef idx="1">
+            <a:schemeClr val="accent1"/>
+          </a:fillRef>
+          <a:effectRef idx="0">
+            <a:schemeClr val="accent1"/>
+          </a:effectRef>
+          <a:fontRef idx="minor">
+            <a:schemeClr val="lt1"/>
+          </a:fontRef>
+        </p:style>
+        <p:txBody>
+          <a:bodyPr rtlCol="0" anchor="ctr"/>
+          <a:lstStyle/>
+          <a:p>
+            <a:pPr algn="ctr"/>
+            <a:r>
+              <a:rPr lang="en-US" sz="1200" dirty="0"/>
+              <a:t>f</a:t>
+            </a:r>
+            <a:r>
+              <a:rPr lang="en-US" sz="1200" baseline="-25000" dirty="0"/>
+              <a:t>i</a:t>
+            </a:r>
+          </a:p>
+        </p:txBody>
+      </p:sp>
+      <p:sp>
+        <p:nvSpPr>
+          <p:cNvPr id="302" name="Rectangle: Rounded Corners 301">
+            <a:extLst>
+              <a:ext uri="{FF2B5EF4-FFF2-40B4-BE49-F238E27FC236}">
+                <a16:creationId xmlns:a16="http://schemas.microsoft.com/office/drawing/2014/main" id="{4643A17F-EDF2-4D1F-87B9-2956EC4A9367}"/>
+              </a:ext>
+            </a:extLst>
+          </p:cNvPr>
+          <p:cNvSpPr/>
+          <p:nvPr/>
+        </p:nvSpPr>
+        <p:spPr>
+          <a:xfrm>
+            <a:off x="11162014" y="3721825"/>
+            <a:ext cx="511989" cy="208873"/>
+          </a:xfrm>
+          <a:prstGeom prst="roundRect">
+            <a:avLst/>
+          </a:prstGeom>
+        </p:spPr>
+        <p:style>
+          <a:lnRef idx="2">
+            <a:schemeClr val="accent1">
+              <a:shade val="50000"/>
+            </a:schemeClr>
+          </a:lnRef>
+          <a:fillRef idx="1">
+            <a:schemeClr val="accent1"/>
+          </a:fillRef>
+          <a:effectRef idx="0">
+            <a:schemeClr val="accent1"/>
+          </a:effectRef>
+          <a:fontRef idx="minor">
+            <a:schemeClr val="lt1"/>
+          </a:fontRef>
+        </p:style>
+        <p:txBody>
+          <a:bodyPr rtlCol="0" anchor="ctr"/>
+          <a:lstStyle/>
+          <a:p>
+            <a:pPr algn="ctr"/>
+            <a:r>
+              <a:rPr lang="en-US" sz="1200" dirty="0"/>
+              <a:t>D</a:t>
+            </a:r>
+            <a:r>
+              <a:rPr lang="en-US" sz="1200" baseline="-25000" dirty="0"/>
+              <a:t>0</a:t>
+            </a:r>
+            <a:r>
+              <a:rPr lang="en-US" sz="1200" dirty="0"/>
+              <a:t> </a:t>
+            </a:r>
+          </a:p>
+        </p:txBody>
+      </p:sp>
+      <p:cxnSp>
+        <p:nvCxnSpPr>
+          <p:cNvPr id="303" name="Straight Arrow Connector 125">
+            <a:extLst>
+              <a:ext uri="{FF2B5EF4-FFF2-40B4-BE49-F238E27FC236}">
+                <a16:creationId xmlns:a16="http://schemas.microsoft.com/office/drawing/2014/main" id="{BBEA978F-5DAC-45D1-B208-6E7BE99C1989}"/>
+              </a:ext>
+            </a:extLst>
+          </p:cNvPr>
+          <p:cNvCxnSpPr>
+            <a:cxnSpLocks/>
+            <a:stCxn id="302" idx="0"/>
+            <a:endCxn id="240" idx="3"/>
+          </p:cNvCxnSpPr>
+          <p:nvPr/>
+        </p:nvCxnSpPr>
+        <p:spPr>
+          <a:xfrm rot="16200000" flipV="1">
+            <a:off x="11112002" y="3415818"/>
+            <a:ext cx="284129" cy="327886"/>
+          </a:xfrm>
+          <a:prstGeom prst="bentConnector2">
+            <a:avLst/>
+          </a:prstGeom>
+          <a:ln>
+            <a:tailEnd type="triangle"/>
+          </a:ln>
+        </p:spPr>
+        <p:style>
+          <a:lnRef idx="1">
+            <a:schemeClr val="accent3"/>
+          </a:lnRef>
+          <a:fillRef idx="0">
+            <a:schemeClr val="accent3"/>
+          </a:fillRef>
+          <a:effectRef idx="0">
+            <a:schemeClr val="accent3"/>
+          </a:effectRef>
+          <a:fontRef idx="minor">
+            <a:schemeClr val="tx1"/>
+          </a:fontRef>
+        </p:style>
+      </p:cxnSp>
+      <p:sp>
+        <p:nvSpPr>
+          <p:cNvPr id="307" name="Rectangle: Rounded Corners 306">
+            <a:extLst>
+              <a:ext uri="{FF2B5EF4-FFF2-40B4-BE49-F238E27FC236}">
+                <a16:creationId xmlns:a16="http://schemas.microsoft.com/office/drawing/2014/main" id="{28972188-DA4C-4278-946D-8C2C89C743C7}"/>
+              </a:ext>
+            </a:extLst>
+          </p:cNvPr>
+          <p:cNvSpPr/>
+          <p:nvPr/>
+        </p:nvSpPr>
+        <p:spPr>
+          <a:xfrm>
+            <a:off x="8352313" y="4198913"/>
+            <a:ext cx="511989" cy="169679"/>
+          </a:xfrm>
+          <a:prstGeom prst="roundRect">
+            <a:avLst/>
+          </a:prstGeom>
+        </p:spPr>
+        <p:style>
+          <a:lnRef idx="2">
+            <a:schemeClr val="accent1">
+              <a:shade val="50000"/>
+            </a:schemeClr>
+          </a:lnRef>
+          <a:fillRef idx="1">
+            <a:schemeClr val="accent1"/>
+          </a:fillRef>
+          <a:effectRef idx="0">
+            <a:schemeClr val="accent1"/>
+          </a:effectRef>
+          <a:fontRef idx="minor">
+            <a:schemeClr val="lt1"/>
+          </a:fontRef>
+        </p:style>
+        <p:txBody>
+          <a:bodyPr rtlCol="0" anchor="ctr"/>
+          <a:lstStyle/>
+          <a:p>
+            <a:pPr algn="ctr"/>
+            <a:r>
+              <a:rPr lang="en-US" sz="1200" dirty="0"/>
+              <a:t>D</a:t>
+            </a:r>
+            <a:r>
+              <a:rPr lang="en-US" sz="1200" baseline="-25000" dirty="0"/>
+              <a:t>i</a:t>
+            </a:r>
+            <a:r>
+              <a:rPr lang="en-US" sz="1200" dirty="0"/>
+              <a:t> </a:t>
+            </a:r>
+          </a:p>
+        </p:txBody>
+      </p:sp>
+      <p:sp>
+        <p:nvSpPr>
+          <p:cNvPr id="308" name="Rectangle: Rounded Corners 307">
+            <a:extLst>
+              <a:ext uri="{FF2B5EF4-FFF2-40B4-BE49-F238E27FC236}">
+                <a16:creationId xmlns:a16="http://schemas.microsoft.com/office/drawing/2014/main" id="{10E89181-502F-4034-B08C-D715F20B2D78}"/>
+              </a:ext>
+            </a:extLst>
+          </p:cNvPr>
+          <p:cNvSpPr/>
+          <p:nvPr/>
+        </p:nvSpPr>
+        <p:spPr>
+          <a:xfrm>
+            <a:off x="8079060" y="3796896"/>
+            <a:ext cx="511989" cy="186677"/>
+          </a:xfrm>
+          <a:prstGeom prst="roundRect">
+            <a:avLst/>
+          </a:prstGeom>
+        </p:spPr>
+        <p:style>
+          <a:lnRef idx="2">
+            <a:schemeClr val="accent1">
+              <a:shade val="50000"/>
+            </a:schemeClr>
+          </a:lnRef>
+          <a:fillRef idx="1">
+            <a:schemeClr val="accent1"/>
+          </a:fillRef>
+          <a:effectRef idx="0">
+            <a:schemeClr val="accent1"/>
+          </a:effectRef>
+          <a:fontRef idx="minor">
+            <a:schemeClr val="lt1"/>
+          </a:fontRef>
+        </p:style>
+        <p:txBody>
+          <a:bodyPr rtlCol="0" anchor="ctr"/>
+          <a:lstStyle/>
+          <a:p>
+            <a:pPr algn="ctr"/>
+            <a:r>
+              <a:rPr lang="en-US" sz="1200" dirty="0"/>
+              <a:t>x</a:t>
+            </a:r>
+            <a:r>
+              <a:rPr lang="en-US" sz="1200" baseline="-25000" dirty="0"/>
+              <a:t>i </a:t>
+            </a:r>
+            <a:r>
+              <a:rPr lang="en-US" sz="1200" baseline="-25000" dirty="0" err="1"/>
+              <a:t>tmp</a:t>
+            </a:r>
+            <a:r>
+              <a:rPr lang="en-US" sz="1200" dirty="0"/>
+              <a:t> </a:t>
+            </a:r>
+          </a:p>
+        </p:txBody>
+      </p:sp>
+      <p:sp>
+        <p:nvSpPr>
+          <p:cNvPr id="311" name="Rectangle 310">
+            <a:extLst>
+              <a:ext uri="{FF2B5EF4-FFF2-40B4-BE49-F238E27FC236}">
+                <a16:creationId xmlns:a16="http://schemas.microsoft.com/office/drawing/2014/main" id="{8B0D5090-D2C4-4B4F-B16B-7D4292942EF3}"/>
+              </a:ext>
+            </a:extLst>
+          </p:cNvPr>
+          <p:cNvSpPr/>
+          <p:nvPr/>
+        </p:nvSpPr>
+        <p:spPr>
+          <a:xfrm>
+            <a:off x="3988990" y="2287613"/>
+            <a:ext cx="770938" cy="250754"/>
+          </a:xfrm>
+          <a:prstGeom prst="rect">
+            <a:avLst/>
+          </a:prstGeom>
+          <a:solidFill>
+            <a:srgbClr val="FF0000"/>
+          </a:solidFill>
+        </p:spPr>
+        <p:style>
+          <a:lnRef idx="2">
+            <a:schemeClr val="accent3">
+              <a:shade val="50000"/>
+            </a:schemeClr>
+          </a:lnRef>
+          <a:fillRef idx="1">
+            <a:schemeClr val="accent3"/>
+          </a:fillRef>
+          <a:effectRef idx="0">
+            <a:schemeClr val="accent3"/>
+          </a:effectRef>
+          <a:fontRef idx="minor">
+            <a:schemeClr val="lt1"/>
+          </a:fontRef>
+        </p:style>
+        <p:txBody>
+          <a:bodyPr rtlCol="0" anchor="ctr"/>
+          <a:lstStyle/>
+          <a:p>
+            <a:pPr algn="ctr"/>
+            <a:r>
+              <a:rPr lang="en-US" sz="1000" dirty="0"/>
+              <a:t>I(R(A))</a:t>
+            </a:r>
+          </a:p>
+        </p:txBody>
+      </p:sp>
+      <p:sp>
+        <p:nvSpPr>
+          <p:cNvPr id="157" name="Oval 156">
+            <a:extLst>
+              <a:ext uri="{FF2B5EF4-FFF2-40B4-BE49-F238E27FC236}">
+                <a16:creationId xmlns:a16="http://schemas.microsoft.com/office/drawing/2014/main" id="{2C7F9ABF-AE34-4107-875D-B36EF9240A35}"/>
+              </a:ext>
+            </a:extLst>
+          </p:cNvPr>
+          <p:cNvSpPr/>
+          <p:nvPr/>
+        </p:nvSpPr>
+        <p:spPr>
+          <a:xfrm>
+            <a:off x="80370" y="5513561"/>
+            <a:ext cx="154869" cy="154869"/>
+          </a:xfrm>
+          <a:prstGeom prst="ellipse">
+            <a:avLst/>
+          </a:prstGeom>
+        </p:spPr>
+        <p:style>
+          <a:lnRef idx="2">
+            <a:schemeClr val="dk1">
+              <a:shade val="50000"/>
+            </a:schemeClr>
+          </a:lnRef>
+          <a:fillRef idx="1">
+            <a:schemeClr val="dk1"/>
+          </a:fillRef>
+          <a:effectRef idx="0">
+            <a:schemeClr val="dk1"/>
+          </a:effectRef>
+          <a:fontRef idx="minor">
+            <a:schemeClr val="lt1"/>
+          </a:fontRef>
+        </p:style>
+        <p:txBody>
+          <a:bodyPr rtlCol="0" anchor="ctr"/>
+          <a:lstStyle/>
+          <a:p>
+            <a:pPr algn="ctr"/>
+            <a:endParaRPr lang="en-US"/>
+          </a:p>
+        </p:txBody>
+      </p:sp>
+      <p:sp>
+        <p:nvSpPr>
+          <p:cNvPr id="2" name="Rectangle: Beveled 1">
+            <a:extLst>
+              <a:ext uri="{FF2B5EF4-FFF2-40B4-BE49-F238E27FC236}">
+                <a16:creationId xmlns:a16="http://schemas.microsoft.com/office/drawing/2014/main" id="{E2611CB2-5DBF-4A90-9E8C-CF866C5D7A0A}"/>
+              </a:ext>
+            </a:extLst>
+          </p:cNvPr>
+          <p:cNvSpPr/>
+          <p:nvPr/>
+        </p:nvSpPr>
+        <p:spPr>
+          <a:xfrm>
+            <a:off x="3676188" y="1220614"/>
+            <a:ext cx="393379" cy="184810"/>
+          </a:xfrm>
+          <a:prstGeom prst="bevel">
+            <a:avLst/>
+          </a:prstGeom>
+          <a:noFill/>
+          <a:ln w="9525" cap="flat" cmpd="sng" algn="ctr">
+            <a:solidFill>
+              <a:schemeClr val="accent2"/>
+            </a:solidFill>
+            <a:prstDash val="solid"/>
+            <a:round/>
+            <a:headEnd type="none" w="med" len="med"/>
+            <a:tailEnd type="none" w="med" len="med"/>
+          </a:ln>
+        </p:spPr>
+        <p:style>
+          <a:lnRef idx="0">
+            <a:scrgbClr r="0" g="0" b="0"/>
+          </a:lnRef>
+          <a:fillRef idx="0">
+            <a:scrgbClr r="0" g="0" b="0"/>
+          </a:fillRef>
+          <a:effectRef idx="0">
+            <a:scrgbClr r="0" g="0" b="0"/>
+          </a:effectRef>
+          <a:fontRef idx="minor">
+            <a:schemeClr val="accent2"/>
+          </a:fontRef>
+        </p:style>
+        <p:txBody>
+          <a:bodyPr rtlCol="0" anchor="ctr"/>
+          <a:lstStyle/>
+          <a:p>
+            <a:pPr algn="ctr"/>
+            <a:r>
+              <a:rPr lang="en-US" sz="700" dirty="0"/>
+              <a:t>GPU</a:t>
+            </a:r>
+          </a:p>
+        </p:txBody>
+      </p:sp>
+      <p:sp>
+        <p:nvSpPr>
+          <p:cNvPr id="103" name="Rectangle: Beveled 102">
+            <a:extLst>
+              <a:ext uri="{FF2B5EF4-FFF2-40B4-BE49-F238E27FC236}">
+                <a16:creationId xmlns:a16="http://schemas.microsoft.com/office/drawing/2014/main" id="{00E43C85-AD5C-46DD-9FE0-6BD54B7C5CAE}"/>
+              </a:ext>
+            </a:extLst>
+          </p:cNvPr>
+          <p:cNvSpPr/>
+          <p:nvPr/>
+        </p:nvSpPr>
+        <p:spPr>
+          <a:xfrm>
+            <a:off x="1617782" y="1272247"/>
+            <a:ext cx="393379" cy="184810"/>
+          </a:xfrm>
+          <a:prstGeom prst="bevel">
+            <a:avLst/>
+          </a:prstGeom>
+          <a:noFill/>
+          <a:ln w="9525" cap="flat" cmpd="sng" algn="ctr">
+            <a:solidFill>
+              <a:schemeClr val="accent2"/>
+            </a:solidFill>
+            <a:prstDash val="solid"/>
+            <a:round/>
+            <a:headEnd type="none" w="med" len="med"/>
+            <a:tailEnd type="none" w="med" len="med"/>
+          </a:ln>
+        </p:spPr>
+        <p:style>
+          <a:lnRef idx="0">
+            <a:scrgbClr r="0" g="0" b="0"/>
+          </a:lnRef>
+          <a:fillRef idx="0">
+            <a:scrgbClr r="0" g="0" b="0"/>
+          </a:fillRef>
+          <a:effectRef idx="0">
+            <a:scrgbClr r="0" g="0" b="0"/>
+          </a:effectRef>
+          <a:fontRef idx="minor">
+            <a:schemeClr val="accent2"/>
+          </a:fontRef>
+        </p:style>
+        <p:txBody>
+          <a:bodyPr rtlCol="0" anchor="ctr"/>
+          <a:lstStyle/>
+          <a:p>
+            <a:pPr algn="ctr"/>
+            <a:r>
+              <a:rPr lang="en-US" sz="700" dirty="0"/>
+              <a:t>GPU</a:t>
+            </a:r>
+          </a:p>
+        </p:txBody>
+      </p:sp>
+      <p:sp>
+        <p:nvSpPr>
+          <p:cNvPr id="104" name="Rectangle: Beveled 103">
+            <a:extLst>
+              <a:ext uri="{FF2B5EF4-FFF2-40B4-BE49-F238E27FC236}">
+                <a16:creationId xmlns:a16="http://schemas.microsoft.com/office/drawing/2014/main" id="{48FC1E8A-7529-4260-A5EA-718B21F5AFFB}"/>
+              </a:ext>
+            </a:extLst>
+          </p:cNvPr>
+          <p:cNvSpPr/>
+          <p:nvPr/>
+        </p:nvSpPr>
+        <p:spPr>
+          <a:xfrm>
+            <a:off x="2482193" y="2191155"/>
+            <a:ext cx="393379" cy="184810"/>
+          </a:xfrm>
+          <a:prstGeom prst="bevel">
+            <a:avLst/>
+          </a:prstGeom>
+          <a:noFill/>
+          <a:ln w="9525" cap="flat" cmpd="sng" algn="ctr">
+            <a:solidFill>
+              <a:schemeClr val="accent2"/>
+            </a:solidFill>
+            <a:prstDash val="solid"/>
+            <a:round/>
+            <a:headEnd type="none" w="med" len="med"/>
+            <a:tailEnd type="none" w="med" len="med"/>
+          </a:ln>
+        </p:spPr>
+        <p:style>
+          <a:lnRef idx="0">
+            <a:scrgbClr r="0" g="0" b="0"/>
+          </a:lnRef>
+          <a:fillRef idx="0">
+            <a:scrgbClr r="0" g="0" b="0"/>
+          </a:fillRef>
+          <a:effectRef idx="0">
+            <a:scrgbClr r="0" g="0" b="0"/>
+          </a:effectRef>
+          <a:fontRef idx="minor">
+            <a:schemeClr val="accent2"/>
+          </a:fontRef>
+        </p:style>
+        <p:txBody>
+          <a:bodyPr rtlCol="0" anchor="ctr"/>
+          <a:lstStyle/>
+          <a:p>
+            <a:pPr algn="ctr"/>
+            <a:r>
+              <a:rPr lang="en-US" sz="700" dirty="0"/>
+              <a:t>GPU</a:t>
+            </a:r>
+          </a:p>
+        </p:txBody>
+      </p:sp>
+      <p:sp>
+        <p:nvSpPr>
+          <p:cNvPr id="105" name="Rectangle: Beveled 104">
+            <a:extLst>
+              <a:ext uri="{FF2B5EF4-FFF2-40B4-BE49-F238E27FC236}">
+                <a16:creationId xmlns:a16="http://schemas.microsoft.com/office/drawing/2014/main" id="{F97207DF-2671-473F-A331-78735AAD5453}"/>
+              </a:ext>
+            </a:extLst>
+          </p:cNvPr>
+          <p:cNvSpPr/>
+          <p:nvPr/>
+        </p:nvSpPr>
+        <p:spPr>
+          <a:xfrm>
+            <a:off x="2133390" y="5513561"/>
+            <a:ext cx="393379" cy="184810"/>
+          </a:xfrm>
+          <a:prstGeom prst="bevel">
+            <a:avLst/>
+          </a:prstGeom>
+          <a:noFill/>
+          <a:ln w="9525" cap="flat" cmpd="sng" algn="ctr">
+            <a:solidFill>
+              <a:schemeClr val="accent2"/>
+            </a:solidFill>
+            <a:prstDash val="solid"/>
+            <a:round/>
+            <a:headEnd type="none" w="med" len="med"/>
+            <a:tailEnd type="none" w="med" len="med"/>
+          </a:ln>
+        </p:spPr>
+        <p:style>
+          <a:lnRef idx="0">
+            <a:scrgbClr r="0" g="0" b="0"/>
+          </a:lnRef>
+          <a:fillRef idx="0">
+            <a:scrgbClr r="0" g="0" b="0"/>
+          </a:fillRef>
+          <a:effectRef idx="0">
+            <a:scrgbClr r="0" g="0" b="0"/>
+          </a:effectRef>
+          <a:fontRef idx="minor">
+            <a:schemeClr val="accent2"/>
+          </a:fontRef>
+        </p:style>
+        <p:txBody>
+          <a:bodyPr rtlCol="0" anchor="ctr"/>
+          <a:lstStyle/>
+          <a:p>
+            <a:pPr algn="ctr"/>
+            <a:r>
+              <a:rPr lang="en-US" sz="700" dirty="0"/>
+              <a:t>GPU</a:t>
+            </a:r>
+          </a:p>
+        </p:txBody>
+      </p:sp>
+      <p:sp>
+        <p:nvSpPr>
+          <p:cNvPr id="108" name="Rectangle: Beveled 107">
+            <a:extLst>
+              <a:ext uri="{FF2B5EF4-FFF2-40B4-BE49-F238E27FC236}">
+                <a16:creationId xmlns:a16="http://schemas.microsoft.com/office/drawing/2014/main" id="{C1F5E23A-0846-4173-9AB1-86B160724D6B}"/>
+              </a:ext>
+            </a:extLst>
+          </p:cNvPr>
+          <p:cNvSpPr/>
+          <p:nvPr/>
+        </p:nvSpPr>
+        <p:spPr>
+          <a:xfrm>
+            <a:off x="8894231" y="1948218"/>
+            <a:ext cx="393379" cy="184810"/>
+          </a:xfrm>
+          <a:prstGeom prst="bevel">
+            <a:avLst/>
+          </a:prstGeom>
+          <a:noFill/>
+          <a:ln w="9525" cap="flat" cmpd="sng" algn="ctr">
+            <a:solidFill>
+              <a:schemeClr val="accent2"/>
+            </a:solidFill>
+            <a:prstDash val="solid"/>
+            <a:round/>
+            <a:headEnd type="none" w="med" len="med"/>
+            <a:tailEnd type="none" w="med" len="med"/>
+          </a:ln>
+        </p:spPr>
+        <p:style>
+          <a:lnRef idx="0">
+            <a:scrgbClr r="0" g="0" b="0"/>
+          </a:lnRef>
+          <a:fillRef idx="0">
+            <a:scrgbClr r="0" g="0" b="0"/>
+          </a:fillRef>
+          <a:effectRef idx="0">
+            <a:scrgbClr r="0" g="0" b="0"/>
+          </a:effectRef>
+          <a:fontRef idx="minor">
+            <a:schemeClr val="accent2"/>
+          </a:fontRef>
+        </p:style>
+        <p:txBody>
+          <a:bodyPr rtlCol="0" anchor="ctr"/>
+          <a:lstStyle/>
+          <a:p>
+            <a:pPr algn="ctr"/>
+            <a:r>
+              <a:rPr lang="en-US" sz="700" dirty="0"/>
+              <a:t>GPU</a:t>
+            </a:r>
+          </a:p>
+        </p:txBody>
+      </p:sp>
+      <p:sp>
+        <p:nvSpPr>
+          <p:cNvPr id="109" name="Rectangle: Beveled 108">
+            <a:extLst>
+              <a:ext uri="{FF2B5EF4-FFF2-40B4-BE49-F238E27FC236}">
+                <a16:creationId xmlns:a16="http://schemas.microsoft.com/office/drawing/2014/main" id="{1830B366-4095-4C24-BAE9-32E3F6551AA5}"/>
+              </a:ext>
+            </a:extLst>
+          </p:cNvPr>
+          <p:cNvSpPr/>
+          <p:nvPr/>
+        </p:nvSpPr>
+        <p:spPr>
+          <a:xfrm>
+            <a:off x="8582624" y="2723825"/>
+            <a:ext cx="393379" cy="184810"/>
+          </a:xfrm>
+          <a:prstGeom prst="bevel">
+            <a:avLst/>
+          </a:prstGeom>
+          <a:noFill/>
+          <a:ln w="9525" cap="flat" cmpd="sng" algn="ctr">
+            <a:solidFill>
+              <a:schemeClr val="accent2"/>
+            </a:solidFill>
+            <a:prstDash val="solid"/>
+            <a:round/>
+            <a:headEnd type="none" w="med" len="med"/>
+            <a:tailEnd type="none" w="med" len="med"/>
+          </a:ln>
+        </p:spPr>
+        <p:style>
+          <a:lnRef idx="0">
+            <a:scrgbClr r="0" g="0" b="0"/>
+          </a:lnRef>
+          <a:fillRef idx="0">
+            <a:scrgbClr r="0" g="0" b="0"/>
+          </a:fillRef>
+          <a:effectRef idx="0">
+            <a:scrgbClr r="0" g="0" b="0"/>
+          </a:effectRef>
+          <a:fontRef idx="minor">
+            <a:schemeClr val="accent2"/>
+          </a:fontRef>
+        </p:style>
+        <p:txBody>
+          <a:bodyPr rtlCol="0" anchor="ctr"/>
+          <a:lstStyle/>
+          <a:p>
+            <a:pPr algn="ctr"/>
+            <a:r>
+              <a:rPr lang="en-US" sz="700" dirty="0"/>
+              <a:t>GPU</a:t>
+            </a:r>
+          </a:p>
+        </p:txBody>
+      </p:sp>
+      <p:sp>
+        <p:nvSpPr>
+          <p:cNvPr id="110" name="Rectangle: Beveled 109">
+            <a:extLst>
+              <a:ext uri="{FF2B5EF4-FFF2-40B4-BE49-F238E27FC236}">
+                <a16:creationId xmlns:a16="http://schemas.microsoft.com/office/drawing/2014/main" id="{5CE28FEF-22A8-477D-966C-B9E4A90E9C44}"/>
+              </a:ext>
+            </a:extLst>
+          </p:cNvPr>
+          <p:cNvSpPr/>
+          <p:nvPr/>
+        </p:nvSpPr>
+        <p:spPr>
+          <a:xfrm>
+            <a:off x="10491709" y="2320856"/>
+            <a:ext cx="393379" cy="184810"/>
+          </a:xfrm>
+          <a:prstGeom prst="bevel">
+            <a:avLst/>
+          </a:prstGeom>
+          <a:noFill/>
+          <a:ln w="9525" cap="flat" cmpd="sng" algn="ctr">
+            <a:solidFill>
+              <a:schemeClr val="accent2"/>
+            </a:solidFill>
+            <a:prstDash val="solid"/>
+            <a:round/>
+            <a:headEnd type="none" w="med" len="med"/>
+            <a:tailEnd type="none" w="med" len="med"/>
+          </a:ln>
+        </p:spPr>
+        <p:style>
+          <a:lnRef idx="0">
+            <a:scrgbClr r="0" g="0" b="0"/>
+          </a:lnRef>
+          <a:fillRef idx="0">
+            <a:scrgbClr r="0" g="0" b="0"/>
+          </a:fillRef>
+          <a:effectRef idx="0">
+            <a:scrgbClr r="0" g="0" b="0"/>
+          </a:effectRef>
+          <a:fontRef idx="minor">
+            <a:schemeClr val="accent2"/>
+          </a:fontRef>
+        </p:style>
+        <p:txBody>
+          <a:bodyPr rtlCol="0" anchor="ctr"/>
+          <a:lstStyle/>
+          <a:p>
+            <a:pPr algn="ctr"/>
+            <a:r>
+              <a:rPr lang="en-US" sz="700" dirty="0"/>
+              <a:t>GPU</a:t>
+            </a:r>
+          </a:p>
+        </p:txBody>
+      </p:sp>
+      <p:sp>
+        <p:nvSpPr>
+          <p:cNvPr id="114" name="Rectangle: Beveled 113">
+            <a:extLst>
+              <a:ext uri="{FF2B5EF4-FFF2-40B4-BE49-F238E27FC236}">
+                <a16:creationId xmlns:a16="http://schemas.microsoft.com/office/drawing/2014/main" id="{5A0D3A28-81BF-4B59-8FFF-1C69822C9E80}"/>
+              </a:ext>
+            </a:extLst>
+          </p:cNvPr>
+          <p:cNvSpPr/>
+          <p:nvPr/>
+        </p:nvSpPr>
+        <p:spPr>
+          <a:xfrm>
+            <a:off x="5927439" y="5336725"/>
+            <a:ext cx="393379" cy="184810"/>
+          </a:xfrm>
+          <a:prstGeom prst="bevel">
+            <a:avLst/>
+          </a:prstGeom>
+          <a:noFill/>
+          <a:ln w="9525" cap="flat" cmpd="sng" algn="ctr">
+            <a:solidFill>
+              <a:schemeClr val="accent6"/>
+            </a:solidFill>
+            <a:prstDash val="solid"/>
+            <a:round/>
+            <a:headEnd type="none" w="med" len="med"/>
+            <a:tailEnd type="none" w="med" len="med"/>
+          </a:ln>
+        </p:spPr>
+        <p:style>
+          <a:lnRef idx="0">
+            <a:scrgbClr r="0" g="0" b="0"/>
+          </a:lnRef>
+          <a:fillRef idx="0">
+            <a:scrgbClr r="0" g="0" b="0"/>
+          </a:fillRef>
+          <a:effectRef idx="0">
+            <a:scrgbClr r="0" g="0" b="0"/>
+          </a:effectRef>
+          <a:fontRef idx="minor">
+            <a:schemeClr val="accent6"/>
+          </a:fontRef>
+        </p:style>
+        <p:txBody>
+          <a:bodyPr rtlCol="0" anchor="ctr"/>
+          <a:lstStyle/>
+          <a:p>
+            <a:pPr algn="ctr"/>
+            <a:r>
+              <a:rPr lang="en-US" sz="700" dirty="0"/>
+              <a:t>CPU</a:t>
+            </a:r>
+          </a:p>
+        </p:txBody>
+      </p:sp>
+      <p:sp>
+        <p:nvSpPr>
+          <p:cNvPr id="119" name="Rectangle: Beveled 118">
+            <a:extLst>
+              <a:ext uri="{FF2B5EF4-FFF2-40B4-BE49-F238E27FC236}">
+                <a16:creationId xmlns:a16="http://schemas.microsoft.com/office/drawing/2014/main" id="{6800B082-4ACC-45BD-95A7-B5A3B90E5211}"/>
+              </a:ext>
+            </a:extLst>
+          </p:cNvPr>
+          <p:cNvSpPr/>
+          <p:nvPr/>
+        </p:nvSpPr>
+        <p:spPr>
+          <a:xfrm>
+            <a:off x="4987882" y="2176802"/>
+            <a:ext cx="393379" cy="184810"/>
+          </a:xfrm>
+          <a:prstGeom prst="bevel">
+            <a:avLst/>
+          </a:prstGeom>
+          <a:noFill/>
+          <a:ln w="9525" cap="flat" cmpd="sng" algn="ctr">
+            <a:solidFill>
+              <a:srgbClr val="FF0000"/>
+            </a:solidFill>
+            <a:prstDash val="solid"/>
+            <a:round/>
+            <a:headEnd type="none" w="med" len="med"/>
+            <a:tailEnd type="none" w="med" len="med"/>
+          </a:ln>
+        </p:spPr>
+        <p:style>
+          <a:lnRef idx="0">
+            <a:scrgbClr r="0" g="0" b="0"/>
+          </a:lnRef>
+          <a:fillRef idx="0">
+            <a:scrgbClr r="0" g="0" b="0"/>
+          </a:fillRef>
+          <a:effectRef idx="0">
+            <a:scrgbClr r="0" g="0" b="0"/>
+          </a:effectRef>
+          <a:fontRef idx="minor">
+            <a:schemeClr val="accent6"/>
+          </a:fontRef>
+        </p:style>
+        <p:txBody>
+          <a:bodyPr rtlCol="0" anchor="ctr"/>
+          <a:lstStyle/>
+          <a:p>
+            <a:pPr algn="ctr"/>
+            <a:r>
+              <a:rPr lang="en-US" sz="700" dirty="0">
+                <a:solidFill>
+                  <a:srgbClr val="FF0000"/>
+                </a:solidFill>
+              </a:rPr>
+              <a:t>?</a:t>
+            </a:r>
+          </a:p>
+        </p:txBody>
+      </p:sp>
+      <p:sp>
+        <p:nvSpPr>
+          <p:cNvPr id="120" name="Rectangle: Beveled 119">
+            <a:extLst>
+              <a:ext uri="{FF2B5EF4-FFF2-40B4-BE49-F238E27FC236}">
+                <a16:creationId xmlns:a16="http://schemas.microsoft.com/office/drawing/2014/main" id="{C4A9069D-2043-4159-AC8D-A0662A9983C8}"/>
+              </a:ext>
+            </a:extLst>
+          </p:cNvPr>
+          <p:cNvSpPr/>
+          <p:nvPr/>
+        </p:nvSpPr>
+        <p:spPr>
+          <a:xfrm>
+            <a:off x="6854083" y="2203027"/>
+            <a:ext cx="393379" cy="184810"/>
+          </a:xfrm>
+          <a:prstGeom prst="bevel">
+            <a:avLst/>
+          </a:prstGeom>
+          <a:noFill/>
+          <a:ln w="9525" cap="flat" cmpd="sng" algn="ctr">
+            <a:solidFill>
+              <a:schemeClr val="accent2"/>
+            </a:solidFill>
+            <a:prstDash val="solid"/>
+            <a:round/>
+            <a:headEnd type="none" w="med" len="med"/>
+            <a:tailEnd type="none" w="med" len="med"/>
+          </a:ln>
+        </p:spPr>
+        <p:style>
+          <a:lnRef idx="0">
+            <a:scrgbClr r="0" g="0" b="0"/>
+          </a:lnRef>
+          <a:fillRef idx="0">
+            <a:scrgbClr r="0" g="0" b="0"/>
+          </a:fillRef>
+          <a:effectRef idx="0">
+            <a:scrgbClr r="0" g="0" b="0"/>
+          </a:effectRef>
+          <a:fontRef idx="minor">
+            <a:schemeClr val="accent2"/>
+          </a:fontRef>
+        </p:style>
+        <p:txBody>
+          <a:bodyPr rtlCol="0" anchor="ctr"/>
+          <a:lstStyle/>
+          <a:p>
+            <a:pPr algn="ctr"/>
+            <a:r>
+              <a:rPr lang="en-US" sz="700" dirty="0"/>
+              <a:t>GPU</a:t>
+            </a:r>
+          </a:p>
+        </p:txBody>
+      </p:sp>
+      <p:sp>
+        <p:nvSpPr>
+          <p:cNvPr id="122" name="Rectangle: Beveled 121">
+            <a:extLst>
+              <a:ext uri="{FF2B5EF4-FFF2-40B4-BE49-F238E27FC236}">
+                <a16:creationId xmlns:a16="http://schemas.microsoft.com/office/drawing/2014/main" id="{5CB0428F-E0AE-4B5E-93D5-9CD69184D6D6}"/>
+              </a:ext>
+            </a:extLst>
+          </p:cNvPr>
+          <p:cNvSpPr/>
+          <p:nvPr/>
+        </p:nvSpPr>
+        <p:spPr>
+          <a:xfrm>
+            <a:off x="11569031" y="2404886"/>
+            <a:ext cx="393379" cy="184810"/>
+          </a:xfrm>
+          <a:prstGeom prst="bevel">
+            <a:avLst/>
+          </a:prstGeom>
+          <a:noFill/>
+          <a:ln w="9525" cap="flat" cmpd="sng" algn="ctr">
+            <a:solidFill>
+              <a:schemeClr val="accent2"/>
+            </a:solidFill>
+            <a:prstDash val="solid"/>
+            <a:round/>
+            <a:headEnd type="none" w="med" len="med"/>
+            <a:tailEnd type="none" w="med" len="med"/>
+          </a:ln>
+        </p:spPr>
+        <p:style>
+          <a:lnRef idx="0">
+            <a:scrgbClr r="0" g="0" b="0"/>
+          </a:lnRef>
+          <a:fillRef idx="0">
+            <a:scrgbClr r="0" g="0" b="0"/>
+          </a:fillRef>
+          <a:effectRef idx="0">
+            <a:scrgbClr r="0" g="0" b="0"/>
+          </a:effectRef>
+          <a:fontRef idx="minor">
+            <a:schemeClr val="accent2"/>
+          </a:fontRef>
+        </p:style>
+        <p:txBody>
+          <a:bodyPr rtlCol="0" anchor="ctr"/>
+          <a:lstStyle/>
+          <a:p>
+            <a:pPr algn="ctr"/>
+            <a:r>
+              <a:rPr lang="en-US" sz="700" dirty="0"/>
+              <a:t>GPU</a:t>
+            </a:r>
+          </a:p>
+        </p:txBody>
+      </p:sp>
+      <p:sp>
+        <p:nvSpPr>
+          <p:cNvPr id="123" name="Rectangle: Beveled 122">
+            <a:extLst>
+              <a:ext uri="{FF2B5EF4-FFF2-40B4-BE49-F238E27FC236}">
+                <a16:creationId xmlns:a16="http://schemas.microsoft.com/office/drawing/2014/main" id="{71A295A4-55AD-4896-9191-21D30987431B}"/>
+              </a:ext>
+            </a:extLst>
+          </p:cNvPr>
+          <p:cNvSpPr/>
+          <p:nvPr/>
+        </p:nvSpPr>
+        <p:spPr>
+          <a:xfrm>
+            <a:off x="11140914" y="3228824"/>
+            <a:ext cx="393379" cy="184810"/>
+          </a:xfrm>
+          <a:prstGeom prst="bevel">
+            <a:avLst/>
+          </a:prstGeom>
+          <a:noFill/>
+          <a:ln w="9525" cap="flat" cmpd="sng" algn="ctr">
+            <a:solidFill>
+              <a:schemeClr val="accent2"/>
+            </a:solidFill>
+            <a:prstDash val="solid"/>
+            <a:round/>
+            <a:headEnd type="none" w="med" len="med"/>
+            <a:tailEnd type="none" w="med" len="med"/>
+          </a:ln>
+        </p:spPr>
+        <p:style>
+          <a:lnRef idx="0">
+            <a:scrgbClr r="0" g="0" b="0"/>
+          </a:lnRef>
+          <a:fillRef idx="0">
+            <a:scrgbClr r="0" g="0" b="0"/>
+          </a:fillRef>
+          <a:effectRef idx="0">
+            <a:scrgbClr r="0" g="0" b="0"/>
+          </a:effectRef>
+          <a:fontRef idx="minor">
+            <a:schemeClr val="accent2"/>
+          </a:fontRef>
+        </p:style>
+        <p:txBody>
+          <a:bodyPr rtlCol="0" anchor="ctr"/>
+          <a:lstStyle/>
+          <a:p>
+            <a:pPr algn="ctr"/>
+            <a:r>
+              <a:rPr lang="en-US" sz="700" dirty="0"/>
+              <a:t>GPU</a:t>
+            </a:r>
+          </a:p>
+        </p:txBody>
+      </p:sp>
+      <p:sp>
+        <p:nvSpPr>
+          <p:cNvPr id="127" name="Rectangle: Beveled 126">
+            <a:extLst>
+              <a:ext uri="{FF2B5EF4-FFF2-40B4-BE49-F238E27FC236}">
+                <a16:creationId xmlns:a16="http://schemas.microsoft.com/office/drawing/2014/main" id="{BAF76FE2-77D7-41BA-9E17-EB184C770B26}"/>
+              </a:ext>
+            </a:extLst>
+          </p:cNvPr>
+          <p:cNvSpPr/>
+          <p:nvPr/>
+        </p:nvSpPr>
+        <p:spPr>
+          <a:xfrm>
+            <a:off x="8905111" y="5187520"/>
+            <a:ext cx="393379" cy="184810"/>
+          </a:xfrm>
+          <a:prstGeom prst="bevel">
+            <a:avLst/>
+          </a:prstGeom>
+          <a:noFill/>
+          <a:ln w="9525" cap="flat" cmpd="sng" algn="ctr">
+            <a:solidFill>
+              <a:srgbClr val="FF0000"/>
+            </a:solidFill>
+            <a:prstDash val="solid"/>
+            <a:round/>
+            <a:headEnd type="none" w="med" len="med"/>
+            <a:tailEnd type="none" w="med" len="med"/>
+          </a:ln>
+        </p:spPr>
+        <p:style>
+          <a:lnRef idx="0">
+            <a:scrgbClr r="0" g="0" b="0"/>
+          </a:lnRef>
+          <a:fillRef idx="0">
+            <a:scrgbClr r="0" g="0" b="0"/>
+          </a:fillRef>
+          <a:effectRef idx="0">
+            <a:scrgbClr r="0" g="0" b="0"/>
+          </a:effectRef>
+          <a:fontRef idx="minor">
+            <a:schemeClr val="accent6"/>
+          </a:fontRef>
+        </p:style>
+        <p:txBody>
+          <a:bodyPr rtlCol="0" anchor="ctr"/>
+          <a:lstStyle/>
+          <a:p>
+            <a:pPr algn="ctr"/>
+            <a:r>
+              <a:rPr lang="en-US" sz="700" dirty="0">
+                <a:solidFill>
+                  <a:srgbClr val="FF0000"/>
+                </a:solidFill>
+              </a:rPr>
+              <a:t>?</a:t>
+            </a:r>
+          </a:p>
+        </p:txBody>
+      </p:sp>
+      <p:sp>
+        <p:nvSpPr>
+          <p:cNvPr id="14" name="Double Bracket 13">
+            <a:extLst>
+              <a:ext uri="{FF2B5EF4-FFF2-40B4-BE49-F238E27FC236}">
+                <a16:creationId xmlns:a16="http://schemas.microsoft.com/office/drawing/2014/main" id="{4A28ABF5-CA3B-4681-851A-C6EA4411A39E}"/>
+              </a:ext>
+            </a:extLst>
+          </p:cNvPr>
+          <p:cNvSpPr/>
+          <p:nvPr/>
+        </p:nvSpPr>
+        <p:spPr>
+          <a:xfrm>
+            <a:off x="2624133" y="2938203"/>
+            <a:ext cx="666251" cy="497420"/>
+          </a:xfrm>
+          <a:prstGeom prst="bracketPair">
+            <a:avLst/>
+          </a:prstGeom>
+        </p:spPr>
+        <p:style>
+          <a:lnRef idx="1">
+            <a:schemeClr val="accent1"/>
+          </a:lnRef>
+          <a:fillRef idx="0">
+            <a:schemeClr val="accent1"/>
+          </a:fillRef>
+          <a:effectRef idx="0">
+            <a:schemeClr val="accent1"/>
+          </a:effectRef>
+          <a:fontRef idx="minor">
+            <a:schemeClr val="tx1"/>
+          </a:fontRef>
+        </p:style>
+        <p:txBody>
+          <a:bodyPr rtlCol="0" anchor="ctr"/>
+          <a:lstStyle/>
+          <a:p>
+            <a:pPr algn="ctr"/>
+            <a:r>
+              <a:rPr lang="en-US" sz="1100" dirty="0" err="1"/>
+              <a:t>Interp</a:t>
+            </a:r>
+            <a:r>
+              <a:rPr lang="en-US" sz="1100" dirty="0"/>
+              <a:t> kernels</a:t>
+            </a:r>
+          </a:p>
+        </p:txBody>
+      </p:sp>
+      <p:sp>
+        <p:nvSpPr>
+          <p:cNvPr id="130" name="Double Bracket 129">
+            <a:extLst>
+              <a:ext uri="{FF2B5EF4-FFF2-40B4-BE49-F238E27FC236}">
+                <a16:creationId xmlns:a16="http://schemas.microsoft.com/office/drawing/2014/main" id="{0A27ACA0-06AF-4D43-8E4B-500CB32EA938}"/>
+              </a:ext>
+            </a:extLst>
+          </p:cNvPr>
+          <p:cNvSpPr/>
+          <p:nvPr/>
+        </p:nvSpPr>
+        <p:spPr>
+          <a:xfrm>
+            <a:off x="2541854" y="4337623"/>
+            <a:ext cx="666251" cy="497420"/>
+          </a:xfrm>
+          <a:prstGeom prst="bracketPair">
+            <a:avLst/>
+          </a:prstGeom>
+        </p:spPr>
+        <p:style>
+          <a:lnRef idx="1">
+            <a:schemeClr val="accent1"/>
+          </a:lnRef>
+          <a:fillRef idx="0">
+            <a:schemeClr val="accent1"/>
+          </a:fillRef>
+          <a:effectRef idx="0">
+            <a:schemeClr val="accent1"/>
+          </a:effectRef>
+          <a:fontRef idx="minor">
+            <a:schemeClr val="tx1"/>
+          </a:fontRef>
+        </p:style>
+        <p:txBody>
+          <a:bodyPr rtlCol="0" anchor="ctr"/>
+          <a:lstStyle/>
+          <a:p>
+            <a:pPr algn="ctr"/>
+            <a:r>
+              <a:rPr lang="en-US" sz="1100" dirty="0"/>
+              <a:t>Restrict kernel</a:t>
+            </a:r>
+          </a:p>
+        </p:txBody>
+      </p:sp>
+      <p:sp>
+        <p:nvSpPr>
+          <p:cNvPr id="131" name="Double Bracket 130">
+            <a:extLst>
+              <a:ext uri="{FF2B5EF4-FFF2-40B4-BE49-F238E27FC236}">
+                <a16:creationId xmlns:a16="http://schemas.microsoft.com/office/drawing/2014/main" id="{26A1A009-9557-40DC-B52F-86A2A339395C}"/>
+              </a:ext>
+            </a:extLst>
+          </p:cNvPr>
+          <p:cNvSpPr/>
+          <p:nvPr/>
+        </p:nvSpPr>
+        <p:spPr>
+          <a:xfrm>
+            <a:off x="2624134" y="3599576"/>
+            <a:ext cx="666251" cy="497420"/>
+          </a:xfrm>
+          <a:prstGeom prst="bracketPair">
+            <a:avLst/>
+          </a:prstGeom>
+        </p:spPr>
+        <p:style>
+          <a:lnRef idx="1">
+            <a:schemeClr val="accent1"/>
+          </a:lnRef>
+          <a:fillRef idx="0">
+            <a:schemeClr val="accent1"/>
+          </a:fillRef>
+          <a:effectRef idx="0">
+            <a:schemeClr val="accent1"/>
+          </a:effectRef>
+          <a:fontRef idx="minor">
+            <a:schemeClr val="tx1"/>
+          </a:fontRef>
+        </p:style>
+        <p:txBody>
+          <a:bodyPr rtlCol="0" anchor="ctr"/>
+          <a:lstStyle/>
+          <a:p>
+            <a:pPr algn="ctr"/>
+            <a:r>
+              <a:rPr lang="en-US" sz="1100" dirty="0"/>
+              <a:t>A</a:t>
+            </a:r>
+            <a:r>
+              <a:rPr lang="en-US" sz="1100" baseline="-25000" dirty="0"/>
+              <a:t>i</a:t>
+            </a:r>
+          </a:p>
+          <a:p>
+            <a:pPr algn="ctr"/>
+            <a:r>
+              <a:rPr lang="en-US" sz="1100" dirty="0"/>
+              <a:t>kernels</a:t>
+            </a:r>
+          </a:p>
+        </p:txBody>
+      </p:sp>
+      <p:cxnSp>
+        <p:nvCxnSpPr>
+          <p:cNvPr id="133" name="Straight Arrow Connector 132">
+            <a:extLst>
+              <a:ext uri="{FF2B5EF4-FFF2-40B4-BE49-F238E27FC236}">
+                <a16:creationId xmlns:a16="http://schemas.microsoft.com/office/drawing/2014/main" id="{8455128B-7B4A-4F44-BFD9-99C95A950BEE}"/>
+              </a:ext>
+            </a:extLst>
+          </p:cNvPr>
+          <p:cNvCxnSpPr>
+            <a:cxnSpLocks/>
+            <a:stCxn id="13" idx="3"/>
+            <a:endCxn id="131" idx="1"/>
+          </p:cNvCxnSpPr>
+          <p:nvPr/>
+        </p:nvCxnSpPr>
+        <p:spPr>
+          <a:xfrm>
+            <a:off x="2096994" y="3719428"/>
+            <a:ext cx="527140" cy="128858"/>
+          </a:xfrm>
+          <a:prstGeom prst="straightConnector1">
+            <a:avLst/>
+          </a:prstGeom>
+          <a:ln>
+            <a:tailEnd type="triangle"/>
+          </a:ln>
+        </p:spPr>
+        <p:style>
+          <a:lnRef idx="1">
+            <a:schemeClr val="accent1"/>
+          </a:lnRef>
+          <a:fillRef idx="0">
+            <a:schemeClr val="accent1"/>
+          </a:fillRef>
+          <a:effectRef idx="0">
+            <a:schemeClr val="accent1"/>
+          </a:effectRef>
+          <a:fontRef idx="minor">
+            <a:schemeClr val="tx1"/>
+          </a:fontRef>
+        </p:style>
+      </p:cxnSp>
+      <p:sp>
+        <p:nvSpPr>
+          <p:cNvPr id="38" name="TextBox 37">
+            <a:extLst>
+              <a:ext uri="{FF2B5EF4-FFF2-40B4-BE49-F238E27FC236}">
+                <a16:creationId xmlns:a16="http://schemas.microsoft.com/office/drawing/2014/main" id="{1E597E1A-AEB8-4DE4-91DF-6D7B1A76651E}"/>
+              </a:ext>
+            </a:extLst>
+          </p:cNvPr>
+          <p:cNvSpPr txBox="1"/>
+          <p:nvPr/>
+        </p:nvSpPr>
+        <p:spPr>
+          <a:xfrm>
+            <a:off x="3192693" y="4467608"/>
+            <a:ext cx="348086" cy="261610"/>
+          </a:xfrm>
+          <a:prstGeom prst="rect">
+            <a:avLst/>
+          </a:prstGeom>
+          <a:noFill/>
+        </p:spPr>
+        <p:txBody>
+          <a:bodyPr wrap="square" rtlCol="0">
+            <a:spAutoFit/>
+          </a:bodyPr>
+          <a:lstStyle/>
+          <a:p>
+            <a:r>
+              <a:rPr lang="en-US" sz="1050" dirty="0"/>
+              <a:t>4</a:t>
+            </a:r>
+            <a:r>
+              <a:rPr lang="en-US" sz="1050" baseline="30000" dirty="0"/>
+              <a:t>3</a:t>
+            </a:r>
+          </a:p>
+        </p:txBody>
+      </p:sp>
+      <p:sp>
+        <p:nvSpPr>
+          <p:cNvPr id="142" name="TextBox 141">
+            <a:extLst>
+              <a:ext uri="{FF2B5EF4-FFF2-40B4-BE49-F238E27FC236}">
+                <a16:creationId xmlns:a16="http://schemas.microsoft.com/office/drawing/2014/main" id="{7EE812F9-4DB8-410D-8BF3-FD9FCB1F53E3}"/>
+              </a:ext>
+            </a:extLst>
+          </p:cNvPr>
+          <p:cNvSpPr txBox="1"/>
+          <p:nvPr/>
+        </p:nvSpPr>
+        <p:spPr>
+          <a:xfrm>
+            <a:off x="3313364" y="3002129"/>
+            <a:ext cx="348086" cy="261610"/>
+          </a:xfrm>
+          <a:prstGeom prst="rect">
+            <a:avLst/>
+          </a:prstGeom>
+          <a:noFill/>
+        </p:spPr>
+        <p:txBody>
+          <a:bodyPr wrap="square" rtlCol="0">
+            <a:spAutoFit/>
+          </a:bodyPr>
+          <a:lstStyle/>
+          <a:p>
+            <a:r>
+              <a:rPr lang="en-US" sz="1050" dirty="0"/>
+              <a:t>2</a:t>
+            </a:r>
+            <a:r>
+              <a:rPr lang="en-US" sz="1050" baseline="30000" dirty="0"/>
+              <a:t>3</a:t>
+            </a:r>
+          </a:p>
+        </p:txBody>
+      </p:sp>
+      <p:sp>
+        <p:nvSpPr>
+          <p:cNvPr id="143" name="TextBox 142">
+            <a:extLst>
+              <a:ext uri="{FF2B5EF4-FFF2-40B4-BE49-F238E27FC236}">
+                <a16:creationId xmlns:a16="http://schemas.microsoft.com/office/drawing/2014/main" id="{704581F6-EA96-49E8-BA2A-AEE397811385}"/>
+              </a:ext>
+            </a:extLst>
+          </p:cNvPr>
+          <p:cNvSpPr txBox="1"/>
+          <p:nvPr/>
+        </p:nvSpPr>
+        <p:spPr>
+          <a:xfrm>
+            <a:off x="3425438" y="3752771"/>
+            <a:ext cx="666251" cy="253916"/>
+          </a:xfrm>
+          <a:prstGeom prst="rect">
+            <a:avLst/>
+          </a:prstGeom>
+          <a:noFill/>
+        </p:spPr>
+        <p:txBody>
+          <a:bodyPr wrap="square" rtlCol="0">
+            <a:spAutoFit/>
+          </a:bodyPr>
+          <a:lstStyle/>
+          <a:p>
+            <a:r>
+              <a:rPr lang="en-US" sz="1050" dirty="0"/>
+              <a:t>(3+4i)</a:t>
+            </a:r>
+            <a:r>
+              <a:rPr lang="en-US" sz="1050" baseline="30000" dirty="0"/>
+              <a:t>3</a:t>
+            </a:r>
+          </a:p>
+        </p:txBody>
+      </p:sp>
+    </p:spTree>
+    <p:extLst>
+      <p:ext uri="{BB962C8B-B14F-4D97-AF65-F5344CB8AC3E}">
+        <p14:creationId xmlns:p14="http://schemas.microsoft.com/office/powerpoint/2010/main" val="2233365710"/>
       </p:ext>
     </p:extLst>
   </p:cSld>

--- a/data/process.pptx
+++ b/data/process.pptx
@@ -260,7 +260,7 @@
           <a:p>
             <a:fld id="{E992569B-202C-4FD8-B783-901FE4087DE5}" type="datetimeFigureOut">
               <a:rPr lang="en-US" smtClean="0"/>
-              <a:t>8/20/2018</a:t>
+              <a:t>8/21/2018</a:t>
             </a:fld>
             <a:endParaRPr lang="en-US"/>
           </a:p>
@@ -458,7 +458,7 @@
           <a:p>
             <a:fld id="{E992569B-202C-4FD8-B783-901FE4087DE5}" type="datetimeFigureOut">
               <a:rPr lang="en-US" smtClean="0"/>
-              <a:t>8/20/2018</a:t>
+              <a:t>8/21/2018</a:t>
             </a:fld>
             <a:endParaRPr lang="en-US"/>
           </a:p>
@@ -666,7 +666,7 @@
           <a:p>
             <a:fld id="{E992569B-202C-4FD8-B783-901FE4087DE5}" type="datetimeFigureOut">
               <a:rPr lang="en-US" smtClean="0"/>
-              <a:t>8/20/2018</a:t>
+              <a:t>8/21/2018</a:t>
             </a:fld>
             <a:endParaRPr lang="en-US"/>
           </a:p>
@@ -864,7 +864,7 @@
           <a:p>
             <a:fld id="{E992569B-202C-4FD8-B783-901FE4087DE5}" type="datetimeFigureOut">
               <a:rPr lang="en-US" smtClean="0"/>
-              <a:t>8/20/2018</a:t>
+              <a:t>8/21/2018</a:t>
             </a:fld>
             <a:endParaRPr lang="en-US"/>
           </a:p>
@@ -1139,7 +1139,7 @@
           <a:p>
             <a:fld id="{E992569B-202C-4FD8-B783-901FE4087DE5}" type="datetimeFigureOut">
               <a:rPr lang="en-US" smtClean="0"/>
-              <a:t>8/20/2018</a:t>
+              <a:t>8/21/2018</a:t>
             </a:fld>
             <a:endParaRPr lang="en-US"/>
           </a:p>
@@ -1404,7 +1404,7 @@
           <a:p>
             <a:fld id="{E992569B-202C-4FD8-B783-901FE4087DE5}" type="datetimeFigureOut">
               <a:rPr lang="en-US" smtClean="0"/>
-              <a:t>8/20/2018</a:t>
+              <a:t>8/21/2018</a:t>
             </a:fld>
             <a:endParaRPr lang="en-US"/>
           </a:p>
@@ -1816,7 +1816,7 @@
           <a:p>
             <a:fld id="{E992569B-202C-4FD8-B783-901FE4087DE5}" type="datetimeFigureOut">
               <a:rPr lang="en-US" smtClean="0"/>
-              <a:t>8/20/2018</a:t>
+              <a:t>8/21/2018</a:t>
             </a:fld>
             <a:endParaRPr lang="en-US"/>
           </a:p>
@@ -1957,7 +1957,7 @@
           <a:p>
             <a:fld id="{E992569B-202C-4FD8-B783-901FE4087DE5}" type="datetimeFigureOut">
               <a:rPr lang="en-US" smtClean="0"/>
-              <a:t>8/20/2018</a:t>
+              <a:t>8/21/2018</a:t>
             </a:fld>
             <a:endParaRPr lang="en-US"/>
           </a:p>
@@ -2070,7 +2070,7 @@
           <a:p>
             <a:fld id="{E992569B-202C-4FD8-B783-901FE4087DE5}" type="datetimeFigureOut">
               <a:rPr lang="en-US" smtClean="0"/>
-              <a:t>8/20/2018</a:t>
+              <a:t>8/21/2018</a:t>
             </a:fld>
             <a:endParaRPr lang="en-US"/>
           </a:p>
@@ -2381,7 +2381,7 @@
           <a:p>
             <a:fld id="{E992569B-202C-4FD8-B783-901FE4087DE5}" type="datetimeFigureOut">
               <a:rPr lang="en-US" smtClean="0"/>
-              <a:t>8/20/2018</a:t>
+              <a:t>8/21/2018</a:t>
             </a:fld>
             <a:endParaRPr lang="en-US"/>
           </a:p>
@@ -2669,7 +2669,7 @@
           <a:p>
             <a:fld id="{E992569B-202C-4FD8-B783-901FE4087DE5}" type="datetimeFigureOut">
               <a:rPr lang="en-US" smtClean="0"/>
-              <a:t>8/20/2018</a:t>
+              <a:t>8/21/2018</a:t>
             </a:fld>
             <a:endParaRPr lang="en-US"/>
           </a:p>
@@ -2910,7 +2910,7 @@
           <a:p>
             <a:fld id="{E992569B-202C-4FD8-B783-901FE4087DE5}" type="datetimeFigureOut">
               <a:rPr lang="en-US" smtClean="0"/>
-              <a:t>8/20/2018</a:t>
+              <a:t>8/21/2018</a:t>
             </a:fld>
             <a:endParaRPr lang="en-US"/>
           </a:p>
@@ -15496,6 +15496,214 @@
           </a:p>
         </p:txBody>
       </p:sp>
+      <p:sp>
+        <p:nvSpPr>
+          <p:cNvPr id="3" name="Rectangle: Rounded Corners 2">
+            <a:extLst>
+              <a:ext uri="{FF2B5EF4-FFF2-40B4-BE49-F238E27FC236}">
+                <a16:creationId xmlns:a16="http://schemas.microsoft.com/office/drawing/2014/main" id="{CA1692C2-F46E-455A-9A84-C30A7C4D4363}"/>
+              </a:ext>
+            </a:extLst>
+          </p:cNvPr>
+          <p:cNvSpPr/>
+          <p:nvPr/>
+        </p:nvSpPr>
+        <p:spPr>
+          <a:xfrm>
+            <a:off x="157804" y="452591"/>
+            <a:ext cx="2998308" cy="2517066"/>
+          </a:xfrm>
+          <a:prstGeom prst="roundRect">
+            <a:avLst/>
+          </a:prstGeom>
+          <a:solidFill>
+            <a:srgbClr val="70AD47">
+              <a:alpha val="25098"/>
+            </a:srgbClr>
+          </a:solidFill>
+          <a:ln>
+            <a:noFill/>
+          </a:ln>
+        </p:spPr>
+        <p:style>
+          <a:lnRef idx="0">
+            <a:scrgbClr r="0" g="0" b="0"/>
+          </a:lnRef>
+          <a:fillRef idx="0">
+            <a:scrgbClr r="0" g="0" b="0"/>
+          </a:fillRef>
+          <a:effectRef idx="0">
+            <a:scrgbClr r="0" g="0" b="0"/>
+          </a:effectRef>
+          <a:fontRef idx="minor">
+            <a:schemeClr val="lt1"/>
+          </a:fontRef>
+        </p:style>
+        <p:txBody>
+          <a:bodyPr rtlCol="0" anchor="ctr"/>
+          <a:lstStyle/>
+          <a:p>
+            <a:pPr algn="ctr"/>
+            <a:endParaRPr lang="en-US"/>
+          </a:p>
+        </p:txBody>
+      </p:sp>
+      <p:sp>
+        <p:nvSpPr>
+          <p:cNvPr id="128" name="Rectangle: Rounded Corners 127">
+            <a:extLst>
+              <a:ext uri="{FF2B5EF4-FFF2-40B4-BE49-F238E27FC236}">
+                <a16:creationId xmlns:a16="http://schemas.microsoft.com/office/drawing/2014/main" id="{7CC8F3EA-8022-4725-9E43-5F531088D54F}"/>
+              </a:ext>
+            </a:extLst>
+          </p:cNvPr>
+          <p:cNvSpPr/>
+          <p:nvPr/>
+        </p:nvSpPr>
+        <p:spPr>
+          <a:xfrm>
+            <a:off x="3203392" y="916660"/>
+            <a:ext cx="2998308" cy="1171313"/>
+          </a:xfrm>
+          <a:prstGeom prst="roundRect">
+            <a:avLst/>
+          </a:prstGeom>
+          <a:solidFill>
+            <a:srgbClr val="70AD47">
+              <a:alpha val="25098"/>
+            </a:srgbClr>
+          </a:solidFill>
+          <a:ln>
+            <a:noFill/>
+          </a:ln>
+        </p:spPr>
+        <p:style>
+          <a:lnRef idx="0">
+            <a:scrgbClr r="0" g="0" b="0"/>
+          </a:lnRef>
+          <a:fillRef idx="0">
+            <a:scrgbClr r="0" g="0" b="0"/>
+          </a:fillRef>
+          <a:effectRef idx="0">
+            <a:scrgbClr r="0" g="0" b="0"/>
+          </a:effectRef>
+          <a:fontRef idx="minor">
+            <a:schemeClr val="lt1"/>
+          </a:fontRef>
+        </p:style>
+        <p:txBody>
+          <a:bodyPr rtlCol="0" anchor="ctr"/>
+          <a:lstStyle/>
+          <a:p>
+            <a:pPr algn="ctr"/>
+            <a:endParaRPr lang="en-US"/>
+          </a:p>
+        </p:txBody>
+      </p:sp>
+      <p:sp>
+        <p:nvSpPr>
+          <p:cNvPr id="134" name="Rectangle: Rounded Corners 133">
+            <a:extLst>
+              <a:ext uri="{FF2B5EF4-FFF2-40B4-BE49-F238E27FC236}">
+                <a16:creationId xmlns:a16="http://schemas.microsoft.com/office/drawing/2014/main" id="{6C3A1A52-FD45-47E3-BD35-D562E51A4A6C}"/>
+              </a:ext>
+            </a:extLst>
+          </p:cNvPr>
+          <p:cNvSpPr/>
+          <p:nvPr/>
+        </p:nvSpPr>
+        <p:spPr>
+          <a:xfrm>
+            <a:off x="3569698" y="4988113"/>
+            <a:ext cx="1132848" cy="1509086"/>
+          </a:xfrm>
+          <a:prstGeom prst="roundRect">
+            <a:avLst/>
+          </a:prstGeom>
+          <a:solidFill>
+            <a:srgbClr val="70AD47">
+              <a:alpha val="25098"/>
+            </a:srgbClr>
+          </a:solidFill>
+          <a:ln>
+            <a:noFill/>
+          </a:ln>
+        </p:spPr>
+        <p:style>
+          <a:lnRef idx="0">
+            <a:scrgbClr r="0" g="0" b="0"/>
+          </a:lnRef>
+          <a:fillRef idx="0">
+            <a:scrgbClr r="0" g="0" b="0"/>
+          </a:fillRef>
+          <a:effectRef idx="0">
+            <a:scrgbClr r="0" g="0" b="0"/>
+          </a:effectRef>
+          <a:fontRef idx="minor">
+            <a:schemeClr val="lt1"/>
+          </a:fontRef>
+        </p:style>
+        <p:txBody>
+          <a:bodyPr rtlCol="0" anchor="ctr"/>
+          <a:lstStyle/>
+          <a:p>
+            <a:pPr algn="ctr"/>
+            <a:endParaRPr lang="en-US"/>
+          </a:p>
+        </p:txBody>
+      </p:sp>
+      <p:sp>
+        <p:nvSpPr>
+          <p:cNvPr id="137" name="Rectangle: Rounded Corners 136">
+            <a:extLst>
+              <a:ext uri="{FF2B5EF4-FFF2-40B4-BE49-F238E27FC236}">
+                <a16:creationId xmlns:a16="http://schemas.microsoft.com/office/drawing/2014/main" id="{3AA86C7E-5E86-4F89-A105-DAA3F45AD300}"/>
+              </a:ext>
+            </a:extLst>
+          </p:cNvPr>
+          <p:cNvSpPr/>
+          <p:nvPr/>
+        </p:nvSpPr>
+        <p:spPr>
+          <a:xfrm>
+            <a:off x="1095997" y="3052292"/>
+            <a:ext cx="1132848" cy="1509086"/>
+          </a:xfrm>
+          <a:prstGeom prst="roundRect">
+            <a:avLst/>
+          </a:prstGeom>
+          <a:solidFill>
+            <a:srgbClr val="70AD47">
+              <a:alpha val="25098"/>
+            </a:srgbClr>
+          </a:solidFill>
+          <a:ln>
+            <a:noFill/>
+          </a:ln>
+        </p:spPr>
+        <p:style>
+          <a:lnRef idx="0">
+            <a:scrgbClr r="0" g="0" b="0"/>
+          </a:lnRef>
+          <a:fillRef idx="0">
+            <a:scrgbClr r="0" g="0" b="0"/>
+          </a:fillRef>
+          <a:effectRef idx="0">
+            <a:scrgbClr r="0" g="0" b="0"/>
+          </a:effectRef>
+          <a:fontRef idx="minor">
+            <a:schemeClr val="lt1"/>
+          </a:fontRef>
+        </p:style>
+        <p:txBody>
+          <a:bodyPr rtlCol="0" anchor="ctr"/>
+          <a:lstStyle/>
+          <a:p>
+            <a:pPr algn="ctr"/>
+            <a:endParaRPr lang="en-US"/>
+          </a:p>
+        </p:txBody>
+      </p:sp>
     </p:spTree>
     <p:extLst>
       <p:ext uri="{BB962C8B-B14F-4D97-AF65-F5344CB8AC3E}">

--- a/data/process.pptx
+++ b/data/process.pptx
@@ -15704,6 +15704,58 @@
           </a:p>
         </p:txBody>
       </p:sp>
+      <p:sp>
+        <p:nvSpPr>
+          <p:cNvPr id="138" name="Rectangle: Rounded Corners 137">
+            <a:extLst>
+              <a:ext uri="{FF2B5EF4-FFF2-40B4-BE49-F238E27FC236}">
+                <a16:creationId xmlns:a16="http://schemas.microsoft.com/office/drawing/2014/main" id="{A62D69BC-5FD2-48BA-8DBA-F1B0834FF09D}"/>
+              </a:ext>
+            </a:extLst>
+          </p:cNvPr>
+          <p:cNvSpPr/>
+          <p:nvPr/>
+        </p:nvSpPr>
+        <p:spPr>
+          <a:xfrm>
+            <a:off x="2449877" y="4208459"/>
+            <a:ext cx="1034197" cy="744835"/>
+          </a:xfrm>
+          <a:prstGeom prst="roundRect">
+            <a:avLst/>
+          </a:prstGeom>
+          <a:solidFill>
+            <a:srgbClr val="70AD47">
+              <a:alpha val="25098"/>
+            </a:srgbClr>
+          </a:solidFill>
+          <a:ln>
+            <a:noFill/>
+          </a:ln>
+        </p:spPr>
+        <p:style>
+          <a:lnRef idx="0">
+            <a:scrgbClr r="0" g="0" b="0"/>
+          </a:lnRef>
+          <a:fillRef idx="0">
+            <a:scrgbClr r="0" g="0" b="0"/>
+          </a:fillRef>
+          <a:effectRef idx="0">
+            <a:scrgbClr r="0" g="0" b="0"/>
+          </a:effectRef>
+          <a:fontRef idx="minor">
+            <a:schemeClr val="lt1"/>
+          </a:fontRef>
+        </p:style>
+        <p:txBody>
+          <a:bodyPr rtlCol="0" anchor="ctr"/>
+          <a:lstStyle/>
+          <a:p>
+            <a:pPr algn="ctr"/>
+            <a:endParaRPr lang="en-US"/>
+          </a:p>
+        </p:txBody>
+      </p:sp>
     </p:spTree>
     <p:extLst>
       <p:ext uri="{BB962C8B-B14F-4D97-AF65-F5344CB8AC3E}">

--- a/data/process.pptx
+++ b/data/process.pptx
@@ -260,7 +260,7 @@
           <a:p>
             <a:fld id="{E992569B-202C-4FD8-B783-901FE4087DE5}" type="datetimeFigureOut">
               <a:rPr lang="en-US" smtClean="0"/>
-              <a:t>8/21/2018</a:t>
+              <a:t>8/22/2018</a:t>
             </a:fld>
             <a:endParaRPr lang="en-US"/>
           </a:p>
@@ -458,7 +458,7 @@
           <a:p>
             <a:fld id="{E992569B-202C-4FD8-B783-901FE4087DE5}" type="datetimeFigureOut">
               <a:rPr lang="en-US" smtClean="0"/>
-              <a:t>8/21/2018</a:t>
+              <a:t>8/22/2018</a:t>
             </a:fld>
             <a:endParaRPr lang="en-US"/>
           </a:p>
@@ -666,7 +666,7 @@
           <a:p>
             <a:fld id="{E992569B-202C-4FD8-B783-901FE4087DE5}" type="datetimeFigureOut">
               <a:rPr lang="en-US" smtClean="0"/>
-              <a:t>8/21/2018</a:t>
+              <a:t>8/22/2018</a:t>
             </a:fld>
             <a:endParaRPr lang="en-US"/>
           </a:p>
@@ -864,7 +864,7 @@
           <a:p>
             <a:fld id="{E992569B-202C-4FD8-B783-901FE4087DE5}" type="datetimeFigureOut">
               <a:rPr lang="en-US" smtClean="0"/>
-              <a:t>8/21/2018</a:t>
+              <a:t>8/22/2018</a:t>
             </a:fld>
             <a:endParaRPr lang="en-US"/>
           </a:p>
@@ -1139,7 +1139,7 @@
           <a:p>
             <a:fld id="{E992569B-202C-4FD8-B783-901FE4087DE5}" type="datetimeFigureOut">
               <a:rPr lang="en-US" smtClean="0"/>
-              <a:t>8/21/2018</a:t>
+              <a:t>8/22/2018</a:t>
             </a:fld>
             <a:endParaRPr lang="en-US"/>
           </a:p>
@@ -1404,7 +1404,7 @@
           <a:p>
             <a:fld id="{E992569B-202C-4FD8-B783-901FE4087DE5}" type="datetimeFigureOut">
               <a:rPr lang="en-US" smtClean="0"/>
-              <a:t>8/21/2018</a:t>
+              <a:t>8/22/2018</a:t>
             </a:fld>
             <a:endParaRPr lang="en-US"/>
           </a:p>
@@ -1816,7 +1816,7 @@
           <a:p>
             <a:fld id="{E992569B-202C-4FD8-B783-901FE4087DE5}" type="datetimeFigureOut">
               <a:rPr lang="en-US" smtClean="0"/>
-              <a:t>8/21/2018</a:t>
+              <a:t>8/22/2018</a:t>
             </a:fld>
             <a:endParaRPr lang="en-US"/>
           </a:p>
@@ -1957,7 +1957,7 @@
           <a:p>
             <a:fld id="{E992569B-202C-4FD8-B783-901FE4087DE5}" type="datetimeFigureOut">
               <a:rPr lang="en-US" smtClean="0"/>
-              <a:t>8/21/2018</a:t>
+              <a:t>8/22/2018</a:t>
             </a:fld>
             <a:endParaRPr lang="en-US"/>
           </a:p>
@@ -2070,7 +2070,7 @@
           <a:p>
             <a:fld id="{E992569B-202C-4FD8-B783-901FE4087DE5}" type="datetimeFigureOut">
               <a:rPr lang="en-US" smtClean="0"/>
-              <a:t>8/21/2018</a:t>
+              <a:t>8/22/2018</a:t>
             </a:fld>
             <a:endParaRPr lang="en-US"/>
           </a:p>
@@ -2381,7 +2381,7 @@
           <a:p>
             <a:fld id="{E992569B-202C-4FD8-B783-901FE4087DE5}" type="datetimeFigureOut">
               <a:rPr lang="en-US" smtClean="0"/>
-              <a:t>8/21/2018</a:t>
+              <a:t>8/22/2018</a:t>
             </a:fld>
             <a:endParaRPr lang="en-US"/>
           </a:p>
@@ -2669,7 +2669,7 @@
           <a:p>
             <a:fld id="{E992569B-202C-4FD8-B783-901FE4087DE5}" type="datetimeFigureOut">
               <a:rPr lang="en-US" smtClean="0"/>
-              <a:t>8/21/2018</a:t>
+              <a:t>8/22/2018</a:t>
             </a:fld>
             <a:endParaRPr lang="en-US"/>
           </a:p>
@@ -2910,7 +2910,7 @@
           <a:p>
             <a:fld id="{E992569B-202C-4FD8-B783-901FE4087DE5}" type="datetimeFigureOut">
               <a:rPr lang="en-US" smtClean="0"/>
-              <a:t>8/21/2018</a:t>
+              <a:t>8/22/2018</a:t>
             </a:fld>
             <a:endParaRPr lang="en-US"/>
           </a:p>
@@ -15448,7 +15448,7 @@
           <a:p>
             <a:r>
               <a:rPr lang="en-US" sz="1050" dirty="0"/>
-              <a:t>2</a:t>
+              <a:t>3</a:t>
             </a:r>
             <a:r>
               <a:rPr lang="en-US" sz="1050" baseline="30000" dirty="0"/>
@@ -15486,8 +15486,12 @@
           <a:lstStyle/>
           <a:p>
             <a:r>
+              <a:rPr lang="en-US" sz="1050"/>
+              <a:t>(3+5i</a:t>
+            </a:r>
+            <a:r>
               <a:rPr lang="en-US" sz="1050" dirty="0"/>
-              <a:t>(3+4i)</a:t>
+              <a:t>)</a:t>
             </a:r>
             <a:r>
               <a:rPr lang="en-US" sz="1050" baseline="30000" dirty="0"/>

--- a/data/process.pptx
+++ b/data/process.pptx
@@ -260,7 +260,7 @@
           <a:p>
             <a:fld id="{E992569B-202C-4FD8-B783-901FE4087DE5}" type="datetimeFigureOut">
               <a:rPr lang="en-US" smtClean="0"/>
-              <a:t>8/22/2018</a:t>
+              <a:t>8/25/2018</a:t>
             </a:fld>
             <a:endParaRPr lang="en-US"/>
           </a:p>
@@ -458,7 +458,7 @@
           <a:p>
             <a:fld id="{E992569B-202C-4FD8-B783-901FE4087DE5}" type="datetimeFigureOut">
               <a:rPr lang="en-US" smtClean="0"/>
-              <a:t>8/22/2018</a:t>
+              <a:t>8/25/2018</a:t>
             </a:fld>
             <a:endParaRPr lang="en-US"/>
           </a:p>
@@ -666,7 +666,7 @@
           <a:p>
             <a:fld id="{E992569B-202C-4FD8-B783-901FE4087DE5}" type="datetimeFigureOut">
               <a:rPr lang="en-US" smtClean="0"/>
-              <a:t>8/22/2018</a:t>
+              <a:t>8/25/2018</a:t>
             </a:fld>
             <a:endParaRPr lang="en-US"/>
           </a:p>
@@ -864,7 +864,7 @@
           <a:p>
             <a:fld id="{E992569B-202C-4FD8-B783-901FE4087DE5}" type="datetimeFigureOut">
               <a:rPr lang="en-US" smtClean="0"/>
-              <a:t>8/22/2018</a:t>
+              <a:t>8/25/2018</a:t>
             </a:fld>
             <a:endParaRPr lang="en-US"/>
           </a:p>
@@ -1139,7 +1139,7 @@
           <a:p>
             <a:fld id="{E992569B-202C-4FD8-B783-901FE4087DE5}" type="datetimeFigureOut">
               <a:rPr lang="en-US" smtClean="0"/>
-              <a:t>8/22/2018</a:t>
+              <a:t>8/25/2018</a:t>
             </a:fld>
             <a:endParaRPr lang="en-US"/>
           </a:p>
@@ -1404,7 +1404,7 @@
           <a:p>
             <a:fld id="{E992569B-202C-4FD8-B783-901FE4087DE5}" type="datetimeFigureOut">
               <a:rPr lang="en-US" smtClean="0"/>
-              <a:t>8/22/2018</a:t>
+              <a:t>8/25/2018</a:t>
             </a:fld>
             <a:endParaRPr lang="en-US"/>
           </a:p>
@@ -1816,7 +1816,7 @@
           <a:p>
             <a:fld id="{E992569B-202C-4FD8-B783-901FE4087DE5}" type="datetimeFigureOut">
               <a:rPr lang="en-US" smtClean="0"/>
-              <a:t>8/22/2018</a:t>
+              <a:t>8/25/2018</a:t>
             </a:fld>
             <a:endParaRPr lang="en-US"/>
           </a:p>
@@ -1957,7 +1957,7 @@
           <a:p>
             <a:fld id="{E992569B-202C-4FD8-B783-901FE4087DE5}" type="datetimeFigureOut">
               <a:rPr lang="en-US" smtClean="0"/>
-              <a:t>8/22/2018</a:t>
+              <a:t>8/25/2018</a:t>
             </a:fld>
             <a:endParaRPr lang="en-US"/>
           </a:p>
@@ -2070,7 +2070,7 @@
           <a:p>
             <a:fld id="{E992569B-202C-4FD8-B783-901FE4087DE5}" type="datetimeFigureOut">
               <a:rPr lang="en-US" smtClean="0"/>
-              <a:t>8/22/2018</a:t>
+              <a:t>8/25/2018</a:t>
             </a:fld>
             <a:endParaRPr lang="en-US"/>
           </a:p>
@@ -2381,7 +2381,7 @@
           <a:p>
             <a:fld id="{E992569B-202C-4FD8-B783-901FE4087DE5}" type="datetimeFigureOut">
               <a:rPr lang="en-US" smtClean="0"/>
-              <a:t>8/22/2018</a:t>
+              <a:t>8/25/2018</a:t>
             </a:fld>
             <a:endParaRPr lang="en-US"/>
           </a:p>
@@ -2669,7 +2669,7 @@
           <a:p>
             <a:fld id="{E992569B-202C-4FD8-B783-901FE4087DE5}" type="datetimeFigureOut">
               <a:rPr lang="en-US" smtClean="0"/>
-              <a:t>8/22/2018</a:t>
+              <a:t>8/25/2018</a:t>
             </a:fld>
             <a:endParaRPr lang="en-US"/>
           </a:p>
@@ -2910,7 +2910,7 @@
           <a:p>
             <a:fld id="{E992569B-202C-4FD8-B783-901FE4087DE5}" type="datetimeFigureOut">
               <a:rPr lang="en-US" smtClean="0"/>
-              <a:t>8/22/2018</a:t>
+              <a:t>8/25/2018</a:t>
             </a:fld>
             <a:endParaRPr lang="en-US"/>
           </a:p>
@@ -15525,8 +15525,10 @@
               <a:alpha val="25098"/>
             </a:srgbClr>
           </a:solidFill>
-          <a:ln>
-            <a:noFill/>
+          <a:ln w="12700">
+            <a:solidFill>
+              <a:schemeClr val="tx1"/>
+            </a:solidFill>
           </a:ln>
         </p:spPr>
         <p:style>
@@ -15681,8 +15683,10 @@
               <a:alpha val="25098"/>
             </a:srgbClr>
           </a:solidFill>
-          <a:ln>
-            <a:noFill/>
+          <a:ln w="12700">
+            <a:solidFill>
+              <a:schemeClr val="tx1"/>
+            </a:solidFill>
           </a:ln>
         </p:spPr>
         <p:style>
@@ -15735,6 +15739,60 @@
           </a:solidFill>
           <a:ln>
             <a:noFill/>
+          </a:ln>
+        </p:spPr>
+        <p:style>
+          <a:lnRef idx="0">
+            <a:scrgbClr r="0" g="0" b="0"/>
+          </a:lnRef>
+          <a:fillRef idx="0">
+            <a:scrgbClr r="0" g="0" b="0"/>
+          </a:fillRef>
+          <a:effectRef idx="0">
+            <a:scrgbClr r="0" g="0" b="0"/>
+          </a:effectRef>
+          <a:fontRef idx="minor">
+            <a:schemeClr val="lt1"/>
+          </a:fontRef>
+        </p:style>
+        <p:txBody>
+          <a:bodyPr rtlCol="0" anchor="ctr"/>
+          <a:lstStyle/>
+          <a:p>
+            <a:pPr algn="ctr"/>
+            <a:endParaRPr lang="en-US"/>
+          </a:p>
+        </p:txBody>
+      </p:sp>
+      <p:sp>
+        <p:nvSpPr>
+          <p:cNvPr id="140" name="Rectangle: Rounded Corners 139">
+            <a:extLst>
+              <a:ext uri="{FF2B5EF4-FFF2-40B4-BE49-F238E27FC236}">
+                <a16:creationId xmlns:a16="http://schemas.microsoft.com/office/drawing/2014/main" id="{5C67BA5F-E24F-4863-AD2A-57958C5A0E3B}"/>
+              </a:ext>
+            </a:extLst>
+          </p:cNvPr>
+          <p:cNvSpPr/>
+          <p:nvPr/>
+        </p:nvSpPr>
+        <p:spPr>
+          <a:xfrm>
+            <a:off x="2547694" y="2852570"/>
+            <a:ext cx="1048946" cy="724929"/>
+          </a:xfrm>
+          <a:prstGeom prst="roundRect">
+            <a:avLst/>
+          </a:prstGeom>
+          <a:solidFill>
+            <a:srgbClr val="70AD47">
+              <a:alpha val="25098"/>
+            </a:srgbClr>
+          </a:solidFill>
+          <a:ln w="12700">
+            <a:solidFill>
+              <a:schemeClr val="tx1"/>
+            </a:solidFill>
           </a:ln>
         </p:spPr>
         <p:style>

--- a/data/process.pptx
+++ b/data/process.pptx
@@ -260,7 +260,7 @@
           <a:p>
             <a:fld id="{E992569B-202C-4FD8-B783-901FE4087DE5}" type="datetimeFigureOut">
               <a:rPr lang="en-US" smtClean="0"/>
-              <a:t>8/25/2018</a:t>
+              <a:t>8/30/2018</a:t>
             </a:fld>
             <a:endParaRPr lang="en-US"/>
           </a:p>
@@ -458,7 +458,7 @@
           <a:p>
             <a:fld id="{E992569B-202C-4FD8-B783-901FE4087DE5}" type="datetimeFigureOut">
               <a:rPr lang="en-US" smtClean="0"/>
-              <a:t>8/25/2018</a:t>
+              <a:t>8/30/2018</a:t>
             </a:fld>
             <a:endParaRPr lang="en-US"/>
           </a:p>
@@ -666,7 +666,7 @@
           <a:p>
             <a:fld id="{E992569B-202C-4FD8-B783-901FE4087DE5}" type="datetimeFigureOut">
               <a:rPr lang="en-US" smtClean="0"/>
-              <a:t>8/25/2018</a:t>
+              <a:t>8/30/2018</a:t>
             </a:fld>
             <a:endParaRPr lang="en-US"/>
           </a:p>
@@ -864,7 +864,7 @@
           <a:p>
             <a:fld id="{E992569B-202C-4FD8-B783-901FE4087DE5}" type="datetimeFigureOut">
               <a:rPr lang="en-US" smtClean="0"/>
-              <a:t>8/25/2018</a:t>
+              <a:t>8/30/2018</a:t>
             </a:fld>
             <a:endParaRPr lang="en-US"/>
           </a:p>
@@ -1139,7 +1139,7 @@
           <a:p>
             <a:fld id="{E992569B-202C-4FD8-B783-901FE4087DE5}" type="datetimeFigureOut">
               <a:rPr lang="en-US" smtClean="0"/>
-              <a:t>8/25/2018</a:t>
+              <a:t>8/30/2018</a:t>
             </a:fld>
             <a:endParaRPr lang="en-US"/>
           </a:p>
@@ -1404,7 +1404,7 @@
           <a:p>
             <a:fld id="{E992569B-202C-4FD8-B783-901FE4087DE5}" type="datetimeFigureOut">
               <a:rPr lang="en-US" smtClean="0"/>
-              <a:t>8/25/2018</a:t>
+              <a:t>8/30/2018</a:t>
             </a:fld>
             <a:endParaRPr lang="en-US"/>
           </a:p>
@@ -1816,7 +1816,7 @@
           <a:p>
             <a:fld id="{E992569B-202C-4FD8-B783-901FE4087DE5}" type="datetimeFigureOut">
               <a:rPr lang="en-US" smtClean="0"/>
-              <a:t>8/25/2018</a:t>
+              <a:t>8/30/2018</a:t>
             </a:fld>
             <a:endParaRPr lang="en-US"/>
           </a:p>
@@ -1957,7 +1957,7 @@
           <a:p>
             <a:fld id="{E992569B-202C-4FD8-B783-901FE4087DE5}" type="datetimeFigureOut">
               <a:rPr lang="en-US" smtClean="0"/>
-              <a:t>8/25/2018</a:t>
+              <a:t>8/30/2018</a:t>
             </a:fld>
             <a:endParaRPr lang="en-US"/>
           </a:p>
@@ -2070,7 +2070,7 @@
           <a:p>
             <a:fld id="{E992569B-202C-4FD8-B783-901FE4087DE5}" type="datetimeFigureOut">
               <a:rPr lang="en-US" smtClean="0"/>
-              <a:t>8/25/2018</a:t>
+              <a:t>8/30/2018</a:t>
             </a:fld>
             <a:endParaRPr lang="en-US"/>
           </a:p>
@@ -2381,7 +2381,7 @@
           <a:p>
             <a:fld id="{E992569B-202C-4FD8-B783-901FE4087DE5}" type="datetimeFigureOut">
               <a:rPr lang="en-US" smtClean="0"/>
-              <a:t>8/25/2018</a:t>
+              <a:t>8/30/2018</a:t>
             </a:fld>
             <a:endParaRPr lang="en-US"/>
           </a:p>
@@ -2669,7 +2669,7 @@
           <a:p>
             <a:fld id="{E992569B-202C-4FD8-B783-901FE4087DE5}" type="datetimeFigureOut">
               <a:rPr lang="en-US" smtClean="0"/>
-              <a:t>8/25/2018</a:t>
+              <a:t>8/30/2018</a:t>
             </a:fld>
             <a:endParaRPr lang="en-US"/>
           </a:p>
@@ -2910,7 +2910,7 @@
           <a:p>
             <a:fld id="{E992569B-202C-4FD8-B783-901FE4087DE5}" type="datetimeFigureOut">
               <a:rPr lang="en-US" smtClean="0"/>
-              <a:t>8/25/2018</a:t>
+              <a:t>8/30/2018</a:t>
             </a:fld>
             <a:endParaRPr lang="en-US"/>
           </a:p>
@@ -15579,8 +15579,10 @@
               <a:alpha val="25098"/>
             </a:srgbClr>
           </a:solidFill>
-          <a:ln>
-            <a:noFill/>
+          <a:ln w="12700">
+            <a:solidFill>
+              <a:schemeClr val="tx1"/>
+            </a:solidFill>
           </a:ln>
         </p:spPr>
         <p:style>
@@ -15737,8 +15739,10 @@
               <a:alpha val="25098"/>
             </a:srgbClr>
           </a:solidFill>
-          <a:ln>
-            <a:noFill/>
+          <a:ln w="12700">
+            <a:solidFill>
+              <a:schemeClr val="tx1"/>
+            </a:solidFill>
           </a:ln>
         </p:spPr>
         <p:style>

--- a/data/process.pptx
+++ b/data/process.pptx
@@ -260,7 +260,7 @@
           <a:p>
             <a:fld id="{E992569B-202C-4FD8-B783-901FE4087DE5}" type="datetimeFigureOut">
               <a:rPr lang="en-US" smtClean="0"/>
-              <a:t>8/30/2018</a:t>
+              <a:t>8/31/2018</a:t>
             </a:fld>
             <a:endParaRPr lang="en-US"/>
           </a:p>
@@ -458,7 +458,7 @@
           <a:p>
             <a:fld id="{E992569B-202C-4FD8-B783-901FE4087DE5}" type="datetimeFigureOut">
               <a:rPr lang="en-US" smtClean="0"/>
-              <a:t>8/30/2018</a:t>
+              <a:t>8/31/2018</a:t>
             </a:fld>
             <a:endParaRPr lang="en-US"/>
           </a:p>
@@ -666,7 +666,7 @@
           <a:p>
             <a:fld id="{E992569B-202C-4FD8-B783-901FE4087DE5}" type="datetimeFigureOut">
               <a:rPr lang="en-US" smtClean="0"/>
-              <a:t>8/30/2018</a:t>
+              <a:t>8/31/2018</a:t>
             </a:fld>
             <a:endParaRPr lang="en-US"/>
           </a:p>
@@ -864,7 +864,7 @@
           <a:p>
             <a:fld id="{E992569B-202C-4FD8-B783-901FE4087DE5}" type="datetimeFigureOut">
               <a:rPr lang="en-US" smtClean="0"/>
-              <a:t>8/30/2018</a:t>
+              <a:t>8/31/2018</a:t>
             </a:fld>
             <a:endParaRPr lang="en-US"/>
           </a:p>
@@ -1139,7 +1139,7 @@
           <a:p>
             <a:fld id="{E992569B-202C-4FD8-B783-901FE4087DE5}" type="datetimeFigureOut">
               <a:rPr lang="en-US" smtClean="0"/>
-              <a:t>8/30/2018</a:t>
+              <a:t>8/31/2018</a:t>
             </a:fld>
             <a:endParaRPr lang="en-US"/>
           </a:p>
@@ -1404,7 +1404,7 @@
           <a:p>
             <a:fld id="{E992569B-202C-4FD8-B783-901FE4087DE5}" type="datetimeFigureOut">
               <a:rPr lang="en-US" smtClean="0"/>
-              <a:t>8/30/2018</a:t>
+              <a:t>8/31/2018</a:t>
             </a:fld>
             <a:endParaRPr lang="en-US"/>
           </a:p>
@@ -1816,7 +1816,7 @@
           <a:p>
             <a:fld id="{E992569B-202C-4FD8-B783-901FE4087DE5}" type="datetimeFigureOut">
               <a:rPr lang="en-US" smtClean="0"/>
-              <a:t>8/30/2018</a:t>
+              <a:t>8/31/2018</a:t>
             </a:fld>
             <a:endParaRPr lang="en-US"/>
           </a:p>
@@ -1957,7 +1957,7 @@
           <a:p>
             <a:fld id="{E992569B-202C-4FD8-B783-901FE4087DE5}" type="datetimeFigureOut">
               <a:rPr lang="en-US" smtClean="0"/>
-              <a:t>8/30/2018</a:t>
+              <a:t>8/31/2018</a:t>
             </a:fld>
             <a:endParaRPr lang="en-US"/>
           </a:p>
@@ -2070,7 +2070,7 @@
           <a:p>
             <a:fld id="{E992569B-202C-4FD8-B783-901FE4087DE5}" type="datetimeFigureOut">
               <a:rPr lang="en-US" smtClean="0"/>
-              <a:t>8/30/2018</a:t>
+              <a:t>8/31/2018</a:t>
             </a:fld>
             <a:endParaRPr lang="en-US"/>
           </a:p>
@@ -2381,7 +2381,7 @@
           <a:p>
             <a:fld id="{E992569B-202C-4FD8-B783-901FE4087DE5}" type="datetimeFigureOut">
               <a:rPr lang="en-US" smtClean="0"/>
-              <a:t>8/30/2018</a:t>
+              <a:t>8/31/2018</a:t>
             </a:fld>
             <a:endParaRPr lang="en-US"/>
           </a:p>
@@ -2669,7 +2669,7 @@
           <a:p>
             <a:fld id="{E992569B-202C-4FD8-B783-901FE4087DE5}" type="datetimeFigureOut">
               <a:rPr lang="en-US" smtClean="0"/>
-              <a:t>8/30/2018</a:t>
+              <a:t>8/31/2018</a:t>
             </a:fld>
             <a:endParaRPr lang="en-US"/>
           </a:p>
@@ -2910,7 +2910,7 @@
           <a:p>
             <a:fld id="{E992569B-202C-4FD8-B783-901FE4087DE5}" type="datetimeFigureOut">
               <a:rPr lang="en-US" smtClean="0"/>
-              <a:t>8/30/2018</a:t>
+              <a:t>8/31/2018</a:t>
             </a:fld>
             <a:endParaRPr lang="en-US"/>
           </a:p>
@@ -3311,7 +3311,7 @@
 </file>
 
 <file path=ppt/slides/slide1.xml><?xml version="1.0" encoding="utf-8"?>
-<p:sld xmlns:a="http://schemas.openxmlformats.org/drawingml/2006/main" xmlns:r="http://schemas.openxmlformats.org/officeDocument/2006/relationships" xmlns:p="http://schemas.openxmlformats.org/presentationml/2006/main">
+<p:sld xmlns:a="http://schemas.openxmlformats.org/drawingml/2006/main" xmlns:r="http://schemas.openxmlformats.org/officeDocument/2006/relationships" xmlns:p="http://schemas.openxmlformats.org/presentationml/2006/main" show="0">
   <p:cSld>
     <p:spTree>
       <p:nvGrpSpPr>
@@ -15633,8 +15633,10 @@
               <a:alpha val="25098"/>
             </a:srgbClr>
           </a:solidFill>
-          <a:ln>
-            <a:noFill/>
+          <a:ln w="12700">
+            <a:solidFill>
+              <a:schemeClr val="tx1"/>
+            </a:solidFill>
           </a:ln>
         </p:spPr>
         <p:style>
@@ -15784,6 +15786,114 @@
           <a:xfrm>
             <a:off x="2547694" y="2852570"/>
             <a:ext cx="1048946" cy="724929"/>
+          </a:xfrm>
+          <a:prstGeom prst="roundRect">
+            <a:avLst/>
+          </a:prstGeom>
+          <a:solidFill>
+            <a:srgbClr val="70AD47">
+              <a:alpha val="25098"/>
+            </a:srgbClr>
+          </a:solidFill>
+          <a:ln w="12700">
+            <a:solidFill>
+              <a:schemeClr val="tx1"/>
+            </a:solidFill>
+          </a:ln>
+        </p:spPr>
+        <p:style>
+          <a:lnRef idx="0">
+            <a:scrgbClr r="0" g="0" b="0"/>
+          </a:lnRef>
+          <a:fillRef idx="0">
+            <a:scrgbClr r="0" g="0" b="0"/>
+          </a:fillRef>
+          <a:effectRef idx="0">
+            <a:scrgbClr r="0" g="0" b="0"/>
+          </a:effectRef>
+          <a:fontRef idx="minor">
+            <a:schemeClr val="lt1"/>
+          </a:fontRef>
+        </p:style>
+        <p:txBody>
+          <a:bodyPr rtlCol="0" anchor="ctr"/>
+          <a:lstStyle/>
+          <a:p>
+            <a:pPr algn="ctr"/>
+            <a:endParaRPr lang="en-US"/>
+          </a:p>
+        </p:txBody>
+      </p:sp>
+      <p:sp>
+        <p:nvSpPr>
+          <p:cNvPr id="141" name="Rectangle: Rounded Corners 140">
+            <a:extLst>
+              <a:ext uri="{FF2B5EF4-FFF2-40B4-BE49-F238E27FC236}">
+                <a16:creationId xmlns:a16="http://schemas.microsoft.com/office/drawing/2014/main" id="{02068C2A-013B-4C4F-91AB-16133BB8FF1D}"/>
+              </a:ext>
+            </a:extLst>
+          </p:cNvPr>
+          <p:cNvSpPr/>
+          <p:nvPr/>
+        </p:nvSpPr>
+        <p:spPr>
+          <a:xfrm>
+            <a:off x="2498376" y="3456228"/>
+            <a:ext cx="1048946" cy="724929"/>
+          </a:xfrm>
+          <a:prstGeom prst="roundRect">
+            <a:avLst/>
+          </a:prstGeom>
+          <a:solidFill>
+            <a:srgbClr val="70AD47">
+              <a:alpha val="25098"/>
+            </a:srgbClr>
+          </a:solidFill>
+          <a:ln w="12700">
+            <a:solidFill>
+              <a:schemeClr val="tx1"/>
+            </a:solidFill>
+          </a:ln>
+        </p:spPr>
+        <p:style>
+          <a:lnRef idx="0">
+            <a:scrgbClr r="0" g="0" b="0"/>
+          </a:lnRef>
+          <a:fillRef idx="0">
+            <a:scrgbClr r="0" g="0" b="0"/>
+          </a:fillRef>
+          <a:effectRef idx="0">
+            <a:scrgbClr r="0" g="0" b="0"/>
+          </a:effectRef>
+          <a:fontRef idx="minor">
+            <a:schemeClr val="lt1"/>
+          </a:fontRef>
+        </p:style>
+        <p:txBody>
+          <a:bodyPr rtlCol="0" anchor="ctr"/>
+          <a:lstStyle/>
+          <a:p>
+            <a:pPr algn="ctr"/>
+            <a:endParaRPr lang="en-US"/>
+          </a:p>
+        </p:txBody>
+      </p:sp>
+      <p:sp>
+        <p:nvSpPr>
+          <p:cNvPr id="144" name="Rectangle: Rounded Corners 143">
+            <a:extLst>
+              <a:ext uri="{FF2B5EF4-FFF2-40B4-BE49-F238E27FC236}">
+                <a16:creationId xmlns:a16="http://schemas.microsoft.com/office/drawing/2014/main" id="{B7B8790D-F3FD-459D-B468-2E47DF83C2D6}"/>
+              </a:ext>
+            </a:extLst>
+          </p:cNvPr>
+          <p:cNvSpPr/>
+          <p:nvPr/>
+        </p:nvSpPr>
+        <p:spPr>
+          <a:xfrm>
+            <a:off x="3851003" y="2160906"/>
+            <a:ext cx="2434126" cy="2955391"/>
           </a:xfrm>
           <a:prstGeom prst="roundRect">
             <a:avLst/>

--- a/data/process.pptx
+++ b/data/process.pptx
@@ -260,7 +260,7 @@
           <a:p>
             <a:fld id="{E992569B-202C-4FD8-B783-901FE4087DE5}" type="datetimeFigureOut">
               <a:rPr lang="en-US" smtClean="0"/>
-              <a:t>8/31/2018</a:t>
+              <a:t>9/6/2018</a:t>
             </a:fld>
             <a:endParaRPr lang="en-US"/>
           </a:p>
@@ -458,7 +458,7 @@
           <a:p>
             <a:fld id="{E992569B-202C-4FD8-B783-901FE4087DE5}" type="datetimeFigureOut">
               <a:rPr lang="en-US" smtClean="0"/>
-              <a:t>8/31/2018</a:t>
+              <a:t>9/6/2018</a:t>
             </a:fld>
             <a:endParaRPr lang="en-US"/>
           </a:p>
@@ -666,7 +666,7 @@
           <a:p>
             <a:fld id="{E992569B-202C-4FD8-B783-901FE4087DE5}" type="datetimeFigureOut">
               <a:rPr lang="en-US" smtClean="0"/>
-              <a:t>8/31/2018</a:t>
+              <a:t>9/6/2018</a:t>
             </a:fld>
             <a:endParaRPr lang="en-US"/>
           </a:p>
@@ -864,7 +864,7 @@
           <a:p>
             <a:fld id="{E992569B-202C-4FD8-B783-901FE4087DE5}" type="datetimeFigureOut">
               <a:rPr lang="en-US" smtClean="0"/>
-              <a:t>8/31/2018</a:t>
+              <a:t>9/6/2018</a:t>
             </a:fld>
             <a:endParaRPr lang="en-US"/>
           </a:p>
@@ -1139,7 +1139,7 @@
           <a:p>
             <a:fld id="{E992569B-202C-4FD8-B783-901FE4087DE5}" type="datetimeFigureOut">
               <a:rPr lang="en-US" smtClean="0"/>
-              <a:t>8/31/2018</a:t>
+              <a:t>9/6/2018</a:t>
             </a:fld>
             <a:endParaRPr lang="en-US"/>
           </a:p>
@@ -1404,7 +1404,7 @@
           <a:p>
             <a:fld id="{E992569B-202C-4FD8-B783-901FE4087DE5}" type="datetimeFigureOut">
               <a:rPr lang="en-US" smtClean="0"/>
-              <a:t>8/31/2018</a:t>
+              <a:t>9/6/2018</a:t>
             </a:fld>
             <a:endParaRPr lang="en-US"/>
           </a:p>
@@ -1816,7 +1816,7 @@
           <a:p>
             <a:fld id="{E992569B-202C-4FD8-B783-901FE4087DE5}" type="datetimeFigureOut">
               <a:rPr lang="en-US" smtClean="0"/>
-              <a:t>8/31/2018</a:t>
+              <a:t>9/6/2018</a:t>
             </a:fld>
             <a:endParaRPr lang="en-US"/>
           </a:p>
@@ -1957,7 +1957,7 @@
           <a:p>
             <a:fld id="{E992569B-202C-4FD8-B783-901FE4087DE5}" type="datetimeFigureOut">
               <a:rPr lang="en-US" smtClean="0"/>
-              <a:t>8/31/2018</a:t>
+              <a:t>9/6/2018</a:t>
             </a:fld>
             <a:endParaRPr lang="en-US"/>
           </a:p>
@@ -2070,7 +2070,7 @@
           <a:p>
             <a:fld id="{E992569B-202C-4FD8-B783-901FE4087DE5}" type="datetimeFigureOut">
               <a:rPr lang="en-US" smtClean="0"/>
-              <a:t>8/31/2018</a:t>
+              <a:t>9/6/2018</a:t>
             </a:fld>
             <a:endParaRPr lang="en-US"/>
           </a:p>
@@ -2381,7 +2381,7 @@
           <a:p>
             <a:fld id="{E992569B-202C-4FD8-B783-901FE4087DE5}" type="datetimeFigureOut">
               <a:rPr lang="en-US" smtClean="0"/>
-              <a:t>8/31/2018</a:t>
+              <a:t>9/6/2018</a:t>
             </a:fld>
             <a:endParaRPr lang="en-US"/>
           </a:p>
@@ -2669,7 +2669,7 @@
           <a:p>
             <a:fld id="{E992569B-202C-4FD8-B783-901FE4087DE5}" type="datetimeFigureOut">
               <a:rPr lang="en-US" smtClean="0"/>
-              <a:t>8/31/2018</a:t>
+              <a:t>9/6/2018</a:t>
             </a:fld>
             <a:endParaRPr lang="en-US"/>
           </a:p>
@@ -2910,7 +2910,7 @@
           <a:p>
             <a:fld id="{E992569B-202C-4FD8-B783-901FE4087DE5}" type="datetimeFigureOut">
               <a:rPr lang="en-US" smtClean="0"/>
-              <a:t>8/31/2018</a:t>
+              <a:t>9/6/2018</a:t>
             </a:fld>
             <a:endParaRPr lang="en-US"/>
           </a:p>
@@ -14335,58 +14335,6 @@
       </p:sp>
       <p:sp>
         <p:nvSpPr>
-          <p:cNvPr id="311" name="Rectangle 310">
-            <a:extLst>
-              <a:ext uri="{FF2B5EF4-FFF2-40B4-BE49-F238E27FC236}">
-                <a16:creationId xmlns:a16="http://schemas.microsoft.com/office/drawing/2014/main" id="{8B0D5090-D2C4-4B4F-B16B-7D4292942EF3}"/>
-              </a:ext>
-            </a:extLst>
-          </p:cNvPr>
-          <p:cNvSpPr/>
-          <p:nvPr/>
-        </p:nvSpPr>
-        <p:spPr>
-          <a:xfrm>
-            <a:off x="3988990" y="2287613"/>
-            <a:ext cx="770938" cy="250754"/>
-          </a:xfrm>
-          <a:prstGeom prst="rect">
-            <a:avLst/>
-          </a:prstGeom>
-          <a:solidFill>
-            <a:srgbClr val="FF0000"/>
-          </a:solidFill>
-        </p:spPr>
-        <p:style>
-          <a:lnRef idx="2">
-            <a:schemeClr val="accent3">
-              <a:shade val="50000"/>
-            </a:schemeClr>
-          </a:lnRef>
-          <a:fillRef idx="1">
-            <a:schemeClr val="accent3"/>
-          </a:fillRef>
-          <a:effectRef idx="0">
-            <a:schemeClr val="accent3"/>
-          </a:effectRef>
-          <a:fontRef idx="minor">
-            <a:schemeClr val="lt1"/>
-          </a:fontRef>
-        </p:style>
-        <p:txBody>
-          <a:bodyPr rtlCol="0" anchor="ctr"/>
-          <a:lstStyle/>
-          <a:p>
-            <a:pPr algn="ctr"/>
-            <a:r>
-              <a:rPr lang="en-US" sz="1000" dirty="0"/>
-              <a:t>I(R(A))</a:t>
-            </a:r>
-          </a:p>
-        </p:txBody>
-      </p:sp>
-      <p:sp>
-        <p:nvSpPr>
           <p:cNvPr id="157" name="Oval 156">
             <a:extLst>
               <a:ext uri="{FF2B5EF4-FFF2-40B4-BE49-F238E27FC236}">
@@ -14616,7 +14564,7 @@
         </p:nvSpPr>
         <p:spPr>
           <a:xfrm>
-            <a:off x="2133390" y="5513561"/>
+            <a:off x="3145627" y="5470775"/>
             <a:ext cx="393379" cy="184810"/>
           </a:xfrm>
           <a:prstGeom prst="bevel">
@@ -14889,67 +14837,6 @@
       </p:sp>
       <p:sp>
         <p:nvSpPr>
-          <p:cNvPr id="119" name="Rectangle: Beveled 118">
-            <a:extLst>
-              <a:ext uri="{FF2B5EF4-FFF2-40B4-BE49-F238E27FC236}">
-                <a16:creationId xmlns:a16="http://schemas.microsoft.com/office/drawing/2014/main" id="{6800B082-4ACC-45BD-95A7-B5A3B90E5211}"/>
-              </a:ext>
-            </a:extLst>
-          </p:cNvPr>
-          <p:cNvSpPr/>
-          <p:nvPr/>
-        </p:nvSpPr>
-        <p:spPr>
-          <a:xfrm>
-            <a:off x="4987882" y="2176802"/>
-            <a:ext cx="393379" cy="184810"/>
-          </a:xfrm>
-          <a:prstGeom prst="bevel">
-            <a:avLst/>
-          </a:prstGeom>
-          <a:noFill/>
-          <a:ln w="9525" cap="flat" cmpd="sng" algn="ctr">
-            <a:solidFill>
-              <a:srgbClr val="FF0000"/>
-            </a:solidFill>
-            <a:prstDash val="solid"/>
-            <a:round/>
-            <a:headEnd type="none" w="med" len="med"/>
-            <a:tailEnd type="none" w="med" len="med"/>
-          </a:ln>
-        </p:spPr>
-        <p:style>
-          <a:lnRef idx="0">
-            <a:scrgbClr r="0" g="0" b="0"/>
-          </a:lnRef>
-          <a:fillRef idx="0">
-            <a:scrgbClr r="0" g="0" b="0"/>
-          </a:fillRef>
-          <a:effectRef idx="0">
-            <a:scrgbClr r="0" g="0" b="0"/>
-          </a:effectRef>
-          <a:fontRef idx="minor">
-            <a:schemeClr val="accent6"/>
-          </a:fontRef>
-        </p:style>
-        <p:txBody>
-          <a:bodyPr rtlCol="0" anchor="ctr"/>
-          <a:lstStyle/>
-          <a:p>
-            <a:pPr algn="ctr"/>
-            <a:r>
-              <a:rPr lang="en-US" sz="700" dirty="0">
-                <a:solidFill>
-                  <a:srgbClr val="FF0000"/>
-                </a:solidFill>
-              </a:rPr>
-              <a:t>?</a:t>
-            </a:r>
-          </a:p>
-        </p:txBody>
-      </p:sp>
-      <p:sp>
-        <p:nvSpPr>
           <p:cNvPr id="120" name="Rectangle: Beveled 119">
             <a:extLst>
               <a:ext uri="{FF2B5EF4-FFF2-40B4-BE49-F238E27FC236}">
@@ -15121,67 +15008,6 @@
       </p:sp>
       <p:sp>
         <p:nvSpPr>
-          <p:cNvPr id="127" name="Rectangle: Beveled 126">
-            <a:extLst>
-              <a:ext uri="{FF2B5EF4-FFF2-40B4-BE49-F238E27FC236}">
-                <a16:creationId xmlns:a16="http://schemas.microsoft.com/office/drawing/2014/main" id="{BAF76FE2-77D7-41BA-9E17-EB184C770B26}"/>
-              </a:ext>
-            </a:extLst>
-          </p:cNvPr>
-          <p:cNvSpPr/>
-          <p:nvPr/>
-        </p:nvSpPr>
-        <p:spPr>
-          <a:xfrm>
-            <a:off x="8905111" y="5187520"/>
-            <a:ext cx="393379" cy="184810"/>
-          </a:xfrm>
-          <a:prstGeom prst="bevel">
-            <a:avLst/>
-          </a:prstGeom>
-          <a:noFill/>
-          <a:ln w="9525" cap="flat" cmpd="sng" algn="ctr">
-            <a:solidFill>
-              <a:srgbClr val="FF0000"/>
-            </a:solidFill>
-            <a:prstDash val="solid"/>
-            <a:round/>
-            <a:headEnd type="none" w="med" len="med"/>
-            <a:tailEnd type="none" w="med" len="med"/>
-          </a:ln>
-        </p:spPr>
-        <p:style>
-          <a:lnRef idx="0">
-            <a:scrgbClr r="0" g="0" b="0"/>
-          </a:lnRef>
-          <a:fillRef idx="0">
-            <a:scrgbClr r="0" g="0" b="0"/>
-          </a:fillRef>
-          <a:effectRef idx="0">
-            <a:scrgbClr r="0" g="0" b="0"/>
-          </a:effectRef>
-          <a:fontRef idx="minor">
-            <a:schemeClr val="accent6"/>
-          </a:fontRef>
-        </p:style>
-        <p:txBody>
-          <a:bodyPr rtlCol="0" anchor="ctr"/>
-          <a:lstStyle/>
-          <a:p>
-            <a:pPr algn="ctr"/>
-            <a:r>
-              <a:rPr lang="en-US" sz="700" dirty="0">
-                <a:solidFill>
-                  <a:srgbClr val="FF0000"/>
-                </a:solidFill>
-              </a:rPr>
-              <a:t>?</a:t>
-            </a:r>
-          </a:p>
-        </p:txBody>
-      </p:sp>
-      <p:sp>
-        <p:nvSpPr>
           <p:cNvPr id="14" name="Double Bracket 13">
             <a:extLst>
               <a:ext uri="{FF2B5EF4-FFF2-40B4-BE49-F238E27FC236}">
@@ -15892,8 +15718,8 @@
         </p:nvSpPr>
         <p:spPr>
           <a:xfrm>
-            <a:off x="3851003" y="2160906"/>
-            <a:ext cx="2434126" cy="2955391"/>
+            <a:off x="4569475" y="2375965"/>
+            <a:ext cx="1715653" cy="2740332"/>
           </a:xfrm>
           <a:prstGeom prst="roundRect">
             <a:avLst/>
@@ -15929,6 +15755,288 @@
           <a:p>
             <a:pPr algn="ctr"/>
             <a:endParaRPr lang="en-US"/>
+          </a:p>
+        </p:txBody>
+      </p:sp>
+      <p:sp>
+        <p:nvSpPr>
+          <p:cNvPr id="145" name="Rectangle: Rounded Corners 144">
+            <a:extLst>
+              <a:ext uri="{FF2B5EF4-FFF2-40B4-BE49-F238E27FC236}">
+                <a16:creationId xmlns:a16="http://schemas.microsoft.com/office/drawing/2014/main" id="{E016A7A6-CBD7-471E-98EC-3650F1F179B5}"/>
+              </a:ext>
+            </a:extLst>
+          </p:cNvPr>
+          <p:cNvSpPr/>
+          <p:nvPr/>
+        </p:nvSpPr>
+        <p:spPr>
+          <a:xfrm>
+            <a:off x="4733238" y="5176224"/>
+            <a:ext cx="1827030" cy="1487944"/>
+          </a:xfrm>
+          <a:prstGeom prst="roundRect">
+            <a:avLst/>
+          </a:prstGeom>
+          <a:solidFill>
+            <a:srgbClr val="70AD47">
+              <a:alpha val="25098"/>
+            </a:srgbClr>
+          </a:solidFill>
+          <a:ln w="12700">
+            <a:solidFill>
+              <a:schemeClr val="tx1"/>
+            </a:solidFill>
+          </a:ln>
+        </p:spPr>
+        <p:style>
+          <a:lnRef idx="0">
+            <a:scrgbClr r="0" g="0" b="0"/>
+          </a:lnRef>
+          <a:fillRef idx="0">
+            <a:scrgbClr r="0" g="0" b="0"/>
+          </a:fillRef>
+          <a:effectRef idx="0">
+            <a:scrgbClr r="0" g="0" b="0"/>
+          </a:effectRef>
+          <a:fontRef idx="minor">
+            <a:schemeClr val="lt1"/>
+          </a:fontRef>
+        </p:style>
+        <p:txBody>
+          <a:bodyPr rtlCol="0" anchor="ctr"/>
+          <a:lstStyle/>
+          <a:p>
+            <a:pPr algn="ctr"/>
+            <a:endParaRPr lang="en-US"/>
+          </a:p>
+        </p:txBody>
+      </p:sp>
+      <p:sp>
+        <p:nvSpPr>
+          <p:cNvPr id="148" name="Rectangle: Beveled 147">
+            <a:extLst>
+              <a:ext uri="{FF2B5EF4-FFF2-40B4-BE49-F238E27FC236}">
+                <a16:creationId xmlns:a16="http://schemas.microsoft.com/office/drawing/2014/main" id="{07A886C6-47F6-4544-9A4E-E844F2841569}"/>
+              </a:ext>
+            </a:extLst>
+          </p:cNvPr>
+          <p:cNvSpPr/>
+          <p:nvPr/>
+        </p:nvSpPr>
+        <p:spPr>
+          <a:xfrm>
+            <a:off x="8884978" y="5195922"/>
+            <a:ext cx="393379" cy="184810"/>
+          </a:xfrm>
+          <a:prstGeom prst="bevel">
+            <a:avLst/>
+          </a:prstGeom>
+          <a:noFill/>
+          <a:ln w="9525" cap="flat" cmpd="sng" algn="ctr">
+            <a:solidFill>
+              <a:schemeClr val="accent6"/>
+            </a:solidFill>
+            <a:prstDash val="solid"/>
+            <a:round/>
+            <a:headEnd type="none" w="med" len="med"/>
+            <a:tailEnd type="none" w="med" len="med"/>
+          </a:ln>
+        </p:spPr>
+        <p:style>
+          <a:lnRef idx="0">
+            <a:scrgbClr r="0" g="0" b="0"/>
+          </a:lnRef>
+          <a:fillRef idx="0">
+            <a:scrgbClr r="0" g="0" b="0"/>
+          </a:fillRef>
+          <a:effectRef idx="0">
+            <a:scrgbClr r="0" g="0" b="0"/>
+          </a:effectRef>
+          <a:fontRef idx="minor">
+            <a:schemeClr val="accent6"/>
+          </a:fontRef>
+        </p:style>
+        <p:txBody>
+          <a:bodyPr rtlCol="0" anchor="ctr"/>
+          <a:lstStyle/>
+          <a:p>
+            <a:pPr algn="ctr"/>
+            <a:r>
+              <a:rPr lang="en-US" sz="700" dirty="0"/>
+              <a:t>CPU</a:t>
+            </a:r>
+          </a:p>
+        </p:txBody>
+      </p:sp>
+      <p:sp>
+        <p:nvSpPr>
+          <p:cNvPr id="149" name="Rectangle: Beveled 148">
+            <a:extLst>
+              <a:ext uri="{FF2B5EF4-FFF2-40B4-BE49-F238E27FC236}">
+                <a16:creationId xmlns:a16="http://schemas.microsoft.com/office/drawing/2014/main" id="{E404FDA9-C3CB-4513-9E7B-D73B607ED0C4}"/>
+              </a:ext>
+            </a:extLst>
+          </p:cNvPr>
+          <p:cNvSpPr/>
+          <p:nvPr/>
+        </p:nvSpPr>
+        <p:spPr>
+          <a:xfrm>
+            <a:off x="8582625" y="4846129"/>
+            <a:ext cx="925568" cy="160586"/>
+          </a:xfrm>
+          <a:prstGeom prst="bevel">
+            <a:avLst/>
+          </a:prstGeom>
+          <a:noFill/>
+          <a:ln w="9525" cap="flat" cmpd="sng" algn="ctr">
+            <a:solidFill>
+              <a:schemeClr val="accent3"/>
+            </a:solidFill>
+            <a:prstDash val="solid"/>
+            <a:round/>
+            <a:headEnd type="none" w="med" len="med"/>
+            <a:tailEnd type="none" w="med" len="med"/>
+          </a:ln>
+        </p:spPr>
+        <p:style>
+          <a:lnRef idx="0">
+            <a:scrgbClr r="0" g="0" b="0"/>
+          </a:lnRef>
+          <a:fillRef idx="0">
+            <a:scrgbClr r="0" g="0" b="0"/>
+          </a:fillRef>
+          <a:effectRef idx="0">
+            <a:scrgbClr r="0" g="0" b="0"/>
+          </a:effectRef>
+          <a:fontRef idx="minor">
+            <a:schemeClr val="accent3"/>
+          </a:fontRef>
+        </p:style>
+        <p:txBody>
+          <a:bodyPr rtlCol="0" anchor="ctr"/>
+          <a:lstStyle/>
+          <a:p>
+            <a:pPr algn="ctr"/>
+            <a:r>
+              <a:rPr lang="en-US" sz="700" dirty="0"/>
+              <a:t>Transfer &gt; CPU</a:t>
+            </a:r>
+          </a:p>
+        </p:txBody>
+      </p:sp>
+      <p:sp>
+        <p:nvSpPr>
+          <p:cNvPr id="152" name="Rectangle: Beveled 151">
+            <a:extLst>
+              <a:ext uri="{FF2B5EF4-FFF2-40B4-BE49-F238E27FC236}">
+                <a16:creationId xmlns:a16="http://schemas.microsoft.com/office/drawing/2014/main" id="{44CE5164-70D9-4F65-AC6B-BAFE8E464C36}"/>
+              </a:ext>
+            </a:extLst>
+          </p:cNvPr>
+          <p:cNvSpPr/>
+          <p:nvPr/>
+        </p:nvSpPr>
+        <p:spPr>
+          <a:xfrm>
+            <a:off x="8370485" y="5947727"/>
+            <a:ext cx="1028986" cy="160586"/>
+          </a:xfrm>
+          <a:prstGeom prst="bevel">
+            <a:avLst/>
+          </a:prstGeom>
+          <a:noFill/>
+          <a:ln w="9525" cap="flat" cmpd="sng" algn="ctr">
+            <a:solidFill>
+              <a:schemeClr val="accent3"/>
+            </a:solidFill>
+            <a:prstDash val="solid"/>
+            <a:round/>
+            <a:headEnd type="none" w="med" len="med"/>
+            <a:tailEnd type="none" w="med" len="med"/>
+          </a:ln>
+        </p:spPr>
+        <p:style>
+          <a:lnRef idx="0">
+            <a:scrgbClr r="0" g="0" b="0"/>
+          </a:lnRef>
+          <a:fillRef idx="0">
+            <a:scrgbClr r="0" g="0" b="0"/>
+          </a:fillRef>
+          <a:effectRef idx="0">
+            <a:scrgbClr r="0" g="0" b="0"/>
+          </a:effectRef>
+          <a:fontRef idx="minor">
+            <a:schemeClr val="accent3"/>
+          </a:fontRef>
+        </p:style>
+        <p:txBody>
+          <a:bodyPr rtlCol="0" anchor="ctr"/>
+          <a:lstStyle/>
+          <a:p>
+            <a:pPr algn="ctr"/>
+            <a:r>
+              <a:rPr lang="en-US" sz="700" dirty="0"/>
+              <a:t>Transfer &gt; GPU</a:t>
+            </a:r>
+          </a:p>
+        </p:txBody>
+      </p:sp>
+      <p:sp>
+        <p:nvSpPr>
+          <p:cNvPr id="153" name="Rectangle: Beveled 152">
+            <a:extLst>
+              <a:ext uri="{FF2B5EF4-FFF2-40B4-BE49-F238E27FC236}">
+                <a16:creationId xmlns:a16="http://schemas.microsoft.com/office/drawing/2014/main" id="{566F7014-FFD2-46FC-9999-9FE12A8D36CF}"/>
+              </a:ext>
+            </a:extLst>
+          </p:cNvPr>
+          <p:cNvSpPr/>
+          <p:nvPr/>
+        </p:nvSpPr>
+        <p:spPr>
+          <a:xfrm>
+            <a:off x="5755503" y="2210302"/>
+            <a:ext cx="393379" cy="184810"/>
+          </a:xfrm>
+          <a:prstGeom prst="bevel">
+            <a:avLst/>
+          </a:prstGeom>
+          <a:noFill/>
+          <a:ln w="9525" cap="flat" cmpd="sng" algn="ctr">
+            <a:solidFill>
+              <a:schemeClr val="accent2"/>
+            </a:solidFill>
+            <a:prstDash val="solid"/>
+            <a:round/>
+            <a:headEnd type="none" w="med" len="med"/>
+            <a:tailEnd type="none" w="med" len="med"/>
+          </a:ln>
+        </p:spPr>
+        <p:style>
+          <a:lnRef idx="0">
+            <a:scrgbClr r="0" g="0" b="0"/>
+          </a:lnRef>
+          <a:fillRef idx="0">
+            <a:scrgbClr r="0" g="0" b="0"/>
+          </a:fillRef>
+          <a:effectRef idx="0">
+            <a:scrgbClr r="0" g="0" b="0"/>
+          </a:effectRef>
+          <a:fontRef idx="minor">
+            <a:schemeClr val="accent2"/>
+          </a:fontRef>
+        </p:style>
+        <p:txBody>
+          <a:bodyPr rtlCol="0" anchor="ctr"/>
+          <a:lstStyle/>
+          <a:p>
+            <a:pPr algn="ctr"/>
+            <a:r>
+              <a:rPr lang="en-US" sz="700" dirty="0"/>
+              <a:t>GPU</a:t>
+            </a:r>
           </a:p>
         </p:txBody>
       </p:sp>

--- a/data/process.pptx
+++ b/data/process.pptx
@@ -16040,6 +16040,222 @@
           </a:p>
         </p:txBody>
       </p:sp>
+      <p:sp>
+        <p:nvSpPr>
+          <p:cNvPr id="154" name="Rectangle: Rounded Corners 153">
+            <a:extLst>
+              <a:ext uri="{FF2B5EF4-FFF2-40B4-BE49-F238E27FC236}">
+                <a16:creationId xmlns:a16="http://schemas.microsoft.com/office/drawing/2014/main" id="{BF133AAA-7BAC-4CDF-880D-6CD444AA411A}"/>
+              </a:ext>
+            </a:extLst>
+          </p:cNvPr>
+          <p:cNvSpPr/>
+          <p:nvPr/>
+        </p:nvSpPr>
+        <p:spPr>
+          <a:xfrm>
+            <a:off x="6440811" y="999439"/>
+            <a:ext cx="2998308" cy="1171313"/>
+          </a:xfrm>
+          <a:prstGeom prst="roundRect">
+            <a:avLst/>
+          </a:prstGeom>
+          <a:solidFill>
+            <a:srgbClr val="70AD47">
+              <a:alpha val="25098"/>
+            </a:srgbClr>
+          </a:solidFill>
+          <a:ln w="12700">
+            <a:solidFill>
+              <a:schemeClr val="tx1"/>
+            </a:solidFill>
+          </a:ln>
+        </p:spPr>
+        <p:style>
+          <a:lnRef idx="0">
+            <a:scrgbClr r="0" g="0" b="0"/>
+          </a:lnRef>
+          <a:fillRef idx="0">
+            <a:scrgbClr r="0" g="0" b="0"/>
+          </a:fillRef>
+          <a:effectRef idx="0">
+            <a:scrgbClr r="0" g="0" b="0"/>
+          </a:effectRef>
+          <a:fontRef idx="minor">
+            <a:schemeClr val="lt1"/>
+          </a:fontRef>
+        </p:style>
+        <p:txBody>
+          <a:bodyPr rtlCol="0" anchor="ctr"/>
+          <a:lstStyle/>
+          <a:p>
+            <a:pPr algn="ctr"/>
+            <a:endParaRPr lang="en-US"/>
+          </a:p>
+        </p:txBody>
+      </p:sp>
+      <p:sp>
+        <p:nvSpPr>
+          <p:cNvPr id="155" name="Rectangle: Rounded Corners 154">
+            <a:extLst>
+              <a:ext uri="{FF2B5EF4-FFF2-40B4-BE49-F238E27FC236}">
+                <a16:creationId xmlns:a16="http://schemas.microsoft.com/office/drawing/2014/main" id="{01B3C918-F086-4053-99A9-BB9ECD1E9B97}"/>
+              </a:ext>
+            </a:extLst>
+          </p:cNvPr>
+          <p:cNvSpPr/>
+          <p:nvPr/>
+        </p:nvSpPr>
+        <p:spPr>
+          <a:xfrm>
+            <a:off x="6781727" y="1859008"/>
+            <a:ext cx="1208433" cy="1171313"/>
+          </a:xfrm>
+          <a:prstGeom prst="roundRect">
+            <a:avLst/>
+          </a:prstGeom>
+          <a:solidFill>
+            <a:srgbClr val="70AD47">
+              <a:alpha val="25098"/>
+            </a:srgbClr>
+          </a:solidFill>
+          <a:ln w="12700">
+            <a:solidFill>
+              <a:schemeClr val="tx1"/>
+            </a:solidFill>
+          </a:ln>
+        </p:spPr>
+        <p:style>
+          <a:lnRef idx="0">
+            <a:scrgbClr r="0" g="0" b="0"/>
+          </a:lnRef>
+          <a:fillRef idx="0">
+            <a:scrgbClr r="0" g="0" b="0"/>
+          </a:fillRef>
+          <a:effectRef idx="0">
+            <a:scrgbClr r="0" g="0" b="0"/>
+          </a:effectRef>
+          <a:fontRef idx="minor">
+            <a:schemeClr val="lt1"/>
+          </a:fontRef>
+        </p:style>
+        <p:txBody>
+          <a:bodyPr rtlCol="0" anchor="ctr"/>
+          <a:lstStyle/>
+          <a:p>
+            <a:pPr algn="ctr"/>
+            <a:endParaRPr lang="en-US"/>
+          </a:p>
+        </p:txBody>
+      </p:sp>
+      <p:sp>
+        <p:nvSpPr>
+          <p:cNvPr id="159" name="Rectangle: Rounded Corners 158">
+            <a:extLst>
+              <a:ext uri="{FF2B5EF4-FFF2-40B4-BE49-F238E27FC236}">
+                <a16:creationId xmlns:a16="http://schemas.microsoft.com/office/drawing/2014/main" id="{15FB1366-EB94-43EE-918D-B28778F6DA00}"/>
+              </a:ext>
+            </a:extLst>
+          </p:cNvPr>
+          <p:cNvSpPr/>
+          <p:nvPr/>
+        </p:nvSpPr>
+        <p:spPr>
+          <a:xfrm>
+            <a:off x="10793308" y="1838696"/>
+            <a:ext cx="1208433" cy="800126"/>
+          </a:xfrm>
+          <a:prstGeom prst="roundRect">
+            <a:avLst/>
+          </a:prstGeom>
+          <a:solidFill>
+            <a:srgbClr val="70AD47">
+              <a:alpha val="25098"/>
+            </a:srgbClr>
+          </a:solidFill>
+          <a:ln w="12700">
+            <a:solidFill>
+              <a:schemeClr val="tx1"/>
+            </a:solidFill>
+          </a:ln>
+        </p:spPr>
+        <p:style>
+          <a:lnRef idx="0">
+            <a:scrgbClr r="0" g="0" b="0"/>
+          </a:lnRef>
+          <a:fillRef idx="0">
+            <a:scrgbClr r="0" g="0" b="0"/>
+          </a:fillRef>
+          <a:effectRef idx="0">
+            <a:scrgbClr r="0" g="0" b="0"/>
+          </a:effectRef>
+          <a:fontRef idx="minor">
+            <a:schemeClr val="lt1"/>
+          </a:fontRef>
+        </p:style>
+        <p:txBody>
+          <a:bodyPr rtlCol="0" anchor="ctr"/>
+          <a:lstStyle/>
+          <a:p>
+            <a:pPr algn="ctr"/>
+            <a:endParaRPr lang="en-US"/>
+          </a:p>
+        </p:txBody>
+      </p:sp>
+      <p:sp>
+        <p:nvSpPr>
+          <p:cNvPr id="160" name="Rectangle: Rounded Corners 159">
+            <a:extLst>
+              <a:ext uri="{FF2B5EF4-FFF2-40B4-BE49-F238E27FC236}">
+                <a16:creationId xmlns:a16="http://schemas.microsoft.com/office/drawing/2014/main" id="{2B83BA0B-E595-44A0-825B-C2C5922E0F91}"/>
+              </a:ext>
+            </a:extLst>
+          </p:cNvPr>
+          <p:cNvSpPr/>
+          <p:nvPr/>
+        </p:nvSpPr>
+        <p:spPr>
+          <a:xfrm>
+            <a:off x="7419378" y="4504848"/>
+            <a:ext cx="2038074" cy="1804491"/>
+          </a:xfrm>
+          <a:prstGeom prst="roundRect">
+            <a:avLst/>
+          </a:prstGeom>
+          <a:solidFill>
+            <a:srgbClr val="70AD47">
+              <a:alpha val="25098"/>
+            </a:srgbClr>
+          </a:solidFill>
+          <a:ln w="12700">
+            <a:solidFill>
+              <a:schemeClr val="tx1"/>
+            </a:solidFill>
+          </a:ln>
+        </p:spPr>
+        <p:style>
+          <a:lnRef idx="0">
+            <a:scrgbClr r="0" g="0" b="0"/>
+          </a:lnRef>
+          <a:fillRef idx="0">
+            <a:scrgbClr r="0" g="0" b="0"/>
+          </a:fillRef>
+          <a:effectRef idx="0">
+            <a:scrgbClr r="0" g="0" b="0"/>
+          </a:effectRef>
+          <a:fontRef idx="minor">
+            <a:schemeClr val="lt1"/>
+          </a:fontRef>
+        </p:style>
+        <p:txBody>
+          <a:bodyPr rtlCol="0" anchor="ctr"/>
+          <a:lstStyle/>
+          <a:p>
+            <a:pPr algn="ctr"/>
+            <a:endParaRPr lang="en-US"/>
+          </a:p>
+        </p:txBody>
+      </p:sp>
     </p:spTree>
     <p:extLst>
       <p:ext uri="{BB962C8B-B14F-4D97-AF65-F5344CB8AC3E}">

--- a/data/process.pptx
+++ b/data/process.pptx
@@ -16066,9 +16066,7 @@
             </a:srgbClr>
           </a:solidFill>
           <a:ln w="12700">
-            <a:solidFill>
-              <a:schemeClr val="tx1"/>
-            </a:solidFill>
+            <a:noFill/>
           </a:ln>
         </p:spPr>
         <p:style>
@@ -16120,9 +16118,7 @@
             </a:srgbClr>
           </a:solidFill>
           <a:ln w="12700">
-            <a:solidFill>
-              <a:schemeClr val="tx1"/>
-            </a:solidFill>
+            <a:noFill/>
           </a:ln>
         </p:spPr>
         <p:style>
@@ -16162,7 +16158,7 @@
         </p:nvSpPr>
         <p:spPr>
           <a:xfrm>
-            <a:off x="10793308" y="1838696"/>
+            <a:off x="10813107" y="1862634"/>
             <a:ext cx="1208433" cy="800126"/>
           </a:xfrm>
           <a:prstGeom prst="roundRect">
@@ -16174,9 +16170,7 @@
             </a:srgbClr>
           </a:solidFill>
           <a:ln w="12700">
-            <a:solidFill>
-              <a:schemeClr val="tx1"/>
-            </a:solidFill>
+            <a:noFill/>
           </a:ln>
         </p:spPr>
         <p:style>
@@ -16228,9 +16222,111 @@
             </a:srgbClr>
           </a:solidFill>
           <a:ln w="12700">
-            <a:solidFill>
-              <a:schemeClr val="tx1"/>
-            </a:solidFill>
+            <a:noFill/>
+          </a:ln>
+        </p:spPr>
+        <p:style>
+          <a:lnRef idx="0">
+            <a:scrgbClr r="0" g="0" b="0"/>
+          </a:lnRef>
+          <a:fillRef idx="0">
+            <a:scrgbClr r="0" g="0" b="0"/>
+          </a:fillRef>
+          <a:effectRef idx="0">
+            <a:scrgbClr r="0" g="0" b="0"/>
+          </a:effectRef>
+          <a:fontRef idx="minor">
+            <a:schemeClr val="lt1"/>
+          </a:fontRef>
+        </p:style>
+        <p:txBody>
+          <a:bodyPr rtlCol="0" anchor="ctr"/>
+          <a:lstStyle/>
+          <a:p>
+            <a:pPr algn="ctr"/>
+            <a:endParaRPr lang="en-US"/>
+          </a:p>
+        </p:txBody>
+      </p:sp>
+      <p:sp>
+        <p:nvSpPr>
+          <p:cNvPr id="162" name="Rectangle: Rounded Corners 161">
+            <a:extLst>
+              <a:ext uri="{FF2B5EF4-FFF2-40B4-BE49-F238E27FC236}">
+                <a16:creationId xmlns:a16="http://schemas.microsoft.com/office/drawing/2014/main" id="{A1A71A1D-20C0-4A4A-A14C-305C71F3378B}"/>
+              </a:ext>
+            </a:extLst>
+          </p:cNvPr>
+          <p:cNvSpPr/>
+          <p:nvPr/>
+        </p:nvSpPr>
+        <p:spPr>
+          <a:xfrm>
+            <a:off x="9779334" y="2715305"/>
+            <a:ext cx="1854308" cy="1004123"/>
+          </a:xfrm>
+          <a:prstGeom prst="roundRect">
+            <a:avLst/>
+          </a:prstGeom>
+          <a:solidFill>
+            <a:srgbClr val="70AD47">
+              <a:alpha val="25098"/>
+            </a:srgbClr>
+          </a:solidFill>
+          <a:ln w="12700">
+            <a:noFill/>
+          </a:ln>
+        </p:spPr>
+        <p:style>
+          <a:lnRef idx="0">
+            <a:scrgbClr r="0" g="0" b="0"/>
+          </a:lnRef>
+          <a:fillRef idx="0">
+            <a:scrgbClr r="0" g="0" b="0"/>
+          </a:fillRef>
+          <a:effectRef idx="0">
+            <a:scrgbClr r="0" g="0" b="0"/>
+          </a:effectRef>
+          <a:fontRef idx="minor">
+            <a:schemeClr val="lt1"/>
+          </a:fontRef>
+        </p:style>
+        <p:txBody>
+          <a:bodyPr rtlCol="0" anchor="ctr"/>
+          <a:lstStyle/>
+          <a:p>
+            <a:pPr algn="ctr"/>
+            <a:endParaRPr lang="en-US"/>
+          </a:p>
+        </p:txBody>
+      </p:sp>
+      <p:sp>
+        <p:nvSpPr>
+          <p:cNvPr id="163" name="Rectangle: Rounded Corners 162">
+            <a:extLst>
+              <a:ext uri="{FF2B5EF4-FFF2-40B4-BE49-F238E27FC236}">
+                <a16:creationId xmlns:a16="http://schemas.microsoft.com/office/drawing/2014/main" id="{12A61E00-6FB8-4475-9B66-FDA163162CB6}"/>
+              </a:ext>
+            </a:extLst>
+          </p:cNvPr>
+          <p:cNvSpPr/>
+          <p:nvPr/>
+        </p:nvSpPr>
+        <p:spPr>
+          <a:xfrm>
+            <a:off x="7531768" y="2389343"/>
+            <a:ext cx="1208433" cy="1171313"/>
+          </a:xfrm>
+          <a:prstGeom prst="roundRect">
+            <a:avLst/>
+          </a:prstGeom>
+          <a:solidFill>
+            <a:srgbClr val="70AD47">
+              <a:alpha val="25098"/>
+            </a:srgbClr>
+          </a:solidFill>
+          <a:ln w="12700">
+            <a:noFill/>
           </a:ln>
         </p:spPr>
         <p:style>

--- a/data/process.pptx
+++ b/data/process.pptx
@@ -7,6 +7,7 @@
   <p:sldIdLst>
     <p:sldId id="256" r:id="rId2"/>
     <p:sldId id="257" r:id="rId3"/>
+    <p:sldId id="258" r:id="rId4"/>
   </p:sldIdLst>
   <p:sldSz cx="12192000" cy="6858000"/>
   <p:notesSz cx="6858000" cy="9144000"/>
@@ -260,7 +261,7 @@
           <a:p>
             <a:fld id="{E992569B-202C-4FD8-B783-901FE4087DE5}" type="datetimeFigureOut">
               <a:rPr lang="en-US" smtClean="0"/>
-              <a:t>9/6/2018</a:t>
+              <a:t>9/10/2018</a:t>
             </a:fld>
             <a:endParaRPr lang="en-US"/>
           </a:p>
@@ -458,7 +459,7 @@
           <a:p>
             <a:fld id="{E992569B-202C-4FD8-B783-901FE4087DE5}" type="datetimeFigureOut">
               <a:rPr lang="en-US" smtClean="0"/>
-              <a:t>9/6/2018</a:t>
+              <a:t>9/10/2018</a:t>
             </a:fld>
             <a:endParaRPr lang="en-US"/>
           </a:p>
@@ -666,7 +667,7 @@
           <a:p>
             <a:fld id="{E992569B-202C-4FD8-B783-901FE4087DE5}" type="datetimeFigureOut">
               <a:rPr lang="en-US" smtClean="0"/>
-              <a:t>9/6/2018</a:t>
+              <a:t>9/10/2018</a:t>
             </a:fld>
             <a:endParaRPr lang="en-US"/>
           </a:p>
@@ -864,7 +865,7 @@
           <a:p>
             <a:fld id="{E992569B-202C-4FD8-B783-901FE4087DE5}" type="datetimeFigureOut">
               <a:rPr lang="en-US" smtClean="0"/>
-              <a:t>9/6/2018</a:t>
+              <a:t>9/10/2018</a:t>
             </a:fld>
             <a:endParaRPr lang="en-US"/>
           </a:p>
@@ -1139,7 +1140,7 @@
           <a:p>
             <a:fld id="{E992569B-202C-4FD8-B783-901FE4087DE5}" type="datetimeFigureOut">
               <a:rPr lang="en-US" smtClean="0"/>
-              <a:t>9/6/2018</a:t>
+              <a:t>9/10/2018</a:t>
             </a:fld>
             <a:endParaRPr lang="en-US"/>
           </a:p>
@@ -1404,7 +1405,7 @@
           <a:p>
             <a:fld id="{E992569B-202C-4FD8-B783-901FE4087DE5}" type="datetimeFigureOut">
               <a:rPr lang="en-US" smtClean="0"/>
-              <a:t>9/6/2018</a:t>
+              <a:t>9/10/2018</a:t>
             </a:fld>
             <a:endParaRPr lang="en-US"/>
           </a:p>
@@ -1816,7 +1817,7 @@
           <a:p>
             <a:fld id="{E992569B-202C-4FD8-B783-901FE4087DE5}" type="datetimeFigureOut">
               <a:rPr lang="en-US" smtClean="0"/>
-              <a:t>9/6/2018</a:t>
+              <a:t>9/10/2018</a:t>
             </a:fld>
             <a:endParaRPr lang="en-US"/>
           </a:p>
@@ -1957,7 +1958,7 @@
           <a:p>
             <a:fld id="{E992569B-202C-4FD8-B783-901FE4087DE5}" type="datetimeFigureOut">
               <a:rPr lang="en-US" smtClean="0"/>
-              <a:t>9/6/2018</a:t>
+              <a:t>9/10/2018</a:t>
             </a:fld>
             <a:endParaRPr lang="en-US"/>
           </a:p>
@@ -2070,7 +2071,7 @@
           <a:p>
             <a:fld id="{E992569B-202C-4FD8-B783-901FE4087DE5}" type="datetimeFigureOut">
               <a:rPr lang="en-US" smtClean="0"/>
-              <a:t>9/6/2018</a:t>
+              <a:t>9/10/2018</a:t>
             </a:fld>
             <a:endParaRPr lang="en-US"/>
           </a:p>
@@ -2381,7 +2382,7 @@
           <a:p>
             <a:fld id="{E992569B-202C-4FD8-B783-901FE4087DE5}" type="datetimeFigureOut">
               <a:rPr lang="en-US" smtClean="0"/>
-              <a:t>9/6/2018</a:t>
+              <a:t>9/10/2018</a:t>
             </a:fld>
             <a:endParaRPr lang="en-US"/>
           </a:p>
@@ -2669,7 +2670,7 @@
           <a:p>
             <a:fld id="{E992569B-202C-4FD8-B783-901FE4087DE5}" type="datetimeFigureOut">
               <a:rPr lang="en-US" smtClean="0"/>
-              <a:t>9/6/2018</a:t>
+              <a:t>9/10/2018</a:t>
             </a:fld>
             <a:endParaRPr lang="en-US"/>
           </a:p>
@@ -2910,7 +2911,7 @@
           <a:p>
             <a:fld id="{E992569B-202C-4FD8-B783-901FE4087DE5}" type="datetimeFigureOut">
               <a:rPr lang="en-US" smtClean="0"/>
-              <a:t>9/6/2018</a:t>
+              <a:t>9/10/2018</a:t>
             </a:fld>
             <a:endParaRPr lang="en-US"/>
           </a:p>
@@ -16066,7 +16067,9 @@
             </a:srgbClr>
           </a:solidFill>
           <a:ln w="12700">
-            <a:noFill/>
+            <a:solidFill>
+              <a:schemeClr val="tx1"/>
+            </a:solidFill>
           </a:ln>
         </p:spPr>
         <p:style>
@@ -16118,7 +16121,9 @@
             </a:srgbClr>
           </a:solidFill>
           <a:ln w="12700">
-            <a:noFill/>
+            <a:solidFill>
+              <a:schemeClr val="tx1"/>
+            </a:solidFill>
           </a:ln>
         </p:spPr>
         <p:style>
@@ -16170,7 +16175,9 @@
             </a:srgbClr>
           </a:solidFill>
           <a:ln w="12700">
-            <a:noFill/>
+            <a:solidFill>
+              <a:schemeClr val="tx1"/>
+            </a:solidFill>
           </a:ln>
         </p:spPr>
         <p:style>
@@ -16222,7 +16229,9 @@
             </a:srgbClr>
           </a:solidFill>
           <a:ln w="12700">
-            <a:noFill/>
+            <a:solidFill>
+              <a:schemeClr val="tx1"/>
+            </a:solidFill>
           </a:ln>
         </p:spPr>
         <p:style>
@@ -16274,7 +16283,9 @@
             </a:srgbClr>
           </a:solidFill>
           <a:ln w="12700">
-            <a:noFill/>
+            <a:solidFill>
+              <a:schemeClr val="tx1"/>
+            </a:solidFill>
           </a:ln>
         </p:spPr>
         <p:style>
@@ -16326,7 +16337,9 @@
             </a:srgbClr>
           </a:solidFill>
           <a:ln w="12700">
-            <a:noFill/>
+            <a:solidFill>
+              <a:schemeClr val="tx1"/>
+            </a:solidFill>
           </a:ln>
         </p:spPr>
         <p:style>
@@ -16356,6 +16369,6998 @@
     <p:extLst>
       <p:ext uri="{BB962C8B-B14F-4D97-AF65-F5344CB8AC3E}">
         <p14:creationId xmlns:p14="http://schemas.microsoft.com/office/powerpoint/2010/main" val="2233365710"/>
+      </p:ext>
+    </p:extLst>
+  </p:cSld>
+  <p:clrMapOvr>
+    <a:masterClrMapping/>
+  </p:clrMapOvr>
+</p:sld>
+</file>
+
+<file path=ppt/slides/slide3.xml><?xml version="1.0" encoding="utf-8"?>
+<p:sld xmlns:a="http://schemas.openxmlformats.org/drawingml/2006/main" xmlns:r="http://schemas.openxmlformats.org/officeDocument/2006/relationships" xmlns:p="http://schemas.openxmlformats.org/presentationml/2006/main">
+  <p:cSld>
+    <p:spTree>
+      <p:nvGrpSpPr>
+        <p:cNvPr id="1" name=""/>
+        <p:cNvGrpSpPr/>
+        <p:nvPr/>
+      </p:nvGrpSpPr>
+      <p:grpSpPr>
+        <a:xfrm>
+          <a:off x="0" y="0"/>
+          <a:ext cx="0" cy="0"/>
+          <a:chOff x="0" y="0"/>
+          <a:chExt cx="0" cy="0"/>
+        </a:xfrm>
+      </p:grpSpPr>
+      <p:sp>
+        <p:nvSpPr>
+          <p:cNvPr id="191" name="Rectangle: Rounded Corners 190">
+            <a:extLst>
+              <a:ext uri="{FF2B5EF4-FFF2-40B4-BE49-F238E27FC236}">
+                <a16:creationId xmlns:a16="http://schemas.microsoft.com/office/drawing/2014/main" id="{A963162F-874B-45D1-B033-BE1787A38CAC}"/>
+              </a:ext>
+            </a:extLst>
+          </p:cNvPr>
+          <p:cNvSpPr/>
+          <p:nvPr/>
+        </p:nvSpPr>
+        <p:spPr>
+          <a:xfrm>
+            <a:off x="8162285" y="2502560"/>
+            <a:ext cx="372795" cy="246221"/>
+          </a:xfrm>
+          <a:prstGeom prst="roundRect">
+            <a:avLst/>
+          </a:prstGeom>
+        </p:spPr>
+        <p:style>
+          <a:lnRef idx="2">
+            <a:schemeClr val="dk1">
+              <a:shade val="50000"/>
+            </a:schemeClr>
+          </a:lnRef>
+          <a:fillRef idx="1">
+            <a:schemeClr val="dk1"/>
+          </a:fillRef>
+          <a:effectRef idx="0">
+            <a:schemeClr val="dk1"/>
+          </a:effectRef>
+          <a:fontRef idx="minor">
+            <a:schemeClr val="lt1"/>
+          </a:fontRef>
+        </p:style>
+        <p:txBody>
+          <a:bodyPr rtlCol="0" anchor="ctr"/>
+          <a:lstStyle/>
+          <a:p>
+            <a:pPr algn="ctr"/>
+            <a:r>
+              <a:rPr lang="en-US" sz="1200" dirty="0"/>
+              <a:t>R</a:t>
+            </a:r>
+            <a:r>
+              <a:rPr lang="en-US" sz="1200" baseline="-25000" dirty="0"/>
+              <a:t>0</a:t>
+            </a:r>
+          </a:p>
+        </p:txBody>
+      </p:sp>
+      <p:sp>
+        <p:nvSpPr>
+          <p:cNvPr id="4" name="Rectangle: Rounded Corners 3">
+            <a:extLst>
+              <a:ext uri="{FF2B5EF4-FFF2-40B4-BE49-F238E27FC236}">
+                <a16:creationId xmlns:a16="http://schemas.microsoft.com/office/drawing/2014/main" id="{4F26E44C-E0E7-45BF-B15E-343D91851A52}"/>
+              </a:ext>
+            </a:extLst>
+          </p:cNvPr>
+          <p:cNvSpPr/>
+          <p:nvPr/>
+        </p:nvSpPr>
+        <p:spPr>
+          <a:xfrm>
+            <a:off x="363255" y="713984"/>
+            <a:ext cx="1132848" cy="752258"/>
+          </a:xfrm>
+          <a:prstGeom prst="roundRect">
+            <a:avLst/>
+          </a:prstGeom>
+        </p:spPr>
+        <p:style>
+          <a:lnRef idx="2">
+            <a:schemeClr val="accent1">
+              <a:shade val="50000"/>
+            </a:schemeClr>
+          </a:lnRef>
+          <a:fillRef idx="1">
+            <a:schemeClr val="accent1"/>
+          </a:fillRef>
+          <a:effectRef idx="0">
+            <a:schemeClr val="accent1"/>
+          </a:effectRef>
+          <a:fontRef idx="minor">
+            <a:schemeClr val="lt1"/>
+          </a:fontRef>
+        </p:style>
+        <p:txBody>
+          <a:bodyPr rtlCol="0" anchor="ctr"/>
+          <a:lstStyle/>
+          <a:p>
+            <a:pPr algn="ctr"/>
+            <a:r>
+              <a:rPr lang="en-US" sz="1200" dirty="0"/>
+              <a:t>Mask</a:t>
+            </a:r>
+          </a:p>
+          <a:p>
+            <a:pPr algn="ctr"/>
+            <a:r>
+              <a:rPr lang="en-US" sz="1200" dirty="0"/>
+              <a:t>(binary volume)</a:t>
+            </a:r>
+          </a:p>
+        </p:txBody>
+      </p:sp>
+      <p:sp>
+        <p:nvSpPr>
+          <p:cNvPr id="5" name="Rectangle: Rounded Corners 4">
+            <a:extLst>
+              <a:ext uri="{FF2B5EF4-FFF2-40B4-BE49-F238E27FC236}">
+                <a16:creationId xmlns:a16="http://schemas.microsoft.com/office/drawing/2014/main" id="{FD00E89F-EC35-4972-835C-A5F59452C206}"/>
+              </a:ext>
+            </a:extLst>
+          </p:cNvPr>
+          <p:cNvSpPr/>
+          <p:nvPr/>
+        </p:nvSpPr>
+        <p:spPr>
+          <a:xfrm>
+            <a:off x="363255" y="1724926"/>
+            <a:ext cx="1132848" cy="410324"/>
+          </a:xfrm>
+          <a:prstGeom prst="roundRect">
+            <a:avLst/>
+          </a:prstGeom>
+        </p:spPr>
+        <p:style>
+          <a:lnRef idx="2">
+            <a:schemeClr val="accent2">
+              <a:shade val="50000"/>
+            </a:schemeClr>
+          </a:lnRef>
+          <a:fillRef idx="1">
+            <a:schemeClr val="accent2"/>
+          </a:fillRef>
+          <a:effectRef idx="0">
+            <a:schemeClr val="accent2"/>
+          </a:effectRef>
+          <a:fontRef idx="minor">
+            <a:schemeClr val="lt1"/>
+          </a:fontRef>
+        </p:style>
+        <p:txBody>
+          <a:bodyPr rtlCol="0" anchor="ctr"/>
+          <a:lstStyle/>
+          <a:p>
+            <a:pPr algn="ctr"/>
+            <a:r>
+              <a:rPr lang="en-US" sz="1200" dirty="0"/>
+              <a:t>d</a:t>
+            </a:r>
+            <a:r>
+              <a:rPr lang="en-US" sz="1200" baseline="-25000" dirty="0"/>
+              <a:t>0</a:t>
+            </a:r>
+            <a:r>
+              <a:rPr lang="en-US" sz="1200" dirty="0"/>
+              <a:t>, d</a:t>
+            </a:r>
+            <a:r>
+              <a:rPr lang="en-US" sz="1200" baseline="-25000" dirty="0"/>
+              <a:t>1</a:t>
+            </a:r>
+            <a:r>
+              <a:rPr lang="en-US" sz="1200" dirty="0"/>
+              <a:t> </a:t>
+            </a:r>
+          </a:p>
+        </p:txBody>
+      </p:sp>
+      <p:sp>
+        <p:nvSpPr>
+          <p:cNvPr id="6" name="Rectangle: Rounded Corners 5">
+            <a:extLst>
+              <a:ext uri="{FF2B5EF4-FFF2-40B4-BE49-F238E27FC236}">
+                <a16:creationId xmlns:a16="http://schemas.microsoft.com/office/drawing/2014/main" id="{3EBD0FA9-47B0-48FC-A1EF-CADB983E478C}"/>
+              </a:ext>
+            </a:extLst>
+          </p:cNvPr>
+          <p:cNvSpPr/>
+          <p:nvPr/>
+        </p:nvSpPr>
+        <p:spPr>
+          <a:xfrm>
+            <a:off x="1845472" y="1466242"/>
+            <a:ext cx="1132848" cy="410324"/>
+          </a:xfrm>
+          <a:prstGeom prst="roundRect">
+            <a:avLst/>
+          </a:prstGeom>
+        </p:spPr>
+        <p:style>
+          <a:lnRef idx="2">
+            <a:schemeClr val="accent1">
+              <a:shade val="50000"/>
+            </a:schemeClr>
+          </a:lnRef>
+          <a:fillRef idx="1">
+            <a:schemeClr val="accent1"/>
+          </a:fillRef>
+          <a:effectRef idx="0">
+            <a:schemeClr val="accent1"/>
+          </a:effectRef>
+          <a:fontRef idx="minor">
+            <a:schemeClr val="lt1"/>
+          </a:fontRef>
+        </p:style>
+        <p:txBody>
+          <a:bodyPr rtlCol="0" anchor="ctr"/>
+          <a:lstStyle/>
+          <a:p>
+            <a:pPr algn="ctr"/>
+            <a:r>
+              <a:rPr lang="en-US" sz="1200" b="1" dirty="0"/>
+              <a:t>D</a:t>
+            </a:r>
+            <a:r>
+              <a:rPr lang="en-US" sz="1200" b="1" baseline="-25000" dirty="0"/>
+              <a:t>0</a:t>
+            </a:r>
+            <a:r>
+              <a:rPr lang="en-US" sz="1200" b="1" dirty="0"/>
+              <a:t> </a:t>
+            </a:r>
+          </a:p>
+        </p:txBody>
+      </p:sp>
+      <p:cxnSp>
+        <p:nvCxnSpPr>
+          <p:cNvPr id="8" name="Connector: Elbow 7">
+            <a:extLst>
+              <a:ext uri="{FF2B5EF4-FFF2-40B4-BE49-F238E27FC236}">
+                <a16:creationId xmlns:a16="http://schemas.microsoft.com/office/drawing/2014/main" id="{62999E69-E1E2-4DC9-A519-7AB37ED9FFB4}"/>
+              </a:ext>
+            </a:extLst>
+          </p:cNvPr>
+          <p:cNvCxnSpPr>
+            <a:cxnSpLocks/>
+            <a:stCxn id="4" idx="3"/>
+            <a:endCxn id="6" idx="1"/>
+          </p:cNvCxnSpPr>
+          <p:nvPr/>
+        </p:nvCxnSpPr>
+        <p:spPr>
+          <a:xfrm>
+            <a:off x="1496103" y="1090114"/>
+            <a:ext cx="349369" cy="581291"/>
+          </a:xfrm>
+          <a:prstGeom prst="bentConnector3">
+            <a:avLst/>
+          </a:prstGeom>
+          <a:ln>
+            <a:tailEnd type="triangle"/>
+          </a:ln>
+        </p:spPr>
+        <p:style>
+          <a:lnRef idx="1">
+            <a:schemeClr val="accent1"/>
+          </a:lnRef>
+          <a:fillRef idx="0">
+            <a:schemeClr val="accent1"/>
+          </a:fillRef>
+          <a:effectRef idx="0">
+            <a:schemeClr val="accent1"/>
+          </a:effectRef>
+          <a:fontRef idx="minor">
+            <a:schemeClr val="tx1"/>
+          </a:fontRef>
+        </p:style>
+      </p:cxnSp>
+      <p:cxnSp>
+        <p:nvCxnSpPr>
+          <p:cNvPr id="10" name="Connector: Elbow 9">
+            <a:extLst>
+              <a:ext uri="{FF2B5EF4-FFF2-40B4-BE49-F238E27FC236}">
+                <a16:creationId xmlns:a16="http://schemas.microsoft.com/office/drawing/2014/main" id="{898399BF-9F0D-462F-A2D9-CAD2990C455A}"/>
+              </a:ext>
+            </a:extLst>
+          </p:cNvPr>
+          <p:cNvCxnSpPr>
+            <a:stCxn id="5" idx="3"/>
+            <a:endCxn id="6" idx="1"/>
+          </p:cNvCxnSpPr>
+          <p:nvPr/>
+        </p:nvCxnSpPr>
+        <p:spPr>
+          <a:xfrm flipV="1">
+            <a:off x="1496103" y="1671404"/>
+            <a:ext cx="349369" cy="258684"/>
+          </a:xfrm>
+          <a:prstGeom prst="bentConnector3">
+            <a:avLst/>
+          </a:prstGeom>
+          <a:ln>
+            <a:tailEnd type="triangle"/>
+          </a:ln>
+        </p:spPr>
+        <p:style>
+          <a:lnRef idx="1">
+            <a:schemeClr val="accent1"/>
+          </a:lnRef>
+          <a:fillRef idx="0">
+            <a:schemeClr val="accent1"/>
+          </a:fillRef>
+          <a:effectRef idx="0">
+            <a:schemeClr val="accent1"/>
+          </a:effectRef>
+          <a:fontRef idx="minor">
+            <a:schemeClr val="tx1"/>
+          </a:fontRef>
+        </p:style>
+      </p:cxnSp>
+      <p:cxnSp>
+        <p:nvCxnSpPr>
+          <p:cNvPr id="12" name="Straight Arrow Connector 11">
+            <a:extLst>
+              <a:ext uri="{FF2B5EF4-FFF2-40B4-BE49-F238E27FC236}">
+                <a16:creationId xmlns:a16="http://schemas.microsoft.com/office/drawing/2014/main" id="{C7D7EBE2-BDB7-4732-A70F-2406BCDE129A}"/>
+              </a:ext>
+            </a:extLst>
+          </p:cNvPr>
+          <p:cNvCxnSpPr>
+            <a:cxnSpLocks/>
+            <a:stCxn id="6" idx="2"/>
+            <a:endCxn id="23" idx="0"/>
+          </p:cNvCxnSpPr>
+          <p:nvPr/>
+        </p:nvCxnSpPr>
+        <p:spPr>
+          <a:xfrm flipH="1">
+            <a:off x="2411896" y="1876566"/>
+            <a:ext cx="1" cy="565680"/>
+          </a:xfrm>
+          <a:prstGeom prst="straightConnector1">
+            <a:avLst/>
+          </a:prstGeom>
+          <a:ln>
+            <a:tailEnd type="triangle"/>
+          </a:ln>
+        </p:spPr>
+        <p:style>
+          <a:lnRef idx="1">
+            <a:schemeClr val="accent1"/>
+          </a:lnRef>
+          <a:fillRef idx="0">
+            <a:schemeClr val="accent1"/>
+          </a:fillRef>
+          <a:effectRef idx="0">
+            <a:schemeClr val="accent1"/>
+          </a:effectRef>
+          <a:fontRef idx="minor">
+            <a:schemeClr val="tx1"/>
+          </a:fontRef>
+        </p:style>
+      </p:cxnSp>
+      <p:sp>
+        <p:nvSpPr>
+          <p:cNvPr id="13" name="Flowchart: Multidocument 12">
+            <a:extLst>
+              <a:ext uri="{FF2B5EF4-FFF2-40B4-BE49-F238E27FC236}">
+                <a16:creationId xmlns:a16="http://schemas.microsoft.com/office/drawing/2014/main" id="{73A90683-14BE-4DB3-A063-CF3340E0BF25}"/>
+              </a:ext>
+            </a:extLst>
+          </p:cNvPr>
+          <p:cNvSpPr/>
+          <p:nvPr/>
+        </p:nvSpPr>
+        <p:spPr>
+          <a:xfrm>
+            <a:off x="1254046" y="3228824"/>
+            <a:ext cx="842948" cy="981207"/>
+          </a:xfrm>
+          <a:prstGeom prst="flowChartMultidocument">
+            <a:avLst/>
+          </a:prstGeom>
+        </p:spPr>
+        <p:style>
+          <a:lnRef idx="2">
+            <a:schemeClr val="accent1">
+              <a:shade val="50000"/>
+            </a:schemeClr>
+          </a:lnRef>
+          <a:fillRef idx="1">
+            <a:schemeClr val="accent1"/>
+          </a:fillRef>
+          <a:effectRef idx="0">
+            <a:schemeClr val="accent1"/>
+          </a:effectRef>
+          <a:fontRef idx="minor">
+            <a:schemeClr val="lt1"/>
+          </a:fontRef>
+        </p:style>
+        <p:txBody>
+          <a:bodyPr rtlCol="0" anchor="ctr"/>
+          <a:lstStyle/>
+          <a:p>
+            <a:pPr algn="ctr"/>
+            <a:r>
+              <a:rPr lang="en-US" sz="1200" b="1" dirty="0"/>
+              <a:t>D</a:t>
+            </a:r>
+            <a:r>
+              <a:rPr lang="en-US" sz="1200" b="1" baseline="-25000" dirty="0"/>
+              <a:t>i</a:t>
+            </a:r>
+          </a:p>
+        </p:txBody>
+      </p:sp>
+      <p:sp>
+        <p:nvSpPr>
+          <p:cNvPr id="23" name="Rectangle 22">
+            <a:extLst>
+              <a:ext uri="{FF2B5EF4-FFF2-40B4-BE49-F238E27FC236}">
+                <a16:creationId xmlns:a16="http://schemas.microsoft.com/office/drawing/2014/main" id="{EA576366-06CD-485F-8654-A30FC26B8402}"/>
+              </a:ext>
+            </a:extLst>
+          </p:cNvPr>
+          <p:cNvSpPr/>
+          <p:nvPr/>
+        </p:nvSpPr>
+        <p:spPr>
+          <a:xfrm>
+            <a:off x="1947492" y="2442246"/>
+            <a:ext cx="928807" cy="410324"/>
+          </a:xfrm>
+          <a:prstGeom prst="rect">
+            <a:avLst/>
+          </a:prstGeom>
+        </p:spPr>
+        <p:style>
+          <a:lnRef idx="2">
+            <a:schemeClr val="dk1">
+              <a:shade val="50000"/>
+            </a:schemeClr>
+          </a:lnRef>
+          <a:fillRef idx="1">
+            <a:schemeClr val="dk1"/>
+          </a:fillRef>
+          <a:effectRef idx="0">
+            <a:schemeClr val="dk1"/>
+          </a:effectRef>
+          <a:fontRef idx="minor">
+            <a:schemeClr val="lt1"/>
+          </a:fontRef>
+        </p:style>
+        <p:txBody>
+          <a:bodyPr rtlCol="0" anchor="ctr"/>
+          <a:lstStyle/>
+          <a:p>
+            <a:pPr algn="ctr"/>
+            <a:r>
+              <a:rPr lang="en-US" sz="1200" dirty="0"/>
+              <a:t>Restrict</a:t>
+            </a:r>
+            <a:br>
+              <a:rPr lang="en-US" sz="1200" dirty="0"/>
+            </a:br>
+            <a:r>
+              <a:rPr lang="en-US" sz="1200" dirty="0"/>
+              <a:t>(8 &gt; 1)</a:t>
+            </a:r>
+          </a:p>
+        </p:txBody>
+      </p:sp>
+      <p:cxnSp>
+        <p:nvCxnSpPr>
+          <p:cNvPr id="25" name="Straight Arrow Connector 24">
+            <a:extLst>
+              <a:ext uri="{FF2B5EF4-FFF2-40B4-BE49-F238E27FC236}">
+                <a16:creationId xmlns:a16="http://schemas.microsoft.com/office/drawing/2014/main" id="{2972B27A-457D-43E4-A757-18D8D33B6D24}"/>
+              </a:ext>
+            </a:extLst>
+          </p:cNvPr>
+          <p:cNvCxnSpPr>
+            <a:cxnSpLocks/>
+            <a:stCxn id="23" idx="2"/>
+            <a:endCxn id="13" idx="0"/>
+          </p:cNvCxnSpPr>
+          <p:nvPr/>
+        </p:nvCxnSpPr>
+        <p:spPr>
+          <a:xfrm flipH="1">
+            <a:off x="1733512" y="2852570"/>
+            <a:ext cx="678384" cy="376254"/>
+          </a:xfrm>
+          <a:prstGeom prst="straightConnector1">
+            <a:avLst/>
+          </a:prstGeom>
+          <a:ln>
+            <a:tailEnd type="triangle"/>
+          </a:ln>
+        </p:spPr>
+        <p:style>
+          <a:lnRef idx="1">
+            <a:schemeClr val="accent1"/>
+          </a:lnRef>
+          <a:fillRef idx="0">
+            <a:schemeClr val="accent1"/>
+          </a:fillRef>
+          <a:effectRef idx="0">
+            <a:schemeClr val="accent1"/>
+          </a:effectRef>
+          <a:fontRef idx="minor">
+            <a:schemeClr val="tx1"/>
+          </a:fontRef>
+        </p:style>
+      </p:cxnSp>
+      <p:cxnSp>
+        <p:nvCxnSpPr>
+          <p:cNvPr id="30" name="Straight Arrow Connector 29">
+            <a:extLst>
+              <a:ext uri="{FF2B5EF4-FFF2-40B4-BE49-F238E27FC236}">
+                <a16:creationId xmlns:a16="http://schemas.microsoft.com/office/drawing/2014/main" id="{9AE6B5CA-280E-46F5-AB80-9DEBCA99A7E1}"/>
+              </a:ext>
+            </a:extLst>
+          </p:cNvPr>
+          <p:cNvCxnSpPr>
+            <a:cxnSpLocks/>
+            <a:stCxn id="6" idx="3"/>
+            <a:endCxn id="33" idx="1"/>
+          </p:cNvCxnSpPr>
+          <p:nvPr/>
+        </p:nvCxnSpPr>
+        <p:spPr>
+          <a:xfrm flipV="1">
+            <a:off x="2978320" y="1660475"/>
+            <a:ext cx="440419" cy="10929"/>
+          </a:xfrm>
+          <a:prstGeom prst="straightConnector1">
+            <a:avLst/>
+          </a:prstGeom>
+          <a:ln>
+            <a:tailEnd type="triangle"/>
+          </a:ln>
+        </p:spPr>
+        <p:style>
+          <a:lnRef idx="1">
+            <a:schemeClr val="accent1"/>
+          </a:lnRef>
+          <a:fillRef idx="0">
+            <a:schemeClr val="accent1"/>
+          </a:fillRef>
+          <a:effectRef idx="0">
+            <a:schemeClr val="accent1"/>
+          </a:effectRef>
+          <a:fontRef idx="minor">
+            <a:schemeClr val="tx1"/>
+          </a:fontRef>
+        </p:style>
+      </p:cxnSp>
+      <p:sp>
+        <p:nvSpPr>
+          <p:cNvPr id="33" name="Rectangle 32">
+            <a:extLst>
+              <a:ext uri="{FF2B5EF4-FFF2-40B4-BE49-F238E27FC236}">
+                <a16:creationId xmlns:a16="http://schemas.microsoft.com/office/drawing/2014/main" id="{E776F167-36E5-4456-A159-06B6CACF444F}"/>
+              </a:ext>
+            </a:extLst>
+          </p:cNvPr>
+          <p:cNvSpPr/>
+          <p:nvPr/>
+        </p:nvSpPr>
+        <p:spPr>
+          <a:xfrm>
+            <a:off x="3418739" y="1455313"/>
+            <a:ext cx="928807" cy="410324"/>
+          </a:xfrm>
+          <a:prstGeom prst="rect">
+            <a:avLst/>
+          </a:prstGeom>
+        </p:spPr>
+        <p:style>
+          <a:lnRef idx="2">
+            <a:schemeClr val="dk1">
+              <a:shade val="50000"/>
+            </a:schemeClr>
+          </a:lnRef>
+          <a:fillRef idx="1">
+            <a:schemeClr val="dk1"/>
+          </a:fillRef>
+          <a:effectRef idx="0">
+            <a:schemeClr val="dk1"/>
+          </a:effectRef>
+          <a:fontRef idx="minor">
+            <a:schemeClr val="lt1"/>
+          </a:fontRef>
+        </p:style>
+        <p:txBody>
+          <a:bodyPr rtlCol="0" anchor="ctr"/>
+          <a:lstStyle/>
+          <a:p>
+            <a:pPr algn="ctr"/>
+            <a:r>
+              <a:rPr lang="en-US" sz="1200" dirty="0"/>
+              <a:t>Build lin. sys</a:t>
+            </a:r>
+          </a:p>
+        </p:txBody>
+      </p:sp>
+      <p:sp>
+        <p:nvSpPr>
+          <p:cNvPr id="34" name="TextBox 33">
+            <a:extLst>
+              <a:ext uri="{FF2B5EF4-FFF2-40B4-BE49-F238E27FC236}">
+                <a16:creationId xmlns:a16="http://schemas.microsoft.com/office/drawing/2014/main" id="{63AF719C-E18E-4903-A6BF-DA7CD80E7123}"/>
+              </a:ext>
+            </a:extLst>
+          </p:cNvPr>
+          <p:cNvSpPr txBox="1"/>
+          <p:nvPr/>
+        </p:nvSpPr>
+        <p:spPr>
+          <a:xfrm>
+            <a:off x="4816619" y="2328600"/>
+            <a:ext cx="538296" cy="246221"/>
+          </a:xfrm>
+          <a:prstGeom prst="rect">
+            <a:avLst/>
+          </a:prstGeom>
+          <a:noFill/>
+        </p:spPr>
+        <p:txBody>
+          <a:bodyPr wrap="square" rtlCol="0">
+            <a:spAutoFit/>
+          </a:bodyPr>
+          <a:lstStyle/>
+          <a:p>
+            <a:r>
+              <a:rPr lang="en-US" sz="1000" dirty="0"/>
+              <a:t>R*A*I</a:t>
+            </a:r>
+          </a:p>
+        </p:txBody>
+      </p:sp>
+      <p:sp>
+        <p:nvSpPr>
+          <p:cNvPr id="35" name="Rectangle: Rounded Corners 34">
+            <a:extLst>
+              <a:ext uri="{FF2B5EF4-FFF2-40B4-BE49-F238E27FC236}">
+                <a16:creationId xmlns:a16="http://schemas.microsoft.com/office/drawing/2014/main" id="{9ABA23EF-7A7F-4D2A-8A71-DEB1228DAF75}"/>
+              </a:ext>
+            </a:extLst>
+          </p:cNvPr>
+          <p:cNvSpPr/>
+          <p:nvPr/>
+        </p:nvSpPr>
+        <p:spPr>
+          <a:xfrm>
+            <a:off x="4851575" y="1465318"/>
+            <a:ext cx="1132848" cy="410324"/>
+          </a:xfrm>
+          <a:prstGeom prst="roundRect">
+            <a:avLst/>
+          </a:prstGeom>
+        </p:spPr>
+        <p:style>
+          <a:lnRef idx="2">
+            <a:schemeClr val="accent6">
+              <a:shade val="50000"/>
+            </a:schemeClr>
+          </a:lnRef>
+          <a:fillRef idx="1">
+            <a:schemeClr val="accent6"/>
+          </a:fillRef>
+          <a:effectRef idx="0">
+            <a:schemeClr val="accent6"/>
+          </a:effectRef>
+          <a:fontRef idx="minor">
+            <a:schemeClr val="lt1"/>
+          </a:fontRef>
+        </p:style>
+        <p:txBody>
+          <a:bodyPr rtlCol="0" anchor="ctr"/>
+          <a:lstStyle/>
+          <a:p>
+            <a:pPr algn="ctr"/>
+            <a:r>
+              <a:rPr lang="en-US" sz="1200" b="1" dirty="0"/>
+              <a:t>A</a:t>
+            </a:r>
+            <a:r>
+              <a:rPr lang="en-US" sz="1200" b="1" baseline="-25000" dirty="0"/>
+              <a:t>0</a:t>
+            </a:r>
+          </a:p>
+        </p:txBody>
+      </p:sp>
+      <p:cxnSp>
+        <p:nvCxnSpPr>
+          <p:cNvPr id="36" name="Straight Arrow Connector 35">
+            <a:extLst>
+              <a:ext uri="{FF2B5EF4-FFF2-40B4-BE49-F238E27FC236}">
+                <a16:creationId xmlns:a16="http://schemas.microsoft.com/office/drawing/2014/main" id="{9D6C55F8-6A4C-499B-AD1B-152EFE8D6DB8}"/>
+              </a:ext>
+            </a:extLst>
+          </p:cNvPr>
+          <p:cNvCxnSpPr>
+            <a:cxnSpLocks/>
+            <a:stCxn id="33" idx="3"/>
+            <a:endCxn id="35" idx="1"/>
+          </p:cNvCxnSpPr>
+          <p:nvPr/>
+        </p:nvCxnSpPr>
+        <p:spPr>
+          <a:xfrm>
+            <a:off x="4347546" y="1660475"/>
+            <a:ext cx="504029" cy="10005"/>
+          </a:xfrm>
+          <a:prstGeom prst="straightConnector1">
+            <a:avLst/>
+          </a:prstGeom>
+          <a:ln>
+            <a:tailEnd type="triangle"/>
+          </a:ln>
+        </p:spPr>
+        <p:style>
+          <a:lnRef idx="1">
+            <a:schemeClr val="accent1"/>
+          </a:lnRef>
+          <a:fillRef idx="0">
+            <a:schemeClr val="accent1"/>
+          </a:fillRef>
+          <a:effectRef idx="0">
+            <a:schemeClr val="accent1"/>
+          </a:effectRef>
+          <a:fontRef idx="minor">
+            <a:schemeClr val="tx1"/>
+          </a:fontRef>
+        </p:style>
+      </p:cxnSp>
+      <p:cxnSp>
+        <p:nvCxnSpPr>
+          <p:cNvPr id="46" name="Straight Arrow Connector 45">
+            <a:extLst>
+              <a:ext uri="{FF2B5EF4-FFF2-40B4-BE49-F238E27FC236}">
+                <a16:creationId xmlns:a16="http://schemas.microsoft.com/office/drawing/2014/main" id="{35D15772-904C-4AC7-A2E8-4A285DDF2C73}"/>
+              </a:ext>
+            </a:extLst>
+          </p:cNvPr>
+          <p:cNvCxnSpPr>
+            <a:cxnSpLocks/>
+            <a:stCxn id="13" idx="3"/>
+            <a:endCxn id="14" idx="1"/>
+          </p:cNvCxnSpPr>
+          <p:nvPr/>
+        </p:nvCxnSpPr>
+        <p:spPr>
+          <a:xfrm flipV="1">
+            <a:off x="2096994" y="3186913"/>
+            <a:ext cx="527139" cy="532515"/>
+          </a:xfrm>
+          <a:prstGeom prst="straightConnector1">
+            <a:avLst/>
+          </a:prstGeom>
+          <a:ln>
+            <a:tailEnd type="triangle"/>
+          </a:ln>
+        </p:spPr>
+        <p:style>
+          <a:lnRef idx="1">
+            <a:schemeClr val="accent1"/>
+          </a:lnRef>
+          <a:fillRef idx="0">
+            <a:schemeClr val="accent1"/>
+          </a:fillRef>
+          <a:effectRef idx="0">
+            <a:schemeClr val="accent1"/>
+          </a:effectRef>
+          <a:fontRef idx="minor">
+            <a:schemeClr val="tx1"/>
+          </a:fontRef>
+        </p:style>
+      </p:cxnSp>
+      <p:cxnSp>
+        <p:nvCxnSpPr>
+          <p:cNvPr id="55" name="Straight Arrow Connector 54">
+            <a:extLst>
+              <a:ext uri="{FF2B5EF4-FFF2-40B4-BE49-F238E27FC236}">
+                <a16:creationId xmlns:a16="http://schemas.microsoft.com/office/drawing/2014/main" id="{0A19ACA1-B097-4027-AE41-2D8C8CDFC675}"/>
+              </a:ext>
+            </a:extLst>
+          </p:cNvPr>
+          <p:cNvCxnSpPr>
+            <a:cxnSpLocks/>
+            <a:stCxn id="35" idx="2"/>
+            <a:endCxn id="58" idx="0"/>
+          </p:cNvCxnSpPr>
+          <p:nvPr/>
+        </p:nvCxnSpPr>
+        <p:spPr>
+          <a:xfrm>
+            <a:off x="5417999" y="1875642"/>
+            <a:ext cx="6484" cy="650215"/>
+          </a:xfrm>
+          <a:prstGeom prst="straightConnector1">
+            <a:avLst/>
+          </a:prstGeom>
+          <a:ln>
+            <a:tailEnd type="triangle"/>
+          </a:ln>
+        </p:spPr>
+        <p:style>
+          <a:lnRef idx="1">
+            <a:schemeClr val="accent1"/>
+          </a:lnRef>
+          <a:fillRef idx="0">
+            <a:schemeClr val="accent1"/>
+          </a:fillRef>
+          <a:effectRef idx="0">
+            <a:schemeClr val="accent1"/>
+          </a:effectRef>
+          <a:fontRef idx="minor">
+            <a:schemeClr val="tx1"/>
+          </a:fontRef>
+        </p:style>
+      </p:cxnSp>
+      <p:sp>
+        <p:nvSpPr>
+          <p:cNvPr id="58" name="Rectangle 57">
+            <a:extLst>
+              <a:ext uri="{FF2B5EF4-FFF2-40B4-BE49-F238E27FC236}">
+                <a16:creationId xmlns:a16="http://schemas.microsoft.com/office/drawing/2014/main" id="{E295E94A-4CA8-4018-96E6-2CE7ED013755}"/>
+              </a:ext>
+            </a:extLst>
+          </p:cNvPr>
+          <p:cNvSpPr/>
+          <p:nvPr/>
+        </p:nvSpPr>
+        <p:spPr>
+          <a:xfrm>
+            <a:off x="4890512" y="2525857"/>
+            <a:ext cx="1067942" cy="410324"/>
+          </a:xfrm>
+          <a:prstGeom prst="rect">
+            <a:avLst/>
+          </a:prstGeom>
+        </p:spPr>
+        <p:style>
+          <a:lnRef idx="2">
+            <a:schemeClr val="dk1">
+              <a:shade val="50000"/>
+            </a:schemeClr>
+          </a:lnRef>
+          <a:fillRef idx="1">
+            <a:schemeClr val="dk1"/>
+          </a:fillRef>
+          <a:effectRef idx="0">
+            <a:schemeClr val="dk1"/>
+          </a:effectRef>
+          <a:fontRef idx="minor">
+            <a:schemeClr val="lt1"/>
+          </a:fontRef>
+        </p:style>
+        <p:txBody>
+          <a:bodyPr rtlCol="0" anchor="ctr"/>
+          <a:lstStyle/>
+          <a:p>
+            <a:pPr algn="ctr"/>
+            <a:r>
+              <a:rPr lang="en-US" sz="1000" dirty="0"/>
+              <a:t>Sparse x Sparse x Sparse Multiply</a:t>
+            </a:r>
+          </a:p>
+        </p:txBody>
+      </p:sp>
+      <p:sp>
+        <p:nvSpPr>
+          <p:cNvPr id="67" name="TextBox 66">
+            <a:extLst>
+              <a:ext uri="{FF2B5EF4-FFF2-40B4-BE49-F238E27FC236}">
+                <a16:creationId xmlns:a16="http://schemas.microsoft.com/office/drawing/2014/main" id="{518E2B91-5D23-489D-AE6A-03426A2EE471}"/>
+              </a:ext>
+            </a:extLst>
+          </p:cNvPr>
+          <p:cNvSpPr txBox="1"/>
+          <p:nvPr/>
+        </p:nvSpPr>
+        <p:spPr>
+          <a:xfrm>
+            <a:off x="1348634" y="1509075"/>
+            <a:ext cx="361693" cy="200055"/>
+          </a:xfrm>
+          <a:prstGeom prst="rect">
+            <a:avLst/>
+          </a:prstGeom>
+        </p:spPr>
+        <p:style>
+          <a:lnRef idx="2">
+            <a:schemeClr val="dk1">
+              <a:shade val="50000"/>
+            </a:schemeClr>
+          </a:lnRef>
+          <a:fillRef idx="1">
+            <a:schemeClr val="dk1"/>
+          </a:fillRef>
+          <a:effectRef idx="0">
+            <a:schemeClr val="dk1"/>
+          </a:effectRef>
+          <a:fontRef idx="minor">
+            <a:schemeClr val="lt1"/>
+          </a:fontRef>
+        </p:style>
+        <p:txBody>
+          <a:bodyPr wrap="square" rtlCol="0">
+            <a:spAutoFit/>
+          </a:bodyPr>
+          <a:lstStyle/>
+          <a:p>
+            <a:r>
+              <a:rPr lang="en-US" sz="700" dirty="0" err="1"/>
+              <a:t>mul</a:t>
+            </a:r>
+            <a:endParaRPr lang="en-US" sz="700" dirty="0"/>
+          </a:p>
+        </p:txBody>
+      </p:sp>
+      <p:sp>
+        <p:nvSpPr>
+          <p:cNvPr id="79" name="Flowchart: Multidocument 78">
+            <a:extLst>
+              <a:ext uri="{FF2B5EF4-FFF2-40B4-BE49-F238E27FC236}">
+                <a16:creationId xmlns:a16="http://schemas.microsoft.com/office/drawing/2014/main" id="{2A12F10A-BB11-4D68-94EA-DC05DEA32AF2}"/>
+              </a:ext>
+            </a:extLst>
+          </p:cNvPr>
+          <p:cNvSpPr/>
+          <p:nvPr/>
+        </p:nvSpPr>
+        <p:spPr>
+          <a:xfrm>
+            <a:off x="4851575" y="3487766"/>
+            <a:ext cx="1244426" cy="537729"/>
+          </a:xfrm>
+          <a:prstGeom prst="flowChartMultidocument">
+            <a:avLst/>
+          </a:prstGeom>
+        </p:spPr>
+        <p:style>
+          <a:lnRef idx="2">
+            <a:schemeClr val="accent6">
+              <a:shade val="50000"/>
+            </a:schemeClr>
+          </a:lnRef>
+          <a:fillRef idx="1">
+            <a:schemeClr val="accent6"/>
+          </a:fillRef>
+          <a:effectRef idx="0">
+            <a:schemeClr val="accent6"/>
+          </a:effectRef>
+          <a:fontRef idx="minor">
+            <a:schemeClr val="lt1"/>
+          </a:fontRef>
+        </p:style>
+        <p:txBody>
+          <a:bodyPr rtlCol="0" anchor="ctr"/>
+          <a:lstStyle/>
+          <a:p>
+            <a:pPr algn="ctr"/>
+            <a:r>
+              <a:rPr lang="en-US" sz="1200" b="1" dirty="0"/>
+              <a:t>A</a:t>
+            </a:r>
+            <a:r>
+              <a:rPr lang="en-US" sz="1200" b="1" baseline="-25000" dirty="0"/>
+              <a:t>i</a:t>
+            </a:r>
+          </a:p>
+        </p:txBody>
+      </p:sp>
+      <p:cxnSp>
+        <p:nvCxnSpPr>
+          <p:cNvPr id="80" name="Straight Arrow Connector 79">
+            <a:extLst>
+              <a:ext uri="{FF2B5EF4-FFF2-40B4-BE49-F238E27FC236}">
+                <a16:creationId xmlns:a16="http://schemas.microsoft.com/office/drawing/2014/main" id="{333EF35F-AA71-4BD8-A07C-75F34DB27880}"/>
+              </a:ext>
+            </a:extLst>
+          </p:cNvPr>
+          <p:cNvCxnSpPr>
+            <a:cxnSpLocks/>
+            <a:stCxn id="58" idx="2"/>
+            <a:endCxn id="79" idx="0"/>
+          </p:cNvCxnSpPr>
+          <p:nvPr/>
+        </p:nvCxnSpPr>
+        <p:spPr>
+          <a:xfrm>
+            <a:off x="5424483" y="2936181"/>
+            <a:ext cx="134917" cy="551585"/>
+          </a:xfrm>
+          <a:prstGeom prst="straightConnector1">
+            <a:avLst/>
+          </a:prstGeom>
+          <a:ln>
+            <a:tailEnd type="triangle"/>
+          </a:ln>
+        </p:spPr>
+        <p:style>
+          <a:lnRef idx="1">
+            <a:schemeClr val="accent1"/>
+          </a:lnRef>
+          <a:fillRef idx="0">
+            <a:schemeClr val="accent1"/>
+          </a:fillRef>
+          <a:effectRef idx="0">
+            <a:schemeClr val="accent1"/>
+          </a:effectRef>
+          <a:fontRef idx="minor">
+            <a:schemeClr val="tx1"/>
+          </a:fontRef>
+        </p:style>
+      </p:cxnSp>
+      <p:cxnSp>
+        <p:nvCxnSpPr>
+          <p:cNvPr id="94" name="Straight Connector 93">
+            <a:extLst>
+              <a:ext uri="{FF2B5EF4-FFF2-40B4-BE49-F238E27FC236}">
+                <a16:creationId xmlns:a16="http://schemas.microsoft.com/office/drawing/2014/main" id="{98B30EF4-C7C0-4DD2-AB00-5612A6A5BF52}"/>
+              </a:ext>
+            </a:extLst>
+          </p:cNvPr>
+          <p:cNvCxnSpPr/>
+          <p:nvPr/>
+        </p:nvCxnSpPr>
+        <p:spPr>
+          <a:xfrm>
+            <a:off x="6199632" y="317591"/>
+            <a:ext cx="0" cy="6077712"/>
+          </a:xfrm>
+          <a:prstGeom prst="line">
+            <a:avLst/>
+          </a:prstGeom>
+          <a:ln w="28575"/>
+        </p:spPr>
+        <p:style>
+          <a:lnRef idx="1">
+            <a:schemeClr val="accent3"/>
+          </a:lnRef>
+          <a:fillRef idx="0">
+            <a:schemeClr val="accent3"/>
+          </a:fillRef>
+          <a:effectRef idx="0">
+            <a:schemeClr val="accent3"/>
+          </a:effectRef>
+          <a:fontRef idx="minor">
+            <a:schemeClr val="tx1"/>
+          </a:fontRef>
+        </p:style>
+      </p:cxnSp>
+      <p:cxnSp>
+        <p:nvCxnSpPr>
+          <p:cNvPr id="95" name="Straight Arrow Connector 94">
+            <a:extLst>
+              <a:ext uri="{FF2B5EF4-FFF2-40B4-BE49-F238E27FC236}">
+                <a16:creationId xmlns:a16="http://schemas.microsoft.com/office/drawing/2014/main" id="{3ED931D8-B442-43BD-9D9E-16D8D5A80690}"/>
+              </a:ext>
+            </a:extLst>
+          </p:cNvPr>
+          <p:cNvCxnSpPr>
+            <a:cxnSpLocks/>
+            <a:stCxn id="79" idx="2"/>
+            <a:endCxn id="98" idx="0"/>
+          </p:cNvCxnSpPr>
+          <p:nvPr/>
+        </p:nvCxnSpPr>
+        <p:spPr>
+          <a:xfrm flipH="1">
+            <a:off x="5383043" y="4005131"/>
+            <a:ext cx="4211" cy="510967"/>
+          </a:xfrm>
+          <a:prstGeom prst="straightConnector1">
+            <a:avLst/>
+          </a:prstGeom>
+          <a:ln>
+            <a:tailEnd type="triangle"/>
+          </a:ln>
+        </p:spPr>
+        <p:style>
+          <a:lnRef idx="1">
+            <a:schemeClr val="accent1"/>
+          </a:lnRef>
+          <a:fillRef idx="0">
+            <a:schemeClr val="accent1"/>
+          </a:fillRef>
+          <a:effectRef idx="0">
+            <a:schemeClr val="accent1"/>
+          </a:effectRef>
+          <a:fontRef idx="minor">
+            <a:schemeClr val="tx1"/>
+          </a:fontRef>
+        </p:style>
+      </p:cxnSp>
+      <p:sp>
+        <p:nvSpPr>
+          <p:cNvPr id="98" name="Rectangle: Rounded Corners 97">
+            <a:extLst>
+              <a:ext uri="{FF2B5EF4-FFF2-40B4-BE49-F238E27FC236}">
+                <a16:creationId xmlns:a16="http://schemas.microsoft.com/office/drawing/2014/main" id="{0DB028B9-02D9-4CB5-BF09-81F720124A9D}"/>
+              </a:ext>
+            </a:extLst>
+          </p:cNvPr>
+          <p:cNvSpPr/>
+          <p:nvPr/>
+        </p:nvSpPr>
+        <p:spPr>
+          <a:xfrm>
+            <a:off x="4816619" y="4516098"/>
+            <a:ext cx="1132848" cy="410324"/>
+          </a:xfrm>
+          <a:prstGeom prst="roundRect">
+            <a:avLst/>
+          </a:prstGeom>
+        </p:spPr>
+        <p:style>
+          <a:lnRef idx="2">
+            <a:schemeClr val="accent6">
+              <a:shade val="50000"/>
+            </a:schemeClr>
+          </a:lnRef>
+          <a:fillRef idx="1">
+            <a:schemeClr val="accent6"/>
+          </a:fillRef>
+          <a:effectRef idx="0">
+            <a:schemeClr val="accent6"/>
+          </a:effectRef>
+          <a:fontRef idx="minor">
+            <a:schemeClr val="lt1"/>
+          </a:fontRef>
+        </p:style>
+        <p:txBody>
+          <a:bodyPr rtlCol="0" anchor="ctr"/>
+          <a:lstStyle/>
+          <a:p>
+            <a:pPr algn="ctr"/>
+            <a:r>
+              <a:rPr lang="en-US" sz="1200" b="1" dirty="0"/>
+              <a:t>A</a:t>
+            </a:r>
+            <a:r>
+              <a:rPr lang="en-US" sz="1200" b="1" baseline="-25000" dirty="0"/>
+              <a:t>(n-1)</a:t>
+            </a:r>
+          </a:p>
+        </p:txBody>
+      </p:sp>
+      <p:sp>
+        <p:nvSpPr>
+          <p:cNvPr id="101" name="Rectangle 100">
+            <a:extLst>
+              <a:ext uri="{FF2B5EF4-FFF2-40B4-BE49-F238E27FC236}">
+                <a16:creationId xmlns:a16="http://schemas.microsoft.com/office/drawing/2014/main" id="{25325FBD-F3B6-447B-AC26-07D1550B9CA8}"/>
+              </a:ext>
+            </a:extLst>
+          </p:cNvPr>
+          <p:cNvSpPr/>
+          <p:nvPr/>
+        </p:nvSpPr>
+        <p:spPr>
+          <a:xfrm>
+            <a:off x="4924735" y="5262977"/>
+            <a:ext cx="928807" cy="410324"/>
+          </a:xfrm>
+          <a:prstGeom prst="rect">
+            <a:avLst/>
+          </a:prstGeom>
+        </p:spPr>
+        <p:style>
+          <a:lnRef idx="2">
+            <a:schemeClr val="dk1">
+              <a:shade val="50000"/>
+            </a:schemeClr>
+          </a:lnRef>
+          <a:fillRef idx="1">
+            <a:schemeClr val="dk1"/>
+          </a:fillRef>
+          <a:effectRef idx="0">
+            <a:schemeClr val="dk1"/>
+          </a:effectRef>
+          <a:fontRef idx="minor">
+            <a:schemeClr val="lt1"/>
+          </a:fontRef>
+        </p:style>
+        <p:txBody>
+          <a:bodyPr rtlCol="0" anchor="ctr"/>
+          <a:lstStyle/>
+          <a:p>
+            <a:pPr algn="ctr"/>
+            <a:r>
+              <a:rPr lang="en-US" sz="1200" dirty="0" err="1"/>
+              <a:t>Presolve</a:t>
+            </a:r>
+            <a:endParaRPr lang="en-US" sz="1200" dirty="0"/>
+          </a:p>
+        </p:txBody>
+      </p:sp>
+      <p:cxnSp>
+        <p:nvCxnSpPr>
+          <p:cNvPr id="102" name="Straight Arrow Connector 101">
+            <a:extLst>
+              <a:ext uri="{FF2B5EF4-FFF2-40B4-BE49-F238E27FC236}">
+                <a16:creationId xmlns:a16="http://schemas.microsoft.com/office/drawing/2014/main" id="{2DA37B8C-3040-464F-A1FF-ABD68C11DFF9}"/>
+              </a:ext>
+            </a:extLst>
+          </p:cNvPr>
+          <p:cNvCxnSpPr>
+            <a:cxnSpLocks/>
+            <a:stCxn id="98" idx="2"/>
+            <a:endCxn id="101" idx="0"/>
+          </p:cNvCxnSpPr>
+          <p:nvPr/>
+        </p:nvCxnSpPr>
+        <p:spPr>
+          <a:xfrm>
+            <a:off x="5383043" y="4926422"/>
+            <a:ext cx="6096" cy="336555"/>
+          </a:xfrm>
+          <a:prstGeom prst="straightConnector1">
+            <a:avLst/>
+          </a:prstGeom>
+          <a:ln>
+            <a:tailEnd type="triangle"/>
+          </a:ln>
+        </p:spPr>
+        <p:style>
+          <a:lnRef idx="1">
+            <a:schemeClr val="accent1"/>
+          </a:lnRef>
+          <a:fillRef idx="0">
+            <a:schemeClr val="accent1"/>
+          </a:fillRef>
+          <a:effectRef idx="0">
+            <a:schemeClr val="accent1"/>
+          </a:effectRef>
+          <a:fontRef idx="minor">
+            <a:schemeClr val="tx1"/>
+          </a:fontRef>
+        </p:style>
+      </p:cxnSp>
+      <p:cxnSp>
+        <p:nvCxnSpPr>
+          <p:cNvPr id="106" name="Straight Arrow Connector 105">
+            <a:extLst>
+              <a:ext uri="{FF2B5EF4-FFF2-40B4-BE49-F238E27FC236}">
+                <a16:creationId xmlns:a16="http://schemas.microsoft.com/office/drawing/2014/main" id="{88806CFC-4FB2-4FA5-B1BE-596BB3E6D8C5}"/>
+              </a:ext>
+            </a:extLst>
+          </p:cNvPr>
+          <p:cNvCxnSpPr>
+            <a:cxnSpLocks/>
+            <a:stCxn id="101" idx="2"/>
+            <a:endCxn id="107" idx="0"/>
+          </p:cNvCxnSpPr>
+          <p:nvPr/>
+        </p:nvCxnSpPr>
+        <p:spPr>
+          <a:xfrm flipH="1">
+            <a:off x="5380500" y="5673301"/>
+            <a:ext cx="8639" cy="311678"/>
+          </a:xfrm>
+          <a:prstGeom prst="straightConnector1">
+            <a:avLst/>
+          </a:prstGeom>
+          <a:ln>
+            <a:tailEnd type="triangle"/>
+          </a:ln>
+        </p:spPr>
+        <p:style>
+          <a:lnRef idx="1">
+            <a:schemeClr val="accent1"/>
+          </a:lnRef>
+          <a:fillRef idx="0">
+            <a:schemeClr val="accent1"/>
+          </a:fillRef>
+          <a:effectRef idx="0">
+            <a:schemeClr val="accent1"/>
+          </a:effectRef>
+          <a:fontRef idx="minor">
+            <a:schemeClr val="tx1"/>
+          </a:fontRef>
+        </p:style>
+      </p:cxnSp>
+      <p:sp>
+        <p:nvSpPr>
+          <p:cNvPr id="107" name="Rectangle: Rounded Corners 106">
+            <a:extLst>
+              <a:ext uri="{FF2B5EF4-FFF2-40B4-BE49-F238E27FC236}">
+                <a16:creationId xmlns:a16="http://schemas.microsoft.com/office/drawing/2014/main" id="{5747A102-9778-4881-945F-420C88A8602B}"/>
+              </a:ext>
+            </a:extLst>
+          </p:cNvPr>
+          <p:cNvSpPr/>
+          <p:nvPr/>
+        </p:nvSpPr>
+        <p:spPr>
+          <a:xfrm>
+            <a:off x="4814076" y="5984979"/>
+            <a:ext cx="1132848" cy="410324"/>
+          </a:xfrm>
+          <a:prstGeom prst="roundRect">
+            <a:avLst/>
+          </a:prstGeom>
+        </p:spPr>
+        <p:style>
+          <a:lnRef idx="2">
+            <a:schemeClr val="accent6">
+              <a:shade val="50000"/>
+            </a:schemeClr>
+          </a:lnRef>
+          <a:fillRef idx="1">
+            <a:schemeClr val="accent6"/>
+          </a:fillRef>
+          <a:effectRef idx="0">
+            <a:schemeClr val="accent6"/>
+          </a:effectRef>
+          <a:fontRef idx="minor">
+            <a:schemeClr val="lt1"/>
+          </a:fontRef>
+        </p:style>
+        <p:txBody>
+          <a:bodyPr rtlCol="0" anchor="ctr"/>
+          <a:lstStyle/>
+          <a:p>
+            <a:pPr algn="ctr"/>
+            <a:r>
+              <a:rPr lang="en-US" sz="1200" b="1" dirty="0"/>
+              <a:t>A</a:t>
+            </a:r>
+            <a:r>
+              <a:rPr lang="en-US" sz="1200" b="1" baseline="30000" dirty="0"/>
+              <a:t>*</a:t>
+            </a:r>
+            <a:r>
+              <a:rPr lang="en-US" sz="1200" b="1" baseline="-25000" dirty="0"/>
+              <a:t>(n-1) </a:t>
+            </a:r>
+            <a:r>
+              <a:rPr lang="en-US" sz="1200" b="1" dirty="0"/>
+              <a:t>PRESOLVED</a:t>
+            </a:r>
+          </a:p>
+        </p:txBody>
+      </p:sp>
+      <p:sp>
+        <p:nvSpPr>
+          <p:cNvPr id="111" name="Rectangle: Rounded Corners 110">
+            <a:extLst>
+              <a:ext uri="{FF2B5EF4-FFF2-40B4-BE49-F238E27FC236}">
+                <a16:creationId xmlns:a16="http://schemas.microsoft.com/office/drawing/2014/main" id="{DC972551-F349-4F0F-9A82-3969D5C13515}"/>
+              </a:ext>
+            </a:extLst>
+          </p:cNvPr>
+          <p:cNvSpPr/>
+          <p:nvPr/>
+        </p:nvSpPr>
+        <p:spPr>
+          <a:xfrm>
+            <a:off x="6379373" y="1487332"/>
+            <a:ext cx="1132848" cy="410324"/>
+          </a:xfrm>
+          <a:prstGeom prst="roundRect">
+            <a:avLst/>
+          </a:prstGeom>
+        </p:spPr>
+        <p:style>
+          <a:lnRef idx="2">
+            <a:schemeClr val="accent6">
+              <a:shade val="50000"/>
+            </a:schemeClr>
+          </a:lnRef>
+          <a:fillRef idx="1">
+            <a:schemeClr val="accent6"/>
+          </a:fillRef>
+          <a:effectRef idx="0">
+            <a:schemeClr val="accent6"/>
+          </a:effectRef>
+          <a:fontRef idx="minor">
+            <a:schemeClr val="lt1"/>
+          </a:fontRef>
+        </p:style>
+        <p:txBody>
+          <a:bodyPr rtlCol="0" anchor="ctr"/>
+          <a:lstStyle/>
+          <a:p>
+            <a:pPr algn="ctr"/>
+            <a:r>
+              <a:rPr lang="en-US" sz="1200" dirty="0"/>
+              <a:t>A</a:t>
+            </a:r>
+            <a:r>
+              <a:rPr lang="en-US" sz="1200" baseline="-25000" dirty="0"/>
+              <a:t>0</a:t>
+            </a:r>
+          </a:p>
+        </p:txBody>
+      </p:sp>
+      <p:cxnSp>
+        <p:nvCxnSpPr>
+          <p:cNvPr id="112" name="Straight Arrow Connector 111">
+            <a:extLst>
+              <a:ext uri="{FF2B5EF4-FFF2-40B4-BE49-F238E27FC236}">
+                <a16:creationId xmlns:a16="http://schemas.microsoft.com/office/drawing/2014/main" id="{C1B8751E-40DE-4F47-AE04-AAA32D1A094A}"/>
+              </a:ext>
+            </a:extLst>
+          </p:cNvPr>
+          <p:cNvCxnSpPr>
+            <a:cxnSpLocks/>
+          </p:cNvCxnSpPr>
+          <p:nvPr/>
+        </p:nvCxnSpPr>
+        <p:spPr>
+          <a:xfrm>
+            <a:off x="6600416" y="1977134"/>
+            <a:ext cx="601533" cy="1583672"/>
+          </a:xfrm>
+          <a:prstGeom prst="straightConnector1">
+            <a:avLst/>
+          </a:prstGeom>
+          <a:ln w="28575">
+            <a:tailEnd type="triangle"/>
+          </a:ln>
+        </p:spPr>
+        <p:style>
+          <a:lnRef idx="1">
+            <a:schemeClr val="dk1"/>
+          </a:lnRef>
+          <a:fillRef idx="0">
+            <a:schemeClr val="dk1"/>
+          </a:fillRef>
+          <a:effectRef idx="0">
+            <a:schemeClr val="dk1"/>
+          </a:effectRef>
+          <a:fontRef idx="minor">
+            <a:schemeClr val="tx1"/>
+          </a:fontRef>
+        </p:style>
+      </p:cxnSp>
+      <p:sp>
+        <p:nvSpPr>
+          <p:cNvPr id="116" name="Rectangle: Rounded Corners 115">
+            <a:extLst>
+              <a:ext uri="{FF2B5EF4-FFF2-40B4-BE49-F238E27FC236}">
+                <a16:creationId xmlns:a16="http://schemas.microsoft.com/office/drawing/2014/main" id="{079A8243-EBD2-483B-AD80-BDCA019EFB67}"/>
+              </a:ext>
+            </a:extLst>
+          </p:cNvPr>
+          <p:cNvSpPr/>
+          <p:nvPr/>
+        </p:nvSpPr>
+        <p:spPr>
+          <a:xfrm>
+            <a:off x="7467054" y="4608436"/>
+            <a:ext cx="859213" cy="273109"/>
+          </a:xfrm>
+          <a:prstGeom prst="roundRect">
+            <a:avLst/>
+          </a:prstGeom>
+        </p:spPr>
+        <p:style>
+          <a:lnRef idx="2">
+            <a:schemeClr val="accent6">
+              <a:shade val="50000"/>
+            </a:schemeClr>
+          </a:lnRef>
+          <a:fillRef idx="1">
+            <a:schemeClr val="accent6"/>
+          </a:fillRef>
+          <a:effectRef idx="0">
+            <a:schemeClr val="accent6"/>
+          </a:effectRef>
+          <a:fontRef idx="minor">
+            <a:schemeClr val="lt1"/>
+          </a:fontRef>
+        </p:style>
+        <p:txBody>
+          <a:bodyPr rtlCol="0" anchor="ctr"/>
+          <a:lstStyle/>
+          <a:p>
+            <a:pPr algn="ctr"/>
+            <a:r>
+              <a:rPr lang="en-US" sz="1200" dirty="0"/>
+              <a:t>A</a:t>
+            </a:r>
+            <a:r>
+              <a:rPr lang="en-US" sz="1200" baseline="30000" dirty="0"/>
+              <a:t>*</a:t>
+            </a:r>
+            <a:r>
+              <a:rPr lang="en-US" sz="1200" baseline="-25000" dirty="0"/>
+              <a:t>(n-1)</a:t>
+            </a:r>
+          </a:p>
+        </p:txBody>
+      </p:sp>
+      <p:sp>
+        <p:nvSpPr>
+          <p:cNvPr id="117" name="Rectangle: Rounded Corners 116">
+            <a:extLst>
+              <a:ext uri="{FF2B5EF4-FFF2-40B4-BE49-F238E27FC236}">
+                <a16:creationId xmlns:a16="http://schemas.microsoft.com/office/drawing/2014/main" id="{410BE147-E681-46B4-9A42-3FA1830C8EEA}"/>
+              </a:ext>
+            </a:extLst>
+          </p:cNvPr>
+          <p:cNvSpPr/>
+          <p:nvPr/>
+        </p:nvSpPr>
+        <p:spPr>
+          <a:xfrm>
+            <a:off x="7568896" y="1565587"/>
+            <a:ext cx="559777" cy="273109"/>
+          </a:xfrm>
+          <a:prstGeom prst="roundRect">
+            <a:avLst/>
+          </a:prstGeom>
+        </p:spPr>
+        <p:style>
+          <a:lnRef idx="2">
+            <a:schemeClr val="accent1">
+              <a:shade val="50000"/>
+            </a:schemeClr>
+          </a:lnRef>
+          <a:fillRef idx="1">
+            <a:schemeClr val="accent1"/>
+          </a:fillRef>
+          <a:effectRef idx="0">
+            <a:schemeClr val="accent1"/>
+          </a:effectRef>
+          <a:fontRef idx="minor">
+            <a:schemeClr val="lt1"/>
+          </a:fontRef>
+        </p:style>
+        <p:txBody>
+          <a:bodyPr rtlCol="0" anchor="ctr"/>
+          <a:lstStyle/>
+          <a:p>
+            <a:pPr algn="ctr"/>
+            <a:r>
+              <a:rPr lang="en-US" sz="1200" dirty="0"/>
+              <a:t>x</a:t>
+            </a:r>
+            <a:r>
+              <a:rPr lang="en-US" sz="1200" baseline="-25000" dirty="0"/>
+              <a:t>0</a:t>
+            </a:r>
+          </a:p>
+        </p:txBody>
+      </p:sp>
+      <p:cxnSp>
+        <p:nvCxnSpPr>
+          <p:cNvPr id="118" name="Straight Arrow Connector 117">
+            <a:extLst>
+              <a:ext uri="{FF2B5EF4-FFF2-40B4-BE49-F238E27FC236}">
+                <a16:creationId xmlns:a16="http://schemas.microsoft.com/office/drawing/2014/main" id="{D83C0095-1C97-48BF-84C1-1BB6167E8AAF}"/>
+              </a:ext>
+            </a:extLst>
+          </p:cNvPr>
+          <p:cNvCxnSpPr>
+            <a:cxnSpLocks/>
+            <a:stCxn id="33" idx="3"/>
+            <a:endCxn id="121" idx="1"/>
+          </p:cNvCxnSpPr>
+          <p:nvPr/>
+        </p:nvCxnSpPr>
+        <p:spPr>
+          <a:xfrm flipV="1">
+            <a:off x="4347546" y="1220615"/>
+            <a:ext cx="432043" cy="439860"/>
+          </a:xfrm>
+          <a:prstGeom prst="bentConnector3">
+            <a:avLst>
+              <a:gd name="adj1" fmla="val 50000"/>
+            </a:avLst>
+          </a:prstGeom>
+          <a:ln>
+            <a:tailEnd type="triangle"/>
+          </a:ln>
+        </p:spPr>
+        <p:style>
+          <a:lnRef idx="1">
+            <a:schemeClr val="accent1"/>
+          </a:lnRef>
+          <a:fillRef idx="0">
+            <a:schemeClr val="accent1"/>
+          </a:fillRef>
+          <a:effectRef idx="0">
+            <a:schemeClr val="accent1"/>
+          </a:effectRef>
+          <a:fontRef idx="minor">
+            <a:schemeClr val="tx1"/>
+          </a:fontRef>
+        </p:style>
+      </p:cxnSp>
+      <p:sp>
+        <p:nvSpPr>
+          <p:cNvPr id="121" name="Rectangle: Rounded Corners 120">
+            <a:extLst>
+              <a:ext uri="{FF2B5EF4-FFF2-40B4-BE49-F238E27FC236}">
+                <a16:creationId xmlns:a16="http://schemas.microsoft.com/office/drawing/2014/main" id="{CEBFEF84-8B51-46FE-8CEB-174347C4864D}"/>
+              </a:ext>
+            </a:extLst>
+          </p:cNvPr>
+          <p:cNvSpPr/>
+          <p:nvPr/>
+        </p:nvSpPr>
+        <p:spPr>
+          <a:xfrm>
+            <a:off x="4779589" y="1084060"/>
+            <a:ext cx="559777" cy="273109"/>
+          </a:xfrm>
+          <a:prstGeom prst="roundRect">
+            <a:avLst/>
+          </a:prstGeom>
+        </p:spPr>
+        <p:style>
+          <a:lnRef idx="2">
+            <a:schemeClr val="accent1">
+              <a:shade val="50000"/>
+            </a:schemeClr>
+          </a:lnRef>
+          <a:fillRef idx="1">
+            <a:schemeClr val="accent1"/>
+          </a:fillRef>
+          <a:effectRef idx="0">
+            <a:schemeClr val="accent1"/>
+          </a:effectRef>
+          <a:fontRef idx="minor">
+            <a:schemeClr val="lt1"/>
+          </a:fontRef>
+        </p:style>
+        <p:txBody>
+          <a:bodyPr rtlCol="0" anchor="ctr"/>
+          <a:lstStyle/>
+          <a:p>
+            <a:pPr algn="ctr"/>
+            <a:r>
+              <a:rPr lang="en-US" sz="1200" dirty="0"/>
+              <a:t>f</a:t>
+            </a:r>
+            <a:r>
+              <a:rPr lang="en-US" sz="1200" baseline="-25000" dirty="0"/>
+              <a:t>0</a:t>
+            </a:r>
+          </a:p>
+        </p:txBody>
+      </p:sp>
+      <p:sp>
+        <p:nvSpPr>
+          <p:cNvPr id="124" name="Rectangle: Rounded Corners 123">
+            <a:extLst>
+              <a:ext uri="{FF2B5EF4-FFF2-40B4-BE49-F238E27FC236}">
+                <a16:creationId xmlns:a16="http://schemas.microsoft.com/office/drawing/2014/main" id="{5B998CC9-3DF1-480A-A773-DAD1C70A3CAD}"/>
+              </a:ext>
+            </a:extLst>
+          </p:cNvPr>
+          <p:cNvSpPr/>
+          <p:nvPr/>
+        </p:nvSpPr>
+        <p:spPr>
+          <a:xfrm>
+            <a:off x="8261301" y="1565587"/>
+            <a:ext cx="559777" cy="273109"/>
+          </a:xfrm>
+          <a:prstGeom prst="roundRect">
+            <a:avLst/>
+          </a:prstGeom>
+        </p:spPr>
+        <p:style>
+          <a:lnRef idx="2">
+            <a:schemeClr val="accent1">
+              <a:shade val="50000"/>
+            </a:schemeClr>
+          </a:lnRef>
+          <a:fillRef idx="1">
+            <a:schemeClr val="accent1"/>
+          </a:fillRef>
+          <a:effectRef idx="0">
+            <a:schemeClr val="accent1"/>
+          </a:effectRef>
+          <a:fontRef idx="minor">
+            <a:schemeClr val="lt1"/>
+          </a:fontRef>
+        </p:style>
+        <p:txBody>
+          <a:bodyPr rtlCol="0" anchor="ctr"/>
+          <a:lstStyle/>
+          <a:p>
+            <a:pPr algn="ctr"/>
+            <a:r>
+              <a:rPr lang="en-US" sz="1200" dirty="0"/>
+              <a:t>f</a:t>
+            </a:r>
+            <a:r>
+              <a:rPr lang="en-US" sz="1200" baseline="-25000" dirty="0"/>
+              <a:t>0</a:t>
+            </a:r>
+          </a:p>
+        </p:txBody>
+      </p:sp>
+      <p:sp>
+        <p:nvSpPr>
+          <p:cNvPr id="125" name="Rectangle: Rounded Corners 124">
+            <a:extLst>
+              <a:ext uri="{FF2B5EF4-FFF2-40B4-BE49-F238E27FC236}">
+                <a16:creationId xmlns:a16="http://schemas.microsoft.com/office/drawing/2014/main" id="{CAF04F4E-1186-4B34-8C96-E4E0FBECFAFE}"/>
+              </a:ext>
+            </a:extLst>
+          </p:cNvPr>
+          <p:cNvSpPr/>
+          <p:nvPr/>
+        </p:nvSpPr>
+        <p:spPr>
+          <a:xfrm>
+            <a:off x="7327945" y="2147066"/>
+            <a:ext cx="559777" cy="273109"/>
+          </a:xfrm>
+          <a:prstGeom prst="roundRect">
+            <a:avLst/>
+          </a:prstGeom>
+        </p:spPr>
+        <p:style>
+          <a:lnRef idx="2">
+            <a:schemeClr val="accent1">
+              <a:shade val="50000"/>
+            </a:schemeClr>
+          </a:lnRef>
+          <a:fillRef idx="1">
+            <a:schemeClr val="accent1"/>
+          </a:fillRef>
+          <a:effectRef idx="0">
+            <a:schemeClr val="accent1"/>
+          </a:effectRef>
+          <a:fontRef idx="minor">
+            <a:schemeClr val="lt1"/>
+          </a:fontRef>
+        </p:style>
+        <p:txBody>
+          <a:bodyPr rtlCol="0" anchor="ctr"/>
+          <a:lstStyle/>
+          <a:p>
+            <a:pPr algn="ctr"/>
+            <a:r>
+              <a:rPr lang="en-US" sz="1200" dirty="0"/>
+              <a:t>r</a:t>
+            </a:r>
+            <a:r>
+              <a:rPr lang="en-US" sz="1200" baseline="-25000" dirty="0"/>
+              <a:t>0</a:t>
+            </a:r>
+          </a:p>
+        </p:txBody>
+      </p:sp>
+      <p:cxnSp>
+        <p:nvCxnSpPr>
+          <p:cNvPr id="126" name="Straight Arrow Connector 125">
+            <a:extLst>
+              <a:ext uri="{FF2B5EF4-FFF2-40B4-BE49-F238E27FC236}">
+                <a16:creationId xmlns:a16="http://schemas.microsoft.com/office/drawing/2014/main" id="{63BBD1B4-EC47-4FC3-A85C-9737B4D64A79}"/>
+              </a:ext>
+            </a:extLst>
+          </p:cNvPr>
+          <p:cNvCxnSpPr>
+            <a:cxnSpLocks/>
+            <a:stCxn id="111" idx="2"/>
+            <a:endCxn id="125" idx="0"/>
+          </p:cNvCxnSpPr>
+          <p:nvPr/>
+        </p:nvCxnSpPr>
+        <p:spPr>
+          <a:xfrm rot="16200000" flipH="1">
+            <a:off x="7152110" y="1691342"/>
+            <a:ext cx="249410" cy="662037"/>
+          </a:xfrm>
+          <a:prstGeom prst="bentConnector3">
+            <a:avLst>
+              <a:gd name="adj1" fmla="val 50000"/>
+            </a:avLst>
+          </a:prstGeom>
+          <a:ln>
+            <a:tailEnd type="triangle"/>
+          </a:ln>
+        </p:spPr>
+        <p:style>
+          <a:lnRef idx="1">
+            <a:schemeClr val="accent3"/>
+          </a:lnRef>
+          <a:fillRef idx="0">
+            <a:schemeClr val="accent3"/>
+          </a:fillRef>
+          <a:effectRef idx="0">
+            <a:schemeClr val="accent3"/>
+          </a:effectRef>
+          <a:fontRef idx="minor">
+            <a:schemeClr val="tx1"/>
+          </a:fontRef>
+        </p:style>
+      </p:cxnSp>
+      <p:cxnSp>
+        <p:nvCxnSpPr>
+          <p:cNvPr id="129" name="Straight Arrow Connector 125">
+            <a:extLst>
+              <a:ext uri="{FF2B5EF4-FFF2-40B4-BE49-F238E27FC236}">
+                <a16:creationId xmlns:a16="http://schemas.microsoft.com/office/drawing/2014/main" id="{2FD48D0A-F41E-4301-B93A-1B1952C7F7F9}"/>
+              </a:ext>
+            </a:extLst>
+          </p:cNvPr>
+          <p:cNvCxnSpPr>
+            <a:cxnSpLocks/>
+            <a:stCxn id="117" idx="2"/>
+            <a:endCxn id="125" idx="0"/>
+          </p:cNvCxnSpPr>
+          <p:nvPr/>
+        </p:nvCxnSpPr>
+        <p:spPr>
+          <a:xfrm rot="5400000">
+            <a:off x="7574125" y="1872406"/>
+            <a:ext cx="308370" cy="240951"/>
+          </a:xfrm>
+          <a:prstGeom prst="bentConnector3">
+            <a:avLst>
+              <a:gd name="adj1" fmla="val 50000"/>
+            </a:avLst>
+          </a:prstGeom>
+          <a:ln>
+            <a:tailEnd type="triangle"/>
+          </a:ln>
+        </p:spPr>
+        <p:style>
+          <a:lnRef idx="1">
+            <a:schemeClr val="accent3"/>
+          </a:lnRef>
+          <a:fillRef idx="0">
+            <a:schemeClr val="accent3"/>
+          </a:fillRef>
+          <a:effectRef idx="0">
+            <a:schemeClr val="accent3"/>
+          </a:effectRef>
+          <a:fontRef idx="minor">
+            <a:schemeClr val="tx1"/>
+          </a:fontRef>
+        </p:style>
+      </p:cxnSp>
+      <p:cxnSp>
+        <p:nvCxnSpPr>
+          <p:cNvPr id="132" name="Straight Arrow Connector 125">
+            <a:extLst>
+              <a:ext uri="{FF2B5EF4-FFF2-40B4-BE49-F238E27FC236}">
+                <a16:creationId xmlns:a16="http://schemas.microsoft.com/office/drawing/2014/main" id="{1577A2D3-DCB9-4A6C-8E1F-89F10EAB3194}"/>
+              </a:ext>
+            </a:extLst>
+          </p:cNvPr>
+          <p:cNvCxnSpPr>
+            <a:cxnSpLocks/>
+            <a:stCxn id="124" idx="2"/>
+            <a:endCxn id="125" idx="0"/>
+          </p:cNvCxnSpPr>
+          <p:nvPr/>
+        </p:nvCxnSpPr>
+        <p:spPr>
+          <a:xfrm rot="5400000">
+            <a:off x="7920327" y="1526203"/>
+            <a:ext cx="308370" cy="933356"/>
+          </a:xfrm>
+          <a:prstGeom prst="bentConnector3">
+            <a:avLst>
+              <a:gd name="adj1" fmla="val 50000"/>
+            </a:avLst>
+          </a:prstGeom>
+          <a:ln>
+            <a:tailEnd type="triangle"/>
+          </a:ln>
+        </p:spPr>
+        <p:style>
+          <a:lnRef idx="1">
+            <a:schemeClr val="accent3"/>
+          </a:lnRef>
+          <a:fillRef idx="0">
+            <a:schemeClr val="accent3"/>
+          </a:fillRef>
+          <a:effectRef idx="0">
+            <a:schemeClr val="accent3"/>
+          </a:effectRef>
+          <a:fontRef idx="minor">
+            <a:schemeClr val="tx1"/>
+          </a:fontRef>
+        </p:style>
+      </p:cxnSp>
+      <mc:AlternateContent xmlns:mc="http://schemas.openxmlformats.org/markup-compatibility/2006" xmlns:a14="http://schemas.microsoft.com/office/drawing/2010/main">
+        <mc:Choice Requires="a14">
+          <p:sp>
+            <p:nvSpPr>
+              <p:cNvPr id="135" name="TextBox 134">
+                <a:extLst>
+                  <a:ext uri="{FF2B5EF4-FFF2-40B4-BE49-F238E27FC236}">
+                    <a16:creationId xmlns:a16="http://schemas.microsoft.com/office/drawing/2014/main" id="{07A8108F-8F53-44EC-BE90-381C1418D1EB}"/>
+                  </a:ext>
+                </a:extLst>
+              </p:cNvPr>
+              <p:cNvSpPr txBox="1"/>
+              <p:nvPr/>
+            </p:nvSpPr>
+            <p:spPr>
+              <a:xfrm>
+                <a:off x="7747777" y="1938715"/>
+                <a:ext cx="1199297" cy="246221"/>
+              </a:xfrm>
+              <a:prstGeom prst="rect">
+                <a:avLst/>
+              </a:prstGeom>
+              <a:noFill/>
+            </p:spPr>
+            <p:txBody>
+              <a:bodyPr wrap="square" rtlCol="0">
+                <a:spAutoFit/>
+              </a:bodyPr>
+              <a:lstStyle/>
+              <a:p>
+                <a:pPr/>
+                <a14:m>
+                  <m:oMathPara xmlns:m="http://schemas.openxmlformats.org/officeDocument/2006/math">
+                    <m:oMathParaPr>
+                      <m:jc m:val="centerGroup"/>
+                    </m:oMathParaPr>
+                    <m:oMath xmlns:m="http://schemas.openxmlformats.org/officeDocument/2006/math">
+                      <m:r>
+                        <a:rPr lang="en-US" sz="1000" i="1" dirty="0" smtClean="0">
+                          <a:solidFill>
+                            <a:schemeClr val="bg1">
+                              <a:lumMod val="50000"/>
+                            </a:schemeClr>
+                          </a:solidFill>
+                          <a:latin typeface="Cambria Math" panose="02040503050406030204" pitchFamily="18" charset="0"/>
+                        </a:rPr>
+                        <m:t>𝑟</m:t>
+                      </m:r>
+                      <m:r>
+                        <a:rPr lang="en-US" sz="1000" i="1" baseline="-25000" dirty="0" smtClean="0">
+                          <a:solidFill>
+                            <a:schemeClr val="bg1">
+                              <a:lumMod val="50000"/>
+                            </a:schemeClr>
+                          </a:solidFill>
+                          <a:latin typeface="Cambria Math" panose="02040503050406030204" pitchFamily="18" charset="0"/>
+                        </a:rPr>
+                        <m:t>0</m:t>
+                      </m:r>
+                      <m:r>
+                        <a:rPr lang="en-US" sz="1000" i="1" dirty="0" smtClean="0">
+                          <a:solidFill>
+                            <a:schemeClr val="bg1">
+                              <a:lumMod val="50000"/>
+                            </a:schemeClr>
+                          </a:solidFill>
+                          <a:latin typeface="Cambria Math" panose="02040503050406030204" pitchFamily="18" charset="0"/>
+                        </a:rPr>
+                        <m:t> = </m:t>
+                      </m:r>
+                      <m:r>
+                        <a:rPr lang="en-US" sz="1000" i="1" dirty="0" smtClean="0">
+                          <a:solidFill>
+                            <a:schemeClr val="bg1">
+                              <a:lumMod val="50000"/>
+                            </a:schemeClr>
+                          </a:solidFill>
+                          <a:latin typeface="Cambria Math" panose="02040503050406030204" pitchFamily="18" charset="0"/>
+                        </a:rPr>
+                        <m:t>𝑓</m:t>
+                      </m:r>
+                      <m:r>
+                        <a:rPr lang="en-US" sz="1000" i="1" baseline="-25000" dirty="0" smtClean="0">
+                          <a:solidFill>
+                            <a:schemeClr val="bg1">
+                              <a:lumMod val="50000"/>
+                            </a:schemeClr>
+                          </a:solidFill>
+                          <a:latin typeface="Cambria Math" panose="02040503050406030204" pitchFamily="18" charset="0"/>
+                        </a:rPr>
+                        <m:t>0</m:t>
+                      </m:r>
+                      <m:r>
+                        <a:rPr lang="en-US" sz="1000" i="1" dirty="0" smtClean="0">
+                          <a:solidFill>
+                            <a:schemeClr val="bg1">
+                              <a:lumMod val="50000"/>
+                            </a:schemeClr>
+                          </a:solidFill>
+                          <a:latin typeface="Cambria Math" panose="02040503050406030204" pitchFamily="18" charset="0"/>
+                        </a:rPr>
+                        <m:t> − </m:t>
+                      </m:r>
+                      <m:r>
+                        <a:rPr lang="en-US" sz="1000" i="1" dirty="0" smtClean="0">
+                          <a:solidFill>
+                            <a:schemeClr val="bg1">
+                              <a:lumMod val="50000"/>
+                            </a:schemeClr>
+                          </a:solidFill>
+                          <a:latin typeface="Cambria Math" panose="02040503050406030204" pitchFamily="18" charset="0"/>
+                        </a:rPr>
+                        <m:t>𝐴</m:t>
+                      </m:r>
+                      <m:r>
+                        <a:rPr lang="en-US" sz="1000" i="1" baseline="-25000" dirty="0" smtClean="0">
+                          <a:solidFill>
+                            <a:schemeClr val="bg1">
+                              <a:lumMod val="50000"/>
+                            </a:schemeClr>
+                          </a:solidFill>
+                          <a:latin typeface="Cambria Math" panose="02040503050406030204" pitchFamily="18" charset="0"/>
+                        </a:rPr>
+                        <m:t>0</m:t>
+                      </m:r>
+                      <m:r>
+                        <a:rPr lang="en-US" sz="1000" i="1" dirty="0" smtClean="0">
+                          <a:solidFill>
+                            <a:schemeClr val="bg1">
+                              <a:lumMod val="50000"/>
+                            </a:schemeClr>
+                          </a:solidFill>
+                          <a:latin typeface="Cambria Math" panose="02040503050406030204" pitchFamily="18" charset="0"/>
+                        </a:rPr>
+                        <m:t>𝑥</m:t>
+                      </m:r>
+                      <m:r>
+                        <a:rPr lang="en-US" sz="1000" i="1" baseline="-25000" dirty="0" smtClean="0">
+                          <a:solidFill>
+                            <a:schemeClr val="bg1">
+                              <a:lumMod val="50000"/>
+                            </a:schemeClr>
+                          </a:solidFill>
+                          <a:latin typeface="Cambria Math" panose="02040503050406030204" pitchFamily="18" charset="0"/>
+                        </a:rPr>
+                        <m:t>0</m:t>
+                      </m:r>
+                    </m:oMath>
+                  </m:oMathPara>
+                </a14:m>
+                <a:endParaRPr lang="en-US" sz="1000" baseline="-25000" dirty="0">
+                  <a:solidFill>
+                    <a:schemeClr val="bg1">
+                      <a:lumMod val="50000"/>
+                    </a:schemeClr>
+                  </a:solidFill>
+                </a:endParaRPr>
+              </a:p>
+            </p:txBody>
+          </p:sp>
+        </mc:Choice>
+        <mc:Fallback xmlns="">
+          <p:sp>
+            <p:nvSpPr>
+              <p:cNvPr id="135" name="TextBox 134">
+                <a:extLst>
+                  <a:ext uri="{FF2B5EF4-FFF2-40B4-BE49-F238E27FC236}">
+                    <a16:creationId xmlns:a16="http://schemas.microsoft.com/office/drawing/2014/main" id="{07A8108F-8F53-44EC-BE90-381C1418D1EB}"/>
+                  </a:ext>
+                </a:extLst>
+              </p:cNvPr>
+              <p:cNvSpPr txBox="1">
+                <a:spLocks noRot="1" noChangeAspect="1" noMove="1" noResize="1" noEditPoints="1" noAdjustHandles="1" noChangeArrowheads="1" noChangeShapeType="1" noTextEdit="1"/>
+              </p:cNvSpPr>
+              <p:nvPr/>
+            </p:nvSpPr>
+            <p:spPr>
+              <a:xfrm>
+                <a:off x="7747777" y="1938715"/>
+                <a:ext cx="1199297" cy="246221"/>
+              </a:xfrm>
+              <a:prstGeom prst="rect">
+                <a:avLst/>
+              </a:prstGeom>
+              <a:blipFill>
+                <a:blip r:embed="rId2"/>
+                <a:stretch>
+                  <a:fillRect b="-5000"/>
+                </a:stretch>
+              </a:blipFill>
+            </p:spPr>
+            <p:txBody>
+              <a:bodyPr/>
+              <a:lstStyle/>
+              <a:p>
+                <a:r>
+                  <a:rPr lang="en-US">
+                    <a:noFill/>
+                  </a:rPr>
+                  <a:t> </a:t>
+                </a:r>
+              </a:p>
+            </p:txBody>
+          </p:sp>
+        </mc:Fallback>
+      </mc:AlternateContent>
+      <p:cxnSp>
+        <p:nvCxnSpPr>
+          <p:cNvPr id="136" name="Straight Arrow Connector 125">
+            <a:extLst>
+              <a:ext uri="{FF2B5EF4-FFF2-40B4-BE49-F238E27FC236}">
+                <a16:creationId xmlns:a16="http://schemas.microsoft.com/office/drawing/2014/main" id="{A7B9C5E7-AD9B-4775-9F95-28DC5BEC1D9E}"/>
+              </a:ext>
+            </a:extLst>
+          </p:cNvPr>
+          <p:cNvCxnSpPr>
+            <a:cxnSpLocks/>
+            <a:stCxn id="125" idx="2"/>
+            <a:endCxn id="276" idx="3"/>
+          </p:cNvCxnSpPr>
+          <p:nvPr/>
+        </p:nvCxnSpPr>
+        <p:spPr>
+          <a:xfrm rot="5400000">
+            <a:off x="7372056" y="2318391"/>
+            <a:ext cx="133994" cy="337563"/>
+          </a:xfrm>
+          <a:prstGeom prst="bentConnector2">
+            <a:avLst/>
+          </a:prstGeom>
+          <a:ln>
+            <a:tailEnd type="triangle"/>
+          </a:ln>
+        </p:spPr>
+        <p:style>
+          <a:lnRef idx="1">
+            <a:schemeClr val="accent3"/>
+          </a:lnRef>
+          <a:fillRef idx="0">
+            <a:schemeClr val="accent3"/>
+          </a:fillRef>
+          <a:effectRef idx="0">
+            <a:schemeClr val="accent3"/>
+          </a:effectRef>
+          <a:fontRef idx="minor">
+            <a:schemeClr val="tx1"/>
+          </a:fontRef>
+        </p:style>
+      </p:cxnSp>
+      <p:sp>
+        <p:nvSpPr>
+          <p:cNvPr id="139" name="Rectangle: Rounded Corners 138">
+            <a:extLst>
+              <a:ext uri="{FF2B5EF4-FFF2-40B4-BE49-F238E27FC236}">
+                <a16:creationId xmlns:a16="http://schemas.microsoft.com/office/drawing/2014/main" id="{A32E081A-90AC-42F0-9768-11E645E649A9}"/>
+              </a:ext>
+            </a:extLst>
+          </p:cNvPr>
+          <p:cNvSpPr/>
+          <p:nvPr/>
+        </p:nvSpPr>
+        <p:spPr>
+          <a:xfrm>
+            <a:off x="7347933" y="2711712"/>
+            <a:ext cx="559777" cy="273109"/>
+          </a:xfrm>
+          <a:prstGeom prst="roundRect">
+            <a:avLst/>
+          </a:prstGeom>
+        </p:spPr>
+        <p:style>
+          <a:lnRef idx="2">
+            <a:schemeClr val="accent1">
+              <a:shade val="50000"/>
+            </a:schemeClr>
+          </a:lnRef>
+          <a:fillRef idx="1">
+            <a:schemeClr val="accent1"/>
+          </a:fillRef>
+          <a:effectRef idx="0">
+            <a:schemeClr val="accent1"/>
+          </a:effectRef>
+          <a:fontRef idx="minor">
+            <a:schemeClr val="lt1"/>
+          </a:fontRef>
+        </p:style>
+        <p:txBody>
+          <a:bodyPr rtlCol="0" anchor="ctr"/>
+          <a:lstStyle/>
+          <a:p>
+            <a:pPr algn="ctr"/>
+            <a:r>
+              <a:rPr lang="en-US" sz="1200" dirty="0"/>
+              <a:t>r</a:t>
+            </a:r>
+            <a:r>
+              <a:rPr lang="en-US" sz="1200" baseline="-25000" dirty="0"/>
+              <a:t>0</a:t>
+            </a:r>
+            <a:r>
+              <a:rPr lang="en-US" sz="1200" dirty="0"/>
+              <a:t>’</a:t>
+            </a:r>
+          </a:p>
+        </p:txBody>
+      </p:sp>
+      <p:sp>
+        <p:nvSpPr>
+          <p:cNvPr id="146" name="Rectangle: Rounded Corners 145">
+            <a:extLst>
+              <a:ext uri="{FF2B5EF4-FFF2-40B4-BE49-F238E27FC236}">
+                <a16:creationId xmlns:a16="http://schemas.microsoft.com/office/drawing/2014/main" id="{EE9648AB-0175-418E-A51D-3761E7CF0F05}"/>
+              </a:ext>
+            </a:extLst>
+          </p:cNvPr>
+          <p:cNvSpPr/>
+          <p:nvPr/>
+        </p:nvSpPr>
+        <p:spPr>
+          <a:xfrm>
+            <a:off x="7603519" y="3173005"/>
+            <a:ext cx="559777" cy="273109"/>
+          </a:xfrm>
+          <a:prstGeom prst="roundRect">
+            <a:avLst/>
+          </a:prstGeom>
+        </p:spPr>
+        <p:style>
+          <a:lnRef idx="2">
+            <a:schemeClr val="accent1">
+              <a:shade val="50000"/>
+            </a:schemeClr>
+          </a:lnRef>
+          <a:fillRef idx="1">
+            <a:schemeClr val="accent1"/>
+          </a:fillRef>
+          <a:effectRef idx="0">
+            <a:schemeClr val="accent1"/>
+          </a:effectRef>
+          <a:fontRef idx="minor">
+            <a:schemeClr val="lt1"/>
+          </a:fontRef>
+        </p:style>
+        <p:txBody>
+          <a:bodyPr rtlCol="0" anchor="ctr"/>
+          <a:lstStyle/>
+          <a:p>
+            <a:pPr algn="ctr"/>
+            <a:r>
+              <a:rPr lang="en-US" sz="1200" dirty="0"/>
+              <a:t>f</a:t>
+            </a:r>
+            <a:r>
+              <a:rPr lang="en-US" sz="1200" baseline="-25000" dirty="0"/>
+              <a:t>1</a:t>
+            </a:r>
+          </a:p>
+        </p:txBody>
+      </p:sp>
+      <p:cxnSp>
+        <p:nvCxnSpPr>
+          <p:cNvPr id="147" name="Straight Arrow Connector 125">
+            <a:extLst>
+              <a:ext uri="{FF2B5EF4-FFF2-40B4-BE49-F238E27FC236}">
+                <a16:creationId xmlns:a16="http://schemas.microsoft.com/office/drawing/2014/main" id="{02661F06-ECE1-478B-BA47-9C597FFE5C14}"/>
+              </a:ext>
+            </a:extLst>
+          </p:cNvPr>
+          <p:cNvCxnSpPr>
+            <a:cxnSpLocks/>
+            <a:stCxn id="139" idx="2"/>
+            <a:endCxn id="146" idx="0"/>
+          </p:cNvCxnSpPr>
+          <p:nvPr/>
+        </p:nvCxnSpPr>
+        <p:spPr>
+          <a:xfrm rot="16200000" flipH="1">
+            <a:off x="7661523" y="2951120"/>
+            <a:ext cx="188184" cy="255586"/>
+          </a:xfrm>
+          <a:prstGeom prst="bentConnector3">
+            <a:avLst>
+              <a:gd name="adj1" fmla="val 50000"/>
+            </a:avLst>
+          </a:prstGeom>
+          <a:ln>
+            <a:tailEnd type="triangle"/>
+          </a:ln>
+        </p:spPr>
+        <p:style>
+          <a:lnRef idx="1">
+            <a:schemeClr val="accent3"/>
+          </a:lnRef>
+          <a:fillRef idx="0">
+            <a:schemeClr val="accent3"/>
+          </a:fillRef>
+          <a:effectRef idx="0">
+            <a:schemeClr val="accent3"/>
+          </a:effectRef>
+          <a:fontRef idx="minor">
+            <a:schemeClr val="tx1"/>
+          </a:fontRef>
+        </p:style>
+      </p:cxnSp>
+      <p:sp>
+        <p:nvSpPr>
+          <p:cNvPr id="150" name="Rectangle: Rounded Corners 149">
+            <a:extLst>
+              <a:ext uri="{FF2B5EF4-FFF2-40B4-BE49-F238E27FC236}">
+                <a16:creationId xmlns:a16="http://schemas.microsoft.com/office/drawing/2014/main" id="{EF72C339-E032-48B1-97A0-CCA2129FE83A}"/>
+              </a:ext>
+            </a:extLst>
+          </p:cNvPr>
+          <p:cNvSpPr/>
+          <p:nvPr/>
+        </p:nvSpPr>
+        <p:spPr>
+          <a:xfrm>
+            <a:off x="8022847" y="2685359"/>
+            <a:ext cx="372795" cy="246221"/>
+          </a:xfrm>
+          <a:prstGeom prst="roundRect">
+            <a:avLst/>
+          </a:prstGeom>
+        </p:spPr>
+        <p:style>
+          <a:lnRef idx="2">
+            <a:schemeClr val="accent6">
+              <a:shade val="50000"/>
+            </a:schemeClr>
+          </a:lnRef>
+          <a:fillRef idx="1">
+            <a:schemeClr val="accent6"/>
+          </a:fillRef>
+          <a:effectRef idx="0">
+            <a:schemeClr val="accent6"/>
+          </a:effectRef>
+          <a:fontRef idx="minor">
+            <a:schemeClr val="lt1"/>
+          </a:fontRef>
+        </p:style>
+        <p:txBody>
+          <a:bodyPr rtlCol="0" anchor="ctr"/>
+          <a:lstStyle/>
+          <a:p>
+            <a:pPr algn="ctr"/>
+            <a:r>
+              <a:rPr lang="en-US" sz="1200" dirty="0"/>
+              <a:t>R</a:t>
+            </a:r>
+            <a:r>
+              <a:rPr lang="en-US" sz="1200" baseline="-25000" dirty="0"/>
+              <a:t>0</a:t>
+            </a:r>
+          </a:p>
+        </p:txBody>
+      </p:sp>
+      <p:cxnSp>
+        <p:nvCxnSpPr>
+          <p:cNvPr id="151" name="Straight Arrow Connector 125">
+            <a:extLst>
+              <a:ext uri="{FF2B5EF4-FFF2-40B4-BE49-F238E27FC236}">
+                <a16:creationId xmlns:a16="http://schemas.microsoft.com/office/drawing/2014/main" id="{B951EC9E-DCD2-4E7D-804B-C3A2F0437D99}"/>
+              </a:ext>
+            </a:extLst>
+          </p:cNvPr>
+          <p:cNvCxnSpPr>
+            <a:cxnSpLocks/>
+            <a:stCxn id="150" idx="2"/>
+            <a:endCxn id="146" idx="0"/>
+          </p:cNvCxnSpPr>
+          <p:nvPr/>
+        </p:nvCxnSpPr>
+        <p:spPr>
+          <a:xfrm rot="5400000">
+            <a:off x="7925615" y="2889374"/>
+            <a:ext cx="241425" cy="325837"/>
+          </a:xfrm>
+          <a:prstGeom prst="bentConnector3">
+            <a:avLst>
+              <a:gd name="adj1" fmla="val 50000"/>
+            </a:avLst>
+          </a:prstGeom>
+          <a:ln>
+            <a:tailEnd type="triangle"/>
+          </a:ln>
+        </p:spPr>
+        <p:style>
+          <a:lnRef idx="1">
+            <a:schemeClr val="accent3"/>
+          </a:lnRef>
+          <a:fillRef idx="0">
+            <a:schemeClr val="accent3"/>
+          </a:fillRef>
+          <a:effectRef idx="0">
+            <a:schemeClr val="accent3"/>
+          </a:effectRef>
+          <a:fontRef idx="minor">
+            <a:schemeClr val="tx1"/>
+          </a:fontRef>
+        </p:style>
+      </p:cxnSp>
+      <p:sp>
+        <p:nvSpPr>
+          <p:cNvPr id="156" name="Rectangle: Rounded Corners 155">
+            <a:extLst>
+              <a:ext uri="{FF2B5EF4-FFF2-40B4-BE49-F238E27FC236}">
+                <a16:creationId xmlns:a16="http://schemas.microsoft.com/office/drawing/2014/main" id="{9FC01156-8B69-4D4E-BEC4-120F677F2B67}"/>
+              </a:ext>
+            </a:extLst>
+          </p:cNvPr>
+          <p:cNvSpPr/>
+          <p:nvPr/>
+        </p:nvSpPr>
+        <p:spPr>
+          <a:xfrm>
+            <a:off x="3920521" y="5187520"/>
+            <a:ext cx="559777" cy="273109"/>
+          </a:xfrm>
+          <a:prstGeom prst="roundRect">
+            <a:avLst/>
+          </a:prstGeom>
+        </p:spPr>
+        <p:style>
+          <a:lnRef idx="2">
+            <a:schemeClr val="accent1">
+              <a:shade val="50000"/>
+            </a:schemeClr>
+          </a:lnRef>
+          <a:fillRef idx="1">
+            <a:schemeClr val="accent1"/>
+          </a:fillRef>
+          <a:effectRef idx="0">
+            <a:schemeClr val="accent1"/>
+          </a:effectRef>
+          <a:fontRef idx="minor">
+            <a:schemeClr val="lt1"/>
+          </a:fontRef>
+        </p:style>
+        <p:txBody>
+          <a:bodyPr rtlCol="0" anchor="ctr"/>
+          <a:lstStyle/>
+          <a:p>
+            <a:pPr algn="ctr"/>
+            <a:r>
+              <a:rPr lang="en-US" sz="1200" b="1" dirty="0"/>
+              <a:t>x</a:t>
+            </a:r>
+            <a:r>
+              <a:rPr lang="en-US" sz="1200" b="1" baseline="-25000" dirty="0"/>
+              <a:t>0</a:t>
+            </a:r>
+          </a:p>
+        </p:txBody>
+      </p:sp>
+      <p:cxnSp>
+        <p:nvCxnSpPr>
+          <p:cNvPr id="158" name="Straight Arrow Connector 157">
+            <a:extLst>
+              <a:ext uri="{FF2B5EF4-FFF2-40B4-BE49-F238E27FC236}">
+                <a16:creationId xmlns:a16="http://schemas.microsoft.com/office/drawing/2014/main" id="{B64E5DD4-511A-4CAC-B74C-FD92DB4FF53D}"/>
+              </a:ext>
+            </a:extLst>
+          </p:cNvPr>
+          <p:cNvCxnSpPr>
+            <a:cxnSpLocks/>
+            <a:stCxn id="157" idx="0"/>
+            <a:endCxn id="5" idx="1"/>
+          </p:cNvCxnSpPr>
+          <p:nvPr/>
+        </p:nvCxnSpPr>
+        <p:spPr>
+          <a:xfrm rot="5400000" flipH="1" flipV="1">
+            <a:off x="-1531206" y="3619100"/>
+            <a:ext cx="3583473" cy="205450"/>
+          </a:xfrm>
+          <a:prstGeom prst="bentConnector2">
+            <a:avLst/>
+          </a:prstGeom>
+          <a:ln>
+            <a:tailEnd type="triangle"/>
+          </a:ln>
+        </p:spPr>
+        <p:style>
+          <a:lnRef idx="1">
+            <a:schemeClr val="accent1"/>
+          </a:lnRef>
+          <a:fillRef idx="0">
+            <a:schemeClr val="accent1"/>
+          </a:fillRef>
+          <a:effectRef idx="0">
+            <a:schemeClr val="accent1"/>
+          </a:effectRef>
+          <a:fontRef idx="minor">
+            <a:schemeClr val="tx1"/>
+          </a:fontRef>
+        </p:style>
+      </p:cxnSp>
+      <p:cxnSp>
+        <p:nvCxnSpPr>
+          <p:cNvPr id="161" name="Straight Arrow Connector 157">
+            <a:extLst>
+              <a:ext uri="{FF2B5EF4-FFF2-40B4-BE49-F238E27FC236}">
+                <a16:creationId xmlns:a16="http://schemas.microsoft.com/office/drawing/2014/main" id="{6FFA10F2-77AB-4886-B795-52479FF93C4E}"/>
+              </a:ext>
+            </a:extLst>
+          </p:cNvPr>
+          <p:cNvCxnSpPr>
+            <a:cxnSpLocks/>
+            <a:stCxn id="157" idx="0"/>
+            <a:endCxn id="4" idx="1"/>
+          </p:cNvCxnSpPr>
+          <p:nvPr/>
+        </p:nvCxnSpPr>
+        <p:spPr>
+          <a:xfrm rot="5400000" flipH="1" flipV="1">
+            <a:off x="-1951194" y="3199112"/>
+            <a:ext cx="4423448" cy="205450"/>
+          </a:xfrm>
+          <a:prstGeom prst="bentConnector2">
+            <a:avLst/>
+          </a:prstGeom>
+          <a:ln>
+            <a:tailEnd type="triangle"/>
+          </a:ln>
+        </p:spPr>
+        <p:style>
+          <a:lnRef idx="1">
+            <a:schemeClr val="accent1"/>
+          </a:lnRef>
+          <a:fillRef idx="0">
+            <a:schemeClr val="accent1"/>
+          </a:fillRef>
+          <a:effectRef idx="0">
+            <a:schemeClr val="accent1"/>
+          </a:effectRef>
+          <a:fontRef idx="minor">
+            <a:schemeClr val="tx1"/>
+          </a:fontRef>
+        </p:style>
+      </p:cxnSp>
+      <p:cxnSp>
+        <p:nvCxnSpPr>
+          <p:cNvPr id="169" name="Straight Arrow Connector 157">
+            <a:extLst>
+              <a:ext uri="{FF2B5EF4-FFF2-40B4-BE49-F238E27FC236}">
+                <a16:creationId xmlns:a16="http://schemas.microsoft.com/office/drawing/2014/main" id="{30E79CD9-60AA-497D-8B08-36EDBEEA43E1}"/>
+              </a:ext>
+            </a:extLst>
+          </p:cNvPr>
+          <p:cNvCxnSpPr>
+            <a:cxnSpLocks/>
+            <a:stCxn id="157" idx="6"/>
+            <a:endCxn id="156" idx="1"/>
+          </p:cNvCxnSpPr>
+          <p:nvPr/>
+        </p:nvCxnSpPr>
+        <p:spPr>
+          <a:xfrm flipV="1">
+            <a:off x="235239" y="5324075"/>
+            <a:ext cx="3685282" cy="266921"/>
+          </a:xfrm>
+          <a:prstGeom prst="bentConnector3">
+            <a:avLst>
+              <a:gd name="adj1" fmla="val 50000"/>
+            </a:avLst>
+          </a:prstGeom>
+          <a:ln>
+            <a:tailEnd type="triangle"/>
+          </a:ln>
+        </p:spPr>
+        <p:style>
+          <a:lnRef idx="1">
+            <a:schemeClr val="accent1"/>
+          </a:lnRef>
+          <a:fillRef idx="0">
+            <a:schemeClr val="accent1"/>
+          </a:fillRef>
+          <a:effectRef idx="0">
+            <a:schemeClr val="accent1"/>
+          </a:effectRef>
+          <a:fontRef idx="minor">
+            <a:schemeClr val="tx1"/>
+          </a:fontRef>
+        </p:style>
+      </p:cxnSp>
+      <p:sp>
+        <p:nvSpPr>
+          <p:cNvPr id="175" name="TextBox 174">
+            <a:extLst>
+              <a:ext uri="{FF2B5EF4-FFF2-40B4-BE49-F238E27FC236}">
+                <a16:creationId xmlns:a16="http://schemas.microsoft.com/office/drawing/2014/main" id="{7A3E6F0A-BE90-452D-A4CA-EB8CB0BB7F6B}"/>
+              </a:ext>
+            </a:extLst>
+          </p:cNvPr>
+          <p:cNvSpPr txBox="1"/>
+          <p:nvPr/>
+        </p:nvSpPr>
+        <p:spPr>
+          <a:xfrm>
+            <a:off x="6334778" y="2723850"/>
+            <a:ext cx="772053" cy="215444"/>
+          </a:xfrm>
+          <a:prstGeom prst="rect">
+            <a:avLst/>
+          </a:prstGeom>
+          <a:noFill/>
+        </p:spPr>
+        <p:txBody>
+          <a:bodyPr wrap="square" rtlCol="0">
+            <a:spAutoFit/>
+          </a:bodyPr>
+          <a:lstStyle/>
+          <a:p>
+            <a:r>
+              <a:rPr lang="en-US" sz="800" dirty="0"/>
+              <a:t>Restriction</a:t>
+            </a:r>
+          </a:p>
+        </p:txBody>
+      </p:sp>
+      <p:cxnSp>
+        <p:nvCxnSpPr>
+          <p:cNvPr id="185" name="Straight Arrow Connector 184">
+            <a:extLst>
+              <a:ext uri="{FF2B5EF4-FFF2-40B4-BE49-F238E27FC236}">
+                <a16:creationId xmlns:a16="http://schemas.microsoft.com/office/drawing/2014/main" id="{0D1997E4-AE5C-4EDF-94A1-3F5BE563F335}"/>
+              </a:ext>
+            </a:extLst>
+          </p:cNvPr>
+          <p:cNvCxnSpPr>
+            <a:cxnSpLocks/>
+          </p:cNvCxnSpPr>
+          <p:nvPr/>
+        </p:nvCxnSpPr>
+        <p:spPr>
+          <a:xfrm>
+            <a:off x="7260069" y="3731522"/>
+            <a:ext cx="252152" cy="663847"/>
+          </a:xfrm>
+          <a:prstGeom prst="straightConnector1">
+            <a:avLst/>
+          </a:prstGeom>
+          <a:ln w="28575">
+            <a:solidFill>
+              <a:schemeClr val="bg1">
+                <a:lumMod val="50000"/>
+              </a:schemeClr>
+            </a:solidFill>
+            <a:prstDash val="dash"/>
+            <a:tailEnd type="triangle"/>
+          </a:ln>
+        </p:spPr>
+        <p:style>
+          <a:lnRef idx="1">
+            <a:schemeClr val="dk1"/>
+          </a:lnRef>
+          <a:fillRef idx="0">
+            <a:schemeClr val="dk1"/>
+          </a:fillRef>
+          <a:effectRef idx="0">
+            <a:schemeClr val="dk1"/>
+          </a:effectRef>
+          <a:fontRef idx="minor">
+            <a:schemeClr val="tx1"/>
+          </a:fontRef>
+        </p:style>
+      </p:cxnSp>
+      <p:sp>
+        <p:nvSpPr>
+          <p:cNvPr id="187" name="Rectangle: Rounded Corners 186">
+            <a:extLst>
+              <a:ext uri="{FF2B5EF4-FFF2-40B4-BE49-F238E27FC236}">
+                <a16:creationId xmlns:a16="http://schemas.microsoft.com/office/drawing/2014/main" id="{F2D33FB3-9C1F-4F7A-8F1F-A1D0A8636D2E}"/>
+              </a:ext>
+            </a:extLst>
+          </p:cNvPr>
+          <p:cNvSpPr/>
+          <p:nvPr/>
+        </p:nvSpPr>
+        <p:spPr>
+          <a:xfrm>
+            <a:off x="8435583" y="4608436"/>
+            <a:ext cx="770990" cy="273109"/>
+          </a:xfrm>
+          <a:prstGeom prst="roundRect">
+            <a:avLst/>
+          </a:prstGeom>
+        </p:spPr>
+        <p:style>
+          <a:lnRef idx="2">
+            <a:schemeClr val="accent1">
+              <a:shade val="50000"/>
+            </a:schemeClr>
+          </a:lnRef>
+          <a:fillRef idx="1">
+            <a:schemeClr val="accent1"/>
+          </a:fillRef>
+          <a:effectRef idx="0">
+            <a:schemeClr val="accent1"/>
+          </a:effectRef>
+          <a:fontRef idx="minor">
+            <a:schemeClr val="lt1"/>
+          </a:fontRef>
+        </p:style>
+        <p:txBody>
+          <a:bodyPr rtlCol="0" anchor="ctr"/>
+          <a:lstStyle/>
+          <a:p>
+            <a:pPr algn="ctr"/>
+            <a:r>
+              <a:rPr lang="en-US" sz="1200" dirty="0"/>
+              <a:t>f</a:t>
+            </a:r>
+            <a:r>
+              <a:rPr lang="en-US" sz="1200" baseline="-25000" dirty="0"/>
+              <a:t>(n-1)</a:t>
+            </a:r>
+          </a:p>
+        </p:txBody>
+      </p:sp>
+      <mc:AlternateContent xmlns:mc="http://schemas.openxmlformats.org/markup-compatibility/2006" xmlns:a14="http://schemas.microsoft.com/office/drawing/2010/main">
+        <mc:Choice Requires="a14">
+          <p:sp>
+            <p:nvSpPr>
+              <p:cNvPr id="192" name="TextBox 191">
+                <a:extLst>
+                  <a:ext uri="{FF2B5EF4-FFF2-40B4-BE49-F238E27FC236}">
+                    <a16:creationId xmlns:a16="http://schemas.microsoft.com/office/drawing/2014/main" id="{F8D460A3-6D86-431C-A1BF-867858DCAE4C}"/>
+                  </a:ext>
+                </a:extLst>
+              </p:cNvPr>
+              <p:cNvSpPr txBox="1"/>
+              <p:nvPr/>
+            </p:nvSpPr>
+            <p:spPr>
+              <a:xfrm>
+                <a:off x="8079060" y="2914313"/>
+                <a:ext cx="1199297" cy="246221"/>
+              </a:xfrm>
+              <a:prstGeom prst="rect">
+                <a:avLst/>
+              </a:prstGeom>
+              <a:noFill/>
+            </p:spPr>
+            <p:txBody>
+              <a:bodyPr wrap="square" rtlCol="0">
+                <a:spAutoFit/>
+              </a:bodyPr>
+              <a:lstStyle/>
+              <a:p>
+                <a:pPr/>
+                <a14:m>
+                  <m:oMathPara xmlns:m="http://schemas.openxmlformats.org/officeDocument/2006/math">
+                    <m:oMathParaPr>
+                      <m:jc m:val="centerGroup"/>
+                    </m:oMathParaPr>
+                    <m:oMath xmlns:m="http://schemas.openxmlformats.org/officeDocument/2006/math">
+                      <m:r>
+                        <a:rPr lang="en-US" sz="1000" b="0" i="1" dirty="0" smtClean="0">
+                          <a:solidFill>
+                            <a:schemeClr val="bg1">
+                              <a:lumMod val="50000"/>
+                            </a:schemeClr>
+                          </a:solidFill>
+                          <a:latin typeface="Cambria Math" panose="02040503050406030204" pitchFamily="18" charset="0"/>
+                        </a:rPr>
+                        <m:t>𝑓</m:t>
+                      </m:r>
+                      <m:r>
+                        <a:rPr lang="en-US" sz="1000" b="0" i="1" baseline="-25000" dirty="0" smtClean="0">
+                          <a:solidFill>
+                            <a:schemeClr val="bg1">
+                              <a:lumMod val="50000"/>
+                            </a:schemeClr>
+                          </a:solidFill>
+                          <a:latin typeface="Cambria Math" panose="02040503050406030204" pitchFamily="18" charset="0"/>
+                        </a:rPr>
+                        <m:t>1</m:t>
+                      </m:r>
+                      <m:r>
+                        <a:rPr lang="en-US" sz="1000" i="1" dirty="0" smtClean="0">
+                          <a:solidFill>
+                            <a:schemeClr val="bg1">
+                              <a:lumMod val="50000"/>
+                            </a:schemeClr>
+                          </a:solidFill>
+                          <a:latin typeface="Cambria Math" panose="02040503050406030204" pitchFamily="18" charset="0"/>
+                        </a:rPr>
+                        <m:t> =</m:t>
+                      </m:r>
+                      <m:r>
+                        <a:rPr lang="en-US" sz="1000" b="0" i="1" dirty="0" smtClean="0">
+                          <a:solidFill>
+                            <a:schemeClr val="bg1">
+                              <a:lumMod val="50000"/>
+                            </a:schemeClr>
+                          </a:solidFill>
+                          <a:latin typeface="Cambria Math" panose="02040503050406030204" pitchFamily="18" charset="0"/>
+                        </a:rPr>
+                        <m:t>𝑅</m:t>
+                      </m:r>
+                      <m:r>
+                        <a:rPr lang="en-US" sz="1000" i="1" baseline="-25000" dirty="0" smtClean="0">
+                          <a:solidFill>
+                            <a:schemeClr val="bg1">
+                              <a:lumMod val="50000"/>
+                            </a:schemeClr>
+                          </a:solidFill>
+                          <a:latin typeface="Cambria Math" panose="02040503050406030204" pitchFamily="18" charset="0"/>
+                        </a:rPr>
+                        <m:t>0</m:t>
+                      </m:r>
+                      <m:r>
+                        <a:rPr lang="en-US" sz="1000" b="0" i="1" dirty="0" smtClean="0">
+                          <a:solidFill>
+                            <a:schemeClr val="bg1">
+                              <a:lumMod val="50000"/>
+                            </a:schemeClr>
+                          </a:solidFill>
+                          <a:latin typeface="Cambria Math" panose="02040503050406030204" pitchFamily="18" charset="0"/>
+                        </a:rPr>
+                        <m:t>𝑟</m:t>
+                      </m:r>
+                      <m:r>
+                        <a:rPr lang="en-US" sz="1000" i="1" baseline="-25000" dirty="0" smtClean="0">
+                          <a:solidFill>
+                            <a:schemeClr val="bg1">
+                              <a:lumMod val="50000"/>
+                            </a:schemeClr>
+                          </a:solidFill>
+                          <a:latin typeface="Cambria Math" panose="02040503050406030204" pitchFamily="18" charset="0"/>
+                        </a:rPr>
+                        <m:t>0</m:t>
+                      </m:r>
+                      <m:r>
+                        <a:rPr lang="en-US" sz="1000" b="0" i="1" dirty="0" smtClean="0">
+                          <a:solidFill>
+                            <a:schemeClr val="bg1">
+                              <a:lumMod val="50000"/>
+                            </a:schemeClr>
+                          </a:solidFill>
+                          <a:latin typeface="Cambria Math" panose="02040503050406030204" pitchFamily="18" charset="0"/>
+                        </a:rPr>
+                        <m:t>′</m:t>
+                      </m:r>
+                    </m:oMath>
+                  </m:oMathPara>
+                </a14:m>
+                <a:endParaRPr lang="en-US" sz="1000" dirty="0">
+                  <a:solidFill>
+                    <a:schemeClr val="bg1">
+                      <a:lumMod val="50000"/>
+                    </a:schemeClr>
+                  </a:solidFill>
+                </a:endParaRPr>
+              </a:p>
+            </p:txBody>
+          </p:sp>
+        </mc:Choice>
+        <mc:Fallback xmlns="">
+          <p:sp>
+            <p:nvSpPr>
+              <p:cNvPr id="192" name="TextBox 191">
+                <a:extLst>
+                  <a:ext uri="{FF2B5EF4-FFF2-40B4-BE49-F238E27FC236}">
+                    <a16:creationId xmlns:a16="http://schemas.microsoft.com/office/drawing/2014/main" id="{F8D460A3-6D86-431C-A1BF-867858DCAE4C}"/>
+                  </a:ext>
+                </a:extLst>
+              </p:cNvPr>
+              <p:cNvSpPr txBox="1">
+                <a:spLocks noRot="1" noChangeAspect="1" noMove="1" noResize="1" noEditPoints="1" noAdjustHandles="1" noChangeArrowheads="1" noChangeShapeType="1" noTextEdit="1"/>
+              </p:cNvSpPr>
+              <p:nvPr/>
+            </p:nvSpPr>
+            <p:spPr>
+              <a:xfrm>
+                <a:off x="8079060" y="2914313"/>
+                <a:ext cx="1199297" cy="246221"/>
+              </a:xfrm>
+              <a:prstGeom prst="rect">
+                <a:avLst/>
+              </a:prstGeom>
+              <a:blipFill>
+                <a:blip r:embed="rId3"/>
+                <a:stretch>
+                  <a:fillRect b="-5000"/>
+                </a:stretch>
+              </a:blipFill>
+            </p:spPr>
+            <p:txBody>
+              <a:bodyPr/>
+              <a:lstStyle/>
+              <a:p>
+                <a:r>
+                  <a:rPr lang="en-US">
+                    <a:noFill/>
+                  </a:rPr>
+                  <a:t> </a:t>
+                </a:r>
+              </a:p>
+            </p:txBody>
+          </p:sp>
+        </mc:Fallback>
+      </mc:AlternateContent>
+      <p:sp>
+        <p:nvSpPr>
+          <p:cNvPr id="195" name="Flowchart: Multidocument 194">
+            <a:extLst>
+              <a:ext uri="{FF2B5EF4-FFF2-40B4-BE49-F238E27FC236}">
+                <a16:creationId xmlns:a16="http://schemas.microsoft.com/office/drawing/2014/main" id="{0A50D3D0-CCDC-4608-86F2-B02652CF8C1B}"/>
+              </a:ext>
+            </a:extLst>
+          </p:cNvPr>
+          <p:cNvSpPr/>
+          <p:nvPr/>
+        </p:nvSpPr>
+        <p:spPr>
+          <a:xfrm>
+            <a:off x="3788803" y="5590796"/>
+            <a:ext cx="823213" cy="350544"/>
+          </a:xfrm>
+          <a:prstGeom prst="flowChartMultidocument">
+            <a:avLst/>
+          </a:prstGeom>
+        </p:spPr>
+        <p:style>
+          <a:lnRef idx="2">
+            <a:schemeClr val="accent1">
+              <a:shade val="50000"/>
+            </a:schemeClr>
+          </a:lnRef>
+          <a:fillRef idx="1">
+            <a:schemeClr val="accent1"/>
+          </a:fillRef>
+          <a:effectRef idx="0">
+            <a:schemeClr val="accent1"/>
+          </a:effectRef>
+          <a:fontRef idx="minor">
+            <a:schemeClr val="lt1"/>
+          </a:fontRef>
+        </p:style>
+        <p:txBody>
+          <a:bodyPr rtlCol="0" anchor="ctr"/>
+          <a:lstStyle/>
+          <a:p>
+            <a:pPr algn="ctr"/>
+            <a:r>
+              <a:rPr lang="en-US" sz="1200" b="1" dirty="0"/>
+              <a:t>x</a:t>
+            </a:r>
+            <a:r>
+              <a:rPr lang="en-US" sz="1200" b="1" baseline="-25000" dirty="0"/>
+              <a:t>i</a:t>
+            </a:r>
+          </a:p>
+        </p:txBody>
+      </p:sp>
+      <p:sp>
+        <p:nvSpPr>
+          <p:cNvPr id="196" name="Flowchart: Multidocument 195">
+            <a:extLst>
+              <a:ext uri="{FF2B5EF4-FFF2-40B4-BE49-F238E27FC236}">
+                <a16:creationId xmlns:a16="http://schemas.microsoft.com/office/drawing/2014/main" id="{C63D6D58-116D-400C-ABDC-7B4099299B3B}"/>
+              </a:ext>
+            </a:extLst>
+          </p:cNvPr>
+          <p:cNvSpPr/>
+          <p:nvPr/>
+        </p:nvSpPr>
+        <p:spPr>
+          <a:xfrm>
+            <a:off x="3788803" y="6055007"/>
+            <a:ext cx="823213" cy="350544"/>
+          </a:xfrm>
+          <a:prstGeom prst="flowChartMultidocument">
+            <a:avLst/>
+          </a:prstGeom>
+        </p:spPr>
+        <p:style>
+          <a:lnRef idx="2">
+            <a:schemeClr val="accent1">
+              <a:shade val="50000"/>
+            </a:schemeClr>
+          </a:lnRef>
+          <a:fillRef idx="1">
+            <a:schemeClr val="accent1"/>
+          </a:fillRef>
+          <a:effectRef idx="0">
+            <a:schemeClr val="accent1"/>
+          </a:effectRef>
+          <a:fontRef idx="minor">
+            <a:schemeClr val="lt1"/>
+          </a:fontRef>
+        </p:style>
+        <p:txBody>
+          <a:bodyPr rtlCol="0" anchor="ctr"/>
+          <a:lstStyle/>
+          <a:p>
+            <a:pPr algn="ctr"/>
+            <a:r>
+              <a:rPr lang="en-US" sz="1200" b="1" dirty="0" err="1"/>
+              <a:t>r</a:t>
+            </a:r>
+            <a:r>
+              <a:rPr lang="en-US" sz="1200" b="1" baseline="-25000" dirty="0" err="1"/>
+              <a:t>i</a:t>
+            </a:r>
+            <a:endParaRPr lang="en-US" sz="1200" b="1" baseline="-25000" dirty="0"/>
+          </a:p>
+        </p:txBody>
+      </p:sp>
+      <p:cxnSp>
+        <p:nvCxnSpPr>
+          <p:cNvPr id="199" name="Straight Arrow Connector 157">
+            <a:extLst>
+              <a:ext uri="{FF2B5EF4-FFF2-40B4-BE49-F238E27FC236}">
+                <a16:creationId xmlns:a16="http://schemas.microsoft.com/office/drawing/2014/main" id="{7E6131B6-DFAA-476B-88EF-E54478F13A6F}"/>
+              </a:ext>
+            </a:extLst>
+          </p:cNvPr>
+          <p:cNvCxnSpPr>
+            <a:cxnSpLocks/>
+            <a:stCxn id="157" idx="6"/>
+            <a:endCxn id="195" idx="1"/>
+          </p:cNvCxnSpPr>
+          <p:nvPr/>
+        </p:nvCxnSpPr>
+        <p:spPr>
+          <a:xfrm>
+            <a:off x="235239" y="5590996"/>
+            <a:ext cx="3553564" cy="175072"/>
+          </a:xfrm>
+          <a:prstGeom prst="bentConnector3">
+            <a:avLst>
+              <a:gd name="adj1" fmla="val 50000"/>
+            </a:avLst>
+          </a:prstGeom>
+          <a:ln>
+            <a:tailEnd type="triangle"/>
+          </a:ln>
+        </p:spPr>
+        <p:style>
+          <a:lnRef idx="1">
+            <a:schemeClr val="accent1"/>
+          </a:lnRef>
+          <a:fillRef idx="0">
+            <a:schemeClr val="accent1"/>
+          </a:fillRef>
+          <a:effectRef idx="0">
+            <a:schemeClr val="accent1"/>
+          </a:effectRef>
+          <a:fontRef idx="minor">
+            <a:schemeClr val="tx1"/>
+          </a:fontRef>
+        </p:style>
+      </p:cxnSp>
+      <p:cxnSp>
+        <p:nvCxnSpPr>
+          <p:cNvPr id="202" name="Straight Arrow Connector 157">
+            <a:extLst>
+              <a:ext uri="{FF2B5EF4-FFF2-40B4-BE49-F238E27FC236}">
+                <a16:creationId xmlns:a16="http://schemas.microsoft.com/office/drawing/2014/main" id="{B3D2AEC8-C9F6-499B-B913-826B8EDA8DEC}"/>
+              </a:ext>
+            </a:extLst>
+          </p:cNvPr>
+          <p:cNvCxnSpPr>
+            <a:cxnSpLocks/>
+            <a:stCxn id="157" idx="6"/>
+            <a:endCxn id="196" idx="1"/>
+          </p:cNvCxnSpPr>
+          <p:nvPr/>
+        </p:nvCxnSpPr>
+        <p:spPr>
+          <a:xfrm>
+            <a:off x="235239" y="5590996"/>
+            <a:ext cx="3553564" cy="639283"/>
+          </a:xfrm>
+          <a:prstGeom prst="bentConnector3">
+            <a:avLst>
+              <a:gd name="adj1" fmla="val 50000"/>
+            </a:avLst>
+          </a:prstGeom>
+          <a:ln>
+            <a:tailEnd type="triangle"/>
+          </a:ln>
+        </p:spPr>
+        <p:style>
+          <a:lnRef idx="1">
+            <a:schemeClr val="accent1"/>
+          </a:lnRef>
+          <a:fillRef idx="0">
+            <a:schemeClr val="accent1"/>
+          </a:fillRef>
+          <a:effectRef idx="0">
+            <a:schemeClr val="accent1"/>
+          </a:effectRef>
+          <a:fontRef idx="minor">
+            <a:schemeClr val="tx1"/>
+          </a:fontRef>
+        </p:style>
+      </p:cxnSp>
+      <p:cxnSp>
+        <p:nvCxnSpPr>
+          <p:cNvPr id="211" name="Straight Arrow Connector 125">
+            <a:extLst>
+              <a:ext uri="{FF2B5EF4-FFF2-40B4-BE49-F238E27FC236}">
+                <a16:creationId xmlns:a16="http://schemas.microsoft.com/office/drawing/2014/main" id="{0C3A1DEE-57EC-4CE0-ACDD-92B17C602AA8}"/>
+              </a:ext>
+            </a:extLst>
+          </p:cNvPr>
+          <p:cNvCxnSpPr>
+            <a:cxnSpLocks/>
+            <a:stCxn id="116" idx="2"/>
+            <a:endCxn id="215" idx="0"/>
+          </p:cNvCxnSpPr>
+          <p:nvPr/>
+        </p:nvCxnSpPr>
+        <p:spPr>
+          <a:xfrm rot="16200000" flipH="1">
+            <a:off x="7986884" y="4791322"/>
+            <a:ext cx="286831" cy="467276"/>
+          </a:xfrm>
+          <a:prstGeom prst="bentConnector3">
+            <a:avLst>
+              <a:gd name="adj1" fmla="val 50000"/>
+            </a:avLst>
+          </a:prstGeom>
+          <a:ln>
+            <a:tailEnd type="triangle"/>
+          </a:ln>
+        </p:spPr>
+        <p:style>
+          <a:lnRef idx="1">
+            <a:schemeClr val="accent3"/>
+          </a:lnRef>
+          <a:fillRef idx="0">
+            <a:schemeClr val="accent3"/>
+          </a:fillRef>
+          <a:effectRef idx="0">
+            <a:schemeClr val="accent3"/>
+          </a:effectRef>
+          <a:fontRef idx="minor">
+            <a:schemeClr val="tx1"/>
+          </a:fontRef>
+        </p:style>
+      </p:cxnSp>
+      <p:cxnSp>
+        <p:nvCxnSpPr>
+          <p:cNvPr id="212" name="Straight Arrow Connector 125">
+            <a:extLst>
+              <a:ext uri="{FF2B5EF4-FFF2-40B4-BE49-F238E27FC236}">
+                <a16:creationId xmlns:a16="http://schemas.microsoft.com/office/drawing/2014/main" id="{199CD362-4306-441E-97E7-4AC8401D4663}"/>
+              </a:ext>
+            </a:extLst>
+          </p:cNvPr>
+          <p:cNvCxnSpPr>
+            <a:cxnSpLocks/>
+            <a:stCxn id="187" idx="2"/>
+            <a:endCxn id="215" idx="0"/>
+          </p:cNvCxnSpPr>
+          <p:nvPr/>
+        </p:nvCxnSpPr>
+        <p:spPr>
+          <a:xfrm rot="5400000">
+            <a:off x="8449093" y="4796390"/>
+            <a:ext cx="286831" cy="457141"/>
+          </a:xfrm>
+          <a:prstGeom prst="bentConnector3">
+            <a:avLst>
+              <a:gd name="adj1" fmla="val 50000"/>
+            </a:avLst>
+          </a:prstGeom>
+          <a:ln>
+            <a:tailEnd type="triangle"/>
+          </a:ln>
+        </p:spPr>
+        <p:style>
+          <a:lnRef idx="1">
+            <a:schemeClr val="accent3"/>
+          </a:lnRef>
+          <a:fillRef idx="0">
+            <a:schemeClr val="accent3"/>
+          </a:fillRef>
+          <a:effectRef idx="0">
+            <a:schemeClr val="accent3"/>
+          </a:effectRef>
+          <a:fontRef idx="minor">
+            <a:schemeClr val="tx1"/>
+          </a:fontRef>
+        </p:style>
+      </p:cxnSp>
+      <p:sp>
+        <p:nvSpPr>
+          <p:cNvPr id="215" name="Rectangle 214">
+            <a:extLst>
+              <a:ext uri="{FF2B5EF4-FFF2-40B4-BE49-F238E27FC236}">
+                <a16:creationId xmlns:a16="http://schemas.microsoft.com/office/drawing/2014/main" id="{7CBFD901-0AA5-4DC6-B309-43B7226EC6CF}"/>
+              </a:ext>
+            </a:extLst>
+          </p:cNvPr>
+          <p:cNvSpPr/>
+          <p:nvPr/>
+        </p:nvSpPr>
+        <p:spPr>
+          <a:xfrm>
+            <a:off x="7896660" y="5168376"/>
+            <a:ext cx="934553" cy="273109"/>
+          </a:xfrm>
+          <a:prstGeom prst="rect">
+            <a:avLst/>
+          </a:prstGeom>
+        </p:spPr>
+        <p:style>
+          <a:lnRef idx="2">
+            <a:schemeClr val="dk1">
+              <a:shade val="50000"/>
+            </a:schemeClr>
+          </a:lnRef>
+          <a:fillRef idx="1">
+            <a:schemeClr val="dk1"/>
+          </a:fillRef>
+          <a:effectRef idx="0">
+            <a:schemeClr val="dk1"/>
+          </a:effectRef>
+          <a:fontRef idx="minor">
+            <a:schemeClr val="lt1"/>
+          </a:fontRef>
+        </p:style>
+        <p:txBody>
+          <a:bodyPr rtlCol="0" anchor="ctr"/>
+          <a:lstStyle/>
+          <a:p>
+            <a:pPr algn="ctr"/>
+            <a:r>
+              <a:rPr lang="en-US" sz="1200" dirty="0"/>
+              <a:t>Exact Solve</a:t>
+            </a:r>
+          </a:p>
+        </p:txBody>
+      </p:sp>
+      <p:sp>
+        <p:nvSpPr>
+          <p:cNvPr id="222" name="Rectangle: Rounded Corners 221">
+            <a:extLst>
+              <a:ext uri="{FF2B5EF4-FFF2-40B4-BE49-F238E27FC236}">
+                <a16:creationId xmlns:a16="http://schemas.microsoft.com/office/drawing/2014/main" id="{3FF91357-AA7D-475E-8EBB-6DEA15EADC4C}"/>
+              </a:ext>
+            </a:extLst>
+          </p:cNvPr>
+          <p:cNvSpPr/>
+          <p:nvPr/>
+        </p:nvSpPr>
+        <p:spPr>
+          <a:xfrm>
+            <a:off x="8084047" y="5694606"/>
+            <a:ext cx="559777" cy="273109"/>
+          </a:xfrm>
+          <a:prstGeom prst="roundRect">
+            <a:avLst/>
+          </a:prstGeom>
+        </p:spPr>
+        <p:style>
+          <a:lnRef idx="2">
+            <a:schemeClr val="accent1">
+              <a:shade val="50000"/>
+            </a:schemeClr>
+          </a:lnRef>
+          <a:fillRef idx="1">
+            <a:schemeClr val="accent1"/>
+          </a:fillRef>
+          <a:effectRef idx="0">
+            <a:schemeClr val="accent1"/>
+          </a:effectRef>
+          <a:fontRef idx="minor">
+            <a:schemeClr val="lt1"/>
+          </a:fontRef>
+        </p:style>
+        <p:txBody>
+          <a:bodyPr rtlCol="0" anchor="ctr"/>
+          <a:lstStyle/>
+          <a:p>
+            <a:pPr algn="ctr"/>
+            <a:r>
+              <a:rPr lang="en-US" sz="1200" dirty="0"/>
+              <a:t>x</a:t>
+            </a:r>
+            <a:r>
+              <a:rPr lang="en-US" sz="1200" baseline="-25000" dirty="0"/>
+              <a:t>n-1</a:t>
+            </a:r>
+          </a:p>
+        </p:txBody>
+      </p:sp>
+      <p:cxnSp>
+        <p:nvCxnSpPr>
+          <p:cNvPr id="223" name="Straight Arrow Connector 125">
+            <a:extLst>
+              <a:ext uri="{FF2B5EF4-FFF2-40B4-BE49-F238E27FC236}">
+                <a16:creationId xmlns:a16="http://schemas.microsoft.com/office/drawing/2014/main" id="{871EE5A5-FDB2-4E8D-8C3E-AB4627828D86}"/>
+              </a:ext>
+            </a:extLst>
+          </p:cNvPr>
+          <p:cNvCxnSpPr>
+            <a:cxnSpLocks/>
+            <a:stCxn id="215" idx="2"/>
+            <a:endCxn id="222" idx="0"/>
+          </p:cNvCxnSpPr>
+          <p:nvPr/>
+        </p:nvCxnSpPr>
+        <p:spPr>
+          <a:xfrm flipH="1">
+            <a:off x="8363936" y="5441485"/>
+            <a:ext cx="1" cy="253121"/>
+          </a:xfrm>
+          <a:prstGeom prst="straightConnector1">
+            <a:avLst/>
+          </a:prstGeom>
+          <a:ln>
+            <a:tailEnd type="triangle"/>
+          </a:ln>
+        </p:spPr>
+        <p:style>
+          <a:lnRef idx="1">
+            <a:schemeClr val="accent3"/>
+          </a:lnRef>
+          <a:fillRef idx="0">
+            <a:schemeClr val="accent3"/>
+          </a:fillRef>
+          <a:effectRef idx="0">
+            <a:schemeClr val="accent3"/>
+          </a:effectRef>
+          <a:fontRef idx="minor">
+            <a:schemeClr val="tx1"/>
+          </a:fontRef>
+        </p:style>
+      </p:cxnSp>
+      <p:cxnSp>
+        <p:nvCxnSpPr>
+          <p:cNvPr id="229" name="Straight Arrow Connector 228">
+            <a:extLst>
+              <a:ext uri="{FF2B5EF4-FFF2-40B4-BE49-F238E27FC236}">
+                <a16:creationId xmlns:a16="http://schemas.microsoft.com/office/drawing/2014/main" id="{3E8DE888-023A-4C11-BA5C-121A9A466A86}"/>
+              </a:ext>
+            </a:extLst>
+          </p:cNvPr>
+          <p:cNvCxnSpPr>
+            <a:cxnSpLocks/>
+          </p:cNvCxnSpPr>
+          <p:nvPr/>
+        </p:nvCxnSpPr>
+        <p:spPr>
+          <a:xfrm flipV="1">
+            <a:off x="9206573" y="3759776"/>
+            <a:ext cx="310739" cy="703871"/>
+          </a:xfrm>
+          <a:prstGeom prst="straightConnector1">
+            <a:avLst/>
+          </a:prstGeom>
+          <a:ln w="28575">
+            <a:solidFill>
+              <a:schemeClr val="bg1">
+                <a:lumMod val="50000"/>
+              </a:schemeClr>
+            </a:solidFill>
+            <a:prstDash val="dash"/>
+            <a:tailEnd type="triangle"/>
+          </a:ln>
+        </p:spPr>
+        <p:style>
+          <a:lnRef idx="1">
+            <a:schemeClr val="dk1"/>
+          </a:lnRef>
+          <a:fillRef idx="0">
+            <a:schemeClr val="dk1"/>
+          </a:fillRef>
+          <a:effectRef idx="0">
+            <a:schemeClr val="dk1"/>
+          </a:effectRef>
+          <a:fontRef idx="minor">
+            <a:schemeClr val="tx1"/>
+          </a:fontRef>
+        </p:style>
+      </p:cxnSp>
+      <p:cxnSp>
+        <p:nvCxnSpPr>
+          <p:cNvPr id="232" name="Straight Arrow Connector 231">
+            <a:extLst>
+              <a:ext uri="{FF2B5EF4-FFF2-40B4-BE49-F238E27FC236}">
+                <a16:creationId xmlns:a16="http://schemas.microsoft.com/office/drawing/2014/main" id="{16AB1E76-F17B-4AF1-8CF5-B9946BC3175F}"/>
+              </a:ext>
+            </a:extLst>
+          </p:cNvPr>
+          <p:cNvCxnSpPr>
+            <a:cxnSpLocks/>
+          </p:cNvCxnSpPr>
+          <p:nvPr/>
+        </p:nvCxnSpPr>
+        <p:spPr>
+          <a:xfrm flipV="1">
+            <a:off x="9557234" y="2135250"/>
+            <a:ext cx="549934" cy="1530661"/>
+          </a:xfrm>
+          <a:prstGeom prst="straightConnector1">
+            <a:avLst/>
+          </a:prstGeom>
+          <a:ln w="28575">
+            <a:tailEnd type="triangle"/>
+          </a:ln>
+        </p:spPr>
+        <p:style>
+          <a:lnRef idx="1">
+            <a:schemeClr val="dk1"/>
+          </a:lnRef>
+          <a:fillRef idx="0">
+            <a:schemeClr val="dk1"/>
+          </a:fillRef>
+          <a:effectRef idx="0">
+            <a:schemeClr val="dk1"/>
+          </a:effectRef>
+          <a:fontRef idx="minor">
+            <a:schemeClr val="tx1"/>
+          </a:fontRef>
+        </p:style>
+      </p:cxnSp>
+      <p:sp>
+        <p:nvSpPr>
+          <p:cNvPr id="235" name="TextBox 234">
+            <a:extLst>
+              <a:ext uri="{FF2B5EF4-FFF2-40B4-BE49-F238E27FC236}">
+                <a16:creationId xmlns:a16="http://schemas.microsoft.com/office/drawing/2014/main" id="{C4301821-71DE-49C7-B948-44653254E9A4}"/>
+              </a:ext>
+            </a:extLst>
+          </p:cNvPr>
+          <p:cNvSpPr txBox="1"/>
+          <p:nvPr/>
+        </p:nvSpPr>
+        <p:spPr>
+          <a:xfrm>
+            <a:off x="9217563" y="2508381"/>
+            <a:ext cx="772053" cy="215444"/>
+          </a:xfrm>
+          <a:prstGeom prst="rect">
+            <a:avLst/>
+          </a:prstGeom>
+          <a:noFill/>
+        </p:spPr>
+        <p:txBody>
+          <a:bodyPr wrap="square" rtlCol="0">
+            <a:spAutoFit/>
+          </a:bodyPr>
+          <a:lstStyle/>
+          <a:p>
+            <a:r>
+              <a:rPr lang="en-US" sz="800" dirty="0"/>
+              <a:t>Interpolation</a:t>
+            </a:r>
+          </a:p>
+        </p:txBody>
+      </p:sp>
+      <p:sp>
+        <p:nvSpPr>
+          <p:cNvPr id="239" name="Rectangle: Rounded Corners 238">
+            <a:extLst>
+              <a:ext uri="{FF2B5EF4-FFF2-40B4-BE49-F238E27FC236}">
+                <a16:creationId xmlns:a16="http://schemas.microsoft.com/office/drawing/2014/main" id="{C3A69E1E-49D0-4BA1-9373-398ECCCF3BAF}"/>
+              </a:ext>
+            </a:extLst>
+          </p:cNvPr>
+          <p:cNvSpPr/>
+          <p:nvPr/>
+        </p:nvSpPr>
+        <p:spPr>
+          <a:xfrm>
+            <a:off x="9806784" y="3287697"/>
+            <a:ext cx="559777" cy="273109"/>
+          </a:xfrm>
+          <a:prstGeom prst="roundRect">
+            <a:avLst/>
+          </a:prstGeom>
+        </p:spPr>
+        <p:style>
+          <a:lnRef idx="2">
+            <a:schemeClr val="accent1">
+              <a:shade val="50000"/>
+            </a:schemeClr>
+          </a:lnRef>
+          <a:fillRef idx="1">
+            <a:schemeClr val="accent1"/>
+          </a:fillRef>
+          <a:effectRef idx="0">
+            <a:schemeClr val="accent1"/>
+          </a:effectRef>
+          <a:fontRef idx="minor">
+            <a:schemeClr val="lt1"/>
+          </a:fontRef>
+        </p:style>
+        <p:txBody>
+          <a:bodyPr rtlCol="0" anchor="ctr"/>
+          <a:lstStyle/>
+          <a:p>
+            <a:pPr algn="ctr"/>
+            <a:r>
+              <a:rPr lang="en-US" sz="1200" dirty="0"/>
+              <a:t>x</a:t>
+            </a:r>
+            <a:r>
+              <a:rPr lang="en-US" sz="1200" baseline="-25000" dirty="0"/>
+              <a:t>1</a:t>
+            </a:r>
+          </a:p>
+        </p:txBody>
+      </p:sp>
+      <p:sp>
+        <p:nvSpPr>
+          <p:cNvPr id="240" name="Rectangle: Rounded Corners 239">
+            <a:extLst>
+              <a:ext uri="{FF2B5EF4-FFF2-40B4-BE49-F238E27FC236}">
+                <a16:creationId xmlns:a16="http://schemas.microsoft.com/office/drawing/2014/main" id="{ED0BDA96-3D07-4242-8EF9-60667323A138}"/>
+              </a:ext>
+            </a:extLst>
+          </p:cNvPr>
+          <p:cNvSpPr/>
+          <p:nvPr/>
+        </p:nvSpPr>
+        <p:spPr>
+          <a:xfrm>
+            <a:off x="10717328" y="3314585"/>
+            <a:ext cx="372795" cy="246221"/>
+          </a:xfrm>
+          <a:prstGeom prst="roundRect">
+            <a:avLst/>
+          </a:prstGeom>
+        </p:spPr>
+        <p:style>
+          <a:lnRef idx="2">
+            <a:schemeClr val="dk1">
+              <a:shade val="50000"/>
+            </a:schemeClr>
+          </a:lnRef>
+          <a:fillRef idx="1">
+            <a:schemeClr val="dk1"/>
+          </a:fillRef>
+          <a:effectRef idx="0">
+            <a:schemeClr val="dk1"/>
+          </a:effectRef>
+          <a:fontRef idx="minor">
+            <a:schemeClr val="lt1"/>
+          </a:fontRef>
+        </p:style>
+        <p:txBody>
+          <a:bodyPr rtlCol="0" anchor="ctr"/>
+          <a:lstStyle/>
+          <a:p>
+            <a:pPr algn="ctr"/>
+            <a:r>
+              <a:rPr lang="en-US" sz="1200" dirty="0"/>
+              <a:t>I</a:t>
+            </a:r>
+            <a:r>
+              <a:rPr lang="en-US" sz="1200" baseline="-25000" dirty="0"/>
+              <a:t>0</a:t>
+            </a:r>
+          </a:p>
+        </p:txBody>
+      </p:sp>
+      <p:sp>
+        <p:nvSpPr>
+          <p:cNvPr id="241" name="Rectangle: Rounded Corners 240">
+            <a:extLst>
+              <a:ext uri="{FF2B5EF4-FFF2-40B4-BE49-F238E27FC236}">
+                <a16:creationId xmlns:a16="http://schemas.microsoft.com/office/drawing/2014/main" id="{FCB63D53-5084-412F-81F6-E8BAA730AB65}"/>
+              </a:ext>
+            </a:extLst>
+          </p:cNvPr>
+          <p:cNvSpPr/>
+          <p:nvPr/>
+        </p:nvSpPr>
+        <p:spPr>
+          <a:xfrm>
+            <a:off x="10577890" y="3497384"/>
+            <a:ext cx="372795" cy="246221"/>
+          </a:xfrm>
+          <a:prstGeom prst="roundRect">
+            <a:avLst/>
+          </a:prstGeom>
+        </p:spPr>
+        <p:style>
+          <a:lnRef idx="2">
+            <a:schemeClr val="accent6">
+              <a:shade val="50000"/>
+            </a:schemeClr>
+          </a:lnRef>
+          <a:fillRef idx="1">
+            <a:schemeClr val="accent6"/>
+          </a:fillRef>
+          <a:effectRef idx="0">
+            <a:schemeClr val="accent6"/>
+          </a:effectRef>
+          <a:fontRef idx="minor">
+            <a:schemeClr val="lt1"/>
+          </a:fontRef>
+        </p:style>
+        <p:txBody>
+          <a:bodyPr rtlCol="0" anchor="ctr"/>
+          <a:lstStyle/>
+          <a:p>
+            <a:pPr algn="ctr"/>
+            <a:r>
+              <a:rPr lang="en-US" sz="1200" dirty="0"/>
+              <a:t>I</a:t>
+            </a:r>
+            <a:r>
+              <a:rPr lang="en-US" sz="1200" baseline="-25000" dirty="0"/>
+              <a:t>0</a:t>
+            </a:r>
+          </a:p>
+        </p:txBody>
+      </p:sp>
+      <p:cxnSp>
+        <p:nvCxnSpPr>
+          <p:cNvPr id="242" name="Straight Arrow Connector 125">
+            <a:extLst>
+              <a:ext uri="{FF2B5EF4-FFF2-40B4-BE49-F238E27FC236}">
+                <a16:creationId xmlns:a16="http://schemas.microsoft.com/office/drawing/2014/main" id="{5A7D32A2-2FFF-44D5-A217-B7E2434BFAB6}"/>
+              </a:ext>
+            </a:extLst>
+          </p:cNvPr>
+          <p:cNvCxnSpPr>
+            <a:cxnSpLocks/>
+            <a:stCxn id="240" idx="0"/>
+            <a:endCxn id="250" idx="2"/>
+          </p:cNvCxnSpPr>
+          <p:nvPr/>
+        </p:nvCxnSpPr>
+        <p:spPr>
+          <a:xfrm rot="16200000" flipV="1">
+            <a:off x="10448035" y="2858893"/>
+            <a:ext cx="277162" cy="634221"/>
+          </a:xfrm>
+          <a:prstGeom prst="bentConnector3">
+            <a:avLst>
+              <a:gd name="adj1" fmla="val 50000"/>
+            </a:avLst>
+          </a:prstGeom>
+          <a:ln>
+            <a:tailEnd type="triangle"/>
+          </a:ln>
+        </p:spPr>
+        <p:style>
+          <a:lnRef idx="1">
+            <a:schemeClr val="accent3"/>
+          </a:lnRef>
+          <a:fillRef idx="0">
+            <a:schemeClr val="accent3"/>
+          </a:fillRef>
+          <a:effectRef idx="0">
+            <a:schemeClr val="accent3"/>
+          </a:effectRef>
+          <a:fontRef idx="minor">
+            <a:schemeClr val="tx1"/>
+          </a:fontRef>
+        </p:style>
+      </p:cxnSp>
+      <p:cxnSp>
+        <p:nvCxnSpPr>
+          <p:cNvPr id="243" name="Straight Arrow Connector 125">
+            <a:extLst>
+              <a:ext uri="{FF2B5EF4-FFF2-40B4-BE49-F238E27FC236}">
+                <a16:creationId xmlns:a16="http://schemas.microsoft.com/office/drawing/2014/main" id="{415C1D41-1645-45EB-9416-B79BC1D77902}"/>
+              </a:ext>
+            </a:extLst>
+          </p:cNvPr>
+          <p:cNvCxnSpPr>
+            <a:cxnSpLocks/>
+            <a:stCxn id="239" idx="0"/>
+            <a:endCxn id="250" idx="2"/>
+          </p:cNvCxnSpPr>
+          <p:nvPr/>
+        </p:nvCxnSpPr>
+        <p:spPr>
+          <a:xfrm rot="5400000" flipH="1" flipV="1">
+            <a:off x="10052952" y="3071144"/>
+            <a:ext cx="250274" cy="182832"/>
+          </a:xfrm>
+          <a:prstGeom prst="bentConnector3">
+            <a:avLst>
+              <a:gd name="adj1" fmla="val 50000"/>
+            </a:avLst>
+          </a:prstGeom>
+          <a:ln>
+            <a:tailEnd type="triangle"/>
+          </a:ln>
+        </p:spPr>
+        <p:style>
+          <a:lnRef idx="1">
+            <a:schemeClr val="accent3"/>
+          </a:lnRef>
+          <a:fillRef idx="0">
+            <a:schemeClr val="accent3"/>
+          </a:fillRef>
+          <a:effectRef idx="0">
+            <a:schemeClr val="accent3"/>
+          </a:effectRef>
+          <a:fontRef idx="minor">
+            <a:schemeClr val="tx1"/>
+          </a:fontRef>
+        </p:style>
+      </p:cxnSp>
+      <p:sp>
+        <p:nvSpPr>
+          <p:cNvPr id="250" name="Rectangle: Rounded Corners 249">
+            <a:extLst>
+              <a:ext uri="{FF2B5EF4-FFF2-40B4-BE49-F238E27FC236}">
+                <a16:creationId xmlns:a16="http://schemas.microsoft.com/office/drawing/2014/main" id="{93EEBE17-93D5-4C3F-A484-046821156334}"/>
+              </a:ext>
+            </a:extLst>
+          </p:cNvPr>
+          <p:cNvSpPr/>
+          <p:nvPr/>
+        </p:nvSpPr>
+        <p:spPr>
+          <a:xfrm>
+            <a:off x="9989616" y="2764314"/>
+            <a:ext cx="559777" cy="273109"/>
+          </a:xfrm>
+          <a:prstGeom prst="roundRect">
+            <a:avLst/>
+          </a:prstGeom>
+        </p:spPr>
+        <p:style>
+          <a:lnRef idx="2">
+            <a:schemeClr val="accent1">
+              <a:shade val="50000"/>
+            </a:schemeClr>
+          </a:lnRef>
+          <a:fillRef idx="1">
+            <a:schemeClr val="accent1"/>
+          </a:fillRef>
+          <a:effectRef idx="0">
+            <a:schemeClr val="accent1"/>
+          </a:effectRef>
+          <a:fontRef idx="minor">
+            <a:schemeClr val="lt1"/>
+          </a:fontRef>
+        </p:style>
+        <p:txBody>
+          <a:bodyPr rtlCol="0" anchor="ctr"/>
+          <a:lstStyle/>
+          <a:p>
+            <a:pPr algn="ctr"/>
+            <a:r>
+              <a:rPr lang="en-US" sz="1200" dirty="0"/>
+              <a:t>x</a:t>
+            </a:r>
+            <a:r>
+              <a:rPr lang="en-US" sz="1200" baseline="-25000" dirty="0"/>
+              <a:t>0 </a:t>
+            </a:r>
+            <a:r>
+              <a:rPr lang="en-US" sz="1200" baseline="-25000" dirty="0" err="1"/>
+              <a:t>tmp</a:t>
+            </a:r>
+            <a:endParaRPr lang="en-US" sz="1200" baseline="-25000" dirty="0"/>
+          </a:p>
+        </p:txBody>
+      </p:sp>
+      <p:sp>
+        <p:nvSpPr>
+          <p:cNvPr id="256" name="Rectangle: Rounded Corners 255">
+            <a:extLst>
+              <a:ext uri="{FF2B5EF4-FFF2-40B4-BE49-F238E27FC236}">
+                <a16:creationId xmlns:a16="http://schemas.microsoft.com/office/drawing/2014/main" id="{18E99125-97E8-4BFA-9326-9039D8BC3704}"/>
+              </a:ext>
+            </a:extLst>
+          </p:cNvPr>
+          <p:cNvSpPr/>
+          <p:nvPr/>
+        </p:nvSpPr>
+        <p:spPr>
+          <a:xfrm>
+            <a:off x="10895379" y="2755685"/>
+            <a:ext cx="559777" cy="273109"/>
+          </a:xfrm>
+          <a:prstGeom prst="roundRect">
+            <a:avLst/>
+          </a:prstGeom>
+        </p:spPr>
+        <p:style>
+          <a:lnRef idx="2">
+            <a:schemeClr val="accent1">
+              <a:shade val="50000"/>
+            </a:schemeClr>
+          </a:lnRef>
+          <a:fillRef idx="1">
+            <a:schemeClr val="accent1"/>
+          </a:fillRef>
+          <a:effectRef idx="0">
+            <a:schemeClr val="accent1"/>
+          </a:effectRef>
+          <a:fontRef idx="minor">
+            <a:schemeClr val="lt1"/>
+          </a:fontRef>
+        </p:style>
+        <p:txBody>
+          <a:bodyPr rtlCol="0" anchor="ctr"/>
+          <a:lstStyle/>
+          <a:p>
+            <a:pPr algn="ctr"/>
+            <a:r>
+              <a:rPr lang="en-US" sz="1200" dirty="0"/>
+              <a:t>x</a:t>
+            </a:r>
+            <a:r>
+              <a:rPr lang="en-US" sz="1200" baseline="-25000" dirty="0"/>
+              <a:t>0</a:t>
+            </a:r>
+          </a:p>
+        </p:txBody>
+      </p:sp>
+      <p:cxnSp>
+        <p:nvCxnSpPr>
+          <p:cNvPr id="259" name="Straight Arrow Connector 125">
+            <a:extLst>
+              <a:ext uri="{FF2B5EF4-FFF2-40B4-BE49-F238E27FC236}">
+                <a16:creationId xmlns:a16="http://schemas.microsoft.com/office/drawing/2014/main" id="{CB57518D-E5A3-4921-A8CF-1C5D6E1293BC}"/>
+              </a:ext>
+            </a:extLst>
+          </p:cNvPr>
+          <p:cNvCxnSpPr>
+            <a:cxnSpLocks/>
+            <a:stCxn id="250" idx="3"/>
+            <a:endCxn id="256" idx="1"/>
+          </p:cNvCxnSpPr>
+          <p:nvPr/>
+        </p:nvCxnSpPr>
+        <p:spPr>
+          <a:xfrm flipV="1">
+            <a:off x="10549393" y="2892240"/>
+            <a:ext cx="345986" cy="8629"/>
+          </a:xfrm>
+          <a:prstGeom prst="straightConnector1">
+            <a:avLst/>
+          </a:prstGeom>
+          <a:ln>
+            <a:tailEnd type="triangle"/>
+          </a:ln>
+        </p:spPr>
+        <p:style>
+          <a:lnRef idx="1">
+            <a:schemeClr val="accent3"/>
+          </a:lnRef>
+          <a:fillRef idx="0">
+            <a:schemeClr val="accent3"/>
+          </a:fillRef>
+          <a:effectRef idx="0">
+            <a:schemeClr val="accent3"/>
+          </a:effectRef>
+          <a:fontRef idx="minor">
+            <a:schemeClr val="tx1"/>
+          </a:fontRef>
+        </p:style>
+      </p:cxnSp>
+      <mc:AlternateContent xmlns:mc="http://schemas.openxmlformats.org/markup-compatibility/2006" xmlns:a14="http://schemas.microsoft.com/office/drawing/2010/main">
+        <mc:Choice Requires="a14">
+          <p:sp>
+            <p:nvSpPr>
+              <p:cNvPr id="262" name="TextBox 261">
+                <a:extLst>
+                  <a:ext uri="{FF2B5EF4-FFF2-40B4-BE49-F238E27FC236}">
+                    <a16:creationId xmlns:a16="http://schemas.microsoft.com/office/drawing/2014/main" id="{12F90336-AC37-4616-AEF4-3FF0A00ADA0F}"/>
+                  </a:ext>
+                </a:extLst>
+              </p:cNvPr>
+              <p:cNvSpPr txBox="1"/>
+              <p:nvPr/>
+            </p:nvSpPr>
+            <p:spPr>
+              <a:xfrm>
+                <a:off x="10138307" y="2500836"/>
+                <a:ext cx="1199297" cy="246221"/>
+              </a:xfrm>
+              <a:prstGeom prst="rect">
+                <a:avLst/>
+              </a:prstGeom>
+              <a:noFill/>
+            </p:spPr>
+            <p:txBody>
+              <a:bodyPr wrap="square" rtlCol="0">
+                <a:spAutoFit/>
+              </a:bodyPr>
+              <a:lstStyle/>
+              <a:p>
+                <a:pPr/>
+                <a14:m>
+                  <m:oMathPara xmlns:m="http://schemas.openxmlformats.org/officeDocument/2006/math">
+                    <m:oMathParaPr>
+                      <m:jc m:val="centerGroup"/>
+                    </m:oMathParaPr>
+                    <m:oMath xmlns:m="http://schemas.openxmlformats.org/officeDocument/2006/math">
+                      <m:r>
+                        <a:rPr lang="en-US" sz="1000" b="0" i="1" dirty="0" smtClean="0">
+                          <a:solidFill>
+                            <a:schemeClr val="bg1">
+                              <a:lumMod val="50000"/>
+                            </a:schemeClr>
+                          </a:solidFill>
+                          <a:latin typeface="Cambria Math" panose="02040503050406030204" pitchFamily="18" charset="0"/>
+                        </a:rPr>
+                        <m:t>𝑥</m:t>
+                      </m:r>
+                      <m:r>
+                        <a:rPr lang="en-US" sz="1000" b="0" i="1" baseline="-25000" dirty="0" smtClean="0">
+                          <a:solidFill>
+                            <a:schemeClr val="bg1">
+                              <a:lumMod val="50000"/>
+                            </a:schemeClr>
+                          </a:solidFill>
+                          <a:latin typeface="Cambria Math" panose="02040503050406030204" pitchFamily="18" charset="0"/>
+                        </a:rPr>
+                        <m:t>0</m:t>
+                      </m:r>
+                      <m:r>
+                        <a:rPr lang="en-US" sz="1000" i="1" dirty="0" smtClean="0">
+                          <a:solidFill>
+                            <a:schemeClr val="bg1">
+                              <a:lumMod val="50000"/>
+                            </a:schemeClr>
+                          </a:solidFill>
+                          <a:latin typeface="Cambria Math" panose="02040503050406030204" pitchFamily="18" charset="0"/>
+                        </a:rPr>
+                        <m:t> =</m:t>
+                      </m:r>
+                      <m:r>
+                        <a:rPr lang="en-US" sz="1000" b="0" i="1" dirty="0" smtClean="0">
+                          <a:solidFill>
+                            <a:schemeClr val="bg1">
+                              <a:lumMod val="50000"/>
+                            </a:schemeClr>
+                          </a:solidFill>
+                          <a:latin typeface="Cambria Math" panose="02040503050406030204" pitchFamily="18" charset="0"/>
+                        </a:rPr>
+                        <m:t>𝑥</m:t>
+                      </m:r>
+                      <m:r>
+                        <a:rPr lang="en-US" sz="1000" b="0" i="1" baseline="-25000" dirty="0" smtClean="0">
+                          <a:solidFill>
+                            <a:schemeClr val="bg1">
+                              <a:lumMod val="50000"/>
+                            </a:schemeClr>
+                          </a:solidFill>
+                          <a:latin typeface="Cambria Math" panose="02040503050406030204" pitchFamily="18" charset="0"/>
+                        </a:rPr>
+                        <m:t>0</m:t>
+                      </m:r>
+                      <m:r>
+                        <a:rPr lang="en-US" sz="1000" b="0" i="1" dirty="0" smtClean="0">
+                          <a:solidFill>
+                            <a:schemeClr val="bg1">
+                              <a:lumMod val="50000"/>
+                            </a:schemeClr>
+                          </a:solidFill>
+                          <a:latin typeface="Cambria Math" panose="02040503050406030204" pitchFamily="18" charset="0"/>
+                        </a:rPr>
+                        <m:t>+</m:t>
+                      </m:r>
+                      <m:r>
+                        <a:rPr lang="en-US" sz="1000" b="0" i="1" dirty="0" smtClean="0">
+                          <a:solidFill>
+                            <a:schemeClr val="bg1">
+                              <a:lumMod val="50000"/>
+                            </a:schemeClr>
+                          </a:solidFill>
+                          <a:latin typeface="Cambria Math" panose="02040503050406030204" pitchFamily="18" charset="0"/>
+                        </a:rPr>
+                        <m:t>𝐼</m:t>
+                      </m:r>
+                      <m:r>
+                        <a:rPr lang="en-US" sz="1000" b="0" i="1" baseline="-25000" dirty="0" smtClean="0">
+                          <a:solidFill>
+                            <a:schemeClr val="bg1">
+                              <a:lumMod val="50000"/>
+                            </a:schemeClr>
+                          </a:solidFill>
+                          <a:latin typeface="Cambria Math" panose="02040503050406030204" pitchFamily="18" charset="0"/>
+                        </a:rPr>
+                        <m:t>0</m:t>
+                      </m:r>
+                      <m:r>
+                        <a:rPr lang="en-US" sz="1000" b="0" i="1" dirty="0" smtClean="0">
+                          <a:solidFill>
+                            <a:schemeClr val="bg1">
+                              <a:lumMod val="50000"/>
+                            </a:schemeClr>
+                          </a:solidFill>
+                          <a:latin typeface="Cambria Math" panose="02040503050406030204" pitchFamily="18" charset="0"/>
+                        </a:rPr>
+                        <m:t>𝑥</m:t>
+                      </m:r>
+                      <m:r>
+                        <a:rPr lang="en-US" sz="1000" b="0" i="1" baseline="-25000" dirty="0" smtClean="0">
+                          <a:solidFill>
+                            <a:schemeClr val="bg1">
+                              <a:lumMod val="50000"/>
+                            </a:schemeClr>
+                          </a:solidFill>
+                          <a:latin typeface="Cambria Math" panose="02040503050406030204" pitchFamily="18" charset="0"/>
+                        </a:rPr>
+                        <m:t>1</m:t>
+                      </m:r>
+                    </m:oMath>
+                  </m:oMathPara>
+                </a14:m>
+                <a:endParaRPr lang="en-US" sz="1000" baseline="-25000" dirty="0">
+                  <a:solidFill>
+                    <a:schemeClr val="bg1">
+                      <a:lumMod val="50000"/>
+                    </a:schemeClr>
+                  </a:solidFill>
+                </a:endParaRPr>
+              </a:p>
+            </p:txBody>
+          </p:sp>
+        </mc:Choice>
+        <mc:Fallback xmlns="">
+          <p:sp>
+            <p:nvSpPr>
+              <p:cNvPr id="262" name="TextBox 261">
+                <a:extLst>
+                  <a:ext uri="{FF2B5EF4-FFF2-40B4-BE49-F238E27FC236}">
+                    <a16:creationId xmlns:a16="http://schemas.microsoft.com/office/drawing/2014/main" id="{12F90336-AC37-4616-AEF4-3FF0A00ADA0F}"/>
+                  </a:ext>
+                </a:extLst>
+              </p:cNvPr>
+              <p:cNvSpPr txBox="1">
+                <a:spLocks noRot="1" noChangeAspect="1" noMove="1" noResize="1" noEditPoints="1" noAdjustHandles="1" noChangeArrowheads="1" noChangeShapeType="1" noTextEdit="1"/>
+              </p:cNvSpPr>
+              <p:nvPr/>
+            </p:nvSpPr>
+            <p:spPr>
+              <a:xfrm>
+                <a:off x="10138307" y="2500836"/>
+                <a:ext cx="1199297" cy="246221"/>
+              </a:xfrm>
+              <a:prstGeom prst="rect">
+                <a:avLst/>
+              </a:prstGeom>
+              <a:blipFill>
+                <a:blip r:embed="rId4"/>
+                <a:stretch>
+                  <a:fillRect/>
+                </a:stretch>
+              </a:blipFill>
+            </p:spPr>
+            <p:txBody>
+              <a:bodyPr/>
+              <a:lstStyle/>
+              <a:p>
+                <a:r>
+                  <a:rPr lang="en-US">
+                    <a:noFill/>
+                  </a:rPr>
+                  <a:t> </a:t>
+                </a:r>
+              </a:p>
+            </p:txBody>
+          </p:sp>
+        </mc:Fallback>
+      </mc:AlternateContent>
+      <p:sp>
+        <p:nvSpPr>
+          <p:cNvPr id="263" name="Rectangle: Rounded Corners 262">
+            <a:extLst>
+              <a:ext uri="{FF2B5EF4-FFF2-40B4-BE49-F238E27FC236}">
+                <a16:creationId xmlns:a16="http://schemas.microsoft.com/office/drawing/2014/main" id="{5EA375A6-C047-4302-8EA7-585CFCB0E30A}"/>
+              </a:ext>
+            </a:extLst>
+          </p:cNvPr>
+          <p:cNvSpPr/>
+          <p:nvPr/>
+        </p:nvSpPr>
+        <p:spPr>
+          <a:xfrm>
+            <a:off x="10904601" y="1927183"/>
+            <a:ext cx="559777" cy="273109"/>
+          </a:xfrm>
+          <a:prstGeom prst="roundRect">
+            <a:avLst/>
+          </a:prstGeom>
+        </p:spPr>
+        <p:style>
+          <a:lnRef idx="2">
+            <a:schemeClr val="accent1">
+              <a:shade val="50000"/>
+            </a:schemeClr>
+          </a:lnRef>
+          <a:fillRef idx="1">
+            <a:schemeClr val="accent1"/>
+          </a:fillRef>
+          <a:effectRef idx="0">
+            <a:schemeClr val="accent1"/>
+          </a:effectRef>
+          <a:fontRef idx="minor">
+            <a:schemeClr val="lt1"/>
+          </a:fontRef>
+        </p:style>
+        <p:txBody>
+          <a:bodyPr rtlCol="0" anchor="ctr"/>
+          <a:lstStyle/>
+          <a:p>
+            <a:pPr algn="ctr"/>
+            <a:r>
+              <a:rPr lang="en-US" sz="1200" dirty="0"/>
+              <a:t>x</a:t>
+            </a:r>
+            <a:r>
+              <a:rPr lang="en-US" sz="1200" baseline="-25000" dirty="0"/>
+              <a:t>0</a:t>
+            </a:r>
+            <a:r>
+              <a:rPr lang="en-US" sz="1200" dirty="0"/>
+              <a:t>'</a:t>
+            </a:r>
+          </a:p>
+        </p:txBody>
+      </p:sp>
+      <p:cxnSp>
+        <p:nvCxnSpPr>
+          <p:cNvPr id="264" name="Straight Arrow Connector 125">
+            <a:extLst>
+              <a:ext uri="{FF2B5EF4-FFF2-40B4-BE49-F238E27FC236}">
+                <a16:creationId xmlns:a16="http://schemas.microsoft.com/office/drawing/2014/main" id="{F7854140-6239-4574-A7B7-37E47F13BFEE}"/>
+              </a:ext>
+            </a:extLst>
+          </p:cNvPr>
+          <p:cNvCxnSpPr>
+            <a:cxnSpLocks/>
+            <a:stCxn id="256" idx="0"/>
+            <a:endCxn id="268" idx="2"/>
+          </p:cNvCxnSpPr>
+          <p:nvPr/>
+        </p:nvCxnSpPr>
+        <p:spPr>
+          <a:xfrm flipV="1">
+            <a:off x="11175268" y="2635955"/>
+            <a:ext cx="142977" cy="119730"/>
+          </a:xfrm>
+          <a:prstGeom prst="straightConnector1">
+            <a:avLst/>
+          </a:prstGeom>
+          <a:ln>
+            <a:tailEnd type="triangle"/>
+          </a:ln>
+        </p:spPr>
+        <p:style>
+          <a:lnRef idx="1">
+            <a:schemeClr val="accent3"/>
+          </a:lnRef>
+          <a:fillRef idx="0">
+            <a:schemeClr val="accent3"/>
+          </a:fillRef>
+          <a:effectRef idx="0">
+            <a:schemeClr val="accent3"/>
+          </a:effectRef>
+          <a:fontRef idx="minor">
+            <a:schemeClr val="tx1"/>
+          </a:fontRef>
+        </p:style>
+      </p:cxnSp>
+      <p:sp>
+        <p:nvSpPr>
+          <p:cNvPr id="268" name="TextBox 267">
+            <a:extLst>
+              <a:ext uri="{FF2B5EF4-FFF2-40B4-BE49-F238E27FC236}">
+                <a16:creationId xmlns:a16="http://schemas.microsoft.com/office/drawing/2014/main" id="{E38CDEE2-FE8C-4616-8672-A7BA39E0768F}"/>
+              </a:ext>
+            </a:extLst>
+          </p:cNvPr>
+          <p:cNvSpPr txBox="1"/>
+          <p:nvPr/>
+        </p:nvSpPr>
+        <p:spPr>
+          <a:xfrm>
+            <a:off x="11162242" y="2405123"/>
+            <a:ext cx="312006" cy="230832"/>
+          </a:xfrm>
+          <a:prstGeom prst="rect">
+            <a:avLst/>
+          </a:prstGeom>
+        </p:spPr>
+        <p:style>
+          <a:lnRef idx="2">
+            <a:schemeClr val="dk1">
+              <a:shade val="50000"/>
+            </a:schemeClr>
+          </a:lnRef>
+          <a:fillRef idx="1">
+            <a:schemeClr val="dk1"/>
+          </a:fillRef>
+          <a:effectRef idx="0">
+            <a:schemeClr val="dk1"/>
+          </a:effectRef>
+          <a:fontRef idx="minor">
+            <a:schemeClr val="lt1"/>
+          </a:fontRef>
+        </p:style>
+        <p:txBody>
+          <a:bodyPr wrap="square" rtlCol="0">
+            <a:spAutoFit/>
+          </a:bodyPr>
+          <a:lstStyle/>
+          <a:p>
+            <a:r>
+              <a:rPr lang="en-US" sz="900" dirty="0">
+                <a:solidFill>
+                  <a:schemeClr val="bg1"/>
+                </a:solidFill>
+              </a:rPr>
+              <a:t>GS</a:t>
+            </a:r>
+          </a:p>
+        </p:txBody>
+      </p:sp>
+      <p:cxnSp>
+        <p:nvCxnSpPr>
+          <p:cNvPr id="273" name="Straight Arrow Connector 125">
+            <a:extLst>
+              <a:ext uri="{FF2B5EF4-FFF2-40B4-BE49-F238E27FC236}">
+                <a16:creationId xmlns:a16="http://schemas.microsoft.com/office/drawing/2014/main" id="{81E6517A-35DF-4645-B5B6-07CD9E60E460}"/>
+              </a:ext>
+            </a:extLst>
+          </p:cNvPr>
+          <p:cNvCxnSpPr>
+            <a:cxnSpLocks/>
+            <a:stCxn id="268" idx="0"/>
+            <a:endCxn id="263" idx="2"/>
+          </p:cNvCxnSpPr>
+          <p:nvPr/>
+        </p:nvCxnSpPr>
+        <p:spPr>
+          <a:xfrm flipH="1" flipV="1">
+            <a:off x="11184490" y="2200292"/>
+            <a:ext cx="133755" cy="204831"/>
+          </a:xfrm>
+          <a:prstGeom prst="straightConnector1">
+            <a:avLst/>
+          </a:prstGeom>
+          <a:ln>
+            <a:tailEnd type="triangle"/>
+          </a:ln>
+        </p:spPr>
+        <p:style>
+          <a:lnRef idx="1">
+            <a:schemeClr val="accent3"/>
+          </a:lnRef>
+          <a:fillRef idx="0">
+            <a:schemeClr val="accent3"/>
+          </a:fillRef>
+          <a:effectRef idx="0">
+            <a:schemeClr val="accent3"/>
+          </a:effectRef>
+          <a:fontRef idx="minor">
+            <a:schemeClr val="tx1"/>
+          </a:fontRef>
+        </p:style>
+      </p:cxnSp>
+      <p:sp>
+        <p:nvSpPr>
+          <p:cNvPr id="276" name="TextBox 275">
+            <a:extLst>
+              <a:ext uri="{FF2B5EF4-FFF2-40B4-BE49-F238E27FC236}">
+                <a16:creationId xmlns:a16="http://schemas.microsoft.com/office/drawing/2014/main" id="{FC5E3718-CE08-47D4-A23B-63B7ED2E2C4A}"/>
+              </a:ext>
+            </a:extLst>
+          </p:cNvPr>
+          <p:cNvSpPr txBox="1"/>
+          <p:nvPr/>
+        </p:nvSpPr>
+        <p:spPr>
+          <a:xfrm>
+            <a:off x="6958265" y="2438753"/>
+            <a:ext cx="312006" cy="230832"/>
+          </a:xfrm>
+          <a:prstGeom prst="rect">
+            <a:avLst/>
+          </a:prstGeom>
+        </p:spPr>
+        <p:style>
+          <a:lnRef idx="2">
+            <a:schemeClr val="dk1">
+              <a:shade val="50000"/>
+            </a:schemeClr>
+          </a:lnRef>
+          <a:fillRef idx="1">
+            <a:schemeClr val="dk1"/>
+          </a:fillRef>
+          <a:effectRef idx="0">
+            <a:schemeClr val="dk1"/>
+          </a:effectRef>
+          <a:fontRef idx="minor">
+            <a:schemeClr val="lt1"/>
+          </a:fontRef>
+        </p:style>
+        <p:txBody>
+          <a:bodyPr wrap="square" rtlCol="0">
+            <a:spAutoFit/>
+          </a:bodyPr>
+          <a:lstStyle/>
+          <a:p>
+            <a:r>
+              <a:rPr lang="en-US" sz="900" dirty="0">
+                <a:solidFill>
+                  <a:schemeClr val="bg1"/>
+                </a:solidFill>
+              </a:rPr>
+              <a:t>GS</a:t>
+            </a:r>
+          </a:p>
+        </p:txBody>
+      </p:sp>
+      <p:cxnSp>
+        <p:nvCxnSpPr>
+          <p:cNvPr id="279" name="Straight Arrow Connector 125">
+            <a:extLst>
+              <a:ext uri="{FF2B5EF4-FFF2-40B4-BE49-F238E27FC236}">
+                <a16:creationId xmlns:a16="http://schemas.microsoft.com/office/drawing/2014/main" id="{B448F32F-6E78-4A1A-A714-3B3E6D9B63FB}"/>
+              </a:ext>
+            </a:extLst>
+          </p:cNvPr>
+          <p:cNvCxnSpPr>
+            <a:cxnSpLocks/>
+            <a:stCxn id="276" idx="2"/>
+            <a:endCxn id="139" idx="1"/>
+          </p:cNvCxnSpPr>
+          <p:nvPr/>
+        </p:nvCxnSpPr>
+        <p:spPr>
+          <a:xfrm rot="16200000" flipH="1">
+            <a:off x="7141759" y="2642093"/>
+            <a:ext cx="178682" cy="233665"/>
+          </a:xfrm>
+          <a:prstGeom prst="bentConnector2">
+            <a:avLst/>
+          </a:prstGeom>
+          <a:ln>
+            <a:tailEnd type="triangle"/>
+          </a:ln>
+        </p:spPr>
+        <p:style>
+          <a:lnRef idx="1">
+            <a:schemeClr val="accent3"/>
+          </a:lnRef>
+          <a:fillRef idx="0">
+            <a:schemeClr val="accent3"/>
+          </a:fillRef>
+          <a:effectRef idx="0">
+            <a:schemeClr val="accent3"/>
+          </a:effectRef>
+          <a:fontRef idx="minor">
+            <a:schemeClr val="tx1"/>
+          </a:fontRef>
+        </p:style>
+      </p:cxnSp>
+      <p:sp>
+        <p:nvSpPr>
+          <p:cNvPr id="292" name="Rectangle: Rounded Corners 291">
+            <a:extLst>
+              <a:ext uri="{FF2B5EF4-FFF2-40B4-BE49-F238E27FC236}">
+                <a16:creationId xmlns:a16="http://schemas.microsoft.com/office/drawing/2014/main" id="{D1E7BEAC-5C66-4520-8F47-113AFD5F8C19}"/>
+              </a:ext>
+            </a:extLst>
+          </p:cNvPr>
+          <p:cNvSpPr/>
+          <p:nvPr/>
+        </p:nvSpPr>
+        <p:spPr>
+          <a:xfrm>
+            <a:off x="80370" y="6497199"/>
+            <a:ext cx="929097" cy="308428"/>
+          </a:xfrm>
+          <a:prstGeom prst="roundRect">
+            <a:avLst/>
+          </a:prstGeom>
+        </p:spPr>
+        <p:style>
+          <a:lnRef idx="2">
+            <a:schemeClr val="accent6">
+              <a:shade val="50000"/>
+            </a:schemeClr>
+          </a:lnRef>
+          <a:fillRef idx="1">
+            <a:schemeClr val="accent6"/>
+          </a:fillRef>
+          <a:effectRef idx="0">
+            <a:schemeClr val="accent6"/>
+          </a:effectRef>
+          <a:fontRef idx="minor">
+            <a:schemeClr val="lt1"/>
+          </a:fontRef>
+        </p:style>
+        <p:txBody>
+          <a:bodyPr rtlCol="0" anchor="ctr"/>
+          <a:lstStyle/>
+          <a:p>
+            <a:pPr algn="ctr"/>
+            <a:r>
+              <a:rPr lang="en-US" sz="1200" dirty="0" err="1"/>
+              <a:t>SparseMat</a:t>
+            </a:r>
+            <a:endParaRPr lang="en-US" sz="1200" baseline="-25000" dirty="0"/>
+          </a:p>
+        </p:txBody>
+      </p:sp>
+      <p:sp>
+        <p:nvSpPr>
+          <p:cNvPr id="293" name="Rectangle: Rounded Corners 292">
+            <a:extLst>
+              <a:ext uri="{FF2B5EF4-FFF2-40B4-BE49-F238E27FC236}">
+                <a16:creationId xmlns:a16="http://schemas.microsoft.com/office/drawing/2014/main" id="{3FCEE96E-620E-4EF2-A4E0-2B3F798272CD}"/>
+              </a:ext>
+            </a:extLst>
+          </p:cNvPr>
+          <p:cNvSpPr/>
+          <p:nvPr/>
+        </p:nvSpPr>
+        <p:spPr>
+          <a:xfrm>
+            <a:off x="1105643" y="6497199"/>
+            <a:ext cx="929097" cy="308427"/>
+          </a:xfrm>
+          <a:prstGeom prst="roundRect">
+            <a:avLst/>
+          </a:prstGeom>
+        </p:spPr>
+        <p:style>
+          <a:lnRef idx="2">
+            <a:schemeClr val="accent2">
+              <a:shade val="50000"/>
+            </a:schemeClr>
+          </a:lnRef>
+          <a:fillRef idx="1">
+            <a:schemeClr val="accent2"/>
+          </a:fillRef>
+          <a:effectRef idx="0">
+            <a:schemeClr val="accent2"/>
+          </a:effectRef>
+          <a:fontRef idx="minor">
+            <a:schemeClr val="lt1"/>
+          </a:fontRef>
+        </p:style>
+        <p:txBody>
+          <a:bodyPr rtlCol="0" anchor="ctr"/>
+          <a:lstStyle/>
+          <a:p>
+            <a:pPr algn="ctr"/>
+            <a:r>
+              <a:rPr lang="en-US" sz="1200" dirty="0"/>
+              <a:t>scalar</a:t>
+            </a:r>
+            <a:endParaRPr lang="en-US" sz="1200" baseline="-25000" dirty="0"/>
+          </a:p>
+        </p:txBody>
+      </p:sp>
+      <p:sp>
+        <p:nvSpPr>
+          <p:cNvPr id="294" name="Rectangle: Rounded Corners 293">
+            <a:extLst>
+              <a:ext uri="{FF2B5EF4-FFF2-40B4-BE49-F238E27FC236}">
+                <a16:creationId xmlns:a16="http://schemas.microsoft.com/office/drawing/2014/main" id="{9083C870-E875-41F1-B3BA-56A21FC4EDA5}"/>
+              </a:ext>
+            </a:extLst>
+          </p:cNvPr>
+          <p:cNvSpPr/>
+          <p:nvPr/>
+        </p:nvSpPr>
+        <p:spPr>
+          <a:xfrm>
+            <a:off x="2130916" y="6505785"/>
+            <a:ext cx="1465724" cy="308427"/>
+          </a:xfrm>
+          <a:prstGeom prst="roundRect">
+            <a:avLst/>
+          </a:prstGeom>
+        </p:spPr>
+        <p:style>
+          <a:lnRef idx="2">
+            <a:schemeClr val="accent1">
+              <a:shade val="50000"/>
+            </a:schemeClr>
+          </a:lnRef>
+          <a:fillRef idx="1">
+            <a:schemeClr val="accent1"/>
+          </a:fillRef>
+          <a:effectRef idx="0">
+            <a:schemeClr val="accent1"/>
+          </a:effectRef>
+          <a:fontRef idx="minor">
+            <a:schemeClr val="lt1"/>
+          </a:fontRef>
+        </p:style>
+        <p:txBody>
+          <a:bodyPr rtlCol="0" anchor="ctr"/>
+          <a:lstStyle/>
+          <a:p>
+            <a:pPr algn="ctr"/>
+            <a:r>
+              <a:rPr lang="en-US" sz="1200" dirty="0"/>
+              <a:t>Vector (Volume)</a:t>
+            </a:r>
+            <a:endParaRPr lang="en-US" sz="1200" baseline="-25000" dirty="0"/>
+          </a:p>
+        </p:txBody>
+      </p:sp>
+      <p:sp>
+        <p:nvSpPr>
+          <p:cNvPr id="296" name="Rectangle: Rounded Corners 295">
+            <a:extLst>
+              <a:ext uri="{FF2B5EF4-FFF2-40B4-BE49-F238E27FC236}">
+                <a16:creationId xmlns:a16="http://schemas.microsoft.com/office/drawing/2014/main" id="{BFEC2814-0B3C-42F8-9453-3720E7D8D533}"/>
+              </a:ext>
+            </a:extLst>
+          </p:cNvPr>
+          <p:cNvSpPr/>
+          <p:nvPr/>
+        </p:nvSpPr>
+        <p:spPr>
+          <a:xfrm>
+            <a:off x="7529117" y="3823672"/>
+            <a:ext cx="493319" cy="178683"/>
+          </a:xfrm>
+          <a:prstGeom prst="roundRect">
+            <a:avLst/>
+          </a:prstGeom>
+        </p:spPr>
+        <p:style>
+          <a:lnRef idx="2">
+            <a:schemeClr val="accent6">
+              <a:shade val="50000"/>
+            </a:schemeClr>
+          </a:lnRef>
+          <a:fillRef idx="1">
+            <a:schemeClr val="accent6"/>
+          </a:fillRef>
+          <a:effectRef idx="0">
+            <a:schemeClr val="accent6"/>
+          </a:effectRef>
+          <a:fontRef idx="minor">
+            <a:schemeClr val="lt1"/>
+          </a:fontRef>
+        </p:style>
+        <p:txBody>
+          <a:bodyPr rtlCol="0" anchor="ctr"/>
+          <a:lstStyle/>
+          <a:p>
+            <a:pPr algn="ctr"/>
+            <a:r>
+              <a:rPr lang="en-US" sz="1200" dirty="0"/>
+              <a:t>A</a:t>
+            </a:r>
+            <a:r>
+              <a:rPr lang="en-US" sz="1200" baseline="-25000" dirty="0"/>
+              <a:t>i</a:t>
+            </a:r>
+          </a:p>
+        </p:txBody>
+      </p:sp>
+      <p:sp>
+        <p:nvSpPr>
+          <p:cNvPr id="297" name="Rectangle: Rounded Corners 296">
+            <a:extLst>
+              <a:ext uri="{FF2B5EF4-FFF2-40B4-BE49-F238E27FC236}">
+                <a16:creationId xmlns:a16="http://schemas.microsoft.com/office/drawing/2014/main" id="{51BAF6BD-7538-4CE6-B484-1675387D1C0E}"/>
+              </a:ext>
+            </a:extLst>
+          </p:cNvPr>
+          <p:cNvSpPr/>
+          <p:nvPr/>
+        </p:nvSpPr>
+        <p:spPr>
+          <a:xfrm>
+            <a:off x="8625301" y="3805394"/>
+            <a:ext cx="493320" cy="169679"/>
+          </a:xfrm>
+          <a:prstGeom prst="roundRect">
+            <a:avLst/>
+          </a:prstGeom>
+        </p:spPr>
+        <p:style>
+          <a:lnRef idx="2">
+            <a:schemeClr val="accent1">
+              <a:shade val="50000"/>
+            </a:schemeClr>
+          </a:lnRef>
+          <a:fillRef idx="1">
+            <a:schemeClr val="accent1"/>
+          </a:fillRef>
+          <a:effectRef idx="0">
+            <a:schemeClr val="accent1"/>
+          </a:effectRef>
+          <a:fontRef idx="minor">
+            <a:schemeClr val="lt1"/>
+          </a:fontRef>
+        </p:style>
+        <p:txBody>
+          <a:bodyPr rtlCol="0" anchor="ctr"/>
+          <a:lstStyle/>
+          <a:p>
+            <a:pPr algn="ctr"/>
+            <a:r>
+              <a:rPr lang="en-US" sz="1200" dirty="0"/>
+              <a:t>x</a:t>
+            </a:r>
+            <a:r>
+              <a:rPr lang="en-US" sz="1200" baseline="-25000" dirty="0"/>
+              <a:t>i</a:t>
+            </a:r>
+          </a:p>
+        </p:txBody>
+      </p:sp>
+      <p:sp>
+        <p:nvSpPr>
+          <p:cNvPr id="298" name="Rectangle: Rounded Corners 297">
+            <a:extLst>
+              <a:ext uri="{FF2B5EF4-FFF2-40B4-BE49-F238E27FC236}">
+                <a16:creationId xmlns:a16="http://schemas.microsoft.com/office/drawing/2014/main" id="{6AA58D3E-E957-4C36-A439-4E3651614F37}"/>
+              </a:ext>
+            </a:extLst>
+          </p:cNvPr>
+          <p:cNvSpPr/>
+          <p:nvPr/>
+        </p:nvSpPr>
+        <p:spPr>
+          <a:xfrm>
+            <a:off x="8665930" y="4012058"/>
+            <a:ext cx="412949" cy="152959"/>
+          </a:xfrm>
+          <a:prstGeom prst="roundRect">
+            <a:avLst/>
+          </a:prstGeom>
+        </p:spPr>
+        <p:style>
+          <a:lnRef idx="2">
+            <a:schemeClr val="accent1">
+              <a:shade val="50000"/>
+            </a:schemeClr>
+          </a:lnRef>
+          <a:fillRef idx="1">
+            <a:schemeClr val="accent1"/>
+          </a:fillRef>
+          <a:effectRef idx="0">
+            <a:schemeClr val="accent1"/>
+          </a:effectRef>
+          <a:fontRef idx="minor">
+            <a:schemeClr val="lt1"/>
+          </a:fontRef>
+        </p:style>
+        <p:txBody>
+          <a:bodyPr rtlCol="0" anchor="ctr"/>
+          <a:lstStyle/>
+          <a:p>
+            <a:pPr algn="ctr"/>
+            <a:r>
+              <a:rPr lang="en-US" sz="1200" dirty="0" err="1"/>
+              <a:t>r</a:t>
+            </a:r>
+            <a:r>
+              <a:rPr lang="en-US" sz="1200" baseline="-25000" dirty="0" err="1"/>
+              <a:t>i</a:t>
+            </a:r>
+            <a:endParaRPr lang="en-US" sz="1200" baseline="-25000" dirty="0"/>
+          </a:p>
+        </p:txBody>
+      </p:sp>
+      <p:sp>
+        <p:nvSpPr>
+          <p:cNvPr id="299" name="Rectangle: Rounded Corners 298">
+            <a:extLst>
+              <a:ext uri="{FF2B5EF4-FFF2-40B4-BE49-F238E27FC236}">
+                <a16:creationId xmlns:a16="http://schemas.microsoft.com/office/drawing/2014/main" id="{76DEB06D-53A5-4DC5-BD0A-AF52DA6018BC}"/>
+              </a:ext>
+            </a:extLst>
+          </p:cNvPr>
+          <p:cNvSpPr/>
+          <p:nvPr/>
+        </p:nvSpPr>
+        <p:spPr>
+          <a:xfrm>
+            <a:off x="8155326" y="4003892"/>
+            <a:ext cx="452982" cy="169679"/>
+          </a:xfrm>
+          <a:prstGeom prst="roundRect">
+            <a:avLst/>
+          </a:prstGeom>
+        </p:spPr>
+        <p:style>
+          <a:lnRef idx="2">
+            <a:schemeClr val="accent1">
+              <a:shade val="50000"/>
+            </a:schemeClr>
+          </a:lnRef>
+          <a:fillRef idx="1">
+            <a:schemeClr val="accent1"/>
+          </a:fillRef>
+          <a:effectRef idx="0">
+            <a:schemeClr val="accent1"/>
+          </a:effectRef>
+          <a:fontRef idx="minor">
+            <a:schemeClr val="lt1"/>
+          </a:fontRef>
+        </p:style>
+        <p:txBody>
+          <a:bodyPr rtlCol="0" anchor="ctr"/>
+          <a:lstStyle/>
+          <a:p>
+            <a:pPr algn="ctr"/>
+            <a:r>
+              <a:rPr lang="en-US" sz="1200" dirty="0"/>
+              <a:t>f</a:t>
+            </a:r>
+            <a:r>
+              <a:rPr lang="en-US" sz="1200" baseline="-25000" dirty="0"/>
+              <a:t>i</a:t>
+            </a:r>
+          </a:p>
+        </p:txBody>
+      </p:sp>
+      <p:sp>
+        <p:nvSpPr>
+          <p:cNvPr id="302" name="Rectangle: Rounded Corners 301">
+            <a:extLst>
+              <a:ext uri="{FF2B5EF4-FFF2-40B4-BE49-F238E27FC236}">
+                <a16:creationId xmlns:a16="http://schemas.microsoft.com/office/drawing/2014/main" id="{4643A17F-EDF2-4D1F-87B9-2956EC4A9367}"/>
+              </a:ext>
+            </a:extLst>
+          </p:cNvPr>
+          <p:cNvSpPr/>
+          <p:nvPr/>
+        </p:nvSpPr>
+        <p:spPr>
+          <a:xfrm>
+            <a:off x="11162014" y="3721825"/>
+            <a:ext cx="511989" cy="208873"/>
+          </a:xfrm>
+          <a:prstGeom prst="roundRect">
+            <a:avLst/>
+          </a:prstGeom>
+        </p:spPr>
+        <p:style>
+          <a:lnRef idx="2">
+            <a:schemeClr val="accent1">
+              <a:shade val="50000"/>
+            </a:schemeClr>
+          </a:lnRef>
+          <a:fillRef idx="1">
+            <a:schemeClr val="accent1"/>
+          </a:fillRef>
+          <a:effectRef idx="0">
+            <a:schemeClr val="accent1"/>
+          </a:effectRef>
+          <a:fontRef idx="minor">
+            <a:schemeClr val="lt1"/>
+          </a:fontRef>
+        </p:style>
+        <p:txBody>
+          <a:bodyPr rtlCol="0" anchor="ctr"/>
+          <a:lstStyle/>
+          <a:p>
+            <a:pPr algn="ctr"/>
+            <a:r>
+              <a:rPr lang="en-US" sz="1200" dirty="0"/>
+              <a:t>D</a:t>
+            </a:r>
+            <a:r>
+              <a:rPr lang="en-US" sz="1200" baseline="-25000" dirty="0"/>
+              <a:t>0</a:t>
+            </a:r>
+            <a:r>
+              <a:rPr lang="en-US" sz="1200" dirty="0"/>
+              <a:t> </a:t>
+            </a:r>
+          </a:p>
+        </p:txBody>
+      </p:sp>
+      <p:cxnSp>
+        <p:nvCxnSpPr>
+          <p:cNvPr id="303" name="Straight Arrow Connector 125">
+            <a:extLst>
+              <a:ext uri="{FF2B5EF4-FFF2-40B4-BE49-F238E27FC236}">
+                <a16:creationId xmlns:a16="http://schemas.microsoft.com/office/drawing/2014/main" id="{BBEA978F-5DAC-45D1-B208-6E7BE99C1989}"/>
+              </a:ext>
+            </a:extLst>
+          </p:cNvPr>
+          <p:cNvCxnSpPr>
+            <a:cxnSpLocks/>
+            <a:stCxn id="302" idx="0"/>
+            <a:endCxn id="240" idx="3"/>
+          </p:cNvCxnSpPr>
+          <p:nvPr/>
+        </p:nvCxnSpPr>
+        <p:spPr>
+          <a:xfrm rot="16200000" flipV="1">
+            <a:off x="11112002" y="3415818"/>
+            <a:ext cx="284129" cy="327886"/>
+          </a:xfrm>
+          <a:prstGeom prst="bentConnector2">
+            <a:avLst/>
+          </a:prstGeom>
+          <a:ln>
+            <a:tailEnd type="triangle"/>
+          </a:ln>
+        </p:spPr>
+        <p:style>
+          <a:lnRef idx="1">
+            <a:schemeClr val="accent3"/>
+          </a:lnRef>
+          <a:fillRef idx="0">
+            <a:schemeClr val="accent3"/>
+          </a:fillRef>
+          <a:effectRef idx="0">
+            <a:schemeClr val="accent3"/>
+          </a:effectRef>
+          <a:fontRef idx="minor">
+            <a:schemeClr val="tx1"/>
+          </a:fontRef>
+        </p:style>
+      </p:cxnSp>
+      <p:sp>
+        <p:nvSpPr>
+          <p:cNvPr id="307" name="Rectangle: Rounded Corners 306">
+            <a:extLst>
+              <a:ext uri="{FF2B5EF4-FFF2-40B4-BE49-F238E27FC236}">
+                <a16:creationId xmlns:a16="http://schemas.microsoft.com/office/drawing/2014/main" id="{28972188-DA4C-4278-946D-8C2C89C743C7}"/>
+              </a:ext>
+            </a:extLst>
+          </p:cNvPr>
+          <p:cNvSpPr/>
+          <p:nvPr/>
+        </p:nvSpPr>
+        <p:spPr>
+          <a:xfrm>
+            <a:off x="8352313" y="4198913"/>
+            <a:ext cx="511989" cy="169679"/>
+          </a:xfrm>
+          <a:prstGeom prst="roundRect">
+            <a:avLst/>
+          </a:prstGeom>
+        </p:spPr>
+        <p:style>
+          <a:lnRef idx="2">
+            <a:schemeClr val="accent1">
+              <a:shade val="50000"/>
+            </a:schemeClr>
+          </a:lnRef>
+          <a:fillRef idx="1">
+            <a:schemeClr val="accent1"/>
+          </a:fillRef>
+          <a:effectRef idx="0">
+            <a:schemeClr val="accent1"/>
+          </a:effectRef>
+          <a:fontRef idx="minor">
+            <a:schemeClr val="lt1"/>
+          </a:fontRef>
+        </p:style>
+        <p:txBody>
+          <a:bodyPr rtlCol="0" anchor="ctr"/>
+          <a:lstStyle/>
+          <a:p>
+            <a:pPr algn="ctr"/>
+            <a:r>
+              <a:rPr lang="en-US" sz="1200" dirty="0"/>
+              <a:t>D</a:t>
+            </a:r>
+            <a:r>
+              <a:rPr lang="en-US" sz="1200" baseline="-25000" dirty="0"/>
+              <a:t>i</a:t>
+            </a:r>
+            <a:r>
+              <a:rPr lang="en-US" sz="1200" dirty="0"/>
+              <a:t> </a:t>
+            </a:r>
+          </a:p>
+        </p:txBody>
+      </p:sp>
+      <p:sp>
+        <p:nvSpPr>
+          <p:cNvPr id="308" name="Rectangle: Rounded Corners 307">
+            <a:extLst>
+              <a:ext uri="{FF2B5EF4-FFF2-40B4-BE49-F238E27FC236}">
+                <a16:creationId xmlns:a16="http://schemas.microsoft.com/office/drawing/2014/main" id="{10E89181-502F-4034-B08C-D715F20B2D78}"/>
+              </a:ext>
+            </a:extLst>
+          </p:cNvPr>
+          <p:cNvSpPr/>
+          <p:nvPr/>
+        </p:nvSpPr>
+        <p:spPr>
+          <a:xfrm>
+            <a:off x="8079060" y="3796896"/>
+            <a:ext cx="511989" cy="186677"/>
+          </a:xfrm>
+          <a:prstGeom prst="roundRect">
+            <a:avLst/>
+          </a:prstGeom>
+        </p:spPr>
+        <p:style>
+          <a:lnRef idx="2">
+            <a:schemeClr val="accent1">
+              <a:shade val="50000"/>
+            </a:schemeClr>
+          </a:lnRef>
+          <a:fillRef idx="1">
+            <a:schemeClr val="accent1"/>
+          </a:fillRef>
+          <a:effectRef idx="0">
+            <a:schemeClr val="accent1"/>
+          </a:effectRef>
+          <a:fontRef idx="minor">
+            <a:schemeClr val="lt1"/>
+          </a:fontRef>
+        </p:style>
+        <p:txBody>
+          <a:bodyPr rtlCol="0" anchor="ctr"/>
+          <a:lstStyle/>
+          <a:p>
+            <a:pPr algn="ctr"/>
+            <a:r>
+              <a:rPr lang="en-US" sz="1200" dirty="0"/>
+              <a:t>x</a:t>
+            </a:r>
+            <a:r>
+              <a:rPr lang="en-US" sz="1200" baseline="-25000" dirty="0"/>
+              <a:t>i </a:t>
+            </a:r>
+            <a:r>
+              <a:rPr lang="en-US" sz="1200" baseline="-25000" dirty="0" err="1"/>
+              <a:t>tmp</a:t>
+            </a:r>
+            <a:r>
+              <a:rPr lang="en-US" sz="1200" dirty="0"/>
+              <a:t> </a:t>
+            </a:r>
+          </a:p>
+        </p:txBody>
+      </p:sp>
+      <p:sp>
+        <p:nvSpPr>
+          <p:cNvPr id="157" name="Oval 156">
+            <a:extLst>
+              <a:ext uri="{FF2B5EF4-FFF2-40B4-BE49-F238E27FC236}">
+                <a16:creationId xmlns:a16="http://schemas.microsoft.com/office/drawing/2014/main" id="{2C7F9ABF-AE34-4107-875D-B36EF9240A35}"/>
+              </a:ext>
+            </a:extLst>
+          </p:cNvPr>
+          <p:cNvSpPr/>
+          <p:nvPr/>
+        </p:nvSpPr>
+        <p:spPr>
+          <a:xfrm>
+            <a:off x="80370" y="5513561"/>
+            <a:ext cx="154869" cy="154869"/>
+          </a:xfrm>
+          <a:prstGeom prst="ellipse">
+            <a:avLst/>
+          </a:prstGeom>
+        </p:spPr>
+        <p:style>
+          <a:lnRef idx="2">
+            <a:schemeClr val="dk1">
+              <a:shade val="50000"/>
+            </a:schemeClr>
+          </a:lnRef>
+          <a:fillRef idx="1">
+            <a:schemeClr val="dk1"/>
+          </a:fillRef>
+          <a:effectRef idx="0">
+            <a:schemeClr val="dk1"/>
+          </a:effectRef>
+          <a:fontRef idx="minor">
+            <a:schemeClr val="lt1"/>
+          </a:fontRef>
+        </p:style>
+        <p:txBody>
+          <a:bodyPr rtlCol="0" anchor="ctr"/>
+          <a:lstStyle/>
+          <a:p>
+            <a:pPr algn="ctr"/>
+            <a:endParaRPr lang="en-US"/>
+          </a:p>
+        </p:txBody>
+      </p:sp>
+      <p:sp>
+        <p:nvSpPr>
+          <p:cNvPr id="2" name="Rectangle: Beveled 1">
+            <a:extLst>
+              <a:ext uri="{FF2B5EF4-FFF2-40B4-BE49-F238E27FC236}">
+                <a16:creationId xmlns:a16="http://schemas.microsoft.com/office/drawing/2014/main" id="{E2611CB2-5DBF-4A90-9E8C-CF866C5D7A0A}"/>
+              </a:ext>
+            </a:extLst>
+          </p:cNvPr>
+          <p:cNvSpPr/>
+          <p:nvPr/>
+        </p:nvSpPr>
+        <p:spPr>
+          <a:xfrm>
+            <a:off x="3676188" y="1220614"/>
+            <a:ext cx="393379" cy="184810"/>
+          </a:xfrm>
+          <a:prstGeom prst="bevel">
+            <a:avLst/>
+          </a:prstGeom>
+          <a:noFill/>
+          <a:ln w="9525" cap="flat" cmpd="sng" algn="ctr">
+            <a:solidFill>
+              <a:schemeClr val="accent2"/>
+            </a:solidFill>
+            <a:prstDash val="solid"/>
+            <a:round/>
+            <a:headEnd type="none" w="med" len="med"/>
+            <a:tailEnd type="none" w="med" len="med"/>
+          </a:ln>
+        </p:spPr>
+        <p:style>
+          <a:lnRef idx="0">
+            <a:scrgbClr r="0" g="0" b="0"/>
+          </a:lnRef>
+          <a:fillRef idx="0">
+            <a:scrgbClr r="0" g="0" b="0"/>
+          </a:fillRef>
+          <a:effectRef idx="0">
+            <a:scrgbClr r="0" g="0" b="0"/>
+          </a:effectRef>
+          <a:fontRef idx="minor">
+            <a:schemeClr val="accent2"/>
+          </a:fontRef>
+        </p:style>
+        <p:txBody>
+          <a:bodyPr rtlCol="0" anchor="ctr"/>
+          <a:lstStyle/>
+          <a:p>
+            <a:pPr algn="ctr"/>
+            <a:r>
+              <a:rPr lang="en-US" sz="700" dirty="0"/>
+              <a:t>GPU</a:t>
+            </a:r>
+          </a:p>
+        </p:txBody>
+      </p:sp>
+      <p:sp>
+        <p:nvSpPr>
+          <p:cNvPr id="103" name="Rectangle: Beveled 102">
+            <a:extLst>
+              <a:ext uri="{FF2B5EF4-FFF2-40B4-BE49-F238E27FC236}">
+                <a16:creationId xmlns:a16="http://schemas.microsoft.com/office/drawing/2014/main" id="{00E43C85-AD5C-46DD-9FE0-6BD54B7C5CAE}"/>
+              </a:ext>
+            </a:extLst>
+          </p:cNvPr>
+          <p:cNvSpPr/>
+          <p:nvPr/>
+        </p:nvSpPr>
+        <p:spPr>
+          <a:xfrm>
+            <a:off x="1617782" y="1272247"/>
+            <a:ext cx="393379" cy="184810"/>
+          </a:xfrm>
+          <a:prstGeom prst="bevel">
+            <a:avLst/>
+          </a:prstGeom>
+          <a:noFill/>
+          <a:ln w="9525" cap="flat" cmpd="sng" algn="ctr">
+            <a:solidFill>
+              <a:schemeClr val="accent2"/>
+            </a:solidFill>
+            <a:prstDash val="solid"/>
+            <a:round/>
+            <a:headEnd type="none" w="med" len="med"/>
+            <a:tailEnd type="none" w="med" len="med"/>
+          </a:ln>
+        </p:spPr>
+        <p:style>
+          <a:lnRef idx="0">
+            <a:scrgbClr r="0" g="0" b="0"/>
+          </a:lnRef>
+          <a:fillRef idx="0">
+            <a:scrgbClr r="0" g="0" b="0"/>
+          </a:fillRef>
+          <a:effectRef idx="0">
+            <a:scrgbClr r="0" g="0" b="0"/>
+          </a:effectRef>
+          <a:fontRef idx="minor">
+            <a:schemeClr val="accent2"/>
+          </a:fontRef>
+        </p:style>
+        <p:txBody>
+          <a:bodyPr rtlCol="0" anchor="ctr"/>
+          <a:lstStyle/>
+          <a:p>
+            <a:pPr algn="ctr"/>
+            <a:r>
+              <a:rPr lang="en-US" sz="700" dirty="0"/>
+              <a:t>GPU</a:t>
+            </a:r>
+          </a:p>
+        </p:txBody>
+      </p:sp>
+      <p:sp>
+        <p:nvSpPr>
+          <p:cNvPr id="104" name="Rectangle: Beveled 103">
+            <a:extLst>
+              <a:ext uri="{FF2B5EF4-FFF2-40B4-BE49-F238E27FC236}">
+                <a16:creationId xmlns:a16="http://schemas.microsoft.com/office/drawing/2014/main" id="{48FC1E8A-7529-4260-A5EA-718B21F5AFFB}"/>
+              </a:ext>
+            </a:extLst>
+          </p:cNvPr>
+          <p:cNvSpPr/>
+          <p:nvPr/>
+        </p:nvSpPr>
+        <p:spPr>
+          <a:xfrm>
+            <a:off x="2482193" y="2191155"/>
+            <a:ext cx="393379" cy="184810"/>
+          </a:xfrm>
+          <a:prstGeom prst="bevel">
+            <a:avLst/>
+          </a:prstGeom>
+          <a:noFill/>
+          <a:ln w="9525" cap="flat" cmpd="sng" algn="ctr">
+            <a:solidFill>
+              <a:schemeClr val="accent2"/>
+            </a:solidFill>
+            <a:prstDash val="solid"/>
+            <a:round/>
+            <a:headEnd type="none" w="med" len="med"/>
+            <a:tailEnd type="none" w="med" len="med"/>
+          </a:ln>
+        </p:spPr>
+        <p:style>
+          <a:lnRef idx="0">
+            <a:scrgbClr r="0" g="0" b="0"/>
+          </a:lnRef>
+          <a:fillRef idx="0">
+            <a:scrgbClr r="0" g="0" b="0"/>
+          </a:fillRef>
+          <a:effectRef idx="0">
+            <a:scrgbClr r="0" g="0" b="0"/>
+          </a:effectRef>
+          <a:fontRef idx="minor">
+            <a:schemeClr val="accent2"/>
+          </a:fontRef>
+        </p:style>
+        <p:txBody>
+          <a:bodyPr rtlCol="0" anchor="ctr"/>
+          <a:lstStyle/>
+          <a:p>
+            <a:pPr algn="ctr"/>
+            <a:r>
+              <a:rPr lang="en-US" sz="700" dirty="0"/>
+              <a:t>GPU</a:t>
+            </a:r>
+          </a:p>
+        </p:txBody>
+      </p:sp>
+      <p:sp>
+        <p:nvSpPr>
+          <p:cNvPr id="105" name="Rectangle: Beveled 104">
+            <a:extLst>
+              <a:ext uri="{FF2B5EF4-FFF2-40B4-BE49-F238E27FC236}">
+                <a16:creationId xmlns:a16="http://schemas.microsoft.com/office/drawing/2014/main" id="{F97207DF-2671-473F-A331-78735AAD5453}"/>
+              </a:ext>
+            </a:extLst>
+          </p:cNvPr>
+          <p:cNvSpPr/>
+          <p:nvPr/>
+        </p:nvSpPr>
+        <p:spPr>
+          <a:xfrm>
+            <a:off x="3145627" y="5470775"/>
+            <a:ext cx="393379" cy="184810"/>
+          </a:xfrm>
+          <a:prstGeom prst="bevel">
+            <a:avLst/>
+          </a:prstGeom>
+          <a:noFill/>
+          <a:ln w="9525" cap="flat" cmpd="sng" algn="ctr">
+            <a:solidFill>
+              <a:schemeClr val="accent2"/>
+            </a:solidFill>
+            <a:prstDash val="solid"/>
+            <a:round/>
+            <a:headEnd type="none" w="med" len="med"/>
+            <a:tailEnd type="none" w="med" len="med"/>
+          </a:ln>
+        </p:spPr>
+        <p:style>
+          <a:lnRef idx="0">
+            <a:scrgbClr r="0" g="0" b="0"/>
+          </a:lnRef>
+          <a:fillRef idx="0">
+            <a:scrgbClr r="0" g="0" b="0"/>
+          </a:fillRef>
+          <a:effectRef idx="0">
+            <a:scrgbClr r="0" g="0" b="0"/>
+          </a:effectRef>
+          <a:fontRef idx="minor">
+            <a:schemeClr val="accent2"/>
+          </a:fontRef>
+        </p:style>
+        <p:txBody>
+          <a:bodyPr rtlCol="0" anchor="ctr"/>
+          <a:lstStyle/>
+          <a:p>
+            <a:pPr algn="ctr"/>
+            <a:r>
+              <a:rPr lang="en-US" sz="700" dirty="0"/>
+              <a:t>GPU</a:t>
+            </a:r>
+          </a:p>
+        </p:txBody>
+      </p:sp>
+      <p:sp>
+        <p:nvSpPr>
+          <p:cNvPr id="108" name="Rectangle: Beveled 107">
+            <a:extLst>
+              <a:ext uri="{FF2B5EF4-FFF2-40B4-BE49-F238E27FC236}">
+                <a16:creationId xmlns:a16="http://schemas.microsoft.com/office/drawing/2014/main" id="{C1F5E23A-0846-4173-9AB1-86B160724D6B}"/>
+              </a:ext>
+            </a:extLst>
+          </p:cNvPr>
+          <p:cNvSpPr/>
+          <p:nvPr/>
+        </p:nvSpPr>
+        <p:spPr>
+          <a:xfrm>
+            <a:off x="8894231" y="1948218"/>
+            <a:ext cx="393379" cy="184810"/>
+          </a:xfrm>
+          <a:prstGeom prst="bevel">
+            <a:avLst/>
+          </a:prstGeom>
+          <a:noFill/>
+          <a:ln w="9525" cap="flat" cmpd="sng" algn="ctr">
+            <a:solidFill>
+              <a:schemeClr val="accent2"/>
+            </a:solidFill>
+            <a:prstDash val="solid"/>
+            <a:round/>
+            <a:headEnd type="none" w="med" len="med"/>
+            <a:tailEnd type="none" w="med" len="med"/>
+          </a:ln>
+        </p:spPr>
+        <p:style>
+          <a:lnRef idx="0">
+            <a:scrgbClr r="0" g="0" b="0"/>
+          </a:lnRef>
+          <a:fillRef idx="0">
+            <a:scrgbClr r="0" g="0" b="0"/>
+          </a:fillRef>
+          <a:effectRef idx="0">
+            <a:scrgbClr r="0" g="0" b="0"/>
+          </a:effectRef>
+          <a:fontRef idx="minor">
+            <a:schemeClr val="accent2"/>
+          </a:fontRef>
+        </p:style>
+        <p:txBody>
+          <a:bodyPr rtlCol="0" anchor="ctr"/>
+          <a:lstStyle/>
+          <a:p>
+            <a:pPr algn="ctr"/>
+            <a:r>
+              <a:rPr lang="en-US" sz="700" dirty="0"/>
+              <a:t>GPU</a:t>
+            </a:r>
+          </a:p>
+        </p:txBody>
+      </p:sp>
+      <p:sp>
+        <p:nvSpPr>
+          <p:cNvPr id="109" name="Rectangle: Beveled 108">
+            <a:extLst>
+              <a:ext uri="{FF2B5EF4-FFF2-40B4-BE49-F238E27FC236}">
+                <a16:creationId xmlns:a16="http://schemas.microsoft.com/office/drawing/2014/main" id="{1830B366-4095-4C24-BAE9-32E3F6551AA5}"/>
+              </a:ext>
+            </a:extLst>
+          </p:cNvPr>
+          <p:cNvSpPr/>
+          <p:nvPr/>
+        </p:nvSpPr>
+        <p:spPr>
+          <a:xfrm>
+            <a:off x="8582624" y="2723825"/>
+            <a:ext cx="393379" cy="184810"/>
+          </a:xfrm>
+          <a:prstGeom prst="bevel">
+            <a:avLst/>
+          </a:prstGeom>
+          <a:noFill/>
+          <a:ln w="9525" cap="flat" cmpd="sng" algn="ctr">
+            <a:solidFill>
+              <a:schemeClr val="accent2"/>
+            </a:solidFill>
+            <a:prstDash val="solid"/>
+            <a:round/>
+            <a:headEnd type="none" w="med" len="med"/>
+            <a:tailEnd type="none" w="med" len="med"/>
+          </a:ln>
+        </p:spPr>
+        <p:style>
+          <a:lnRef idx="0">
+            <a:scrgbClr r="0" g="0" b="0"/>
+          </a:lnRef>
+          <a:fillRef idx="0">
+            <a:scrgbClr r="0" g="0" b="0"/>
+          </a:fillRef>
+          <a:effectRef idx="0">
+            <a:scrgbClr r="0" g="0" b="0"/>
+          </a:effectRef>
+          <a:fontRef idx="minor">
+            <a:schemeClr val="accent2"/>
+          </a:fontRef>
+        </p:style>
+        <p:txBody>
+          <a:bodyPr rtlCol="0" anchor="ctr"/>
+          <a:lstStyle/>
+          <a:p>
+            <a:pPr algn="ctr"/>
+            <a:r>
+              <a:rPr lang="en-US" sz="700" dirty="0"/>
+              <a:t>GPU</a:t>
+            </a:r>
+          </a:p>
+        </p:txBody>
+      </p:sp>
+      <p:sp>
+        <p:nvSpPr>
+          <p:cNvPr id="110" name="Rectangle: Beveled 109">
+            <a:extLst>
+              <a:ext uri="{FF2B5EF4-FFF2-40B4-BE49-F238E27FC236}">
+                <a16:creationId xmlns:a16="http://schemas.microsoft.com/office/drawing/2014/main" id="{5CE28FEF-22A8-477D-966C-B9E4A90E9C44}"/>
+              </a:ext>
+            </a:extLst>
+          </p:cNvPr>
+          <p:cNvSpPr/>
+          <p:nvPr/>
+        </p:nvSpPr>
+        <p:spPr>
+          <a:xfrm>
+            <a:off x="10491709" y="2320856"/>
+            <a:ext cx="393379" cy="184810"/>
+          </a:xfrm>
+          <a:prstGeom prst="bevel">
+            <a:avLst/>
+          </a:prstGeom>
+          <a:noFill/>
+          <a:ln w="9525" cap="flat" cmpd="sng" algn="ctr">
+            <a:solidFill>
+              <a:schemeClr val="accent2"/>
+            </a:solidFill>
+            <a:prstDash val="solid"/>
+            <a:round/>
+            <a:headEnd type="none" w="med" len="med"/>
+            <a:tailEnd type="none" w="med" len="med"/>
+          </a:ln>
+        </p:spPr>
+        <p:style>
+          <a:lnRef idx="0">
+            <a:scrgbClr r="0" g="0" b="0"/>
+          </a:lnRef>
+          <a:fillRef idx="0">
+            <a:scrgbClr r="0" g="0" b="0"/>
+          </a:fillRef>
+          <a:effectRef idx="0">
+            <a:scrgbClr r="0" g="0" b="0"/>
+          </a:effectRef>
+          <a:fontRef idx="minor">
+            <a:schemeClr val="accent2"/>
+          </a:fontRef>
+        </p:style>
+        <p:txBody>
+          <a:bodyPr rtlCol="0" anchor="ctr"/>
+          <a:lstStyle/>
+          <a:p>
+            <a:pPr algn="ctr"/>
+            <a:r>
+              <a:rPr lang="en-US" sz="700" dirty="0"/>
+              <a:t>GPU</a:t>
+            </a:r>
+          </a:p>
+        </p:txBody>
+      </p:sp>
+      <p:sp>
+        <p:nvSpPr>
+          <p:cNvPr id="114" name="Rectangle: Beveled 113">
+            <a:extLst>
+              <a:ext uri="{FF2B5EF4-FFF2-40B4-BE49-F238E27FC236}">
+                <a16:creationId xmlns:a16="http://schemas.microsoft.com/office/drawing/2014/main" id="{5A0D3A28-81BF-4B59-8FFF-1C69822C9E80}"/>
+              </a:ext>
+            </a:extLst>
+          </p:cNvPr>
+          <p:cNvSpPr/>
+          <p:nvPr/>
+        </p:nvSpPr>
+        <p:spPr>
+          <a:xfrm>
+            <a:off x="5927439" y="5336725"/>
+            <a:ext cx="393379" cy="184810"/>
+          </a:xfrm>
+          <a:prstGeom prst="bevel">
+            <a:avLst/>
+          </a:prstGeom>
+          <a:noFill/>
+          <a:ln w="9525" cap="flat" cmpd="sng" algn="ctr">
+            <a:solidFill>
+              <a:schemeClr val="accent6"/>
+            </a:solidFill>
+            <a:prstDash val="solid"/>
+            <a:round/>
+            <a:headEnd type="none" w="med" len="med"/>
+            <a:tailEnd type="none" w="med" len="med"/>
+          </a:ln>
+        </p:spPr>
+        <p:style>
+          <a:lnRef idx="0">
+            <a:scrgbClr r="0" g="0" b="0"/>
+          </a:lnRef>
+          <a:fillRef idx="0">
+            <a:scrgbClr r="0" g="0" b="0"/>
+          </a:fillRef>
+          <a:effectRef idx="0">
+            <a:scrgbClr r="0" g="0" b="0"/>
+          </a:effectRef>
+          <a:fontRef idx="minor">
+            <a:schemeClr val="accent6"/>
+          </a:fontRef>
+        </p:style>
+        <p:txBody>
+          <a:bodyPr rtlCol="0" anchor="ctr"/>
+          <a:lstStyle/>
+          <a:p>
+            <a:pPr algn="ctr"/>
+            <a:r>
+              <a:rPr lang="en-US" sz="700" dirty="0"/>
+              <a:t>CPU</a:t>
+            </a:r>
+          </a:p>
+        </p:txBody>
+      </p:sp>
+      <p:sp>
+        <p:nvSpPr>
+          <p:cNvPr id="120" name="Rectangle: Beveled 119">
+            <a:extLst>
+              <a:ext uri="{FF2B5EF4-FFF2-40B4-BE49-F238E27FC236}">
+                <a16:creationId xmlns:a16="http://schemas.microsoft.com/office/drawing/2014/main" id="{C4A9069D-2043-4159-AC8D-A0662A9983C8}"/>
+              </a:ext>
+            </a:extLst>
+          </p:cNvPr>
+          <p:cNvSpPr/>
+          <p:nvPr/>
+        </p:nvSpPr>
+        <p:spPr>
+          <a:xfrm>
+            <a:off x="6854083" y="2203027"/>
+            <a:ext cx="393379" cy="184810"/>
+          </a:xfrm>
+          <a:prstGeom prst="bevel">
+            <a:avLst/>
+          </a:prstGeom>
+          <a:noFill/>
+          <a:ln w="9525" cap="flat" cmpd="sng" algn="ctr">
+            <a:solidFill>
+              <a:schemeClr val="accent2"/>
+            </a:solidFill>
+            <a:prstDash val="solid"/>
+            <a:round/>
+            <a:headEnd type="none" w="med" len="med"/>
+            <a:tailEnd type="none" w="med" len="med"/>
+          </a:ln>
+        </p:spPr>
+        <p:style>
+          <a:lnRef idx="0">
+            <a:scrgbClr r="0" g="0" b="0"/>
+          </a:lnRef>
+          <a:fillRef idx="0">
+            <a:scrgbClr r="0" g="0" b="0"/>
+          </a:fillRef>
+          <a:effectRef idx="0">
+            <a:scrgbClr r="0" g="0" b="0"/>
+          </a:effectRef>
+          <a:fontRef idx="minor">
+            <a:schemeClr val="accent2"/>
+          </a:fontRef>
+        </p:style>
+        <p:txBody>
+          <a:bodyPr rtlCol="0" anchor="ctr"/>
+          <a:lstStyle/>
+          <a:p>
+            <a:pPr algn="ctr"/>
+            <a:r>
+              <a:rPr lang="en-US" sz="700" dirty="0"/>
+              <a:t>GPU</a:t>
+            </a:r>
+          </a:p>
+        </p:txBody>
+      </p:sp>
+      <p:sp>
+        <p:nvSpPr>
+          <p:cNvPr id="122" name="Rectangle: Beveled 121">
+            <a:extLst>
+              <a:ext uri="{FF2B5EF4-FFF2-40B4-BE49-F238E27FC236}">
+                <a16:creationId xmlns:a16="http://schemas.microsoft.com/office/drawing/2014/main" id="{5CB0428F-E0AE-4B5E-93D5-9CD69184D6D6}"/>
+              </a:ext>
+            </a:extLst>
+          </p:cNvPr>
+          <p:cNvSpPr/>
+          <p:nvPr/>
+        </p:nvSpPr>
+        <p:spPr>
+          <a:xfrm>
+            <a:off x="11569031" y="2404886"/>
+            <a:ext cx="393379" cy="184810"/>
+          </a:xfrm>
+          <a:prstGeom prst="bevel">
+            <a:avLst/>
+          </a:prstGeom>
+          <a:noFill/>
+          <a:ln w="9525" cap="flat" cmpd="sng" algn="ctr">
+            <a:solidFill>
+              <a:schemeClr val="accent2"/>
+            </a:solidFill>
+            <a:prstDash val="solid"/>
+            <a:round/>
+            <a:headEnd type="none" w="med" len="med"/>
+            <a:tailEnd type="none" w="med" len="med"/>
+          </a:ln>
+        </p:spPr>
+        <p:style>
+          <a:lnRef idx="0">
+            <a:scrgbClr r="0" g="0" b="0"/>
+          </a:lnRef>
+          <a:fillRef idx="0">
+            <a:scrgbClr r="0" g="0" b="0"/>
+          </a:fillRef>
+          <a:effectRef idx="0">
+            <a:scrgbClr r="0" g="0" b="0"/>
+          </a:effectRef>
+          <a:fontRef idx="minor">
+            <a:schemeClr val="accent2"/>
+          </a:fontRef>
+        </p:style>
+        <p:txBody>
+          <a:bodyPr rtlCol="0" anchor="ctr"/>
+          <a:lstStyle/>
+          <a:p>
+            <a:pPr algn="ctr"/>
+            <a:r>
+              <a:rPr lang="en-US" sz="700" dirty="0"/>
+              <a:t>GPU</a:t>
+            </a:r>
+          </a:p>
+        </p:txBody>
+      </p:sp>
+      <p:sp>
+        <p:nvSpPr>
+          <p:cNvPr id="123" name="Rectangle: Beveled 122">
+            <a:extLst>
+              <a:ext uri="{FF2B5EF4-FFF2-40B4-BE49-F238E27FC236}">
+                <a16:creationId xmlns:a16="http://schemas.microsoft.com/office/drawing/2014/main" id="{71A295A4-55AD-4896-9191-21D30987431B}"/>
+              </a:ext>
+            </a:extLst>
+          </p:cNvPr>
+          <p:cNvSpPr/>
+          <p:nvPr/>
+        </p:nvSpPr>
+        <p:spPr>
+          <a:xfrm>
+            <a:off x="11140914" y="3228824"/>
+            <a:ext cx="393379" cy="184810"/>
+          </a:xfrm>
+          <a:prstGeom prst="bevel">
+            <a:avLst/>
+          </a:prstGeom>
+          <a:noFill/>
+          <a:ln w="9525" cap="flat" cmpd="sng" algn="ctr">
+            <a:solidFill>
+              <a:schemeClr val="accent2"/>
+            </a:solidFill>
+            <a:prstDash val="solid"/>
+            <a:round/>
+            <a:headEnd type="none" w="med" len="med"/>
+            <a:tailEnd type="none" w="med" len="med"/>
+          </a:ln>
+        </p:spPr>
+        <p:style>
+          <a:lnRef idx="0">
+            <a:scrgbClr r="0" g="0" b="0"/>
+          </a:lnRef>
+          <a:fillRef idx="0">
+            <a:scrgbClr r="0" g="0" b="0"/>
+          </a:fillRef>
+          <a:effectRef idx="0">
+            <a:scrgbClr r="0" g="0" b="0"/>
+          </a:effectRef>
+          <a:fontRef idx="minor">
+            <a:schemeClr val="accent2"/>
+          </a:fontRef>
+        </p:style>
+        <p:txBody>
+          <a:bodyPr rtlCol="0" anchor="ctr"/>
+          <a:lstStyle/>
+          <a:p>
+            <a:pPr algn="ctr"/>
+            <a:r>
+              <a:rPr lang="en-US" sz="700" dirty="0"/>
+              <a:t>GPU</a:t>
+            </a:r>
+          </a:p>
+        </p:txBody>
+      </p:sp>
+      <p:sp>
+        <p:nvSpPr>
+          <p:cNvPr id="14" name="Double Bracket 13">
+            <a:extLst>
+              <a:ext uri="{FF2B5EF4-FFF2-40B4-BE49-F238E27FC236}">
+                <a16:creationId xmlns:a16="http://schemas.microsoft.com/office/drawing/2014/main" id="{4A28ABF5-CA3B-4681-851A-C6EA4411A39E}"/>
+              </a:ext>
+            </a:extLst>
+          </p:cNvPr>
+          <p:cNvSpPr/>
+          <p:nvPr/>
+        </p:nvSpPr>
+        <p:spPr>
+          <a:xfrm>
+            <a:off x="2624133" y="2938203"/>
+            <a:ext cx="666251" cy="497420"/>
+          </a:xfrm>
+          <a:prstGeom prst="bracketPair">
+            <a:avLst/>
+          </a:prstGeom>
+        </p:spPr>
+        <p:style>
+          <a:lnRef idx="1">
+            <a:schemeClr val="accent1"/>
+          </a:lnRef>
+          <a:fillRef idx="0">
+            <a:schemeClr val="accent1"/>
+          </a:fillRef>
+          <a:effectRef idx="0">
+            <a:schemeClr val="accent1"/>
+          </a:effectRef>
+          <a:fontRef idx="minor">
+            <a:schemeClr val="tx1"/>
+          </a:fontRef>
+        </p:style>
+        <p:txBody>
+          <a:bodyPr rtlCol="0" anchor="ctr"/>
+          <a:lstStyle/>
+          <a:p>
+            <a:pPr algn="ctr"/>
+            <a:r>
+              <a:rPr lang="en-US" sz="1100" dirty="0" err="1"/>
+              <a:t>Interp</a:t>
+            </a:r>
+            <a:r>
+              <a:rPr lang="en-US" sz="1100" dirty="0"/>
+              <a:t> kernels</a:t>
+            </a:r>
+          </a:p>
+        </p:txBody>
+      </p:sp>
+      <p:sp>
+        <p:nvSpPr>
+          <p:cNvPr id="130" name="Double Bracket 129">
+            <a:extLst>
+              <a:ext uri="{FF2B5EF4-FFF2-40B4-BE49-F238E27FC236}">
+                <a16:creationId xmlns:a16="http://schemas.microsoft.com/office/drawing/2014/main" id="{0A27ACA0-06AF-4D43-8E4B-500CB32EA938}"/>
+              </a:ext>
+            </a:extLst>
+          </p:cNvPr>
+          <p:cNvSpPr/>
+          <p:nvPr/>
+        </p:nvSpPr>
+        <p:spPr>
+          <a:xfrm>
+            <a:off x="2541854" y="4337623"/>
+            <a:ext cx="666251" cy="497420"/>
+          </a:xfrm>
+          <a:prstGeom prst="bracketPair">
+            <a:avLst/>
+          </a:prstGeom>
+        </p:spPr>
+        <p:style>
+          <a:lnRef idx="1">
+            <a:schemeClr val="accent1"/>
+          </a:lnRef>
+          <a:fillRef idx="0">
+            <a:schemeClr val="accent1"/>
+          </a:fillRef>
+          <a:effectRef idx="0">
+            <a:schemeClr val="accent1"/>
+          </a:effectRef>
+          <a:fontRef idx="minor">
+            <a:schemeClr val="tx1"/>
+          </a:fontRef>
+        </p:style>
+        <p:txBody>
+          <a:bodyPr rtlCol="0" anchor="ctr"/>
+          <a:lstStyle/>
+          <a:p>
+            <a:pPr algn="ctr"/>
+            <a:r>
+              <a:rPr lang="en-US" sz="1100" dirty="0"/>
+              <a:t>Restrict kernel</a:t>
+            </a:r>
+          </a:p>
+        </p:txBody>
+      </p:sp>
+      <p:sp>
+        <p:nvSpPr>
+          <p:cNvPr id="131" name="Double Bracket 130">
+            <a:extLst>
+              <a:ext uri="{FF2B5EF4-FFF2-40B4-BE49-F238E27FC236}">
+                <a16:creationId xmlns:a16="http://schemas.microsoft.com/office/drawing/2014/main" id="{26A1A009-9557-40DC-B52F-86A2A339395C}"/>
+              </a:ext>
+            </a:extLst>
+          </p:cNvPr>
+          <p:cNvSpPr/>
+          <p:nvPr/>
+        </p:nvSpPr>
+        <p:spPr>
+          <a:xfrm>
+            <a:off x="2624134" y="3599576"/>
+            <a:ext cx="666251" cy="497420"/>
+          </a:xfrm>
+          <a:prstGeom prst="bracketPair">
+            <a:avLst/>
+          </a:prstGeom>
+        </p:spPr>
+        <p:style>
+          <a:lnRef idx="1">
+            <a:schemeClr val="accent1"/>
+          </a:lnRef>
+          <a:fillRef idx="0">
+            <a:schemeClr val="accent1"/>
+          </a:fillRef>
+          <a:effectRef idx="0">
+            <a:schemeClr val="accent1"/>
+          </a:effectRef>
+          <a:fontRef idx="minor">
+            <a:schemeClr val="tx1"/>
+          </a:fontRef>
+        </p:style>
+        <p:txBody>
+          <a:bodyPr rtlCol="0" anchor="ctr"/>
+          <a:lstStyle/>
+          <a:p>
+            <a:pPr algn="ctr"/>
+            <a:r>
+              <a:rPr lang="en-US" sz="1100" dirty="0"/>
+              <a:t>A</a:t>
+            </a:r>
+            <a:r>
+              <a:rPr lang="en-US" sz="1100" baseline="-25000" dirty="0"/>
+              <a:t>i</a:t>
+            </a:r>
+          </a:p>
+          <a:p>
+            <a:pPr algn="ctr"/>
+            <a:r>
+              <a:rPr lang="en-US" sz="1100" dirty="0"/>
+              <a:t>kernels</a:t>
+            </a:r>
+          </a:p>
+        </p:txBody>
+      </p:sp>
+      <p:cxnSp>
+        <p:nvCxnSpPr>
+          <p:cNvPr id="133" name="Straight Arrow Connector 132">
+            <a:extLst>
+              <a:ext uri="{FF2B5EF4-FFF2-40B4-BE49-F238E27FC236}">
+                <a16:creationId xmlns:a16="http://schemas.microsoft.com/office/drawing/2014/main" id="{8455128B-7B4A-4F44-BFD9-99C95A950BEE}"/>
+              </a:ext>
+            </a:extLst>
+          </p:cNvPr>
+          <p:cNvCxnSpPr>
+            <a:cxnSpLocks/>
+            <a:stCxn id="13" idx="3"/>
+            <a:endCxn id="131" idx="1"/>
+          </p:cNvCxnSpPr>
+          <p:nvPr/>
+        </p:nvCxnSpPr>
+        <p:spPr>
+          <a:xfrm>
+            <a:off x="2096994" y="3719428"/>
+            <a:ext cx="527140" cy="128858"/>
+          </a:xfrm>
+          <a:prstGeom prst="straightConnector1">
+            <a:avLst/>
+          </a:prstGeom>
+          <a:ln>
+            <a:tailEnd type="triangle"/>
+          </a:ln>
+        </p:spPr>
+        <p:style>
+          <a:lnRef idx="1">
+            <a:schemeClr val="accent1"/>
+          </a:lnRef>
+          <a:fillRef idx="0">
+            <a:schemeClr val="accent1"/>
+          </a:fillRef>
+          <a:effectRef idx="0">
+            <a:schemeClr val="accent1"/>
+          </a:effectRef>
+          <a:fontRef idx="minor">
+            <a:schemeClr val="tx1"/>
+          </a:fontRef>
+        </p:style>
+      </p:cxnSp>
+      <p:sp>
+        <p:nvSpPr>
+          <p:cNvPr id="38" name="TextBox 37">
+            <a:extLst>
+              <a:ext uri="{FF2B5EF4-FFF2-40B4-BE49-F238E27FC236}">
+                <a16:creationId xmlns:a16="http://schemas.microsoft.com/office/drawing/2014/main" id="{1E597E1A-AEB8-4DE4-91DF-6D7B1A76651E}"/>
+              </a:ext>
+            </a:extLst>
+          </p:cNvPr>
+          <p:cNvSpPr txBox="1"/>
+          <p:nvPr/>
+        </p:nvSpPr>
+        <p:spPr>
+          <a:xfrm>
+            <a:off x="3192693" y="4467608"/>
+            <a:ext cx="348086" cy="261610"/>
+          </a:xfrm>
+          <a:prstGeom prst="rect">
+            <a:avLst/>
+          </a:prstGeom>
+          <a:noFill/>
+        </p:spPr>
+        <p:txBody>
+          <a:bodyPr wrap="square" rtlCol="0">
+            <a:spAutoFit/>
+          </a:bodyPr>
+          <a:lstStyle/>
+          <a:p>
+            <a:r>
+              <a:rPr lang="en-US" sz="1050" dirty="0"/>
+              <a:t>4</a:t>
+            </a:r>
+            <a:r>
+              <a:rPr lang="en-US" sz="1050" baseline="30000" dirty="0"/>
+              <a:t>3</a:t>
+            </a:r>
+          </a:p>
+        </p:txBody>
+      </p:sp>
+      <p:sp>
+        <p:nvSpPr>
+          <p:cNvPr id="142" name="TextBox 141">
+            <a:extLst>
+              <a:ext uri="{FF2B5EF4-FFF2-40B4-BE49-F238E27FC236}">
+                <a16:creationId xmlns:a16="http://schemas.microsoft.com/office/drawing/2014/main" id="{7EE812F9-4DB8-410D-8BF3-FD9FCB1F53E3}"/>
+              </a:ext>
+            </a:extLst>
+          </p:cNvPr>
+          <p:cNvSpPr txBox="1"/>
+          <p:nvPr/>
+        </p:nvSpPr>
+        <p:spPr>
+          <a:xfrm>
+            <a:off x="3313364" y="3002129"/>
+            <a:ext cx="348086" cy="261610"/>
+          </a:xfrm>
+          <a:prstGeom prst="rect">
+            <a:avLst/>
+          </a:prstGeom>
+          <a:noFill/>
+        </p:spPr>
+        <p:txBody>
+          <a:bodyPr wrap="square" rtlCol="0">
+            <a:spAutoFit/>
+          </a:bodyPr>
+          <a:lstStyle/>
+          <a:p>
+            <a:r>
+              <a:rPr lang="en-US" sz="1050" dirty="0"/>
+              <a:t>3</a:t>
+            </a:r>
+            <a:r>
+              <a:rPr lang="en-US" sz="1050" baseline="30000" dirty="0"/>
+              <a:t>3</a:t>
+            </a:r>
+          </a:p>
+        </p:txBody>
+      </p:sp>
+      <p:sp>
+        <p:nvSpPr>
+          <p:cNvPr id="143" name="TextBox 142">
+            <a:extLst>
+              <a:ext uri="{FF2B5EF4-FFF2-40B4-BE49-F238E27FC236}">
+                <a16:creationId xmlns:a16="http://schemas.microsoft.com/office/drawing/2014/main" id="{704581F6-EA96-49E8-BA2A-AEE397811385}"/>
+              </a:ext>
+            </a:extLst>
+          </p:cNvPr>
+          <p:cNvSpPr txBox="1"/>
+          <p:nvPr/>
+        </p:nvSpPr>
+        <p:spPr>
+          <a:xfrm>
+            <a:off x="3425438" y="3752771"/>
+            <a:ext cx="666251" cy="253916"/>
+          </a:xfrm>
+          <a:prstGeom prst="rect">
+            <a:avLst/>
+          </a:prstGeom>
+          <a:noFill/>
+        </p:spPr>
+        <p:txBody>
+          <a:bodyPr wrap="square" rtlCol="0">
+            <a:spAutoFit/>
+          </a:bodyPr>
+          <a:lstStyle/>
+          <a:p>
+            <a:r>
+              <a:rPr lang="en-US" sz="1050"/>
+              <a:t>(3+5i</a:t>
+            </a:r>
+            <a:r>
+              <a:rPr lang="en-US" sz="1050" dirty="0"/>
+              <a:t>)</a:t>
+            </a:r>
+            <a:r>
+              <a:rPr lang="en-US" sz="1050" baseline="30000" dirty="0"/>
+              <a:t>3</a:t>
+            </a:r>
+          </a:p>
+        </p:txBody>
+      </p:sp>
+      <p:sp>
+        <p:nvSpPr>
+          <p:cNvPr id="3" name="Rectangle: Rounded Corners 2">
+            <a:extLst>
+              <a:ext uri="{FF2B5EF4-FFF2-40B4-BE49-F238E27FC236}">
+                <a16:creationId xmlns:a16="http://schemas.microsoft.com/office/drawing/2014/main" id="{CA1692C2-F46E-455A-9A84-C30A7C4D4363}"/>
+              </a:ext>
+            </a:extLst>
+          </p:cNvPr>
+          <p:cNvSpPr/>
+          <p:nvPr/>
+        </p:nvSpPr>
+        <p:spPr>
+          <a:xfrm>
+            <a:off x="157804" y="452591"/>
+            <a:ext cx="2998308" cy="2517066"/>
+          </a:xfrm>
+          <a:prstGeom prst="roundRect">
+            <a:avLst/>
+          </a:prstGeom>
+          <a:solidFill>
+            <a:srgbClr val="70AD47">
+              <a:alpha val="25098"/>
+            </a:srgbClr>
+          </a:solidFill>
+          <a:ln w="12700">
+            <a:solidFill>
+              <a:schemeClr val="tx1"/>
+            </a:solidFill>
+          </a:ln>
+        </p:spPr>
+        <p:style>
+          <a:lnRef idx="0">
+            <a:scrgbClr r="0" g="0" b="0"/>
+          </a:lnRef>
+          <a:fillRef idx="0">
+            <a:scrgbClr r="0" g="0" b="0"/>
+          </a:fillRef>
+          <a:effectRef idx="0">
+            <a:scrgbClr r="0" g="0" b="0"/>
+          </a:effectRef>
+          <a:fontRef idx="minor">
+            <a:schemeClr val="lt1"/>
+          </a:fontRef>
+        </p:style>
+        <p:txBody>
+          <a:bodyPr rtlCol="0" anchor="ctr"/>
+          <a:lstStyle/>
+          <a:p>
+            <a:pPr algn="ctr"/>
+            <a:endParaRPr lang="en-US"/>
+          </a:p>
+        </p:txBody>
+      </p:sp>
+      <p:sp>
+        <p:nvSpPr>
+          <p:cNvPr id="128" name="Rectangle: Rounded Corners 127">
+            <a:extLst>
+              <a:ext uri="{FF2B5EF4-FFF2-40B4-BE49-F238E27FC236}">
+                <a16:creationId xmlns:a16="http://schemas.microsoft.com/office/drawing/2014/main" id="{7CC8F3EA-8022-4725-9E43-5F531088D54F}"/>
+              </a:ext>
+            </a:extLst>
+          </p:cNvPr>
+          <p:cNvSpPr/>
+          <p:nvPr/>
+        </p:nvSpPr>
+        <p:spPr>
+          <a:xfrm>
+            <a:off x="3203392" y="916660"/>
+            <a:ext cx="2998308" cy="1171313"/>
+          </a:xfrm>
+          <a:prstGeom prst="roundRect">
+            <a:avLst/>
+          </a:prstGeom>
+          <a:solidFill>
+            <a:srgbClr val="70AD47">
+              <a:alpha val="25098"/>
+            </a:srgbClr>
+          </a:solidFill>
+          <a:ln w="12700">
+            <a:solidFill>
+              <a:schemeClr val="tx1"/>
+            </a:solidFill>
+          </a:ln>
+        </p:spPr>
+        <p:style>
+          <a:lnRef idx="0">
+            <a:scrgbClr r="0" g="0" b="0"/>
+          </a:lnRef>
+          <a:fillRef idx="0">
+            <a:scrgbClr r="0" g="0" b="0"/>
+          </a:fillRef>
+          <a:effectRef idx="0">
+            <a:scrgbClr r="0" g="0" b="0"/>
+          </a:effectRef>
+          <a:fontRef idx="minor">
+            <a:schemeClr val="lt1"/>
+          </a:fontRef>
+        </p:style>
+        <p:txBody>
+          <a:bodyPr rtlCol="0" anchor="ctr"/>
+          <a:lstStyle/>
+          <a:p>
+            <a:pPr algn="ctr"/>
+            <a:endParaRPr lang="en-US"/>
+          </a:p>
+        </p:txBody>
+      </p:sp>
+      <p:sp>
+        <p:nvSpPr>
+          <p:cNvPr id="134" name="Rectangle: Rounded Corners 133">
+            <a:extLst>
+              <a:ext uri="{FF2B5EF4-FFF2-40B4-BE49-F238E27FC236}">
+                <a16:creationId xmlns:a16="http://schemas.microsoft.com/office/drawing/2014/main" id="{6C3A1A52-FD45-47E3-BD35-D562E51A4A6C}"/>
+              </a:ext>
+            </a:extLst>
+          </p:cNvPr>
+          <p:cNvSpPr/>
+          <p:nvPr/>
+        </p:nvSpPr>
+        <p:spPr>
+          <a:xfrm>
+            <a:off x="3569698" y="4988113"/>
+            <a:ext cx="1132848" cy="1509086"/>
+          </a:xfrm>
+          <a:prstGeom prst="roundRect">
+            <a:avLst/>
+          </a:prstGeom>
+          <a:solidFill>
+            <a:schemeClr val="accent2">
+              <a:alpha val="50000"/>
+            </a:schemeClr>
+          </a:solidFill>
+          <a:ln>
+            <a:noFill/>
+          </a:ln>
+        </p:spPr>
+        <p:style>
+          <a:lnRef idx="0">
+            <a:scrgbClr r="0" g="0" b="0"/>
+          </a:lnRef>
+          <a:fillRef idx="0">
+            <a:scrgbClr r="0" g="0" b="0"/>
+          </a:fillRef>
+          <a:effectRef idx="0">
+            <a:scrgbClr r="0" g="0" b="0"/>
+          </a:effectRef>
+          <a:fontRef idx="minor">
+            <a:schemeClr val="lt1"/>
+          </a:fontRef>
+        </p:style>
+        <p:txBody>
+          <a:bodyPr rtlCol="0" anchor="ctr"/>
+          <a:lstStyle/>
+          <a:p>
+            <a:pPr algn="ctr"/>
+            <a:endParaRPr lang="en-US"/>
+          </a:p>
+        </p:txBody>
+      </p:sp>
+      <p:sp>
+        <p:nvSpPr>
+          <p:cNvPr id="137" name="Rectangle: Rounded Corners 136">
+            <a:extLst>
+              <a:ext uri="{FF2B5EF4-FFF2-40B4-BE49-F238E27FC236}">
+                <a16:creationId xmlns:a16="http://schemas.microsoft.com/office/drawing/2014/main" id="{3AA86C7E-5E86-4F89-A105-DAA3F45AD300}"/>
+              </a:ext>
+            </a:extLst>
+          </p:cNvPr>
+          <p:cNvSpPr/>
+          <p:nvPr/>
+        </p:nvSpPr>
+        <p:spPr>
+          <a:xfrm>
+            <a:off x="1095997" y="3052292"/>
+            <a:ext cx="1132848" cy="1509086"/>
+          </a:xfrm>
+          <a:prstGeom prst="roundRect">
+            <a:avLst/>
+          </a:prstGeom>
+          <a:solidFill>
+            <a:srgbClr val="70AD47">
+              <a:alpha val="25098"/>
+            </a:srgbClr>
+          </a:solidFill>
+          <a:ln w="12700">
+            <a:solidFill>
+              <a:schemeClr val="tx1"/>
+            </a:solidFill>
+          </a:ln>
+        </p:spPr>
+        <p:style>
+          <a:lnRef idx="0">
+            <a:scrgbClr r="0" g="0" b="0"/>
+          </a:lnRef>
+          <a:fillRef idx="0">
+            <a:scrgbClr r="0" g="0" b="0"/>
+          </a:fillRef>
+          <a:effectRef idx="0">
+            <a:scrgbClr r="0" g="0" b="0"/>
+          </a:effectRef>
+          <a:fontRef idx="minor">
+            <a:schemeClr val="lt1"/>
+          </a:fontRef>
+        </p:style>
+        <p:txBody>
+          <a:bodyPr rtlCol="0" anchor="ctr"/>
+          <a:lstStyle/>
+          <a:p>
+            <a:pPr algn="ctr"/>
+            <a:endParaRPr lang="en-US"/>
+          </a:p>
+        </p:txBody>
+      </p:sp>
+      <p:sp>
+        <p:nvSpPr>
+          <p:cNvPr id="138" name="Rectangle: Rounded Corners 137">
+            <a:extLst>
+              <a:ext uri="{FF2B5EF4-FFF2-40B4-BE49-F238E27FC236}">
+                <a16:creationId xmlns:a16="http://schemas.microsoft.com/office/drawing/2014/main" id="{A62D69BC-5FD2-48BA-8DBA-F1B0834FF09D}"/>
+              </a:ext>
+            </a:extLst>
+          </p:cNvPr>
+          <p:cNvSpPr/>
+          <p:nvPr/>
+        </p:nvSpPr>
+        <p:spPr>
+          <a:xfrm>
+            <a:off x="2449877" y="4208459"/>
+            <a:ext cx="1034197" cy="744835"/>
+          </a:xfrm>
+          <a:prstGeom prst="roundRect">
+            <a:avLst/>
+          </a:prstGeom>
+          <a:solidFill>
+            <a:srgbClr val="70AD47">
+              <a:alpha val="25098"/>
+            </a:srgbClr>
+          </a:solidFill>
+          <a:ln w="12700">
+            <a:solidFill>
+              <a:schemeClr val="tx1"/>
+            </a:solidFill>
+          </a:ln>
+        </p:spPr>
+        <p:style>
+          <a:lnRef idx="0">
+            <a:scrgbClr r="0" g="0" b="0"/>
+          </a:lnRef>
+          <a:fillRef idx="0">
+            <a:scrgbClr r="0" g="0" b="0"/>
+          </a:fillRef>
+          <a:effectRef idx="0">
+            <a:scrgbClr r="0" g="0" b="0"/>
+          </a:effectRef>
+          <a:fontRef idx="minor">
+            <a:schemeClr val="lt1"/>
+          </a:fontRef>
+        </p:style>
+        <p:txBody>
+          <a:bodyPr rtlCol="0" anchor="ctr"/>
+          <a:lstStyle/>
+          <a:p>
+            <a:pPr algn="ctr"/>
+            <a:endParaRPr lang="en-US"/>
+          </a:p>
+        </p:txBody>
+      </p:sp>
+      <p:sp>
+        <p:nvSpPr>
+          <p:cNvPr id="140" name="Rectangle: Rounded Corners 139">
+            <a:extLst>
+              <a:ext uri="{FF2B5EF4-FFF2-40B4-BE49-F238E27FC236}">
+                <a16:creationId xmlns:a16="http://schemas.microsoft.com/office/drawing/2014/main" id="{5C67BA5F-E24F-4863-AD2A-57958C5A0E3B}"/>
+              </a:ext>
+            </a:extLst>
+          </p:cNvPr>
+          <p:cNvSpPr/>
+          <p:nvPr/>
+        </p:nvSpPr>
+        <p:spPr>
+          <a:xfrm>
+            <a:off x="2547694" y="2852570"/>
+            <a:ext cx="1048946" cy="724929"/>
+          </a:xfrm>
+          <a:prstGeom prst="roundRect">
+            <a:avLst/>
+          </a:prstGeom>
+          <a:solidFill>
+            <a:srgbClr val="70AD47">
+              <a:alpha val="25098"/>
+            </a:srgbClr>
+          </a:solidFill>
+          <a:ln w="12700">
+            <a:solidFill>
+              <a:schemeClr val="tx1"/>
+            </a:solidFill>
+          </a:ln>
+        </p:spPr>
+        <p:style>
+          <a:lnRef idx="0">
+            <a:scrgbClr r="0" g="0" b="0"/>
+          </a:lnRef>
+          <a:fillRef idx="0">
+            <a:scrgbClr r="0" g="0" b="0"/>
+          </a:fillRef>
+          <a:effectRef idx="0">
+            <a:scrgbClr r="0" g="0" b="0"/>
+          </a:effectRef>
+          <a:fontRef idx="minor">
+            <a:schemeClr val="lt1"/>
+          </a:fontRef>
+        </p:style>
+        <p:txBody>
+          <a:bodyPr rtlCol="0" anchor="ctr"/>
+          <a:lstStyle/>
+          <a:p>
+            <a:pPr algn="ctr"/>
+            <a:endParaRPr lang="en-US"/>
+          </a:p>
+        </p:txBody>
+      </p:sp>
+      <p:sp>
+        <p:nvSpPr>
+          <p:cNvPr id="141" name="Rectangle: Rounded Corners 140">
+            <a:extLst>
+              <a:ext uri="{FF2B5EF4-FFF2-40B4-BE49-F238E27FC236}">
+                <a16:creationId xmlns:a16="http://schemas.microsoft.com/office/drawing/2014/main" id="{02068C2A-013B-4C4F-91AB-16133BB8FF1D}"/>
+              </a:ext>
+            </a:extLst>
+          </p:cNvPr>
+          <p:cNvSpPr/>
+          <p:nvPr/>
+        </p:nvSpPr>
+        <p:spPr>
+          <a:xfrm>
+            <a:off x="2498376" y="3456228"/>
+            <a:ext cx="1048946" cy="724929"/>
+          </a:xfrm>
+          <a:prstGeom prst="roundRect">
+            <a:avLst/>
+          </a:prstGeom>
+          <a:solidFill>
+            <a:srgbClr val="70AD47">
+              <a:alpha val="25098"/>
+            </a:srgbClr>
+          </a:solidFill>
+          <a:ln w="12700">
+            <a:solidFill>
+              <a:schemeClr val="tx1"/>
+            </a:solidFill>
+          </a:ln>
+        </p:spPr>
+        <p:style>
+          <a:lnRef idx="0">
+            <a:scrgbClr r="0" g="0" b="0"/>
+          </a:lnRef>
+          <a:fillRef idx="0">
+            <a:scrgbClr r="0" g="0" b="0"/>
+          </a:fillRef>
+          <a:effectRef idx="0">
+            <a:scrgbClr r="0" g="0" b="0"/>
+          </a:effectRef>
+          <a:fontRef idx="minor">
+            <a:schemeClr val="lt1"/>
+          </a:fontRef>
+        </p:style>
+        <p:txBody>
+          <a:bodyPr rtlCol="0" anchor="ctr"/>
+          <a:lstStyle/>
+          <a:p>
+            <a:pPr algn="ctr"/>
+            <a:endParaRPr lang="en-US"/>
+          </a:p>
+        </p:txBody>
+      </p:sp>
+      <p:sp>
+        <p:nvSpPr>
+          <p:cNvPr id="144" name="Rectangle: Rounded Corners 143">
+            <a:extLst>
+              <a:ext uri="{FF2B5EF4-FFF2-40B4-BE49-F238E27FC236}">
+                <a16:creationId xmlns:a16="http://schemas.microsoft.com/office/drawing/2014/main" id="{B7B8790D-F3FD-459D-B468-2E47DF83C2D6}"/>
+              </a:ext>
+            </a:extLst>
+          </p:cNvPr>
+          <p:cNvSpPr/>
+          <p:nvPr/>
+        </p:nvSpPr>
+        <p:spPr>
+          <a:xfrm>
+            <a:off x="4569475" y="2375965"/>
+            <a:ext cx="1715653" cy="2740332"/>
+          </a:xfrm>
+          <a:prstGeom prst="roundRect">
+            <a:avLst/>
+          </a:prstGeom>
+          <a:solidFill>
+            <a:srgbClr val="70AD47">
+              <a:alpha val="25098"/>
+            </a:srgbClr>
+          </a:solidFill>
+          <a:ln w="12700">
+            <a:solidFill>
+              <a:schemeClr val="tx1"/>
+            </a:solidFill>
+          </a:ln>
+        </p:spPr>
+        <p:style>
+          <a:lnRef idx="0">
+            <a:scrgbClr r="0" g="0" b="0"/>
+          </a:lnRef>
+          <a:fillRef idx="0">
+            <a:scrgbClr r="0" g="0" b="0"/>
+          </a:fillRef>
+          <a:effectRef idx="0">
+            <a:scrgbClr r="0" g="0" b="0"/>
+          </a:effectRef>
+          <a:fontRef idx="minor">
+            <a:schemeClr val="lt1"/>
+          </a:fontRef>
+        </p:style>
+        <p:txBody>
+          <a:bodyPr rtlCol="0" anchor="ctr"/>
+          <a:lstStyle/>
+          <a:p>
+            <a:pPr algn="ctr"/>
+            <a:endParaRPr lang="en-US"/>
+          </a:p>
+        </p:txBody>
+      </p:sp>
+      <p:sp>
+        <p:nvSpPr>
+          <p:cNvPr id="145" name="Rectangle: Rounded Corners 144">
+            <a:extLst>
+              <a:ext uri="{FF2B5EF4-FFF2-40B4-BE49-F238E27FC236}">
+                <a16:creationId xmlns:a16="http://schemas.microsoft.com/office/drawing/2014/main" id="{E016A7A6-CBD7-471E-98EC-3650F1F179B5}"/>
+              </a:ext>
+            </a:extLst>
+          </p:cNvPr>
+          <p:cNvSpPr/>
+          <p:nvPr/>
+        </p:nvSpPr>
+        <p:spPr>
+          <a:xfrm>
+            <a:off x="4733238" y="5176224"/>
+            <a:ext cx="1827030" cy="1487944"/>
+          </a:xfrm>
+          <a:prstGeom prst="roundRect">
+            <a:avLst/>
+          </a:prstGeom>
+          <a:solidFill>
+            <a:srgbClr val="70AD47">
+              <a:alpha val="25098"/>
+            </a:srgbClr>
+          </a:solidFill>
+          <a:ln w="12700">
+            <a:solidFill>
+              <a:schemeClr val="tx1"/>
+            </a:solidFill>
+          </a:ln>
+        </p:spPr>
+        <p:style>
+          <a:lnRef idx="0">
+            <a:scrgbClr r="0" g="0" b="0"/>
+          </a:lnRef>
+          <a:fillRef idx="0">
+            <a:scrgbClr r="0" g="0" b="0"/>
+          </a:fillRef>
+          <a:effectRef idx="0">
+            <a:scrgbClr r="0" g="0" b="0"/>
+          </a:effectRef>
+          <a:fontRef idx="minor">
+            <a:schemeClr val="lt1"/>
+          </a:fontRef>
+        </p:style>
+        <p:txBody>
+          <a:bodyPr rtlCol="0" anchor="ctr"/>
+          <a:lstStyle/>
+          <a:p>
+            <a:pPr algn="ctr"/>
+            <a:endParaRPr lang="en-US"/>
+          </a:p>
+        </p:txBody>
+      </p:sp>
+      <p:sp>
+        <p:nvSpPr>
+          <p:cNvPr id="148" name="Rectangle: Beveled 147">
+            <a:extLst>
+              <a:ext uri="{FF2B5EF4-FFF2-40B4-BE49-F238E27FC236}">
+                <a16:creationId xmlns:a16="http://schemas.microsoft.com/office/drawing/2014/main" id="{07A886C6-47F6-4544-9A4E-E844F2841569}"/>
+              </a:ext>
+            </a:extLst>
+          </p:cNvPr>
+          <p:cNvSpPr/>
+          <p:nvPr/>
+        </p:nvSpPr>
+        <p:spPr>
+          <a:xfrm>
+            <a:off x="8884978" y="5195922"/>
+            <a:ext cx="393379" cy="184810"/>
+          </a:xfrm>
+          <a:prstGeom prst="bevel">
+            <a:avLst/>
+          </a:prstGeom>
+          <a:noFill/>
+          <a:ln w="9525" cap="flat" cmpd="sng" algn="ctr">
+            <a:solidFill>
+              <a:schemeClr val="accent6"/>
+            </a:solidFill>
+            <a:prstDash val="solid"/>
+            <a:round/>
+            <a:headEnd type="none" w="med" len="med"/>
+            <a:tailEnd type="none" w="med" len="med"/>
+          </a:ln>
+        </p:spPr>
+        <p:style>
+          <a:lnRef idx="0">
+            <a:scrgbClr r="0" g="0" b="0"/>
+          </a:lnRef>
+          <a:fillRef idx="0">
+            <a:scrgbClr r="0" g="0" b="0"/>
+          </a:fillRef>
+          <a:effectRef idx="0">
+            <a:scrgbClr r="0" g="0" b="0"/>
+          </a:effectRef>
+          <a:fontRef idx="minor">
+            <a:schemeClr val="accent6"/>
+          </a:fontRef>
+        </p:style>
+        <p:txBody>
+          <a:bodyPr rtlCol="0" anchor="ctr"/>
+          <a:lstStyle/>
+          <a:p>
+            <a:pPr algn="ctr"/>
+            <a:r>
+              <a:rPr lang="en-US" sz="700" dirty="0"/>
+              <a:t>CPU</a:t>
+            </a:r>
+          </a:p>
+        </p:txBody>
+      </p:sp>
+      <p:sp>
+        <p:nvSpPr>
+          <p:cNvPr id="149" name="Rectangle: Beveled 148">
+            <a:extLst>
+              <a:ext uri="{FF2B5EF4-FFF2-40B4-BE49-F238E27FC236}">
+                <a16:creationId xmlns:a16="http://schemas.microsoft.com/office/drawing/2014/main" id="{E404FDA9-C3CB-4513-9E7B-D73B607ED0C4}"/>
+              </a:ext>
+            </a:extLst>
+          </p:cNvPr>
+          <p:cNvSpPr/>
+          <p:nvPr/>
+        </p:nvSpPr>
+        <p:spPr>
+          <a:xfrm>
+            <a:off x="8582625" y="4846129"/>
+            <a:ext cx="925568" cy="160586"/>
+          </a:xfrm>
+          <a:prstGeom prst="bevel">
+            <a:avLst/>
+          </a:prstGeom>
+          <a:noFill/>
+          <a:ln w="9525" cap="flat" cmpd="sng" algn="ctr">
+            <a:solidFill>
+              <a:schemeClr val="accent3"/>
+            </a:solidFill>
+            <a:prstDash val="solid"/>
+            <a:round/>
+            <a:headEnd type="none" w="med" len="med"/>
+            <a:tailEnd type="none" w="med" len="med"/>
+          </a:ln>
+        </p:spPr>
+        <p:style>
+          <a:lnRef idx="0">
+            <a:scrgbClr r="0" g="0" b="0"/>
+          </a:lnRef>
+          <a:fillRef idx="0">
+            <a:scrgbClr r="0" g="0" b="0"/>
+          </a:fillRef>
+          <a:effectRef idx="0">
+            <a:scrgbClr r="0" g="0" b="0"/>
+          </a:effectRef>
+          <a:fontRef idx="minor">
+            <a:schemeClr val="accent3"/>
+          </a:fontRef>
+        </p:style>
+        <p:txBody>
+          <a:bodyPr rtlCol="0" anchor="ctr"/>
+          <a:lstStyle/>
+          <a:p>
+            <a:pPr algn="ctr"/>
+            <a:r>
+              <a:rPr lang="en-US" sz="700" dirty="0"/>
+              <a:t>Transfer &gt; CPU</a:t>
+            </a:r>
+          </a:p>
+        </p:txBody>
+      </p:sp>
+      <p:sp>
+        <p:nvSpPr>
+          <p:cNvPr id="152" name="Rectangle: Beveled 151">
+            <a:extLst>
+              <a:ext uri="{FF2B5EF4-FFF2-40B4-BE49-F238E27FC236}">
+                <a16:creationId xmlns:a16="http://schemas.microsoft.com/office/drawing/2014/main" id="{44CE5164-70D9-4F65-AC6B-BAFE8E464C36}"/>
+              </a:ext>
+            </a:extLst>
+          </p:cNvPr>
+          <p:cNvSpPr/>
+          <p:nvPr/>
+        </p:nvSpPr>
+        <p:spPr>
+          <a:xfrm>
+            <a:off x="8370485" y="5947727"/>
+            <a:ext cx="1028986" cy="160586"/>
+          </a:xfrm>
+          <a:prstGeom prst="bevel">
+            <a:avLst/>
+          </a:prstGeom>
+          <a:noFill/>
+          <a:ln w="9525" cap="flat" cmpd="sng" algn="ctr">
+            <a:solidFill>
+              <a:schemeClr val="accent3"/>
+            </a:solidFill>
+            <a:prstDash val="solid"/>
+            <a:round/>
+            <a:headEnd type="none" w="med" len="med"/>
+            <a:tailEnd type="none" w="med" len="med"/>
+          </a:ln>
+        </p:spPr>
+        <p:style>
+          <a:lnRef idx="0">
+            <a:scrgbClr r="0" g="0" b="0"/>
+          </a:lnRef>
+          <a:fillRef idx="0">
+            <a:scrgbClr r="0" g="0" b="0"/>
+          </a:fillRef>
+          <a:effectRef idx="0">
+            <a:scrgbClr r="0" g="0" b="0"/>
+          </a:effectRef>
+          <a:fontRef idx="minor">
+            <a:schemeClr val="accent3"/>
+          </a:fontRef>
+        </p:style>
+        <p:txBody>
+          <a:bodyPr rtlCol="0" anchor="ctr"/>
+          <a:lstStyle/>
+          <a:p>
+            <a:pPr algn="ctr"/>
+            <a:r>
+              <a:rPr lang="en-US" sz="700" dirty="0"/>
+              <a:t>Transfer &gt; GPU</a:t>
+            </a:r>
+          </a:p>
+        </p:txBody>
+      </p:sp>
+      <p:sp>
+        <p:nvSpPr>
+          <p:cNvPr id="153" name="Rectangle: Beveled 152">
+            <a:extLst>
+              <a:ext uri="{FF2B5EF4-FFF2-40B4-BE49-F238E27FC236}">
+                <a16:creationId xmlns:a16="http://schemas.microsoft.com/office/drawing/2014/main" id="{566F7014-FFD2-46FC-9999-9FE12A8D36CF}"/>
+              </a:ext>
+            </a:extLst>
+          </p:cNvPr>
+          <p:cNvSpPr/>
+          <p:nvPr/>
+        </p:nvSpPr>
+        <p:spPr>
+          <a:xfrm>
+            <a:off x="5755503" y="2210302"/>
+            <a:ext cx="393379" cy="184810"/>
+          </a:xfrm>
+          <a:prstGeom prst="bevel">
+            <a:avLst/>
+          </a:prstGeom>
+          <a:noFill/>
+          <a:ln w="9525" cap="flat" cmpd="sng" algn="ctr">
+            <a:solidFill>
+              <a:schemeClr val="accent2"/>
+            </a:solidFill>
+            <a:prstDash val="solid"/>
+            <a:round/>
+            <a:headEnd type="none" w="med" len="med"/>
+            <a:tailEnd type="none" w="med" len="med"/>
+          </a:ln>
+        </p:spPr>
+        <p:style>
+          <a:lnRef idx="0">
+            <a:scrgbClr r="0" g="0" b="0"/>
+          </a:lnRef>
+          <a:fillRef idx="0">
+            <a:scrgbClr r="0" g="0" b="0"/>
+          </a:fillRef>
+          <a:effectRef idx="0">
+            <a:scrgbClr r="0" g="0" b="0"/>
+          </a:effectRef>
+          <a:fontRef idx="minor">
+            <a:schemeClr val="accent2"/>
+          </a:fontRef>
+        </p:style>
+        <p:txBody>
+          <a:bodyPr rtlCol="0" anchor="ctr"/>
+          <a:lstStyle/>
+          <a:p>
+            <a:pPr algn="ctr"/>
+            <a:r>
+              <a:rPr lang="en-US" sz="700" dirty="0"/>
+              <a:t>GPU</a:t>
+            </a:r>
+          </a:p>
+        </p:txBody>
+      </p:sp>
+      <p:sp>
+        <p:nvSpPr>
+          <p:cNvPr id="154" name="Rectangle: Rounded Corners 153">
+            <a:extLst>
+              <a:ext uri="{FF2B5EF4-FFF2-40B4-BE49-F238E27FC236}">
+                <a16:creationId xmlns:a16="http://schemas.microsoft.com/office/drawing/2014/main" id="{BF133AAA-7BAC-4CDF-880D-6CD444AA411A}"/>
+              </a:ext>
+            </a:extLst>
+          </p:cNvPr>
+          <p:cNvSpPr/>
+          <p:nvPr/>
+        </p:nvSpPr>
+        <p:spPr>
+          <a:xfrm>
+            <a:off x="6440811" y="999439"/>
+            <a:ext cx="2998308" cy="1171313"/>
+          </a:xfrm>
+          <a:prstGeom prst="roundRect">
+            <a:avLst/>
+          </a:prstGeom>
+          <a:solidFill>
+            <a:srgbClr val="70AD47">
+              <a:alpha val="25098"/>
+            </a:srgbClr>
+          </a:solidFill>
+          <a:ln w="12700">
+            <a:solidFill>
+              <a:schemeClr val="tx1"/>
+            </a:solidFill>
+          </a:ln>
+        </p:spPr>
+        <p:style>
+          <a:lnRef idx="0">
+            <a:scrgbClr r="0" g="0" b="0"/>
+          </a:lnRef>
+          <a:fillRef idx="0">
+            <a:scrgbClr r="0" g="0" b="0"/>
+          </a:fillRef>
+          <a:effectRef idx="0">
+            <a:scrgbClr r="0" g="0" b="0"/>
+          </a:effectRef>
+          <a:fontRef idx="minor">
+            <a:schemeClr val="lt1"/>
+          </a:fontRef>
+        </p:style>
+        <p:txBody>
+          <a:bodyPr rtlCol="0" anchor="ctr"/>
+          <a:lstStyle/>
+          <a:p>
+            <a:pPr algn="ctr"/>
+            <a:endParaRPr lang="en-US"/>
+          </a:p>
+        </p:txBody>
+      </p:sp>
+      <p:sp>
+        <p:nvSpPr>
+          <p:cNvPr id="155" name="Rectangle: Rounded Corners 154">
+            <a:extLst>
+              <a:ext uri="{FF2B5EF4-FFF2-40B4-BE49-F238E27FC236}">
+                <a16:creationId xmlns:a16="http://schemas.microsoft.com/office/drawing/2014/main" id="{01B3C918-F086-4053-99A9-BB9ECD1E9B97}"/>
+              </a:ext>
+            </a:extLst>
+          </p:cNvPr>
+          <p:cNvSpPr/>
+          <p:nvPr/>
+        </p:nvSpPr>
+        <p:spPr>
+          <a:xfrm>
+            <a:off x="6781727" y="1859008"/>
+            <a:ext cx="1208433" cy="1171313"/>
+          </a:xfrm>
+          <a:prstGeom prst="roundRect">
+            <a:avLst/>
+          </a:prstGeom>
+          <a:solidFill>
+            <a:srgbClr val="70AD47">
+              <a:alpha val="25098"/>
+            </a:srgbClr>
+          </a:solidFill>
+          <a:ln w="12700">
+            <a:solidFill>
+              <a:schemeClr val="tx1"/>
+            </a:solidFill>
+          </a:ln>
+        </p:spPr>
+        <p:style>
+          <a:lnRef idx="0">
+            <a:scrgbClr r="0" g="0" b="0"/>
+          </a:lnRef>
+          <a:fillRef idx="0">
+            <a:scrgbClr r="0" g="0" b="0"/>
+          </a:fillRef>
+          <a:effectRef idx="0">
+            <a:scrgbClr r="0" g="0" b="0"/>
+          </a:effectRef>
+          <a:fontRef idx="minor">
+            <a:schemeClr val="lt1"/>
+          </a:fontRef>
+        </p:style>
+        <p:txBody>
+          <a:bodyPr rtlCol="0" anchor="ctr"/>
+          <a:lstStyle/>
+          <a:p>
+            <a:pPr algn="ctr"/>
+            <a:endParaRPr lang="en-US"/>
+          </a:p>
+        </p:txBody>
+      </p:sp>
+      <p:sp>
+        <p:nvSpPr>
+          <p:cNvPr id="159" name="Rectangle: Rounded Corners 158">
+            <a:extLst>
+              <a:ext uri="{FF2B5EF4-FFF2-40B4-BE49-F238E27FC236}">
+                <a16:creationId xmlns:a16="http://schemas.microsoft.com/office/drawing/2014/main" id="{15FB1366-EB94-43EE-918D-B28778F6DA00}"/>
+              </a:ext>
+            </a:extLst>
+          </p:cNvPr>
+          <p:cNvSpPr/>
+          <p:nvPr/>
+        </p:nvSpPr>
+        <p:spPr>
+          <a:xfrm>
+            <a:off x="10813107" y="1862634"/>
+            <a:ext cx="1208433" cy="800126"/>
+          </a:xfrm>
+          <a:prstGeom prst="roundRect">
+            <a:avLst/>
+          </a:prstGeom>
+          <a:solidFill>
+            <a:srgbClr val="70AD47">
+              <a:alpha val="25098"/>
+            </a:srgbClr>
+          </a:solidFill>
+          <a:ln w="12700">
+            <a:solidFill>
+              <a:schemeClr val="tx1"/>
+            </a:solidFill>
+          </a:ln>
+        </p:spPr>
+        <p:style>
+          <a:lnRef idx="0">
+            <a:scrgbClr r="0" g="0" b="0"/>
+          </a:lnRef>
+          <a:fillRef idx="0">
+            <a:scrgbClr r="0" g="0" b="0"/>
+          </a:fillRef>
+          <a:effectRef idx="0">
+            <a:scrgbClr r="0" g="0" b="0"/>
+          </a:effectRef>
+          <a:fontRef idx="minor">
+            <a:schemeClr val="lt1"/>
+          </a:fontRef>
+        </p:style>
+        <p:txBody>
+          <a:bodyPr rtlCol="0" anchor="ctr"/>
+          <a:lstStyle/>
+          <a:p>
+            <a:pPr algn="ctr"/>
+            <a:endParaRPr lang="en-US"/>
+          </a:p>
+        </p:txBody>
+      </p:sp>
+      <p:sp>
+        <p:nvSpPr>
+          <p:cNvPr id="160" name="Rectangle: Rounded Corners 159">
+            <a:extLst>
+              <a:ext uri="{FF2B5EF4-FFF2-40B4-BE49-F238E27FC236}">
+                <a16:creationId xmlns:a16="http://schemas.microsoft.com/office/drawing/2014/main" id="{2B83BA0B-E595-44A0-825B-C2C5922E0F91}"/>
+              </a:ext>
+            </a:extLst>
+          </p:cNvPr>
+          <p:cNvSpPr/>
+          <p:nvPr/>
+        </p:nvSpPr>
+        <p:spPr>
+          <a:xfrm>
+            <a:off x="7419378" y="4504848"/>
+            <a:ext cx="2038074" cy="1804491"/>
+          </a:xfrm>
+          <a:prstGeom prst="roundRect">
+            <a:avLst/>
+          </a:prstGeom>
+          <a:solidFill>
+            <a:srgbClr val="70AD47">
+              <a:alpha val="25098"/>
+            </a:srgbClr>
+          </a:solidFill>
+          <a:ln w="12700">
+            <a:solidFill>
+              <a:schemeClr val="tx1"/>
+            </a:solidFill>
+          </a:ln>
+        </p:spPr>
+        <p:style>
+          <a:lnRef idx="0">
+            <a:scrgbClr r="0" g="0" b="0"/>
+          </a:lnRef>
+          <a:fillRef idx="0">
+            <a:scrgbClr r="0" g="0" b="0"/>
+          </a:fillRef>
+          <a:effectRef idx="0">
+            <a:scrgbClr r="0" g="0" b="0"/>
+          </a:effectRef>
+          <a:fontRef idx="minor">
+            <a:schemeClr val="lt1"/>
+          </a:fontRef>
+        </p:style>
+        <p:txBody>
+          <a:bodyPr rtlCol="0" anchor="ctr"/>
+          <a:lstStyle/>
+          <a:p>
+            <a:pPr algn="ctr"/>
+            <a:endParaRPr lang="en-US"/>
+          </a:p>
+        </p:txBody>
+      </p:sp>
+      <p:sp>
+        <p:nvSpPr>
+          <p:cNvPr id="162" name="Rectangle: Rounded Corners 161">
+            <a:extLst>
+              <a:ext uri="{FF2B5EF4-FFF2-40B4-BE49-F238E27FC236}">
+                <a16:creationId xmlns:a16="http://schemas.microsoft.com/office/drawing/2014/main" id="{A1A71A1D-20C0-4A4A-A14C-305C71F3378B}"/>
+              </a:ext>
+            </a:extLst>
+          </p:cNvPr>
+          <p:cNvSpPr/>
+          <p:nvPr/>
+        </p:nvSpPr>
+        <p:spPr>
+          <a:xfrm>
+            <a:off x="9779334" y="2715305"/>
+            <a:ext cx="1854308" cy="1004123"/>
+          </a:xfrm>
+          <a:prstGeom prst="roundRect">
+            <a:avLst/>
+          </a:prstGeom>
+          <a:solidFill>
+            <a:srgbClr val="70AD47">
+              <a:alpha val="25098"/>
+            </a:srgbClr>
+          </a:solidFill>
+          <a:ln w="12700">
+            <a:solidFill>
+              <a:schemeClr val="tx1"/>
+            </a:solidFill>
+          </a:ln>
+        </p:spPr>
+        <p:style>
+          <a:lnRef idx="0">
+            <a:scrgbClr r="0" g="0" b="0"/>
+          </a:lnRef>
+          <a:fillRef idx="0">
+            <a:scrgbClr r="0" g="0" b="0"/>
+          </a:fillRef>
+          <a:effectRef idx="0">
+            <a:scrgbClr r="0" g="0" b="0"/>
+          </a:effectRef>
+          <a:fontRef idx="minor">
+            <a:schemeClr val="lt1"/>
+          </a:fontRef>
+        </p:style>
+        <p:txBody>
+          <a:bodyPr rtlCol="0" anchor="ctr"/>
+          <a:lstStyle/>
+          <a:p>
+            <a:pPr algn="ctr"/>
+            <a:endParaRPr lang="en-US"/>
+          </a:p>
+        </p:txBody>
+      </p:sp>
+      <p:sp>
+        <p:nvSpPr>
+          <p:cNvPr id="163" name="Rectangle: Rounded Corners 162">
+            <a:extLst>
+              <a:ext uri="{FF2B5EF4-FFF2-40B4-BE49-F238E27FC236}">
+                <a16:creationId xmlns:a16="http://schemas.microsoft.com/office/drawing/2014/main" id="{12A61E00-6FB8-4475-9B66-FDA163162CB6}"/>
+              </a:ext>
+            </a:extLst>
+          </p:cNvPr>
+          <p:cNvSpPr/>
+          <p:nvPr/>
+        </p:nvSpPr>
+        <p:spPr>
+          <a:xfrm>
+            <a:off x="7531768" y="2389343"/>
+            <a:ext cx="1208433" cy="1171313"/>
+          </a:xfrm>
+          <a:prstGeom prst="roundRect">
+            <a:avLst/>
+          </a:prstGeom>
+          <a:solidFill>
+            <a:srgbClr val="70AD47">
+              <a:alpha val="25098"/>
+            </a:srgbClr>
+          </a:solidFill>
+          <a:ln w="12700">
+            <a:solidFill>
+              <a:schemeClr val="tx1"/>
+            </a:solidFill>
+          </a:ln>
+        </p:spPr>
+        <p:style>
+          <a:lnRef idx="0">
+            <a:scrgbClr r="0" g="0" b="0"/>
+          </a:lnRef>
+          <a:fillRef idx="0">
+            <a:scrgbClr r="0" g="0" b="0"/>
+          </a:fillRef>
+          <a:effectRef idx="0">
+            <a:scrgbClr r="0" g="0" b="0"/>
+          </a:effectRef>
+          <a:fontRef idx="minor">
+            <a:schemeClr val="lt1"/>
+          </a:fontRef>
+        </p:style>
+        <p:txBody>
+          <a:bodyPr rtlCol="0" anchor="ctr"/>
+          <a:lstStyle/>
+          <a:p>
+            <a:pPr algn="ctr"/>
+            <a:endParaRPr lang="en-US"/>
+          </a:p>
+        </p:txBody>
+      </p:sp>
+    </p:spTree>
+    <p:extLst>
+      <p:ext uri="{BB962C8B-B14F-4D97-AF65-F5344CB8AC3E}">
+        <p14:creationId xmlns:p14="http://schemas.microsoft.com/office/powerpoint/2010/main" val="1161668972"/>
       </p:ext>
     </p:extLst>
   </p:cSld>
